--- a/Requerimiento_Presentacion1.pptx
+++ b/Requerimiento_Presentacion1.pptx
@@ -9,32 +9,33 @@
     <p:sldId id="261" r:id="rId3"/>
     <p:sldId id="260" r:id="rId4"/>
     <p:sldId id="264" r:id="rId5"/>
-    <p:sldId id="272" r:id="rId6"/>
-    <p:sldId id="262" r:id="rId7"/>
-    <p:sldId id="291" r:id="rId8"/>
-    <p:sldId id="265" r:id="rId9"/>
-    <p:sldId id="276" r:id="rId10"/>
-    <p:sldId id="277" r:id="rId11"/>
-    <p:sldId id="278" r:id="rId12"/>
-    <p:sldId id="279" r:id="rId13"/>
-    <p:sldId id="266" r:id="rId14"/>
-    <p:sldId id="267" r:id="rId15"/>
-    <p:sldId id="268" r:id="rId16"/>
-    <p:sldId id="269" r:id="rId17"/>
-    <p:sldId id="270" r:id="rId18"/>
-    <p:sldId id="285" r:id="rId19"/>
-    <p:sldId id="284" r:id="rId20"/>
-    <p:sldId id="280" r:id="rId21"/>
-    <p:sldId id="289" r:id="rId22"/>
-    <p:sldId id="290" r:id="rId23"/>
-    <p:sldId id="287" r:id="rId24"/>
-    <p:sldId id="288" r:id="rId25"/>
-    <p:sldId id="282" r:id="rId26"/>
-    <p:sldId id="281" r:id="rId27"/>
-    <p:sldId id="273" r:id="rId28"/>
-    <p:sldId id="275" r:id="rId29"/>
-    <p:sldId id="274" r:id="rId30"/>
-    <p:sldId id="283" r:id="rId31"/>
+    <p:sldId id="262" r:id="rId6"/>
+    <p:sldId id="291" r:id="rId7"/>
+    <p:sldId id="272" r:id="rId8"/>
+    <p:sldId id="292" r:id="rId9"/>
+    <p:sldId id="265" r:id="rId10"/>
+    <p:sldId id="276" r:id="rId11"/>
+    <p:sldId id="277" r:id="rId12"/>
+    <p:sldId id="278" r:id="rId13"/>
+    <p:sldId id="279" r:id="rId14"/>
+    <p:sldId id="266" r:id="rId15"/>
+    <p:sldId id="267" r:id="rId16"/>
+    <p:sldId id="268" r:id="rId17"/>
+    <p:sldId id="269" r:id="rId18"/>
+    <p:sldId id="270" r:id="rId19"/>
+    <p:sldId id="285" r:id="rId20"/>
+    <p:sldId id="284" r:id="rId21"/>
+    <p:sldId id="280" r:id="rId22"/>
+    <p:sldId id="289" r:id="rId23"/>
+    <p:sldId id="290" r:id="rId24"/>
+    <p:sldId id="287" r:id="rId25"/>
+    <p:sldId id="288" r:id="rId26"/>
+    <p:sldId id="282" r:id="rId27"/>
+    <p:sldId id="281" r:id="rId28"/>
+    <p:sldId id="273" r:id="rId29"/>
+    <p:sldId id="275" r:id="rId30"/>
+    <p:sldId id="274" r:id="rId31"/>
+    <p:sldId id="283" r:id="rId32"/>
   </p:sldIdLst>
   <p:sldSz cx="12192000" cy="6858000"/>
   <p:notesSz cx="6858000" cy="9144000"/>
@@ -133,6 +134,11 @@
       </a:defRPr>
     </a:lvl9pPr>
   </p:defaultTextStyle>
+  <p:extLst>
+    <p:ext uri="{EFAFB233-063F-42B5-8137-9DF3F51BA10A}">
+      <p15:sldGuideLst xmlns:p15="http://schemas.microsoft.com/office/powerpoint/2012/main"/>
+    </p:ext>
+  </p:extLst>
 </p:presentation>
 </file>
 
@@ -3635,7 +3641,7 @@
         </p:spPr>
         <p:txBody>
           <a:bodyPr>
-            <a:normAutofit fontScale="85000" lnSpcReduction="10000"/>
+            <a:normAutofit fontScale="92500"/>
           </a:bodyPr>
           <a:lstStyle/>
           <a:p>
@@ -3646,7 +3652,7 @@
                   <a:srgbClr val="FFC000"/>
                 </a:solidFill>
               </a:rPr>
-              <a:t>Sub-Proceso Inscripción:</a:t>
+              <a:t>Proceso Matrícula Web:</a:t>
             </a:r>
           </a:p>
         </p:txBody>
@@ -3911,10 +3917,10 @@
       </p:pic>
       <p:pic>
         <p:nvPicPr>
-          <p:cNvPr id="11" name="picture">
-            <a:extLst>
-              <a:ext uri="{FF2B5EF4-FFF2-40B4-BE49-F238E27FC236}">
-                <a16:creationId xmlns:a16="http://schemas.microsoft.com/office/drawing/2014/main" id="{2369CA15-4E93-43B8-8858-842C2F311607}"/>
+          <p:cNvPr id="10" name="picture">
+            <a:extLst>
+              <a:ext uri="{FF2B5EF4-FFF2-40B4-BE49-F238E27FC236}">
+                <a16:creationId xmlns:a16="http://schemas.microsoft.com/office/drawing/2014/main" id="{E0A4EF7A-0477-4187-B3D4-6C1631A0622A}"/>
               </a:ext>
             </a:extLst>
           </p:cNvPr>
@@ -3935,8 +3941,8 @@
         </p:blipFill>
         <p:spPr>
           <a:xfrm>
-            <a:off x="1479040" y="2080660"/>
-            <a:ext cx="8745615" cy="4638796"/>
+            <a:off x="1228584" y="2354361"/>
+            <a:ext cx="9268693" cy="3395276"/>
           </a:xfrm>
           <a:prstGeom prst="rect">
             <a:avLst/>
@@ -3946,7 +3952,7 @@
     </p:spTree>
     <p:extLst>
       <p:ext uri="{BB962C8B-B14F-4D97-AF65-F5344CB8AC3E}">
-        <p14:creationId xmlns:p14="http://schemas.microsoft.com/office/powerpoint/2010/main" val="4014590523"/>
+        <p14:creationId xmlns:p14="http://schemas.microsoft.com/office/powerpoint/2010/main" val="4184352117"/>
       </p:ext>
     </p:extLst>
   </p:cSld>
@@ -4099,7 +4105,7 @@
         </p:spPr>
         <p:txBody>
           <a:bodyPr>
-            <a:normAutofit/>
+            <a:normAutofit fontScale="85000" lnSpcReduction="10000"/>
           </a:bodyPr>
           <a:lstStyle/>
           <a:p>
@@ -4110,7 +4116,7 @@
                   <a:srgbClr val="FFC000"/>
                 </a:solidFill>
               </a:rPr>
-              <a:t>Sub-Proceso Pago:</a:t>
+              <a:t>Sub-Proceso Inscripción:</a:t>
             </a:r>
           </a:p>
         </p:txBody>
@@ -4375,43 +4381,42 @@
       </p:pic>
       <p:pic>
         <p:nvPicPr>
-          <p:cNvPr id="11" name="Imagen 10">
-            <a:extLst>
-              <a:ext uri="{FF2B5EF4-FFF2-40B4-BE49-F238E27FC236}">
-                <a16:creationId xmlns:a16="http://schemas.microsoft.com/office/drawing/2014/main" id="{057D3E9E-87B4-4057-9514-0F95852792E5}"/>
+          <p:cNvPr id="11" name="picture">
+            <a:extLst>
+              <a:ext uri="{FF2B5EF4-FFF2-40B4-BE49-F238E27FC236}">
+                <a16:creationId xmlns:a16="http://schemas.microsoft.com/office/drawing/2014/main" id="{2369CA15-4E93-43B8-8858-842C2F311607}"/>
               </a:ext>
             </a:extLst>
           </p:cNvPr>
           <p:cNvPicPr/>
           <p:nvPr/>
         </p:nvPicPr>
-        <p:blipFill rotWithShape="1">
-          <a:blip r:embed="rId5"/>
-          <a:srcRect b="10967"/>
-          <a:stretch/>
+        <p:blipFill>
+          <a:blip r:embed="rId5">
+            <a:extLst>
+              <a:ext uri="{28A0092B-C50C-407E-A947-70E740481C1C}">
+                <a14:useLocalDpi xmlns:a14="http://schemas.microsoft.com/office/drawing/2010/main" val="0"/>
+              </a:ext>
+            </a:extLst>
+          </a:blip>
+          <a:stretch>
+            <a:fillRect/>
+          </a:stretch>
         </p:blipFill>
-        <p:spPr bwMode="auto">
-          <a:xfrm>
-            <a:off x="1444267" y="2080659"/>
-            <a:ext cx="9099042" cy="4451807"/>
+        <p:spPr>
+          <a:xfrm>
+            <a:off x="1479040" y="2080660"/>
+            <a:ext cx="8745615" cy="4638796"/>
           </a:xfrm>
           <a:prstGeom prst="rect">
             <a:avLst/>
           </a:prstGeom>
-          <a:ln>
-            <a:noFill/>
-          </a:ln>
-          <a:extLst>
-            <a:ext uri="{53640926-AAD7-44D8-BBD7-CCE9431645EC}">
-              <a14:shadowObscured xmlns:a14="http://schemas.microsoft.com/office/drawing/2010/main"/>
-            </a:ext>
-          </a:extLst>
         </p:spPr>
       </p:pic>
     </p:spTree>
     <p:extLst>
       <p:ext uri="{BB962C8B-B14F-4D97-AF65-F5344CB8AC3E}">
-        <p14:creationId xmlns:p14="http://schemas.microsoft.com/office/powerpoint/2010/main" val="4106702204"/>
+        <p14:creationId xmlns:p14="http://schemas.microsoft.com/office/powerpoint/2010/main" val="4014590523"/>
       </p:ext>
     </p:extLst>
   </p:cSld>
@@ -4564,7 +4569,7 @@
         </p:spPr>
         <p:txBody>
           <a:bodyPr>
-            <a:normAutofit fontScale="92500"/>
+            <a:normAutofit/>
           </a:bodyPr>
           <a:lstStyle/>
           <a:p>
@@ -4575,7 +4580,7 @@
                   <a:srgbClr val="FFC000"/>
                 </a:solidFill>
               </a:rPr>
-              <a:t>Sub-Proceso Matrícula:</a:t>
+              <a:t>Sub-Proceso Pago:</a:t>
             </a:r>
           </a:p>
         </p:txBody>
@@ -4840,42 +4845,43 @@
       </p:pic>
       <p:pic>
         <p:nvPicPr>
-          <p:cNvPr id="12" name="picture">
-            <a:extLst>
-              <a:ext uri="{FF2B5EF4-FFF2-40B4-BE49-F238E27FC236}">
-                <a16:creationId xmlns:a16="http://schemas.microsoft.com/office/drawing/2014/main" id="{7BA5F374-4A1C-4535-B655-F5A8E77318A9}"/>
+          <p:cNvPr id="11" name="Imagen 10">
+            <a:extLst>
+              <a:ext uri="{FF2B5EF4-FFF2-40B4-BE49-F238E27FC236}">
+                <a16:creationId xmlns:a16="http://schemas.microsoft.com/office/drawing/2014/main" id="{057D3E9E-87B4-4057-9514-0F95852792E5}"/>
               </a:ext>
             </a:extLst>
           </p:cNvPr>
           <p:cNvPicPr/>
           <p:nvPr/>
         </p:nvPicPr>
-        <p:blipFill>
-          <a:blip r:embed="rId5">
-            <a:extLst>
-              <a:ext uri="{28A0092B-C50C-407E-A947-70E740481C1C}">
-                <a14:useLocalDpi xmlns:a14="http://schemas.microsoft.com/office/drawing/2010/main" val="0"/>
-              </a:ext>
-            </a:extLst>
-          </a:blip>
-          <a:stretch>
-            <a:fillRect/>
-          </a:stretch>
+        <p:blipFill rotWithShape="1">
+          <a:blip r:embed="rId5"/>
+          <a:srcRect b="10967"/>
+          <a:stretch/>
         </p:blipFill>
-        <p:spPr>
-          <a:xfrm>
-            <a:off x="1608426" y="2097262"/>
-            <a:ext cx="8546956" cy="4649902"/>
+        <p:spPr bwMode="auto">
+          <a:xfrm>
+            <a:off x="1444267" y="2080659"/>
+            <a:ext cx="9099042" cy="4451807"/>
           </a:xfrm>
           <a:prstGeom prst="rect">
             <a:avLst/>
           </a:prstGeom>
+          <a:ln>
+            <a:noFill/>
+          </a:ln>
+          <a:extLst>
+            <a:ext uri="{53640926-AAD7-44D8-BBD7-CCE9431645EC}">
+              <a14:shadowObscured xmlns:a14="http://schemas.microsoft.com/office/drawing/2010/main"/>
+            </a:ext>
+          </a:extLst>
         </p:spPr>
       </p:pic>
     </p:spTree>
     <p:extLst>
       <p:ext uri="{BB962C8B-B14F-4D97-AF65-F5344CB8AC3E}">
-        <p14:creationId xmlns:p14="http://schemas.microsoft.com/office/powerpoint/2010/main" val="1225660181"/>
+        <p14:creationId xmlns:p14="http://schemas.microsoft.com/office/powerpoint/2010/main" val="4106702204"/>
       </p:ext>
     </p:extLst>
   </p:cSld>
@@ -5022,13 +5028,13 @@
         </p:nvSpPr>
         <p:spPr>
           <a:xfrm>
-            <a:off x="1135067" y="1482997"/>
-            <a:ext cx="9577893" cy="635253"/>
+            <a:off x="1444267" y="1445406"/>
+            <a:ext cx="4305369" cy="635253"/>
           </a:xfrm>
         </p:spPr>
         <p:txBody>
           <a:bodyPr>
-            <a:normAutofit/>
+            <a:normAutofit fontScale="92500"/>
           </a:bodyPr>
           <a:lstStyle/>
           <a:p>
@@ -5039,7 +5045,7 @@
                   <a:srgbClr val="FFC000"/>
                 </a:solidFill>
               </a:rPr>
-              <a:t>Especificación de Actores del Negocio</a:t>
+              <a:t>Sub-Proceso Matrícula:</a:t>
             </a:r>
           </a:p>
         </p:txBody>
@@ -5146,7 +5152,7 @@
                   <a:srgbClr val="002060"/>
                 </a:solidFill>
               </a:rPr>
-              <a:t>Modelo de caso de uso del negocio</a:t>
+              <a:t>Procesos del negocio</a:t>
             </a:r>
             <a:endParaRPr lang="es-PE" sz="3200" dirty="0">
               <a:solidFill>
@@ -5304,28 +5310,32 @@
       </p:pic>
       <p:pic>
         <p:nvPicPr>
-          <p:cNvPr id="7" name="Imagen 6">
-            <a:extLst>
-              <a:ext uri="{FF2B5EF4-FFF2-40B4-BE49-F238E27FC236}">
-                <a16:creationId xmlns:a16="http://schemas.microsoft.com/office/drawing/2014/main" id="{3389A85D-F78D-4773-974B-F3763996E9FA}"/>
-              </a:ext>
-            </a:extLst>
-          </p:cNvPr>
-          <p:cNvPicPr>
-            <a:picLocks noChangeAspect="1"/>
-          </p:cNvPicPr>
+          <p:cNvPr id="12" name="picture">
+            <a:extLst>
+              <a:ext uri="{FF2B5EF4-FFF2-40B4-BE49-F238E27FC236}">
+                <a16:creationId xmlns:a16="http://schemas.microsoft.com/office/drawing/2014/main" id="{7BA5F374-4A1C-4535-B655-F5A8E77318A9}"/>
+              </a:ext>
+            </a:extLst>
+          </p:cNvPr>
+          <p:cNvPicPr/>
           <p:nvPr/>
         </p:nvPicPr>
         <p:blipFill>
-          <a:blip r:embed="rId5"/>
+          <a:blip r:embed="rId5">
+            <a:extLst>
+              <a:ext uri="{28A0092B-C50C-407E-A947-70E740481C1C}">
+                <a14:useLocalDpi xmlns:a14="http://schemas.microsoft.com/office/drawing/2010/main" val="0"/>
+              </a:ext>
+            </a:extLst>
+          </a:blip>
           <a:stretch>
             <a:fillRect/>
           </a:stretch>
         </p:blipFill>
         <p:spPr>
           <a:xfrm>
-            <a:off x="1620289" y="2308839"/>
-            <a:ext cx="6269193" cy="2430911"/>
+            <a:off x="1608426" y="2097262"/>
+            <a:ext cx="8546956" cy="4649902"/>
           </a:xfrm>
           <a:prstGeom prst="rect">
             <a:avLst/>
@@ -5335,7 +5345,7 @@
     </p:spTree>
     <p:extLst>
       <p:ext uri="{BB962C8B-B14F-4D97-AF65-F5344CB8AC3E}">
-        <p14:creationId xmlns:p14="http://schemas.microsoft.com/office/powerpoint/2010/main" val="79317747"/>
+        <p14:creationId xmlns:p14="http://schemas.microsoft.com/office/powerpoint/2010/main" val="1225660181"/>
       </p:ext>
     </p:extLst>
   </p:cSld>
@@ -5499,7 +5509,7 @@
                   <a:srgbClr val="FFC000"/>
                 </a:solidFill>
               </a:rPr>
-              <a:t>Diagrama de Casos de Uso del Negocio </a:t>
+              <a:t>Especificación de Actores del Negocio</a:t>
             </a:r>
           </a:p>
         </p:txBody>
@@ -5767,7 +5777,7 @@
           <p:cNvPr id="7" name="Imagen 6">
             <a:extLst>
               <a:ext uri="{FF2B5EF4-FFF2-40B4-BE49-F238E27FC236}">
-                <a16:creationId xmlns:a16="http://schemas.microsoft.com/office/drawing/2014/main" id="{8EC9ADE2-7F89-40C2-B65B-996BE6C47A57}"/>
+                <a16:creationId xmlns:a16="http://schemas.microsoft.com/office/drawing/2014/main" id="{3389A85D-F78D-4773-974B-F3763996E9FA}"/>
               </a:ext>
             </a:extLst>
           </p:cNvPr>
@@ -5784,223 +5794,18 @@
         </p:blipFill>
         <p:spPr>
           <a:xfrm>
-            <a:off x="1920463" y="2265152"/>
-            <a:ext cx="4942857" cy="4419048"/>
+            <a:off x="1620289" y="2308839"/>
+            <a:ext cx="6269193" cy="2430911"/>
           </a:xfrm>
           <a:prstGeom prst="rect">
             <a:avLst/>
           </a:prstGeom>
         </p:spPr>
       </p:pic>
-      <p:sp>
-        <p:nvSpPr>
-          <p:cNvPr id="11" name="Marcador de contenido 2">
-            <a:extLst>
-              <a:ext uri="{FF2B5EF4-FFF2-40B4-BE49-F238E27FC236}">
-                <a16:creationId xmlns:a16="http://schemas.microsoft.com/office/drawing/2014/main" id="{6BA64A64-77C3-45B5-A333-C84CC38FCAAA}"/>
-              </a:ext>
-            </a:extLst>
-          </p:cNvPr>
-          <p:cNvSpPr txBox="1">
-            <a:spLocks/>
-          </p:cNvSpPr>
-          <p:nvPr/>
-        </p:nvSpPr>
-        <p:spPr>
-          <a:xfrm>
-            <a:off x="7023938" y="2998794"/>
-            <a:ext cx="4281371" cy="1877235"/>
-          </a:xfrm>
-          <a:prstGeom prst="rect">
-            <a:avLst/>
-          </a:prstGeom>
-        </p:spPr>
-        <p:txBody>
-          <a:bodyPr vert="horz" lIns="91440" tIns="45720" rIns="91440" bIns="45720" rtlCol="0">
-            <a:normAutofit fontScale="85000" lnSpcReduction="10000"/>
-          </a:bodyPr>
-          <a:lstStyle>
-            <a:lvl1pPr marL="342900" indent="-342900" algn="l" defTabSz="914400" rtl="0" eaLnBrk="1" latinLnBrk="0" hangingPunct="1">
-              <a:spcBef>
-                <a:spcPct val="20000"/>
-              </a:spcBef>
-              <a:buFont typeface="Arial" pitchFamily="34" charset="0"/>
-              <a:buChar char="•"/>
-              <a:defRPr sz="3200" kern="1200">
-                <a:solidFill>
-                  <a:schemeClr val="tx1"/>
-                </a:solidFill>
-                <a:latin typeface="+mn-lt"/>
-                <a:ea typeface="+mn-ea"/>
-                <a:cs typeface="+mn-cs"/>
-              </a:defRPr>
-            </a:lvl1pPr>
-            <a:lvl2pPr marL="742950" indent="-285750" algn="l" defTabSz="914400" rtl="0" eaLnBrk="1" latinLnBrk="0" hangingPunct="1">
-              <a:spcBef>
-                <a:spcPct val="20000"/>
-              </a:spcBef>
-              <a:buFont typeface="Arial" pitchFamily="34" charset="0"/>
-              <a:buChar char="–"/>
-              <a:defRPr sz="2800" kern="1200">
-                <a:solidFill>
-                  <a:schemeClr val="tx1"/>
-                </a:solidFill>
-                <a:latin typeface="+mn-lt"/>
-                <a:ea typeface="+mn-ea"/>
-                <a:cs typeface="+mn-cs"/>
-              </a:defRPr>
-            </a:lvl2pPr>
-            <a:lvl3pPr marL="1143000" indent="-228600" algn="l" defTabSz="914400" rtl="0" eaLnBrk="1" latinLnBrk="0" hangingPunct="1">
-              <a:spcBef>
-                <a:spcPct val="20000"/>
-              </a:spcBef>
-              <a:buFont typeface="Arial" pitchFamily="34" charset="0"/>
-              <a:buChar char="•"/>
-              <a:defRPr sz="2400" kern="1200">
-                <a:solidFill>
-                  <a:schemeClr val="tx1"/>
-                </a:solidFill>
-                <a:latin typeface="+mn-lt"/>
-                <a:ea typeface="+mn-ea"/>
-                <a:cs typeface="+mn-cs"/>
-              </a:defRPr>
-            </a:lvl3pPr>
-            <a:lvl4pPr marL="1600200" indent="-228600" algn="l" defTabSz="914400" rtl="0" eaLnBrk="1" latinLnBrk="0" hangingPunct="1">
-              <a:spcBef>
-                <a:spcPct val="20000"/>
-              </a:spcBef>
-              <a:buFont typeface="Arial" pitchFamily="34" charset="0"/>
-              <a:buChar char="–"/>
-              <a:defRPr sz="2000" kern="1200">
-                <a:solidFill>
-                  <a:schemeClr val="tx1"/>
-                </a:solidFill>
-                <a:latin typeface="+mn-lt"/>
-                <a:ea typeface="+mn-ea"/>
-                <a:cs typeface="+mn-cs"/>
-              </a:defRPr>
-            </a:lvl4pPr>
-            <a:lvl5pPr marL="2057400" indent="-228600" algn="l" defTabSz="914400" rtl="0" eaLnBrk="1" latinLnBrk="0" hangingPunct="1">
-              <a:spcBef>
-                <a:spcPct val="20000"/>
-              </a:spcBef>
-              <a:buFont typeface="Arial" pitchFamily="34" charset="0"/>
-              <a:buChar char="»"/>
-              <a:defRPr sz="2000" kern="1200">
-                <a:solidFill>
-                  <a:schemeClr val="tx1"/>
-                </a:solidFill>
-                <a:latin typeface="+mn-lt"/>
-                <a:ea typeface="+mn-ea"/>
-                <a:cs typeface="+mn-cs"/>
-              </a:defRPr>
-            </a:lvl5pPr>
-            <a:lvl6pPr marL="2514600" indent="-228600" algn="l" defTabSz="914400" rtl="0" eaLnBrk="1" latinLnBrk="0" hangingPunct="1">
-              <a:spcBef>
-                <a:spcPct val="20000"/>
-              </a:spcBef>
-              <a:buFont typeface="Arial" pitchFamily="34" charset="0"/>
-              <a:buChar char="•"/>
-              <a:defRPr sz="2000" kern="1200">
-                <a:solidFill>
-                  <a:schemeClr val="tx1"/>
-                </a:solidFill>
-                <a:latin typeface="+mn-lt"/>
-                <a:ea typeface="+mn-ea"/>
-                <a:cs typeface="+mn-cs"/>
-              </a:defRPr>
-            </a:lvl6pPr>
-            <a:lvl7pPr marL="2971800" indent="-228600" algn="l" defTabSz="914400" rtl="0" eaLnBrk="1" latinLnBrk="0" hangingPunct="1">
-              <a:spcBef>
-                <a:spcPct val="20000"/>
-              </a:spcBef>
-              <a:buFont typeface="Arial" pitchFamily="34" charset="0"/>
-              <a:buChar char="•"/>
-              <a:defRPr sz="2000" kern="1200">
-                <a:solidFill>
-                  <a:schemeClr val="tx1"/>
-                </a:solidFill>
-                <a:latin typeface="+mn-lt"/>
-                <a:ea typeface="+mn-ea"/>
-                <a:cs typeface="+mn-cs"/>
-              </a:defRPr>
-            </a:lvl7pPr>
-            <a:lvl8pPr marL="3429000" indent="-228600" algn="l" defTabSz="914400" rtl="0" eaLnBrk="1" latinLnBrk="0" hangingPunct="1">
-              <a:spcBef>
-                <a:spcPct val="20000"/>
-              </a:spcBef>
-              <a:buFont typeface="Arial" pitchFamily="34" charset="0"/>
-              <a:buChar char="•"/>
-              <a:defRPr sz="2000" kern="1200">
-                <a:solidFill>
-                  <a:schemeClr val="tx1"/>
-                </a:solidFill>
-                <a:latin typeface="+mn-lt"/>
-                <a:ea typeface="+mn-ea"/>
-                <a:cs typeface="+mn-cs"/>
-              </a:defRPr>
-            </a:lvl8pPr>
-            <a:lvl9pPr marL="3886200" indent="-228600" algn="l" defTabSz="914400" rtl="0" eaLnBrk="1" latinLnBrk="0" hangingPunct="1">
-              <a:spcBef>
-                <a:spcPct val="20000"/>
-              </a:spcBef>
-              <a:buFont typeface="Arial" pitchFamily="34" charset="0"/>
-              <a:buChar char="•"/>
-              <a:defRPr sz="2000" kern="1200">
-                <a:solidFill>
-                  <a:schemeClr val="tx1"/>
-                </a:solidFill>
-                <a:latin typeface="+mn-lt"/>
-                <a:ea typeface="+mn-ea"/>
-                <a:cs typeface="+mn-cs"/>
-              </a:defRPr>
-            </a:lvl9pPr>
-          </a:lstStyle>
-          <a:p>
-            <a:pPr marL="0" indent="0">
-              <a:buNone/>
-            </a:pPr>
-            <a:r>
-              <a:rPr lang="es-PE" dirty="0">
-                <a:solidFill>
-                  <a:schemeClr val="bg1"/>
-                </a:solidFill>
-              </a:rPr>
-              <a:t>1.CUN 1: Genera Inscripción</a:t>
-            </a:r>
-          </a:p>
-          <a:p>
-            <a:pPr marL="0" indent="0">
-              <a:buNone/>
-            </a:pPr>
-            <a:r>
-              <a:rPr lang="es-PE" dirty="0">
-                <a:solidFill>
-                  <a:schemeClr val="bg1"/>
-                </a:solidFill>
-              </a:rPr>
-              <a:t>2.CUN2: Realiza Pago</a:t>
-            </a:r>
-          </a:p>
-          <a:p>
-            <a:pPr marL="0" indent="0">
-              <a:buNone/>
-            </a:pPr>
-            <a:r>
-              <a:rPr lang="es-PE" dirty="0">
-                <a:solidFill>
-                  <a:schemeClr val="bg1"/>
-                </a:solidFill>
-              </a:rPr>
-              <a:t>3.CUN3: Registra Matricula</a:t>
-            </a:r>
-          </a:p>
-        </p:txBody>
-      </p:sp>
     </p:spTree>
     <p:extLst>
       <p:ext uri="{BB962C8B-B14F-4D97-AF65-F5344CB8AC3E}">
-        <p14:creationId xmlns:p14="http://schemas.microsoft.com/office/powerpoint/2010/main" val="1788085023"/>
+        <p14:creationId xmlns:p14="http://schemas.microsoft.com/office/powerpoint/2010/main" val="79317747"/>
       </p:ext>
     </p:extLst>
   </p:cSld>
@@ -6088,7 +5893,7 @@
         </p:nvSpPr>
         <p:spPr>
           <a:xfrm>
-            <a:off x="17609" y="0"/>
+            <a:off x="0" y="-16603"/>
             <a:ext cx="12192000" cy="7039708"/>
           </a:xfrm>
           <a:prstGeom prst="rect">
@@ -6164,7 +5969,7 @@
                   <a:srgbClr val="FFC000"/>
                 </a:solidFill>
               </a:rPr>
-              <a:t>Especificación de trabajadores del Negocio</a:t>
+              <a:t>Diagrama de Casos de Uso del Negocio </a:t>
             </a:r>
           </a:p>
         </p:txBody>
@@ -6271,7 +6076,7 @@
                   <a:srgbClr val="002060"/>
                 </a:solidFill>
               </a:rPr>
-              <a:t>Modelo de análisis del negocio </a:t>
+              <a:t>Modelo de caso de uso del negocio</a:t>
             </a:r>
             <a:endParaRPr lang="es-PE" sz="3200" dirty="0">
               <a:solidFill>
@@ -6432,7 +6237,7 @@
           <p:cNvPr id="7" name="Imagen 6">
             <a:extLst>
               <a:ext uri="{FF2B5EF4-FFF2-40B4-BE49-F238E27FC236}">
-                <a16:creationId xmlns:a16="http://schemas.microsoft.com/office/drawing/2014/main" id="{5D5063EF-1FBB-4750-8156-BA3E10D15DAE}"/>
+                <a16:creationId xmlns:a16="http://schemas.microsoft.com/office/drawing/2014/main" id="{8EC9ADE2-7F89-40C2-B65B-996BE6C47A57}"/>
               </a:ext>
             </a:extLst>
           </p:cNvPr>
@@ -6449,18 +6254,223 @@
         </p:blipFill>
         <p:spPr>
           <a:xfrm>
-            <a:off x="1993069" y="2209952"/>
-            <a:ext cx="6804871" cy="2874666"/>
+            <a:off x="1920463" y="2265152"/>
+            <a:ext cx="4942857" cy="4419048"/>
           </a:xfrm>
           <a:prstGeom prst="rect">
             <a:avLst/>
           </a:prstGeom>
         </p:spPr>
       </p:pic>
+      <p:sp>
+        <p:nvSpPr>
+          <p:cNvPr id="11" name="Marcador de contenido 2">
+            <a:extLst>
+              <a:ext uri="{FF2B5EF4-FFF2-40B4-BE49-F238E27FC236}">
+                <a16:creationId xmlns:a16="http://schemas.microsoft.com/office/drawing/2014/main" id="{6BA64A64-77C3-45B5-A333-C84CC38FCAAA}"/>
+              </a:ext>
+            </a:extLst>
+          </p:cNvPr>
+          <p:cNvSpPr txBox="1">
+            <a:spLocks/>
+          </p:cNvSpPr>
+          <p:nvPr/>
+        </p:nvSpPr>
+        <p:spPr>
+          <a:xfrm>
+            <a:off x="7023938" y="2998794"/>
+            <a:ext cx="4281371" cy="1877235"/>
+          </a:xfrm>
+          <a:prstGeom prst="rect">
+            <a:avLst/>
+          </a:prstGeom>
+        </p:spPr>
+        <p:txBody>
+          <a:bodyPr vert="horz" lIns="91440" tIns="45720" rIns="91440" bIns="45720" rtlCol="0">
+            <a:normAutofit fontScale="85000" lnSpcReduction="10000"/>
+          </a:bodyPr>
+          <a:lstStyle>
+            <a:lvl1pPr marL="342900" indent="-342900" algn="l" defTabSz="914400" rtl="0" eaLnBrk="1" latinLnBrk="0" hangingPunct="1">
+              <a:spcBef>
+                <a:spcPct val="20000"/>
+              </a:spcBef>
+              <a:buFont typeface="Arial" pitchFamily="34" charset="0"/>
+              <a:buChar char="•"/>
+              <a:defRPr sz="3200" kern="1200">
+                <a:solidFill>
+                  <a:schemeClr val="tx1"/>
+                </a:solidFill>
+                <a:latin typeface="+mn-lt"/>
+                <a:ea typeface="+mn-ea"/>
+                <a:cs typeface="+mn-cs"/>
+              </a:defRPr>
+            </a:lvl1pPr>
+            <a:lvl2pPr marL="742950" indent="-285750" algn="l" defTabSz="914400" rtl="0" eaLnBrk="1" latinLnBrk="0" hangingPunct="1">
+              <a:spcBef>
+                <a:spcPct val="20000"/>
+              </a:spcBef>
+              <a:buFont typeface="Arial" pitchFamily="34" charset="0"/>
+              <a:buChar char="–"/>
+              <a:defRPr sz="2800" kern="1200">
+                <a:solidFill>
+                  <a:schemeClr val="tx1"/>
+                </a:solidFill>
+                <a:latin typeface="+mn-lt"/>
+                <a:ea typeface="+mn-ea"/>
+                <a:cs typeface="+mn-cs"/>
+              </a:defRPr>
+            </a:lvl2pPr>
+            <a:lvl3pPr marL="1143000" indent="-228600" algn="l" defTabSz="914400" rtl="0" eaLnBrk="1" latinLnBrk="0" hangingPunct="1">
+              <a:spcBef>
+                <a:spcPct val="20000"/>
+              </a:spcBef>
+              <a:buFont typeface="Arial" pitchFamily="34" charset="0"/>
+              <a:buChar char="•"/>
+              <a:defRPr sz="2400" kern="1200">
+                <a:solidFill>
+                  <a:schemeClr val="tx1"/>
+                </a:solidFill>
+                <a:latin typeface="+mn-lt"/>
+                <a:ea typeface="+mn-ea"/>
+                <a:cs typeface="+mn-cs"/>
+              </a:defRPr>
+            </a:lvl3pPr>
+            <a:lvl4pPr marL="1600200" indent="-228600" algn="l" defTabSz="914400" rtl="0" eaLnBrk="1" latinLnBrk="0" hangingPunct="1">
+              <a:spcBef>
+                <a:spcPct val="20000"/>
+              </a:spcBef>
+              <a:buFont typeface="Arial" pitchFamily="34" charset="0"/>
+              <a:buChar char="–"/>
+              <a:defRPr sz="2000" kern="1200">
+                <a:solidFill>
+                  <a:schemeClr val="tx1"/>
+                </a:solidFill>
+                <a:latin typeface="+mn-lt"/>
+                <a:ea typeface="+mn-ea"/>
+                <a:cs typeface="+mn-cs"/>
+              </a:defRPr>
+            </a:lvl4pPr>
+            <a:lvl5pPr marL="2057400" indent="-228600" algn="l" defTabSz="914400" rtl="0" eaLnBrk="1" latinLnBrk="0" hangingPunct="1">
+              <a:spcBef>
+                <a:spcPct val="20000"/>
+              </a:spcBef>
+              <a:buFont typeface="Arial" pitchFamily="34" charset="0"/>
+              <a:buChar char="»"/>
+              <a:defRPr sz="2000" kern="1200">
+                <a:solidFill>
+                  <a:schemeClr val="tx1"/>
+                </a:solidFill>
+                <a:latin typeface="+mn-lt"/>
+                <a:ea typeface="+mn-ea"/>
+                <a:cs typeface="+mn-cs"/>
+              </a:defRPr>
+            </a:lvl5pPr>
+            <a:lvl6pPr marL="2514600" indent="-228600" algn="l" defTabSz="914400" rtl="0" eaLnBrk="1" latinLnBrk="0" hangingPunct="1">
+              <a:spcBef>
+                <a:spcPct val="20000"/>
+              </a:spcBef>
+              <a:buFont typeface="Arial" pitchFamily="34" charset="0"/>
+              <a:buChar char="•"/>
+              <a:defRPr sz="2000" kern="1200">
+                <a:solidFill>
+                  <a:schemeClr val="tx1"/>
+                </a:solidFill>
+                <a:latin typeface="+mn-lt"/>
+                <a:ea typeface="+mn-ea"/>
+                <a:cs typeface="+mn-cs"/>
+              </a:defRPr>
+            </a:lvl6pPr>
+            <a:lvl7pPr marL="2971800" indent="-228600" algn="l" defTabSz="914400" rtl="0" eaLnBrk="1" latinLnBrk="0" hangingPunct="1">
+              <a:spcBef>
+                <a:spcPct val="20000"/>
+              </a:spcBef>
+              <a:buFont typeface="Arial" pitchFamily="34" charset="0"/>
+              <a:buChar char="•"/>
+              <a:defRPr sz="2000" kern="1200">
+                <a:solidFill>
+                  <a:schemeClr val="tx1"/>
+                </a:solidFill>
+                <a:latin typeface="+mn-lt"/>
+                <a:ea typeface="+mn-ea"/>
+                <a:cs typeface="+mn-cs"/>
+              </a:defRPr>
+            </a:lvl7pPr>
+            <a:lvl8pPr marL="3429000" indent="-228600" algn="l" defTabSz="914400" rtl="0" eaLnBrk="1" latinLnBrk="0" hangingPunct="1">
+              <a:spcBef>
+                <a:spcPct val="20000"/>
+              </a:spcBef>
+              <a:buFont typeface="Arial" pitchFamily="34" charset="0"/>
+              <a:buChar char="•"/>
+              <a:defRPr sz="2000" kern="1200">
+                <a:solidFill>
+                  <a:schemeClr val="tx1"/>
+                </a:solidFill>
+                <a:latin typeface="+mn-lt"/>
+                <a:ea typeface="+mn-ea"/>
+                <a:cs typeface="+mn-cs"/>
+              </a:defRPr>
+            </a:lvl8pPr>
+            <a:lvl9pPr marL="3886200" indent="-228600" algn="l" defTabSz="914400" rtl="0" eaLnBrk="1" latinLnBrk="0" hangingPunct="1">
+              <a:spcBef>
+                <a:spcPct val="20000"/>
+              </a:spcBef>
+              <a:buFont typeface="Arial" pitchFamily="34" charset="0"/>
+              <a:buChar char="•"/>
+              <a:defRPr sz="2000" kern="1200">
+                <a:solidFill>
+                  <a:schemeClr val="tx1"/>
+                </a:solidFill>
+                <a:latin typeface="+mn-lt"/>
+                <a:ea typeface="+mn-ea"/>
+                <a:cs typeface="+mn-cs"/>
+              </a:defRPr>
+            </a:lvl9pPr>
+          </a:lstStyle>
+          <a:p>
+            <a:pPr marL="0" indent="0">
+              <a:buNone/>
+            </a:pPr>
+            <a:r>
+              <a:rPr lang="es-PE" dirty="0">
+                <a:solidFill>
+                  <a:schemeClr val="bg1"/>
+                </a:solidFill>
+              </a:rPr>
+              <a:t>1.CUN 1: Genera Inscripción</a:t>
+            </a:r>
+          </a:p>
+          <a:p>
+            <a:pPr marL="0" indent="0">
+              <a:buNone/>
+            </a:pPr>
+            <a:r>
+              <a:rPr lang="es-PE" dirty="0">
+                <a:solidFill>
+                  <a:schemeClr val="bg1"/>
+                </a:solidFill>
+              </a:rPr>
+              <a:t>2.CUN2: Realiza Pago</a:t>
+            </a:r>
+          </a:p>
+          <a:p>
+            <a:pPr marL="0" indent="0">
+              <a:buNone/>
+            </a:pPr>
+            <a:r>
+              <a:rPr lang="es-PE" dirty="0">
+                <a:solidFill>
+                  <a:schemeClr val="bg1"/>
+                </a:solidFill>
+              </a:rPr>
+              <a:t>3.CUN3: Registra Matricula</a:t>
+            </a:r>
+          </a:p>
+        </p:txBody>
+      </p:sp>
     </p:spTree>
     <p:extLst>
       <p:ext uri="{BB962C8B-B14F-4D97-AF65-F5344CB8AC3E}">
-        <p14:creationId xmlns:p14="http://schemas.microsoft.com/office/powerpoint/2010/main" val="1417026874"/>
+        <p14:creationId xmlns:p14="http://schemas.microsoft.com/office/powerpoint/2010/main" val="1788085023"/>
       </p:ext>
     </p:extLst>
   </p:cSld>
@@ -6624,7 +6634,7 @@
                   <a:srgbClr val="FFC000"/>
                 </a:solidFill>
               </a:rPr>
-              <a:t>Especificación de Entidades del Negocio</a:t>
+              <a:t>Especificación de trabajadores del Negocio</a:t>
             </a:r>
           </a:p>
         </p:txBody>
@@ -6892,7 +6902,7 @@
           <p:cNvPr id="7" name="Imagen 6">
             <a:extLst>
               <a:ext uri="{FF2B5EF4-FFF2-40B4-BE49-F238E27FC236}">
-                <a16:creationId xmlns:a16="http://schemas.microsoft.com/office/drawing/2014/main" id="{86202C3C-BB8F-4C93-951D-25F0C6C53917}"/>
+                <a16:creationId xmlns:a16="http://schemas.microsoft.com/office/drawing/2014/main" id="{5D5063EF-1FBB-4750-8156-BA3E10D15DAE}"/>
               </a:ext>
             </a:extLst>
           </p:cNvPr>
@@ -6909,8 +6919,8 @@
         </p:blipFill>
         <p:spPr>
           <a:xfrm>
-            <a:off x="1636301" y="2151457"/>
-            <a:ext cx="5651386" cy="3889125"/>
+            <a:off x="1993069" y="2209952"/>
+            <a:ext cx="6804871" cy="2874666"/>
           </a:xfrm>
           <a:prstGeom prst="rect">
             <a:avLst/>
@@ -6920,7 +6930,7 @@
     </p:spTree>
     <p:extLst>
       <p:ext uri="{BB962C8B-B14F-4D97-AF65-F5344CB8AC3E}">
-        <p14:creationId xmlns:p14="http://schemas.microsoft.com/office/powerpoint/2010/main" val="138914354"/>
+        <p14:creationId xmlns:p14="http://schemas.microsoft.com/office/powerpoint/2010/main" val="1417026874"/>
       </p:ext>
     </p:extLst>
   </p:cSld>
@@ -7084,7 +7094,7 @@
                   <a:srgbClr val="FFC000"/>
                 </a:solidFill>
               </a:rPr>
-              <a:t>Diagrama de Clases del Negocio - Inscripción</a:t>
+              <a:t>Especificación de Entidades del Negocio</a:t>
             </a:r>
           </a:p>
         </p:txBody>
@@ -7352,7 +7362,7 @@
           <p:cNvPr id="7" name="Imagen 6">
             <a:extLst>
               <a:ext uri="{FF2B5EF4-FFF2-40B4-BE49-F238E27FC236}">
-                <a16:creationId xmlns:a16="http://schemas.microsoft.com/office/drawing/2014/main" id="{09E4B054-30FB-4B87-B9FB-6BA57B1692BC}"/>
+                <a16:creationId xmlns:a16="http://schemas.microsoft.com/office/drawing/2014/main" id="{86202C3C-BB8F-4C93-951D-25F0C6C53917}"/>
               </a:ext>
             </a:extLst>
           </p:cNvPr>
@@ -7369,8 +7379,8 @@
         </p:blipFill>
         <p:spPr>
           <a:xfrm>
-            <a:off x="3657599" y="2015707"/>
-            <a:ext cx="4377731" cy="4694846"/>
+            <a:off x="1636301" y="2151457"/>
+            <a:ext cx="5651386" cy="3889125"/>
           </a:xfrm>
           <a:prstGeom prst="rect">
             <a:avLst/>
@@ -7380,7 +7390,7 @@
     </p:spTree>
     <p:extLst>
       <p:ext uri="{BB962C8B-B14F-4D97-AF65-F5344CB8AC3E}">
-        <p14:creationId xmlns:p14="http://schemas.microsoft.com/office/powerpoint/2010/main" val="3789356946"/>
+        <p14:creationId xmlns:p14="http://schemas.microsoft.com/office/powerpoint/2010/main" val="138914354"/>
       </p:ext>
     </p:extLst>
   </p:cSld>
@@ -7544,7 +7554,7 @@
                   <a:srgbClr val="FFC000"/>
                 </a:solidFill>
               </a:rPr>
-              <a:t>Diagrama de Clases del Negocio - Pago</a:t>
+              <a:t>Diagrama de Clases del Negocio - Inscripción</a:t>
             </a:r>
           </a:p>
         </p:txBody>
@@ -7812,7 +7822,7 @@
           <p:cNvPr id="7" name="Imagen 6">
             <a:extLst>
               <a:ext uri="{FF2B5EF4-FFF2-40B4-BE49-F238E27FC236}">
-                <a16:creationId xmlns:a16="http://schemas.microsoft.com/office/drawing/2014/main" id="{775E7A9F-6D78-4F2A-989E-C7C7AA30AA5B}"/>
+                <a16:creationId xmlns:a16="http://schemas.microsoft.com/office/drawing/2014/main" id="{09E4B054-30FB-4B87-B9FB-6BA57B1692BC}"/>
               </a:ext>
             </a:extLst>
           </p:cNvPr>
@@ -7829,8 +7839,8 @@
         </p:blipFill>
         <p:spPr>
           <a:xfrm>
-            <a:off x="3419752" y="2041760"/>
-            <a:ext cx="4075557" cy="4652782"/>
+            <a:off x="3657599" y="2015707"/>
+            <a:ext cx="4377731" cy="4694846"/>
           </a:xfrm>
           <a:prstGeom prst="rect">
             <a:avLst/>
@@ -7840,7 +7850,7 @@
     </p:spTree>
     <p:extLst>
       <p:ext uri="{BB962C8B-B14F-4D97-AF65-F5344CB8AC3E}">
-        <p14:creationId xmlns:p14="http://schemas.microsoft.com/office/powerpoint/2010/main" val="3669363209"/>
+        <p14:creationId xmlns:p14="http://schemas.microsoft.com/office/powerpoint/2010/main" val="3789356946"/>
       </p:ext>
     </p:extLst>
   </p:cSld>
@@ -7988,12 +7998,12 @@
         <p:spPr>
           <a:xfrm>
             <a:off x="1135067" y="1482997"/>
-            <a:ext cx="9998118" cy="746766"/>
+            <a:ext cx="9577893" cy="635253"/>
           </a:xfrm>
         </p:spPr>
         <p:txBody>
           <a:bodyPr>
-            <a:normAutofit fontScale="85000" lnSpcReduction="10000"/>
+            <a:normAutofit/>
           </a:bodyPr>
           <a:lstStyle/>
           <a:p>
@@ -8004,7 +8014,7 @@
                   <a:srgbClr val="FFC000"/>
                 </a:solidFill>
               </a:rPr>
-              <a:t>Diagrama de Clases del Negocio – Gestiona Documentos Matricula</a:t>
+              <a:t>Diagrama de Clases del Negocio - Pago</a:t>
             </a:r>
           </a:p>
         </p:txBody>
@@ -8269,10 +8279,10 @@
       </p:pic>
       <p:pic>
         <p:nvPicPr>
-          <p:cNvPr id="10" name="Imagen 9">
-            <a:extLst>
-              <a:ext uri="{FF2B5EF4-FFF2-40B4-BE49-F238E27FC236}">
-                <a16:creationId xmlns:a16="http://schemas.microsoft.com/office/drawing/2014/main" id="{3E67B24D-059E-412B-9ECD-C3183F8D28E0}"/>
+          <p:cNvPr id="7" name="Imagen 6">
+            <a:extLst>
+              <a:ext uri="{FF2B5EF4-FFF2-40B4-BE49-F238E27FC236}">
+                <a16:creationId xmlns:a16="http://schemas.microsoft.com/office/drawing/2014/main" id="{775E7A9F-6D78-4F2A-989E-C7C7AA30AA5B}"/>
               </a:ext>
             </a:extLst>
           </p:cNvPr>
@@ -8289,8 +8299,8 @@
         </p:blipFill>
         <p:spPr>
           <a:xfrm>
-            <a:off x="1713789" y="2347850"/>
-            <a:ext cx="8764421" cy="4111704"/>
+            <a:off x="3419752" y="2041760"/>
+            <a:ext cx="4075557" cy="4652782"/>
           </a:xfrm>
           <a:prstGeom prst="rect">
             <a:avLst/>
@@ -8300,7 +8310,7 @@
     </p:spTree>
     <p:extLst>
       <p:ext uri="{BB962C8B-B14F-4D97-AF65-F5344CB8AC3E}">
-        <p14:creationId xmlns:p14="http://schemas.microsoft.com/office/powerpoint/2010/main" val="1786519857"/>
+        <p14:creationId xmlns:p14="http://schemas.microsoft.com/office/powerpoint/2010/main" val="3669363209"/>
       </p:ext>
     </p:extLst>
   </p:cSld>
@@ -8879,7 +8889,7 @@
         </p:nvSpPr>
         <p:spPr>
           <a:xfrm>
-            <a:off x="-17609" y="0"/>
+            <a:off x="17609" y="0"/>
             <a:ext cx="12192000" cy="7039708"/>
           </a:xfrm>
           <a:prstGeom prst="rect">
@@ -8939,12 +8949,12 @@
         <p:spPr>
           <a:xfrm>
             <a:off x="1135067" y="1482997"/>
-            <a:ext cx="9577893" cy="635253"/>
+            <a:ext cx="9998118" cy="746766"/>
           </a:xfrm>
         </p:spPr>
         <p:txBody>
           <a:bodyPr>
-            <a:normAutofit/>
+            <a:normAutofit fontScale="85000" lnSpcReduction="10000"/>
           </a:bodyPr>
           <a:lstStyle/>
           <a:p>
@@ -8955,7 +8965,7 @@
                   <a:srgbClr val="FFC000"/>
                 </a:solidFill>
               </a:rPr>
-              <a:t>Diagrama de Realización de casos de uso del Negocio</a:t>
+              <a:t>Diagrama de Clases del Negocio – Gestiona Documentos Matricula</a:t>
             </a:r>
           </a:p>
         </p:txBody>
@@ -9062,7 +9072,7 @@
                   <a:srgbClr val="002060"/>
                 </a:solidFill>
               </a:rPr>
-              <a:t>Realización de casos de uso del negocio</a:t>
+              <a:t>Modelo de análisis del negocio </a:t>
             </a:r>
             <a:endParaRPr lang="es-PE" sz="3200" dirty="0">
               <a:solidFill>
@@ -9220,10 +9230,10 @@
       </p:pic>
       <p:pic>
         <p:nvPicPr>
-          <p:cNvPr id="7" name="Imagen 6">
-            <a:extLst>
-              <a:ext uri="{FF2B5EF4-FFF2-40B4-BE49-F238E27FC236}">
-                <a16:creationId xmlns:a16="http://schemas.microsoft.com/office/drawing/2014/main" id="{A56CCA4E-6C35-49DF-96A1-E721015CEA78}"/>
+          <p:cNvPr id="10" name="Imagen 9">
+            <a:extLst>
+              <a:ext uri="{FF2B5EF4-FFF2-40B4-BE49-F238E27FC236}">
+                <a16:creationId xmlns:a16="http://schemas.microsoft.com/office/drawing/2014/main" id="{3E67B24D-059E-412B-9ECD-C3183F8D28E0}"/>
               </a:ext>
             </a:extLst>
           </p:cNvPr>
@@ -9240,244 +9250,8 @@
         </p:blipFill>
         <p:spPr>
           <a:xfrm>
-            <a:off x="1228584" y="2230808"/>
-            <a:ext cx="5038095" cy="1619048"/>
-          </a:xfrm>
-          <a:prstGeom prst="rect">
-            <a:avLst/>
-          </a:prstGeom>
-        </p:spPr>
-      </p:pic>
-      <p:sp>
-        <p:nvSpPr>
-          <p:cNvPr id="11" name="Marcador de contenido 2">
-            <a:extLst>
-              <a:ext uri="{FF2B5EF4-FFF2-40B4-BE49-F238E27FC236}">
-                <a16:creationId xmlns:a16="http://schemas.microsoft.com/office/drawing/2014/main" id="{032EF7DF-DCB0-4C1E-9568-267DFBC6A786}"/>
-              </a:ext>
-            </a:extLst>
-          </p:cNvPr>
-          <p:cNvSpPr txBox="1">
-            <a:spLocks/>
-          </p:cNvSpPr>
-          <p:nvPr/>
-        </p:nvSpPr>
-        <p:spPr>
-          <a:xfrm>
-            <a:off x="2416747" y="4377460"/>
-            <a:ext cx="9577893" cy="635253"/>
-          </a:xfrm>
-          <a:prstGeom prst="rect">
-            <a:avLst/>
-          </a:prstGeom>
-        </p:spPr>
-        <p:txBody>
-          <a:bodyPr vert="horz" lIns="91440" tIns="45720" rIns="91440" bIns="45720" rtlCol="0">
-            <a:normAutofit/>
-          </a:bodyPr>
-          <a:lstStyle>
-            <a:lvl1pPr marL="342900" indent="-342900" algn="l" defTabSz="914400" rtl="0" eaLnBrk="1" latinLnBrk="0" hangingPunct="1">
-              <a:spcBef>
-                <a:spcPct val="20000"/>
-              </a:spcBef>
-              <a:buFont typeface="Arial" pitchFamily="34" charset="0"/>
-              <a:buChar char="•"/>
-              <a:defRPr sz="3200" kern="1200">
-                <a:solidFill>
-                  <a:schemeClr val="tx1"/>
-                </a:solidFill>
-                <a:latin typeface="+mn-lt"/>
-                <a:ea typeface="+mn-ea"/>
-                <a:cs typeface="+mn-cs"/>
-              </a:defRPr>
-            </a:lvl1pPr>
-            <a:lvl2pPr marL="742950" indent="-285750" algn="l" defTabSz="914400" rtl="0" eaLnBrk="1" latinLnBrk="0" hangingPunct="1">
-              <a:spcBef>
-                <a:spcPct val="20000"/>
-              </a:spcBef>
-              <a:buFont typeface="Arial" pitchFamily="34" charset="0"/>
-              <a:buChar char="–"/>
-              <a:defRPr sz="2800" kern="1200">
-                <a:solidFill>
-                  <a:schemeClr val="tx1"/>
-                </a:solidFill>
-                <a:latin typeface="+mn-lt"/>
-                <a:ea typeface="+mn-ea"/>
-                <a:cs typeface="+mn-cs"/>
-              </a:defRPr>
-            </a:lvl2pPr>
-            <a:lvl3pPr marL="1143000" indent="-228600" algn="l" defTabSz="914400" rtl="0" eaLnBrk="1" latinLnBrk="0" hangingPunct="1">
-              <a:spcBef>
-                <a:spcPct val="20000"/>
-              </a:spcBef>
-              <a:buFont typeface="Arial" pitchFamily="34" charset="0"/>
-              <a:buChar char="•"/>
-              <a:defRPr sz="2400" kern="1200">
-                <a:solidFill>
-                  <a:schemeClr val="tx1"/>
-                </a:solidFill>
-                <a:latin typeface="+mn-lt"/>
-                <a:ea typeface="+mn-ea"/>
-                <a:cs typeface="+mn-cs"/>
-              </a:defRPr>
-            </a:lvl3pPr>
-            <a:lvl4pPr marL="1600200" indent="-228600" algn="l" defTabSz="914400" rtl="0" eaLnBrk="1" latinLnBrk="0" hangingPunct="1">
-              <a:spcBef>
-                <a:spcPct val="20000"/>
-              </a:spcBef>
-              <a:buFont typeface="Arial" pitchFamily="34" charset="0"/>
-              <a:buChar char="–"/>
-              <a:defRPr sz="2000" kern="1200">
-                <a:solidFill>
-                  <a:schemeClr val="tx1"/>
-                </a:solidFill>
-                <a:latin typeface="+mn-lt"/>
-                <a:ea typeface="+mn-ea"/>
-                <a:cs typeface="+mn-cs"/>
-              </a:defRPr>
-            </a:lvl4pPr>
-            <a:lvl5pPr marL="2057400" indent="-228600" algn="l" defTabSz="914400" rtl="0" eaLnBrk="1" latinLnBrk="0" hangingPunct="1">
-              <a:spcBef>
-                <a:spcPct val="20000"/>
-              </a:spcBef>
-              <a:buFont typeface="Arial" pitchFamily="34" charset="0"/>
-              <a:buChar char="»"/>
-              <a:defRPr sz="2000" kern="1200">
-                <a:solidFill>
-                  <a:schemeClr val="tx1"/>
-                </a:solidFill>
-                <a:latin typeface="+mn-lt"/>
-                <a:ea typeface="+mn-ea"/>
-                <a:cs typeface="+mn-cs"/>
-              </a:defRPr>
-            </a:lvl5pPr>
-            <a:lvl6pPr marL="2514600" indent="-228600" algn="l" defTabSz="914400" rtl="0" eaLnBrk="1" latinLnBrk="0" hangingPunct="1">
-              <a:spcBef>
-                <a:spcPct val="20000"/>
-              </a:spcBef>
-              <a:buFont typeface="Arial" pitchFamily="34" charset="0"/>
-              <a:buChar char="•"/>
-              <a:defRPr sz="2000" kern="1200">
-                <a:solidFill>
-                  <a:schemeClr val="tx1"/>
-                </a:solidFill>
-                <a:latin typeface="+mn-lt"/>
-                <a:ea typeface="+mn-ea"/>
-                <a:cs typeface="+mn-cs"/>
-              </a:defRPr>
-            </a:lvl6pPr>
-            <a:lvl7pPr marL="2971800" indent="-228600" algn="l" defTabSz="914400" rtl="0" eaLnBrk="1" latinLnBrk="0" hangingPunct="1">
-              <a:spcBef>
-                <a:spcPct val="20000"/>
-              </a:spcBef>
-              <a:buFont typeface="Arial" pitchFamily="34" charset="0"/>
-              <a:buChar char="•"/>
-              <a:defRPr sz="2000" kern="1200">
-                <a:solidFill>
-                  <a:schemeClr val="tx1"/>
-                </a:solidFill>
-                <a:latin typeface="+mn-lt"/>
-                <a:ea typeface="+mn-ea"/>
-                <a:cs typeface="+mn-cs"/>
-              </a:defRPr>
-            </a:lvl7pPr>
-            <a:lvl8pPr marL="3429000" indent="-228600" algn="l" defTabSz="914400" rtl="0" eaLnBrk="1" latinLnBrk="0" hangingPunct="1">
-              <a:spcBef>
-                <a:spcPct val="20000"/>
-              </a:spcBef>
-              <a:buFont typeface="Arial" pitchFamily="34" charset="0"/>
-              <a:buChar char="•"/>
-              <a:defRPr sz="2000" kern="1200">
-                <a:solidFill>
-                  <a:schemeClr val="tx1"/>
-                </a:solidFill>
-                <a:latin typeface="+mn-lt"/>
-                <a:ea typeface="+mn-ea"/>
-                <a:cs typeface="+mn-cs"/>
-              </a:defRPr>
-            </a:lvl8pPr>
-            <a:lvl9pPr marL="3886200" indent="-228600" algn="l" defTabSz="914400" rtl="0" eaLnBrk="1" latinLnBrk="0" hangingPunct="1">
-              <a:spcBef>
-                <a:spcPct val="20000"/>
-              </a:spcBef>
-              <a:buFont typeface="Arial" pitchFamily="34" charset="0"/>
-              <a:buChar char="•"/>
-              <a:defRPr sz="2000" kern="1200">
-                <a:solidFill>
-                  <a:schemeClr val="tx1"/>
-                </a:solidFill>
-                <a:latin typeface="+mn-lt"/>
-                <a:ea typeface="+mn-ea"/>
-                <a:cs typeface="+mn-cs"/>
-              </a:defRPr>
-            </a:lvl9pPr>
-          </a:lstStyle>
-          <a:p>
-            <a:pPr marL="3657600" lvl="8" indent="0" algn="just">
-              <a:buNone/>
-            </a:pPr>
-            <a:endParaRPr lang="es-PE" dirty="0">
-              <a:solidFill>
-                <a:srgbClr val="FFC000"/>
-              </a:solidFill>
-            </a:endParaRPr>
-          </a:p>
-        </p:txBody>
-      </p:sp>
-      <p:pic>
-        <p:nvPicPr>
-          <p:cNvPr id="10" name="Imagen 9">
-            <a:extLst>
-              <a:ext uri="{FF2B5EF4-FFF2-40B4-BE49-F238E27FC236}">
-                <a16:creationId xmlns:a16="http://schemas.microsoft.com/office/drawing/2014/main" id="{EE4EAB7E-6333-425E-BB75-63DC3A81D476}"/>
-              </a:ext>
-            </a:extLst>
-          </p:cNvPr>
-          <p:cNvPicPr>
-            <a:picLocks noChangeAspect="1"/>
-          </p:cNvPicPr>
-          <p:nvPr/>
-        </p:nvPicPr>
-        <p:blipFill>
-          <a:blip r:embed="rId6"/>
-          <a:stretch>
-            <a:fillRect/>
-          </a:stretch>
-        </p:blipFill>
-        <p:spPr>
-          <a:xfrm>
-            <a:off x="1228584" y="4297166"/>
-            <a:ext cx="5068060" cy="1744742"/>
-          </a:xfrm>
-          <a:prstGeom prst="rect">
-            <a:avLst/>
-          </a:prstGeom>
-        </p:spPr>
-      </p:pic>
-      <p:pic>
-        <p:nvPicPr>
-          <p:cNvPr id="12" name="Imagen 11">
-            <a:extLst>
-              <a:ext uri="{FF2B5EF4-FFF2-40B4-BE49-F238E27FC236}">
-                <a16:creationId xmlns:a16="http://schemas.microsoft.com/office/drawing/2014/main" id="{C69D81F3-60EE-481D-A157-4524A7A083F3}"/>
-              </a:ext>
-            </a:extLst>
-          </p:cNvPr>
-          <p:cNvPicPr>
-            <a:picLocks noChangeAspect="1"/>
-          </p:cNvPicPr>
-          <p:nvPr/>
-        </p:nvPicPr>
-        <p:blipFill>
-          <a:blip r:embed="rId7"/>
-          <a:stretch>
-            <a:fillRect/>
-          </a:stretch>
-        </p:blipFill>
-        <p:spPr>
-          <a:xfrm>
-            <a:off x="6449768" y="2929862"/>
-            <a:ext cx="5426975" cy="1619047"/>
+            <a:off x="1713789" y="2347850"/>
+            <a:ext cx="8764421" cy="4111704"/>
           </a:xfrm>
           <a:prstGeom prst="rect">
             <a:avLst/>
@@ -9487,7 +9261,7 @@
     </p:spTree>
     <p:extLst>
       <p:ext uri="{BB962C8B-B14F-4D97-AF65-F5344CB8AC3E}">
-        <p14:creationId xmlns:p14="http://schemas.microsoft.com/office/powerpoint/2010/main" val="3280449280"/>
+        <p14:creationId xmlns:p14="http://schemas.microsoft.com/office/powerpoint/2010/main" val="1786519857"/>
       </p:ext>
     </p:extLst>
   </p:cSld>
@@ -9651,7 +9425,7 @@
                   <a:srgbClr val="FFC000"/>
                 </a:solidFill>
               </a:rPr>
-              <a:t>Especificación de los casos de uso del negocio – CUN 1</a:t>
+              <a:t>Diagrama de Realización de casos de uso del Negocio</a:t>
             </a:r>
           </a:p>
         </p:txBody>
@@ -9914,6 +9688,36 @@
           </a:extLst>
         </p:spPr>
       </p:pic>
+      <p:pic>
+        <p:nvPicPr>
+          <p:cNvPr id="7" name="Imagen 6">
+            <a:extLst>
+              <a:ext uri="{FF2B5EF4-FFF2-40B4-BE49-F238E27FC236}">
+                <a16:creationId xmlns:a16="http://schemas.microsoft.com/office/drawing/2014/main" id="{A56CCA4E-6C35-49DF-96A1-E721015CEA78}"/>
+              </a:ext>
+            </a:extLst>
+          </p:cNvPr>
+          <p:cNvPicPr>
+            <a:picLocks noChangeAspect="1"/>
+          </p:cNvPicPr>
+          <p:nvPr/>
+        </p:nvPicPr>
+        <p:blipFill>
+          <a:blip r:embed="rId5"/>
+          <a:stretch>
+            <a:fillRect/>
+          </a:stretch>
+        </p:blipFill>
+        <p:spPr>
+          <a:xfrm>
+            <a:off x="1228584" y="2230808"/>
+            <a:ext cx="5038095" cy="1619048"/>
+          </a:xfrm>
+          <a:prstGeom prst="rect">
+            <a:avLst/>
+          </a:prstGeom>
+        </p:spPr>
+      </p:pic>
       <p:sp>
         <p:nvSpPr>
           <p:cNvPr id="11" name="Marcador de contenido 2">
@@ -10090,296 +9894,70 @@
           </a:p>
         </p:txBody>
       </p:sp>
-      <p:sp>
-        <p:nvSpPr>
-          <p:cNvPr id="14" name="Marcador de contenido 2">
-            <a:extLst>
-              <a:ext uri="{FF2B5EF4-FFF2-40B4-BE49-F238E27FC236}">
-                <a16:creationId xmlns:a16="http://schemas.microsoft.com/office/drawing/2014/main" id="{4D227B4E-7B2F-4E0B-B89F-6802A3D81FB9}"/>
-              </a:ext>
-            </a:extLst>
-          </p:cNvPr>
-          <p:cNvSpPr txBox="1">
-            <a:spLocks/>
-          </p:cNvSpPr>
-          <p:nvPr/>
-        </p:nvSpPr>
+      <p:pic>
+        <p:nvPicPr>
+          <p:cNvPr id="10" name="Imagen 9">
+            <a:extLst>
+              <a:ext uri="{FF2B5EF4-FFF2-40B4-BE49-F238E27FC236}">
+                <a16:creationId xmlns:a16="http://schemas.microsoft.com/office/drawing/2014/main" id="{EE4EAB7E-6333-425E-BB75-63DC3A81D476}"/>
+              </a:ext>
+            </a:extLst>
+          </p:cNvPr>
+          <p:cNvPicPr>
+            <a:picLocks noChangeAspect="1"/>
+          </p:cNvPicPr>
+          <p:nvPr/>
+        </p:nvPicPr>
+        <p:blipFill>
+          <a:blip r:embed="rId6"/>
+          <a:stretch>
+            <a:fillRect/>
+          </a:stretch>
+        </p:blipFill>
         <p:spPr>
           <a:xfrm>
-            <a:off x="1289444" y="2116754"/>
-            <a:ext cx="9423516" cy="4342799"/>
+            <a:off x="1228584" y="4297166"/>
+            <a:ext cx="5068060" cy="1744742"/>
           </a:xfrm>
           <a:prstGeom prst="rect">
             <a:avLst/>
           </a:prstGeom>
         </p:spPr>
-        <p:txBody>
-          <a:bodyPr vert="horz" lIns="91440" tIns="45720" rIns="91440" bIns="45720" rtlCol="0">
-            <a:normAutofit fontScale="70000" lnSpcReduction="20000"/>
-          </a:bodyPr>
-          <a:lstStyle>
-            <a:lvl1pPr marL="342900" indent="-342900" algn="l" defTabSz="914400" rtl="0" eaLnBrk="1" latinLnBrk="0" hangingPunct="1">
-              <a:spcBef>
-                <a:spcPct val="20000"/>
-              </a:spcBef>
-              <a:buFont typeface="Arial" pitchFamily="34" charset="0"/>
-              <a:buChar char="•"/>
-              <a:defRPr sz="3200" kern="1200">
-                <a:solidFill>
-                  <a:schemeClr val="tx1"/>
-                </a:solidFill>
-                <a:latin typeface="+mn-lt"/>
-                <a:ea typeface="+mn-ea"/>
-                <a:cs typeface="+mn-cs"/>
-              </a:defRPr>
-            </a:lvl1pPr>
-            <a:lvl2pPr marL="742950" indent="-285750" algn="l" defTabSz="914400" rtl="0" eaLnBrk="1" latinLnBrk="0" hangingPunct="1">
-              <a:spcBef>
-                <a:spcPct val="20000"/>
-              </a:spcBef>
-              <a:buFont typeface="Arial" pitchFamily="34" charset="0"/>
-              <a:buChar char="–"/>
-              <a:defRPr sz="2800" kern="1200">
-                <a:solidFill>
-                  <a:schemeClr val="tx1"/>
-                </a:solidFill>
-                <a:latin typeface="+mn-lt"/>
-                <a:ea typeface="+mn-ea"/>
-                <a:cs typeface="+mn-cs"/>
-              </a:defRPr>
-            </a:lvl2pPr>
-            <a:lvl3pPr marL="1143000" indent="-228600" algn="l" defTabSz="914400" rtl="0" eaLnBrk="1" latinLnBrk="0" hangingPunct="1">
-              <a:spcBef>
-                <a:spcPct val="20000"/>
-              </a:spcBef>
-              <a:buFont typeface="Arial" pitchFamily="34" charset="0"/>
-              <a:buChar char="•"/>
-              <a:defRPr sz="2400" kern="1200">
-                <a:solidFill>
-                  <a:schemeClr val="tx1"/>
-                </a:solidFill>
-                <a:latin typeface="+mn-lt"/>
-                <a:ea typeface="+mn-ea"/>
-                <a:cs typeface="+mn-cs"/>
-              </a:defRPr>
-            </a:lvl3pPr>
-            <a:lvl4pPr marL="1600200" indent="-228600" algn="l" defTabSz="914400" rtl="0" eaLnBrk="1" latinLnBrk="0" hangingPunct="1">
-              <a:spcBef>
-                <a:spcPct val="20000"/>
-              </a:spcBef>
-              <a:buFont typeface="Arial" pitchFamily="34" charset="0"/>
-              <a:buChar char="–"/>
-              <a:defRPr sz="2000" kern="1200">
-                <a:solidFill>
-                  <a:schemeClr val="tx1"/>
-                </a:solidFill>
-                <a:latin typeface="+mn-lt"/>
-                <a:ea typeface="+mn-ea"/>
-                <a:cs typeface="+mn-cs"/>
-              </a:defRPr>
-            </a:lvl4pPr>
-            <a:lvl5pPr marL="2057400" indent="-228600" algn="l" defTabSz="914400" rtl="0" eaLnBrk="1" latinLnBrk="0" hangingPunct="1">
-              <a:spcBef>
-                <a:spcPct val="20000"/>
-              </a:spcBef>
-              <a:buFont typeface="Arial" pitchFamily="34" charset="0"/>
-              <a:buChar char="»"/>
-              <a:defRPr sz="2000" kern="1200">
-                <a:solidFill>
-                  <a:schemeClr val="tx1"/>
-                </a:solidFill>
-                <a:latin typeface="+mn-lt"/>
-                <a:ea typeface="+mn-ea"/>
-                <a:cs typeface="+mn-cs"/>
-              </a:defRPr>
-            </a:lvl5pPr>
-            <a:lvl6pPr marL="2514600" indent="-228600" algn="l" defTabSz="914400" rtl="0" eaLnBrk="1" latinLnBrk="0" hangingPunct="1">
-              <a:spcBef>
-                <a:spcPct val="20000"/>
-              </a:spcBef>
-              <a:buFont typeface="Arial" pitchFamily="34" charset="0"/>
-              <a:buChar char="•"/>
-              <a:defRPr sz="2000" kern="1200">
-                <a:solidFill>
-                  <a:schemeClr val="tx1"/>
-                </a:solidFill>
-                <a:latin typeface="+mn-lt"/>
-                <a:ea typeface="+mn-ea"/>
-                <a:cs typeface="+mn-cs"/>
-              </a:defRPr>
-            </a:lvl6pPr>
-            <a:lvl7pPr marL="2971800" indent="-228600" algn="l" defTabSz="914400" rtl="0" eaLnBrk="1" latinLnBrk="0" hangingPunct="1">
-              <a:spcBef>
-                <a:spcPct val="20000"/>
-              </a:spcBef>
-              <a:buFont typeface="Arial" pitchFamily="34" charset="0"/>
-              <a:buChar char="•"/>
-              <a:defRPr sz="2000" kern="1200">
-                <a:solidFill>
-                  <a:schemeClr val="tx1"/>
-                </a:solidFill>
-                <a:latin typeface="+mn-lt"/>
-                <a:ea typeface="+mn-ea"/>
-                <a:cs typeface="+mn-cs"/>
-              </a:defRPr>
-            </a:lvl7pPr>
-            <a:lvl8pPr marL="3429000" indent="-228600" algn="l" defTabSz="914400" rtl="0" eaLnBrk="1" latinLnBrk="0" hangingPunct="1">
-              <a:spcBef>
-                <a:spcPct val="20000"/>
-              </a:spcBef>
-              <a:buFont typeface="Arial" pitchFamily="34" charset="0"/>
-              <a:buChar char="•"/>
-              <a:defRPr sz="2000" kern="1200">
-                <a:solidFill>
-                  <a:schemeClr val="tx1"/>
-                </a:solidFill>
-                <a:latin typeface="+mn-lt"/>
-                <a:ea typeface="+mn-ea"/>
-                <a:cs typeface="+mn-cs"/>
-              </a:defRPr>
-            </a:lvl8pPr>
-            <a:lvl9pPr marL="3886200" indent="-228600" algn="l" defTabSz="914400" rtl="0" eaLnBrk="1" latinLnBrk="0" hangingPunct="1">
-              <a:spcBef>
-                <a:spcPct val="20000"/>
-              </a:spcBef>
-              <a:buFont typeface="Arial" pitchFamily="34" charset="0"/>
-              <a:buChar char="•"/>
-              <a:defRPr sz="2000" kern="1200">
-                <a:solidFill>
-                  <a:schemeClr val="tx1"/>
-                </a:solidFill>
-                <a:latin typeface="+mn-lt"/>
-                <a:ea typeface="+mn-ea"/>
-                <a:cs typeface="+mn-cs"/>
-              </a:defRPr>
-            </a:lvl9pPr>
-          </a:lstStyle>
-          <a:p>
-            <a:pPr marL="0" indent="0" algn="just">
-              <a:buNone/>
-            </a:pPr>
-            <a:r>
-              <a:rPr lang="es-PE" b="1" dirty="0">
-                <a:solidFill>
-                  <a:schemeClr val="bg1"/>
-                </a:solidFill>
-              </a:rPr>
-              <a:t>Actor: Cliente</a:t>
-            </a:r>
-            <a:endParaRPr lang="es-PE" dirty="0">
-              <a:solidFill>
-                <a:schemeClr val="bg1"/>
-              </a:solidFill>
-            </a:endParaRPr>
-          </a:p>
-          <a:p>
-            <a:pPr marL="0" indent="0" algn="just">
-              <a:buNone/>
-            </a:pPr>
-            <a:r>
-              <a:rPr lang="es-PE" b="1" dirty="0">
-                <a:solidFill>
-                  <a:schemeClr val="bg1"/>
-                </a:solidFill>
-              </a:rPr>
-              <a:t>Propósito: Inscripción en Británico</a:t>
-            </a:r>
-            <a:endParaRPr lang="es-PE" dirty="0">
-              <a:solidFill>
-                <a:schemeClr val="bg1"/>
-              </a:solidFill>
-            </a:endParaRPr>
-          </a:p>
-          <a:p>
-            <a:pPr marL="0" indent="0" algn="just">
-              <a:buNone/>
-            </a:pPr>
-            <a:r>
-              <a:rPr lang="es-PE" b="1" dirty="0">
-                <a:solidFill>
-                  <a:schemeClr val="bg1"/>
-                </a:solidFill>
-              </a:rPr>
-              <a:t>Flujo básico:</a:t>
-            </a:r>
-            <a:endParaRPr lang="es-PE" dirty="0">
-              <a:solidFill>
-                <a:schemeClr val="bg1"/>
-              </a:solidFill>
-            </a:endParaRPr>
-          </a:p>
-          <a:p>
-            <a:pPr algn="just"/>
-            <a:r>
-              <a:rPr lang="es-PE" dirty="0">
-                <a:solidFill>
-                  <a:schemeClr val="bg1"/>
-                </a:solidFill>
-              </a:rPr>
-              <a:t>FB01. El caso de uso inicia cuando el alumno ingresa a la web de inscripción</a:t>
-            </a:r>
-          </a:p>
-          <a:p>
-            <a:pPr algn="just"/>
-            <a:r>
-              <a:rPr lang="es-PE" dirty="0">
-                <a:solidFill>
-                  <a:schemeClr val="bg1"/>
-                </a:solidFill>
-              </a:rPr>
-              <a:t>FB02. El alumno ingresa sus credenciales y da clic en ingresar</a:t>
-            </a:r>
-          </a:p>
-          <a:p>
-            <a:pPr algn="just"/>
-            <a:r>
-              <a:rPr lang="es-PE" dirty="0">
-                <a:solidFill>
-                  <a:schemeClr val="bg1"/>
-                </a:solidFill>
-              </a:rPr>
-              <a:t>FB03. El sistema verifica sus credenciales y si son correctas, permite ingresar al sistema</a:t>
-            </a:r>
-          </a:p>
-          <a:p>
-            <a:pPr algn="just"/>
-            <a:r>
-              <a:rPr lang="es-PE" dirty="0">
-                <a:solidFill>
-                  <a:schemeClr val="bg1"/>
-                </a:solidFill>
-              </a:rPr>
-              <a:t>FB04. El usuario ingresa al sistema y elige la clase a matricularse</a:t>
-            </a:r>
-          </a:p>
-          <a:p>
-            <a:pPr algn="just"/>
-            <a:r>
-              <a:rPr lang="es-PE" dirty="0">
-                <a:solidFill>
-                  <a:schemeClr val="bg1"/>
-                </a:solidFill>
-              </a:rPr>
-              <a:t>FB05. El sistema genera la inscripción en la clase</a:t>
-            </a:r>
-          </a:p>
-          <a:p>
-            <a:pPr algn="just"/>
-            <a:r>
-              <a:rPr lang="es-PE" dirty="0">
-                <a:solidFill>
-                  <a:schemeClr val="bg1"/>
-                </a:solidFill>
-              </a:rPr>
-              <a:t>FB06. Al inscribirse, Al alumno se le genera un ticket de deuda para el pago de la clase inscrita</a:t>
-            </a:r>
-          </a:p>
-        </p:txBody>
-      </p:sp>
+      </p:pic>
+      <p:pic>
+        <p:nvPicPr>
+          <p:cNvPr id="12" name="Imagen 11">
+            <a:extLst>
+              <a:ext uri="{FF2B5EF4-FFF2-40B4-BE49-F238E27FC236}">
+                <a16:creationId xmlns:a16="http://schemas.microsoft.com/office/drawing/2014/main" id="{C69D81F3-60EE-481D-A157-4524A7A083F3}"/>
+              </a:ext>
+            </a:extLst>
+          </p:cNvPr>
+          <p:cNvPicPr>
+            <a:picLocks noChangeAspect="1"/>
+          </p:cNvPicPr>
+          <p:nvPr/>
+        </p:nvPicPr>
+        <p:blipFill>
+          <a:blip r:embed="rId7"/>
+          <a:stretch>
+            <a:fillRect/>
+          </a:stretch>
+        </p:blipFill>
+        <p:spPr>
+          <a:xfrm>
+            <a:off x="6449768" y="2929862"/>
+            <a:ext cx="5426975" cy="1619047"/>
+          </a:xfrm>
+          <a:prstGeom prst="rect">
+            <a:avLst/>
+          </a:prstGeom>
+        </p:spPr>
+      </p:pic>
     </p:spTree>
     <p:extLst>
       <p:ext uri="{BB962C8B-B14F-4D97-AF65-F5344CB8AC3E}">
-        <p14:creationId xmlns:p14="http://schemas.microsoft.com/office/powerpoint/2010/main" val="2826929133"/>
+        <p14:creationId xmlns:p14="http://schemas.microsoft.com/office/powerpoint/2010/main" val="3280449280"/>
       </p:ext>
     </p:extLst>
   </p:cSld>
@@ -10998,8 +10576,8 @@
         </p:nvSpPr>
         <p:spPr>
           <a:xfrm>
-            <a:off x="1289444" y="2116755"/>
-            <a:ext cx="9240011" cy="4453624"/>
+            <a:off x="1289444" y="2116754"/>
+            <a:ext cx="9423516" cy="4342799"/>
           </a:xfrm>
           <a:prstGeom prst="rect">
             <a:avLst/>
@@ -11007,7 +10585,7 @@
         </p:spPr>
         <p:txBody>
           <a:bodyPr vert="horz" lIns="91440" tIns="45720" rIns="91440" bIns="45720" rtlCol="0">
-            <a:normAutofit fontScale="77500" lnSpcReduction="20000"/>
+            <a:normAutofit fontScale="70000" lnSpcReduction="20000"/>
           </a:bodyPr>
           <a:lstStyle>
             <a:lvl1pPr marL="342900" indent="-342900" algn="l" defTabSz="914400" rtl="0" eaLnBrk="1" latinLnBrk="0" hangingPunct="1">
@@ -11156,7 +10734,7 @@
                   <a:schemeClr val="bg1"/>
                 </a:solidFill>
               </a:rPr>
-              <a:t>Flujo alternativo 01:</a:t>
+              <a:t>Actor: Cliente</a:t>
             </a:r>
             <a:endParaRPr lang="es-PE" dirty="0">
               <a:solidFill>
@@ -11165,50 +10743,6 @@
             </a:endParaRPr>
           </a:p>
           <a:p>
-            <a:pPr algn="just"/>
-            <a:r>
-              <a:rPr lang="es-PE" dirty="0">
-                <a:solidFill>
-                  <a:schemeClr val="bg1"/>
-                </a:solidFill>
-              </a:rPr>
-              <a:t>FA01: Alumno ingresa credenciales incorrectas de acceso</a:t>
-            </a:r>
-          </a:p>
-          <a:p>
-            <a:pPr algn="just"/>
-            <a:r>
-              <a:rPr lang="es-PE" dirty="0">
-                <a:solidFill>
-                  <a:schemeClr val="bg1"/>
-                </a:solidFill>
-              </a:rPr>
-              <a:t>FA02: El alumno solicita la recuperación de contraseña</a:t>
-            </a:r>
-          </a:p>
-          <a:p>
-            <a:pPr algn="just"/>
-            <a:r>
-              <a:rPr lang="es-PE" dirty="0">
-                <a:solidFill>
-                  <a:schemeClr val="bg1"/>
-                </a:solidFill>
-              </a:rPr>
-              <a:t>FA03: El sistema le envía un correo de recuperación de contraseña</a:t>
-            </a:r>
-          </a:p>
-          <a:p>
-            <a:pPr algn="just"/>
-            <a:r>
-              <a:rPr lang="es-PE" dirty="0">
-                <a:solidFill>
-                  <a:schemeClr val="bg1"/>
-                </a:solidFill>
-              </a:rPr>
-              <a:t>FA04: El alumno cambia su contraseña y vuelva al flujo FB02</a:t>
-            </a:r>
-          </a:p>
-          <a:p>
             <a:pPr marL="0" indent="0" algn="just">
               <a:buNone/>
             </a:pPr>
@@ -11218,115 +10752,104 @@
                   <a:schemeClr val="bg1"/>
                 </a:solidFill>
               </a:rPr>
-              <a:t>Flujo alternativo 02:</a:t>
-            </a:r>
-          </a:p>
-          <a:p>
-            <a:pPr algn="just"/>
-            <a:r>
-              <a:rPr lang="es-PE" dirty="0">
-                <a:solidFill>
-                  <a:schemeClr val="bg1"/>
-                </a:solidFill>
-              </a:rPr>
-              <a:t>FA01: Alumno no recibe la contraseña de recuperación</a:t>
-            </a:r>
-          </a:p>
-          <a:p>
-            <a:pPr algn="just"/>
-            <a:r>
-              <a:rPr lang="es-PE" dirty="0">
-                <a:solidFill>
-                  <a:schemeClr val="bg1"/>
-                </a:solidFill>
-              </a:rPr>
-              <a:t>FA02: El alumno llama al </a:t>
-            </a:r>
-            <a:r>
-              <a:rPr lang="es-PE" dirty="0" err="1">
-                <a:solidFill>
-                  <a:schemeClr val="bg1"/>
-                </a:solidFill>
-              </a:rPr>
-              <a:t>Call</a:t>
-            </a:r>
-            <a:r>
-              <a:rPr lang="es-PE" dirty="0">
-                <a:solidFill>
-                  <a:schemeClr val="bg1"/>
-                </a:solidFill>
-              </a:rPr>
-              <a:t> Center para la recuperación de contraseña</a:t>
-            </a:r>
-          </a:p>
-          <a:p>
-            <a:pPr algn="just"/>
-            <a:r>
-              <a:rPr lang="es-PE" dirty="0">
-                <a:solidFill>
-                  <a:schemeClr val="bg1"/>
-                </a:solidFill>
-              </a:rPr>
-              <a:t>FA03: El </a:t>
-            </a:r>
-            <a:r>
-              <a:rPr lang="es-PE" dirty="0" err="1">
-                <a:solidFill>
-                  <a:schemeClr val="bg1"/>
-                </a:solidFill>
-              </a:rPr>
-              <a:t>Call</a:t>
-            </a:r>
-            <a:r>
-              <a:rPr lang="es-PE" dirty="0">
-                <a:solidFill>
-                  <a:schemeClr val="bg1"/>
-                </a:solidFill>
-              </a:rPr>
-              <a:t> Center verifica sus datos y genera nueva contraseña y </a:t>
-            </a:r>
-            <a:r>
-              <a:rPr lang="es-PE" dirty="0" err="1">
-                <a:solidFill>
-                  <a:schemeClr val="bg1"/>
-                </a:solidFill>
-              </a:rPr>
-              <a:t>envia</a:t>
-            </a:r>
-            <a:r>
-              <a:rPr lang="es-PE" dirty="0">
-                <a:solidFill>
-                  <a:schemeClr val="bg1"/>
-                </a:solidFill>
-              </a:rPr>
-              <a:t> correo de recuperación</a:t>
-            </a:r>
-          </a:p>
-          <a:p>
-            <a:pPr algn="just"/>
-            <a:r>
-              <a:rPr lang="es-PE" dirty="0">
-                <a:solidFill>
-                  <a:schemeClr val="bg1"/>
-                </a:solidFill>
-              </a:rPr>
-              <a:t>FA04: El alumno cambia su contraseña y vuelva al flujo FB02</a:t>
-            </a:r>
-          </a:p>
-          <a:p>
-            <a:pPr algn="just"/>
+              <a:t>Propósito: Inscripción en Británico</a:t>
+            </a:r>
             <a:endParaRPr lang="es-PE" dirty="0">
               <a:solidFill>
                 <a:schemeClr val="bg1"/>
               </a:solidFill>
             </a:endParaRPr>
           </a:p>
+          <a:p>
+            <a:pPr marL="0" indent="0" algn="just">
+              <a:buNone/>
+            </a:pPr>
+            <a:r>
+              <a:rPr lang="es-PE" b="1" dirty="0">
+                <a:solidFill>
+                  <a:schemeClr val="bg1"/>
+                </a:solidFill>
+              </a:rPr>
+              <a:t>Flujo básico:</a:t>
+            </a:r>
+            <a:endParaRPr lang="es-PE" dirty="0">
+              <a:solidFill>
+                <a:schemeClr val="bg1"/>
+              </a:solidFill>
+            </a:endParaRPr>
+          </a:p>
+          <a:p>
+            <a:pPr algn="just"/>
+            <a:r>
+              <a:rPr lang="es-PE" dirty="0">
+                <a:solidFill>
+                  <a:schemeClr val="bg1"/>
+                </a:solidFill>
+              </a:rPr>
+              <a:t>FB01. El caso de uso inicia cuando el alumno ingresa a la web de inscripción</a:t>
+            </a:r>
+          </a:p>
+          <a:p>
+            <a:pPr algn="just"/>
+            <a:r>
+              <a:rPr lang="es-PE" dirty="0">
+                <a:solidFill>
+                  <a:schemeClr val="bg1"/>
+                </a:solidFill>
+              </a:rPr>
+              <a:t>FB02. El alumno ingresa sus credenciales y da clic en ingresar</a:t>
+            </a:r>
+          </a:p>
+          <a:p>
+            <a:pPr algn="just"/>
+            <a:r>
+              <a:rPr lang="es-PE" dirty="0">
+                <a:solidFill>
+                  <a:schemeClr val="bg1"/>
+                </a:solidFill>
+              </a:rPr>
+              <a:t>FB03. El sistema verifica sus credenciales y si son correctas, permite ingresar al sistema</a:t>
+            </a:r>
+          </a:p>
+          <a:p>
+            <a:pPr algn="just"/>
+            <a:r>
+              <a:rPr lang="es-PE" dirty="0">
+                <a:solidFill>
+                  <a:schemeClr val="bg1"/>
+                </a:solidFill>
+              </a:rPr>
+              <a:t>FB04. El usuario ingresa al sistema y elige la clase a matricularse</a:t>
+            </a:r>
+          </a:p>
+          <a:p>
+            <a:pPr algn="just"/>
+            <a:r>
+              <a:rPr lang="es-PE" dirty="0">
+                <a:solidFill>
+                  <a:schemeClr val="bg1"/>
+                </a:solidFill>
+              </a:rPr>
+              <a:t>FB05. El sistema genera la inscripción en la clase</a:t>
+            </a:r>
+          </a:p>
+          <a:p>
+            <a:pPr algn="just"/>
+            <a:r>
+              <a:rPr lang="es-PE" dirty="0">
+                <a:solidFill>
+                  <a:schemeClr val="bg1"/>
+                </a:solidFill>
+              </a:rPr>
+              <a:t>FB06. Al inscribirse, Al alumno se le genera un ticket de deuda para el pago de la clase inscrita</a:t>
+            </a:r>
+          </a:p>
         </p:txBody>
       </p:sp>
     </p:spTree>
     <p:extLst>
       <p:ext uri="{BB962C8B-B14F-4D97-AF65-F5344CB8AC3E}">
-        <p14:creationId xmlns:p14="http://schemas.microsoft.com/office/powerpoint/2010/main" val="3552442073"/>
+        <p14:creationId xmlns:p14="http://schemas.microsoft.com/office/powerpoint/2010/main" val="2826929133"/>
       </p:ext>
     </p:extLst>
   </p:cSld>
@@ -11490,7 +11013,7 @@
                   <a:srgbClr val="FFC000"/>
                 </a:solidFill>
               </a:rPr>
-              <a:t>Especificación de los casos de uso del negocio – CUN 2</a:t>
+              <a:t>Especificación de los casos de uso del negocio – CUN 1</a:t>
             </a:r>
           </a:p>
         </p:txBody>
@@ -11934,7 +11457,7 @@
           <p:cNvPr id="14" name="Marcador de contenido 2">
             <a:extLst>
               <a:ext uri="{FF2B5EF4-FFF2-40B4-BE49-F238E27FC236}">
-                <a16:creationId xmlns:a16="http://schemas.microsoft.com/office/drawing/2014/main" id="{CCFB0BA4-7422-46E8-9B17-CBF08667A103}"/>
+                <a16:creationId xmlns:a16="http://schemas.microsoft.com/office/drawing/2014/main" id="{4D227B4E-7B2F-4E0B-B89F-6802A3D81FB9}"/>
               </a:ext>
             </a:extLst>
           </p:cNvPr>
@@ -11954,7 +11477,7 @@
         </p:spPr>
         <p:txBody>
           <a:bodyPr vert="horz" lIns="91440" tIns="45720" rIns="91440" bIns="45720" rtlCol="0">
-            <a:normAutofit lnSpcReduction="10000"/>
+            <a:normAutofit fontScale="77500" lnSpcReduction="20000"/>
           </a:bodyPr>
           <a:lstStyle>
             <a:lvl1pPr marL="342900" indent="-342900" algn="l" defTabSz="914400" rtl="0" eaLnBrk="1" latinLnBrk="0" hangingPunct="1">
@@ -12098,124 +11621,182 @@
               <a:buNone/>
             </a:pPr>
             <a:r>
-              <a:rPr lang="es-PE" sz="2400" b="1" dirty="0">
+              <a:rPr lang="es-PE" b="1" dirty="0">
                 <a:solidFill>
                   <a:schemeClr val="bg1"/>
                 </a:solidFill>
               </a:rPr>
-              <a:t>Actor: Usuario</a:t>
-            </a:r>
-          </a:p>
-          <a:p>
-            <a:pPr marL="0" indent="0" algn="just">
-              <a:buNone/>
-            </a:pPr>
-            <a:r>
-              <a:rPr lang="es-PE" sz="2400" b="1" dirty="0">
-                <a:solidFill>
-                  <a:schemeClr val="bg1"/>
-                </a:solidFill>
-              </a:rPr>
-              <a:t>Propósito: Realizar pago</a:t>
-            </a:r>
-          </a:p>
-          <a:p>
-            <a:pPr marL="0" indent="0" algn="just">
-              <a:buNone/>
-            </a:pPr>
-            <a:r>
-              <a:rPr lang="es-PE" sz="2400" b="1" dirty="0">
-                <a:solidFill>
-                  <a:schemeClr val="bg1"/>
-                </a:solidFill>
-              </a:rPr>
-              <a:t>Flujo básico:</a:t>
-            </a:r>
-          </a:p>
-          <a:p>
-            <a:pPr algn="just"/>
-            <a:r>
-              <a:rPr lang="es-PE" sz="2400" dirty="0">
-                <a:solidFill>
-                  <a:schemeClr val="bg1"/>
-                </a:solidFill>
-              </a:rPr>
-              <a:t>FB01. El caso de uso inicia cuando el alumno selecciona el método de pago entre banco o tarjeta de crédito</a:t>
-            </a:r>
-          </a:p>
-          <a:p>
-            <a:pPr algn="just"/>
-            <a:r>
-              <a:rPr lang="es-PE" sz="2400" dirty="0">
-                <a:solidFill>
-                  <a:schemeClr val="bg1"/>
-                </a:solidFill>
-              </a:rPr>
-              <a:t>FB02. El sistema  informa al banco de la deuda</a:t>
-            </a:r>
-          </a:p>
-          <a:p>
-            <a:pPr algn="just"/>
-            <a:r>
-              <a:rPr lang="es-PE" sz="2400" dirty="0">
-                <a:solidFill>
-                  <a:schemeClr val="bg1"/>
-                </a:solidFill>
-              </a:rPr>
-              <a:t>FB03. El usuario de cobranza confirma el pago de deuda y genera </a:t>
-            </a:r>
-            <a:r>
-              <a:rPr lang="es-PE" sz="2400" b="1" dirty="0">
-                <a:solidFill>
-                  <a:schemeClr val="bg1"/>
-                </a:solidFill>
-              </a:rPr>
-              <a:t>comprobante de venta que envía a </a:t>
-            </a:r>
-            <a:r>
-              <a:rPr lang="es-PE" sz="2400" b="1" dirty="0" err="1">
-                <a:solidFill>
-                  <a:schemeClr val="bg1"/>
-                </a:solidFill>
-              </a:rPr>
-              <a:t>Sunat</a:t>
-            </a:r>
-            <a:endParaRPr lang="es-PE" sz="2400" b="1" dirty="0">
+              <a:t>Flujo alternativo 01:</a:t>
+            </a:r>
+            <a:endParaRPr lang="es-PE" dirty="0">
               <a:solidFill>
                 <a:schemeClr val="bg1"/>
               </a:solidFill>
             </a:endParaRPr>
           </a:p>
           <a:p>
+            <a:pPr algn="just"/>
+            <a:r>
+              <a:rPr lang="es-PE" dirty="0">
+                <a:solidFill>
+                  <a:schemeClr val="bg1"/>
+                </a:solidFill>
+              </a:rPr>
+              <a:t>FA01: Alumno ingresa credenciales incorrectas de acceso</a:t>
+            </a:r>
+          </a:p>
+          <a:p>
+            <a:pPr algn="just"/>
+            <a:r>
+              <a:rPr lang="es-PE" dirty="0">
+                <a:solidFill>
+                  <a:schemeClr val="bg1"/>
+                </a:solidFill>
+              </a:rPr>
+              <a:t>FA02: El alumno solicita la recuperación de contraseña</a:t>
+            </a:r>
+          </a:p>
+          <a:p>
+            <a:pPr algn="just"/>
+            <a:r>
+              <a:rPr lang="es-PE" dirty="0">
+                <a:solidFill>
+                  <a:schemeClr val="bg1"/>
+                </a:solidFill>
+              </a:rPr>
+              <a:t>FA03: El sistema le envía un correo de recuperación de contraseña</a:t>
+            </a:r>
+          </a:p>
+          <a:p>
+            <a:pPr algn="just"/>
+            <a:r>
+              <a:rPr lang="es-PE" dirty="0">
+                <a:solidFill>
+                  <a:schemeClr val="bg1"/>
+                </a:solidFill>
+              </a:rPr>
+              <a:t>FA04: El alumno cambia su contraseña y vuelva al flujo FB02</a:t>
+            </a:r>
+          </a:p>
+          <a:p>
             <a:pPr marL="0" indent="0" algn="just">
               <a:buNone/>
             </a:pPr>
             <a:r>
-              <a:rPr lang="es-PE" sz="2400" b="1" dirty="0">
+              <a:rPr lang="es-PE" b="1" dirty="0">
                 <a:solidFill>
                   <a:schemeClr val="bg1"/>
                 </a:solidFill>
               </a:rPr>
-              <a:t>Flujo alternativo:</a:t>
+              <a:t>Flujo alternativo 02:</a:t>
             </a:r>
           </a:p>
           <a:p>
             <a:pPr algn="just"/>
             <a:r>
-              <a:rPr lang="es-PE" sz="2400" dirty="0">
+              <a:rPr lang="es-PE" dirty="0">
                 <a:solidFill>
                   <a:schemeClr val="bg1"/>
                 </a:solidFill>
               </a:rPr>
-              <a:t>FA01: El usuario de cobranza no confirma el pago y vuelve a consultar en dos horas</a:t>
-            </a:r>
+              <a:t>FA01: Alumno no recibe la contraseña de recuperación</a:t>
+            </a:r>
+          </a:p>
+          <a:p>
+            <a:pPr algn="just"/>
+            <a:r>
+              <a:rPr lang="es-PE" dirty="0">
+                <a:solidFill>
+                  <a:schemeClr val="bg1"/>
+                </a:solidFill>
+              </a:rPr>
+              <a:t>FA02: El alumno llama al </a:t>
+            </a:r>
+            <a:r>
+              <a:rPr lang="es-PE" dirty="0" err="1">
+                <a:solidFill>
+                  <a:schemeClr val="bg1"/>
+                </a:solidFill>
+              </a:rPr>
+              <a:t>Call</a:t>
+            </a:r>
+            <a:r>
+              <a:rPr lang="es-PE" dirty="0">
+                <a:solidFill>
+                  <a:schemeClr val="bg1"/>
+                </a:solidFill>
+              </a:rPr>
+              <a:t> Center para la recuperación de contraseña</a:t>
+            </a:r>
+          </a:p>
+          <a:p>
+            <a:pPr algn="just"/>
+            <a:r>
+              <a:rPr lang="es-PE" dirty="0">
+                <a:solidFill>
+                  <a:schemeClr val="bg1"/>
+                </a:solidFill>
+              </a:rPr>
+              <a:t>FA03: El </a:t>
+            </a:r>
+            <a:r>
+              <a:rPr lang="es-PE" dirty="0" err="1">
+                <a:solidFill>
+                  <a:schemeClr val="bg1"/>
+                </a:solidFill>
+              </a:rPr>
+              <a:t>Call</a:t>
+            </a:r>
+            <a:r>
+              <a:rPr lang="es-PE" dirty="0">
+                <a:solidFill>
+                  <a:schemeClr val="bg1"/>
+                </a:solidFill>
+              </a:rPr>
+              <a:t> Center verifica sus datos y genera nueva contraseña y </a:t>
+            </a:r>
+            <a:r>
+              <a:rPr lang="es-PE" dirty="0" err="1">
+                <a:solidFill>
+                  <a:schemeClr val="bg1"/>
+                </a:solidFill>
+              </a:rPr>
+              <a:t>envia</a:t>
+            </a:r>
+            <a:r>
+              <a:rPr lang="es-PE" dirty="0">
+                <a:solidFill>
+                  <a:schemeClr val="bg1"/>
+                </a:solidFill>
+              </a:rPr>
+              <a:t> correo de recuperación</a:t>
+            </a:r>
+          </a:p>
+          <a:p>
+            <a:pPr algn="just"/>
+            <a:r>
+              <a:rPr lang="es-PE" dirty="0">
+                <a:solidFill>
+                  <a:schemeClr val="bg1"/>
+                </a:solidFill>
+              </a:rPr>
+              <a:t>FA04: El alumno cambia su contraseña y vuelva al flujo FB02</a:t>
+            </a:r>
+          </a:p>
+          <a:p>
+            <a:pPr algn="just"/>
+            <a:endParaRPr lang="es-PE" dirty="0">
+              <a:solidFill>
+                <a:schemeClr val="bg1"/>
+              </a:solidFill>
+            </a:endParaRPr>
           </a:p>
         </p:txBody>
       </p:sp>
     </p:spTree>
     <p:extLst>
       <p:ext uri="{BB962C8B-B14F-4D97-AF65-F5344CB8AC3E}">
-        <p14:creationId xmlns:p14="http://schemas.microsoft.com/office/powerpoint/2010/main" val="2154216887"/>
+        <p14:creationId xmlns:p14="http://schemas.microsoft.com/office/powerpoint/2010/main" val="3552442073"/>
       </p:ext>
     </p:extLst>
   </p:cSld>
@@ -12379,7 +11960,7 @@
                   <a:srgbClr val="FFC000"/>
                 </a:solidFill>
               </a:rPr>
-              <a:t>Especificación de los casos de uso del negocio – CUN 3</a:t>
+              <a:t>Especificación de los casos de uso del negocio – CUN 2</a:t>
             </a:r>
           </a:p>
         </p:txBody>
@@ -12823,7 +12404,7 @@
           <p:cNvPr id="14" name="Marcador de contenido 2">
             <a:extLst>
               <a:ext uri="{FF2B5EF4-FFF2-40B4-BE49-F238E27FC236}">
-                <a16:creationId xmlns:a16="http://schemas.microsoft.com/office/drawing/2014/main" id="{B189BCD0-C50C-4BDC-9E7E-4EB811CD8DA0}"/>
+                <a16:creationId xmlns:a16="http://schemas.microsoft.com/office/drawing/2014/main" id="{CCFB0BA4-7422-46E8-9B17-CBF08667A103}"/>
               </a:ext>
             </a:extLst>
           </p:cNvPr>
@@ -12835,7 +12416,7 @@
         <p:spPr>
           <a:xfrm>
             <a:off x="1289444" y="2116755"/>
-            <a:ext cx="9577893" cy="4739750"/>
+            <a:ext cx="9240011" cy="4453624"/>
           </a:xfrm>
           <a:prstGeom prst="rect">
             <a:avLst/>
@@ -12843,7 +12424,7 @@
         </p:spPr>
         <p:txBody>
           <a:bodyPr vert="horz" lIns="91440" tIns="45720" rIns="91440" bIns="45720" rtlCol="0">
-            <a:normAutofit/>
+            <a:normAutofit lnSpcReduction="10000"/>
           </a:bodyPr>
           <a:lstStyle>
             <a:lvl1pPr marL="342900" indent="-342900" algn="l" defTabSz="914400" rtl="0" eaLnBrk="1" latinLnBrk="0" hangingPunct="1">
@@ -13005,7 +12586,7 @@
                   <a:schemeClr val="bg1"/>
                 </a:solidFill>
               </a:rPr>
-              <a:t>Propósito: Gestionar documento de matricula</a:t>
+              <a:t>Propósito: Realizar pago</a:t>
             </a:r>
           </a:p>
           <a:p>
@@ -13029,7 +12610,7 @@
                   <a:schemeClr val="bg1"/>
                 </a:solidFill>
               </a:rPr>
-              <a:t>FB01. El caso de uso inicia cuando el alumno llena su solicitud de documento de matrícula y lo entrega al cajero</a:t>
+              <a:t>FB01. El caso de uso inicia cuando el alumno selecciona el método de pago entre banco o tarjeta de crédito</a:t>
             </a:r>
           </a:p>
           <a:p>
@@ -13040,7 +12621,7 @@
                   <a:schemeClr val="bg1"/>
                 </a:solidFill>
               </a:rPr>
-              <a:t>FB02. El cajero realiza la recepción de la solicitud y elabora la constancia de matrícula junto a la lista de asistencia.</a:t>
+              <a:t>FB02. El sistema  informa al banco de la deuda</a:t>
             </a:r>
           </a:p>
           <a:p>
@@ -13051,7 +12632,52 @@
                   <a:schemeClr val="bg1"/>
                 </a:solidFill>
               </a:rPr>
-              <a:t>FB03. El cajero el cajero entrega la boleta de pago al alumno </a:t>
+              <a:t>FB03. El usuario de cobranza confirma el pago de deuda y genera </a:t>
+            </a:r>
+            <a:r>
+              <a:rPr lang="es-PE" sz="2400" b="1" dirty="0">
+                <a:solidFill>
+                  <a:schemeClr val="bg1"/>
+                </a:solidFill>
+              </a:rPr>
+              <a:t>comprobante de venta que envía a </a:t>
+            </a:r>
+            <a:r>
+              <a:rPr lang="es-PE" sz="2400" b="1" dirty="0" err="1">
+                <a:solidFill>
+                  <a:schemeClr val="bg1"/>
+                </a:solidFill>
+              </a:rPr>
+              <a:t>Sunat</a:t>
+            </a:r>
+            <a:endParaRPr lang="es-PE" sz="2400" b="1" dirty="0">
+              <a:solidFill>
+                <a:schemeClr val="bg1"/>
+              </a:solidFill>
+            </a:endParaRPr>
+          </a:p>
+          <a:p>
+            <a:pPr marL="0" indent="0" algn="just">
+              <a:buNone/>
+            </a:pPr>
+            <a:r>
+              <a:rPr lang="es-PE" sz="2400" b="1" dirty="0">
+                <a:solidFill>
+                  <a:schemeClr val="bg1"/>
+                </a:solidFill>
+              </a:rPr>
+              <a:t>Flujo alternativo:</a:t>
+            </a:r>
+          </a:p>
+          <a:p>
+            <a:pPr algn="just"/>
+            <a:r>
+              <a:rPr lang="es-PE" sz="2400" dirty="0">
+                <a:solidFill>
+                  <a:schemeClr val="bg1"/>
+                </a:solidFill>
+              </a:rPr>
+              <a:t>FA01: El usuario de cobranza no confirma el pago y vuelve a consultar en dos horas</a:t>
             </a:r>
           </a:p>
         </p:txBody>
@@ -13059,7 +12685,7 @@
     </p:spTree>
     <p:extLst>
       <p:ext uri="{BB962C8B-B14F-4D97-AF65-F5344CB8AC3E}">
-        <p14:creationId xmlns:p14="http://schemas.microsoft.com/office/powerpoint/2010/main" val="2186284555"/>
+        <p14:creationId xmlns:p14="http://schemas.microsoft.com/office/powerpoint/2010/main" val="2154216887"/>
       </p:ext>
     </p:extLst>
   </p:cSld>
@@ -13207,7 +12833,7 @@
         <p:spPr>
           <a:xfrm>
             <a:off x="1135067" y="1482997"/>
-            <a:ext cx="9998118" cy="746766"/>
+            <a:ext cx="9577893" cy="635253"/>
           </a:xfrm>
         </p:spPr>
         <p:txBody>
@@ -13223,7 +12849,7 @@
                   <a:srgbClr val="FFC000"/>
                 </a:solidFill>
               </a:rPr>
-              <a:t>Diagrama de Actividades – Inscripción</a:t>
+              <a:t>Especificación de los casos de uso del negocio – CUN 3</a:t>
             </a:r>
           </a:p>
         </p:txBody>
@@ -13486,40 +13112,424 @@
           </a:extLst>
         </p:spPr>
       </p:pic>
-      <p:pic>
-        <p:nvPicPr>
-          <p:cNvPr id="10" name="Imagen 9">
-            <a:extLst>
-              <a:ext uri="{FF2B5EF4-FFF2-40B4-BE49-F238E27FC236}">
-                <a16:creationId xmlns:a16="http://schemas.microsoft.com/office/drawing/2014/main" id="{2FDE63A6-5B09-4494-811A-288B29DEE829}"/>
-              </a:ext>
-            </a:extLst>
-          </p:cNvPr>
-          <p:cNvPicPr>
-            <a:picLocks noChangeAspect="1"/>
-          </p:cNvPicPr>
-          <p:nvPr/>
-        </p:nvPicPr>
-        <p:blipFill>
-          <a:blip r:embed="rId5"/>
-          <a:stretch>
-            <a:fillRect/>
-          </a:stretch>
-        </p:blipFill>
+      <p:sp>
+        <p:nvSpPr>
+          <p:cNvPr id="11" name="Marcador de contenido 2">
+            <a:extLst>
+              <a:ext uri="{FF2B5EF4-FFF2-40B4-BE49-F238E27FC236}">
+                <a16:creationId xmlns:a16="http://schemas.microsoft.com/office/drawing/2014/main" id="{032EF7DF-DCB0-4C1E-9568-267DFBC6A786}"/>
+              </a:ext>
+            </a:extLst>
+          </p:cNvPr>
+          <p:cNvSpPr txBox="1">
+            <a:spLocks/>
+          </p:cNvSpPr>
+          <p:nvPr/>
+        </p:nvSpPr>
         <p:spPr>
           <a:xfrm>
-            <a:off x="2372095" y="2050473"/>
-            <a:ext cx="5455723" cy="4898381"/>
+            <a:off x="2416747" y="4377460"/>
+            <a:ext cx="9577893" cy="635253"/>
           </a:xfrm>
           <a:prstGeom prst="rect">
             <a:avLst/>
           </a:prstGeom>
         </p:spPr>
-      </p:pic>
+        <p:txBody>
+          <a:bodyPr vert="horz" lIns="91440" tIns="45720" rIns="91440" bIns="45720" rtlCol="0">
+            <a:normAutofit/>
+          </a:bodyPr>
+          <a:lstStyle>
+            <a:lvl1pPr marL="342900" indent="-342900" algn="l" defTabSz="914400" rtl="0" eaLnBrk="1" latinLnBrk="0" hangingPunct="1">
+              <a:spcBef>
+                <a:spcPct val="20000"/>
+              </a:spcBef>
+              <a:buFont typeface="Arial" pitchFamily="34" charset="0"/>
+              <a:buChar char="•"/>
+              <a:defRPr sz="3200" kern="1200">
+                <a:solidFill>
+                  <a:schemeClr val="tx1"/>
+                </a:solidFill>
+                <a:latin typeface="+mn-lt"/>
+                <a:ea typeface="+mn-ea"/>
+                <a:cs typeface="+mn-cs"/>
+              </a:defRPr>
+            </a:lvl1pPr>
+            <a:lvl2pPr marL="742950" indent="-285750" algn="l" defTabSz="914400" rtl="0" eaLnBrk="1" latinLnBrk="0" hangingPunct="1">
+              <a:spcBef>
+                <a:spcPct val="20000"/>
+              </a:spcBef>
+              <a:buFont typeface="Arial" pitchFamily="34" charset="0"/>
+              <a:buChar char="–"/>
+              <a:defRPr sz="2800" kern="1200">
+                <a:solidFill>
+                  <a:schemeClr val="tx1"/>
+                </a:solidFill>
+                <a:latin typeface="+mn-lt"/>
+                <a:ea typeface="+mn-ea"/>
+                <a:cs typeface="+mn-cs"/>
+              </a:defRPr>
+            </a:lvl2pPr>
+            <a:lvl3pPr marL="1143000" indent="-228600" algn="l" defTabSz="914400" rtl="0" eaLnBrk="1" latinLnBrk="0" hangingPunct="1">
+              <a:spcBef>
+                <a:spcPct val="20000"/>
+              </a:spcBef>
+              <a:buFont typeface="Arial" pitchFamily="34" charset="0"/>
+              <a:buChar char="•"/>
+              <a:defRPr sz="2400" kern="1200">
+                <a:solidFill>
+                  <a:schemeClr val="tx1"/>
+                </a:solidFill>
+                <a:latin typeface="+mn-lt"/>
+                <a:ea typeface="+mn-ea"/>
+                <a:cs typeface="+mn-cs"/>
+              </a:defRPr>
+            </a:lvl3pPr>
+            <a:lvl4pPr marL="1600200" indent="-228600" algn="l" defTabSz="914400" rtl="0" eaLnBrk="1" latinLnBrk="0" hangingPunct="1">
+              <a:spcBef>
+                <a:spcPct val="20000"/>
+              </a:spcBef>
+              <a:buFont typeface="Arial" pitchFamily="34" charset="0"/>
+              <a:buChar char="–"/>
+              <a:defRPr sz="2000" kern="1200">
+                <a:solidFill>
+                  <a:schemeClr val="tx1"/>
+                </a:solidFill>
+                <a:latin typeface="+mn-lt"/>
+                <a:ea typeface="+mn-ea"/>
+                <a:cs typeface="+mn-cs"/>
+              </a:defRPr>
+            </a:lvl4pPr>
+            <a:lvl5pPr marL="2057400" indent="-228600" algn="l" defTabSz="914400" rtl="0" eaLnBrk="1" latinLnBrk="0" hangingPunct="1">
+              <a:spcBef>
+                <a:spcPct val="20000"/>
+              </a:spcBef>
+              <a:buFont typeface="Arial" pitchFamily="34" charset="0"/>
+              <a:buChar char="»"/>
+              <a:defRPr sz="2000" kern="1200">
+                <a:solidFill>
+                  <a:schemeClr val="tx1"/>
+                </a:solidFill>
+                <a:latin typeface="+mn-lt"/>
+                <a:ea typeface="+mn-ea"/>
+                <a:cs typeface="+mn-cs"/>
+              </a:defRPr>
+            </a:lvl5pPr>
+            <a:lvl6pPr marL="2514600" indent="-228600" algn="l" defTabSz="914400" rtl="0" eaLnBrk="1" latinLnBrk="0" hangingPunct="1">
+              <a:spcBef>
+                <a:spcPct val="20000"/>
+              </a:spcBef>
+              <a:buFont typeface="Arial" pitchFamily="34" charset="0"/>
+              <a:buChar char="•"/>
+              <a:defRPr sz="2000" kern="1200">
+                <a:solidFill>
+                  <a:schemeClr val="tx1"/>
+                </a:solidFill>
+                <a:latin typeface="+mn-lt"/>
+                <a:ea typeface="+mn-ea"/>
+                <a:cs typeface="+mn-cs"/>
+              </a:defRPr>
+            </a:lvl6pPr>
+            <a:lvl7pPr marL="2971800" indent="-228600" algn="l" defTabSz="914400" rtl="0" eaLnBrk="1" latinLnBrk="0" hangingPunct="1">
+              <a:spcBef>
+                <a:spcPct val="20000"/>
+              </a:spcBef>
+              <a:buFont typeface="Arial" pitchFamily="34" charset="0"/>
+              <a:buChar char="•"/>
+              <a:defRPr sz="2000" kern="1200">
+                <a:solidFill>
+                  <a:schemeClr val="tx1"/>
+                </a:solidFill>
+                <a:latin typeface="+mn-lt"/>
+                <a:ea typeface="+mn-ea"/>
+                <a:cs typeface="+mn-cs"/>
+              </a:defRPr>
+            </a:lvl7pPr>
+            <a:lvl8pPr marL="3429000" indent="-228600" algn="l" defTabSz="914400" rtl="0" eaLnBrk="1" latinLnBrk="0" hangingPunct="1">
+              <a:spcBef>
+                <a:spcPct val="20000"/>
+              </a:spcBef>
+              <a:buFont typeface="Arial" pitchFamily="34" charset="0"/>
+              <a:buChar char="•"/>
+              <a:defRPr sz="2000" kern="1200">
+                <a:solidFill>
+                  <a:schemeClr val="tx1"/>
+                </a:solidFill>
+                <a:latin typeface="+mn-lt"/>
+                <a:ea typeface="+mn-ea"/>
+                <a:cs typeface="+mn-cs"/>
+              </a:defRPr>
+            </a:lvl8pPr>
+            <a:lvl9pPr marL="3886200" indent="-228600" algn="l" defTabSz="914400" rtl="0" eaLnBrk="1" latinLnBrk="0" hangingPunct="1">
+              <a:spcBef>
+                <a:spcPct val="20000"/>
+              </a:spcBef>
+              <a:buFont typeface="Arial" pitchFamily="34" charset="0"/>
+              <a:buChar char="•"/>
+              <a:defRPr sz="2000" kern="1200">
+                <a:solidFill>
+                  <a:schemeClr val="tx1"/>
+                </a:solidFill>
+                <a:latin typeface="+mn-lt"/>
+                <a:ea typeface="+mn-ea"/>
+                <a:cs typeface="+mn-cs"/>
+              </a:defRPr>
+            </a:lvl9pPr>
+          </a:lstStyle>
+          <a:p>
+            <a:pPr marL="3657600" lvl="8" indent="0" algn="just">
+              <a:buNone/>
+            </a:pPr>
+            <a:endParaRPr lang="es-PE" dirty="0">
+              <a:solidFill>
+                <a:srgbClr val="FFC000"/>
+              </a:solidFill>
+            </a:endParaRPr>
+          </a:p>
+        </p:txBody>
+      </p:sp>
+      <p:sp>
+        <p:nvSpPr>
+          <p:cNvPr id="14" name="Marcador de contenido 2">
+            <a:extLst>
+              <a:ext uri="{FF2B5EF4-FFF2-40B4-BE49-F238E27FC236}">
+                <a16:creationId xmlns:a16="http://schemas.microsoft.com/office/drawing/2014/main" id="{B189BCD0-C50C-4BDC-9E7E-4EB811CD8DA0}"/>
+              </a:ext>
+            </a:extLst>
+          </p:cNvPr>
+          <p:cNvSpPr txBox="1">
+            <a:spLocks/>
+          </p:cNvSpPr>
+          <p:nvPr/>
+        </p:nvSpPr>
+        <p:spPr>
+          <a:xfrm>
+            <a:off x="1289444" y="2116755"/>
+            <a:ext cx="9577893" cy="4739750"/>
+          </a:xfrm>
+          <a:prstGeom prst="rect">
+            <a:avLst/>
+          </a:prstGeom>
+        </p:spPr>
+        <p:txBody>
+          <a:bodyPr vert="horz" lIns="91440" tIns="45720" rIns="91440" bIns="45720" rtlCol="0">
+            <a:normAutofit/>
+          </a:bodyPr>
+          <a:lstStyle>
+            <a:lvl1pPr marL="342900" indent="-342900" algn="l" defTabSz="914400" rtl="0" eaLnBrk="1" latinLnBrk="0" hangingPunct="1">
+              <a:spcBef>
+                <a:spcPct val="20000"/>
+              </a:spcBef>
+              <a:buFont typeface="Arial" pitchFamily="34" charset="0"/>
+              <a:buChar char="•"/>
+              <a:defRPr sz="3200" kern="1200">
+                <a:solidFill>
+                  <a:schemeClr val="tx1"/>
+                </a:solidFill>
+                <a:latin typeface="+mn-lt"/>
+                <a:ea typeface="+mn-ea"/>
+                <a:cs typeface="+mn-cs"/>
+              </a:defRPr>
+            </a:lvl1pPr>
+            <a:lvl2pPr marL="742950" indent="-285750" algn="l" defTabSz="914400" rtl="0" eaLnBrk="1" latinLnBrk="0" hangingPunct="1">
+              <a:spcBef>
+                <a:spcPct val="20000"/>
+              </a:spcBef>
+              <a:buFont typeface="Arial" pitchFamily="34" charset="0"/>
+              <a:buChar char="–"/>
+              <a:defRPr sz="2800" kern="1200">
+                <a:solidFill>
+                  <a:schemeClr val="tx1"/>
+                </a:solidFill>
+                <a:latin typeface="+mn-lt"/>
+                <a:ea typeface="+mn-ea"/>
+                <a:cs typeface="+mn-cs"/>
+              </a:defRPr>
+            </a:lvl2pPr>
+            <a:lvl3pPr marL="1143000" indent="-228600" algn="l" defTabSz="914400" rtl="0" eaLnBrk="1" latinLnBrk="0" hangingPunct="1">
+              <a:spcBef>
+                <a:spcPct val="20000"/>
+              </a:spcBef>
+              <a:buFont typeface="Arial" pitchFamily="34" charset="0"/>
+              <a:buChar char="•"/>
+              <a:defRPr sz="2400" kern="1200">
+                <a:solidFill>
+                  <a:schemeClr val="tx1"/>
+                </a:solidFill>
+                <a:latin typeface="+mn-lt"/>
+                <a:ea typeface="+mn-ea"/>
+                <a:cs typeface="+mn-cs"/>
+              </a:defRPr>
+            </a:lvl3pPr>
+            <a:lvl4pPr marL="1600200" indent="-228600" algn="l" defTabSz="914400" rtl="0" eaLnBrk="1" latinLnBrk="0" hangingPunct="1">
+              <a:spcBef>
+                <a:spcPct val="20000"/>
+              </a:spcBef>
+              <a:buFont typeface="Arial" pitchFamily="34" charset="0"/>
+              <a:buChar char="–"/>
+              <a:defRPr sz="2000" kern="1200">
+                <a:solidFill>
+                  <a:schemeClr val="tx1"/>
+                </a:solidFill>
+                <a:latin typeface="+mn-lt"/>
+                <a:ea typeface="+mn-ea"/>
+                <a:cs typeface="+mn-cs"/>
+              </a:defRPr>
+            </a:lvl4pPr>
+            <a:lvl5pPr marL="2057400" indent="-228600" algn="l" defTabSz="914400" rtl="0" eaLnBrk="1" latinLnBrk="0" hangingPunct="1">
+              <a:spcBef>
+                <a:spcPct val="20000"/>
+              </a:spcBef>
+              <a:buFont typeface="Arial" pitchFamily="34" charset="0"/>
+              <a:buChar char="»"/>
+              <a:defRPr sz="2000" kern="1200">
+                <a:solidFill>
+                  <a:schemeClr val="tx1"/>
+                </a:solidFill>
+                <a:latin typeface="+mn-lt"/>
+                <a:ea typeface="+mn-ea"/>
+                <a:cs typeface="+mn-cs"/>
+              </a:defRPr>
+            </a:lvl5pPr>
+            <a:lvl6pPr marL="2514600" indent="-228600" algn="l" defTabSz="914400" rtl="0" eaLnBrk="1" latinLnBrk="0" hangingPunct="1">
+              <a:spcBef>
+                <a:spcPct val="20000"/>
+              </a:spcBef>
+              <a:buFont typeface="Arial" pitchFamily="34" charset="0"/>
+              <a:buChar char="•"/>
+              <a:defRPr sz="2000" kern="1200">
+                <a:solidFill>
+                  <a:schemeClr val="tx1"/>
+                </a:solidFill>
+                <a:latin typeface="+mn-lt"/>
+                <a:ea typeface="+mn-ea"/>
+                <a:cs typeface="+mn-cs"/>
+              </a:defRPr>
+            </a:lvl6pPr>
+            <a:lvl7pPr marL="2971800" indent="-228600" algn="l" defTabSz="914400" rtl="0" eaLnBrk="1" latinLnBrk="0" hangingPunct="1">
+              <a:spcBef>
+                <a:spcPct val="20000"/>
+              </a:spcBef>
+              <a:buFont typeface="Arial" pitchFamily="34" charset="0"/>
+              <a:buChar char="•"/>
+              <a:defRPr sz="2000" kern="1200">
+                <a:solidFill>
+                  <a:schemeClr val="tx1"/>
+                </a:solidFill>
+                <a:latin typeface="+mn-lt"/>
+                <a:ea typeface="+mn-ea"/>
+                <a:cs typeface="+mn-cs"/>
+              </a:defRPr>
+            </a:lvl7pPr>
+            <a:lvl8pPr marL="3429000" indent="-228600" algn="l" defTabSz="914400" rtl="0" eaLnBrk="1" latinLnBrk="0" hangingPunct="1">
+              <a:spcBef>
+                <a:spcPct val="20000"/>
+              </a:spcBef>
+              <a:buFont typeface="Arial" pitchFamily="34" charset="0"/>
+              <a:buChar char="•"/>
+              <a:defRPr sz="2000" kern="1200">
+                <a:solidFill>
+                  <a:schemeClr val="tx1"/>
+                </a:solidFill>
+                <a:latin typeface="+mn-lt"/>
+                <a:ea typeface="+mn-ea"/>
+                <a:cs typeface="+mn-cs"/>
+              </a:defRPr>
+            </a:lvl8pPr>
+            <a:lvl9pPr marL="3886200" indent="-228600" algn="l" defTabSz="914400" rtl="0" eaLnBrk="1" latinLnBrk="0" hangingPunct="1">
+              <a:spcBef>
+                <a:spcPct val="20000"/>
+              </a:spcBef>
+              <a:buFont typeface="Arial" pitchFamily="34" charset="0"/>
+              <a:buChar char="•"/>
+              <a:defRPr sz="2000" kern="1200">
+                <a:solidFill>
+                  <a:schemeClr val="tx1"/>
+                </a:solidFill>
+                <a:latin typeface="+mn-lt"/>
+                <a:ea typeface="+mn-ea"/>
+                <a:cs typeface="+mn-cs"/>
+              </a:defRPr>
+            </a:lvl9pPr>
+          </a:lstStyle>
+          <a:p>
+            <a:pPr marL="0" indent="0" algn="just">
+              <a:buNone/>
+            </a:pPr>
+            <a:r>
+              <a:rPr lang="es-PE" sz="2400" b="1" dirty="0">
+                <a:solidFill>
+                  <a:schemeClr val="bg1"/>
+                </a:solidFill>
+              </a:rPr>
+              <a:t>Actor: Usuario</a:t>
+            </a:r>
+          </a:p>
+          <a:p>
+            <a:pPr marL="0" indent="0" algn="just">
+              <a:buNone/>
+            </a:pPr>
+            <a:r>
+              <a:rPr lang="es-PE" sz="2400" b="1" dirty="0">
+                <a:solidFill>
+                  <a:schemeClr val="bg1"/>
+                </a:solidFill>
+              </a:rPr>
+              <a:t>Propósito: Gestionar documento de matricula</a:t>
+            </a:r>
+          </a:p>
+          <a:p>
+            <a:pPr marL="0" indent="0" algn="just">
+              <a:buNone/>
+            </a:pPr>
+            <a:r>
+              <a:rPr lang="es-PE" sz="2400" b="1" dirty="0">
+                <a:solidFill>
+                  <a:schemeClr val="bg1"/>
+                </a:solidFill>
+              </a:rPr>
+              <a:t>Flujo básico:</a:t>
+            </a:r>
+          </a:p>
+          <a:p>
+            <a:pPr algn="just"/>
+            <a:r>
+              <a:rPr lang="es-PE" sz="2400" dirty="0">
+                <a:solidFill>
+                  <a:schemeClr val="bg1"/>
+                </a:solidFill>
+              </a:rPr>
+              <a:t>FB01. El caso de uso inicia cuando el alumno llena su solicitud de documento de matrícula y lo entrega al cajero</a:t>
+            </a:r>
+          </a:p>
+          <a:p>
+            <a:pPr algn="just"/>
+            <a:r>
+              <a:rPr lang="es-PE" sz="2400" dirty="0">
+                <a:solidFill>
+                  <a:schemeClr val="bg1"/>
+                </a:solidFill>
+              </a:rPr>
+              <a:t>FB02. El cajero realiza la recepción de la solicitud y elabora la constancia de matrícula junto a la lista de asistencia.</a:t>
+            </a:r>
+          </a:p>
+          <a:p>
+            <a:pPr algn="just"/>
+            <a:r>
+              <a:rPr lang="es-PE" sz="2400" dirty="0">
+                <a:solidFill>
+                  <a:schemeClr val="bg1"/>
+                </a:solidFill>
+              </a:rPr>
+              <a:t>FB03. El cajero el cajero entrega la boleta de pago al alumno </a:t>
+            </a:r>
+          </a:p>
+        </p:txBody>
+      </p:sp>
     </p:spTree>
     <p:extLst>
       <p:ext uri="{BB962C8B-B14F-4D97-AF65-F5344CB8AC3E}">
-        <p14:creationId xmlns:p14="http://schemas.microsoft.com/office/powerpoint/2010/main" val="3454079362"/>
+        <p14:creationId xmlns:p14="http://schemas.microsoft.com/office/powerpoint/2010/main" val="2186284555"/>
       </p:ext>
     </p:extLst>
   </p:cSld>
@@ -13607,7 +13617,7 @@
         </p:nvSpPr>
         <p:spPr>
           <a:xfrm>
-            <a:off x="17609" y="0"/>
+            <a:off x="-17609" y="0"/>
             <a:ext cx="12192000" cy="7039708"/>
           </a:xfrm>
           <a:prstGeom prst="rect">
@@ -13683,7 +13693,7 @@
                   <a:srgbClr val="FFC000"/>
                 </a:solidFill>
               </a:rPr>
-              <a:t>Diagrama de Actividades – Pago</a:t>
+              <a:t>Diagrama de Actividades – Inscripción</a:t>
             </a:r>
           </a:p>
         </p:txBody>
@@ -13951,7 +13961,7 @@
           <p:cNvPr id="10" name="Imagen 9">
             <a:extLst>
               <a:ext uri="{FF2B5EF4-FFF2-40B4-BE49-F238E27FC236}">
-                <a16:creationId xmlns:a16="http://schemas.microsoft.com/office/drawing/2014/main" id="{27172154-F39A-4CDD-A784-7A6505034E88}"/>
+                <a16:creationId xmlns:a16="http://schemas.microsoft.com/office/drawing/2014/main" id="{2FDE63A6-5B09-4494-811A-288B29DEE829}"/>
               </a:ext>
             </a:extLst>
           </p:cNvPr>
@@ -13968,8 +13978,8 @@
         </p:blipFill>
         <p:spPr>
           <a:xfrm>
-            <a:off x="2069871" y="2022764"/>
-            <a:ext cx="6325984" cy="4835236"/>
+            <a:off x="2372095" y="2050473"/>
+            <a:ext cx="5455723" cy="4898381"/>
           </a:xfrm>
           <a:prstGeom prst="rect">
             <a:avLst/>
@@ -13979,7 +13989,7 @@
     </p:spTree>
     <p:extLst>
       <p:ext uri="{BB962C8B-B14F-4D97-AF65-F5344CB8AC3E}">
-        <p14:creationId xmlns:p14="http://schemas.microsoft.com/office/powerpoint/2010/main" val="2722720059"/>
+        <p14:creationId xmlns:p14="http://schemas.microsoft.com/office/powerpoint/2010/main" val="3454079362"/>
       </p:ext>
     </p:extLst>
   </p:cSld>
@@ -14132,7 +14142,7 @@
         </p:spPr>
         <p:txBody>
           <a:bodyPr>
-            <a:normAutofit fontScale="92500"/>
+            <a:normAutofit/>
           </a:bodyPr>
           <a:lstStyle/>
           <a:p>
@@ -14143,7 +14153,7 @@
                   <a:srgbClr val="FFC000"/>
                 </a:solidFill>
               </a:rPr>
-              <a:t>Diagrama de Actividades – Gestiona Documentos Matricula </a:t>
+              <a:t>Diagrama de Actividades – Pago</a:t>
             </a:r>
           </a:p>
         </p:txBody>
@@ -14411,7 +14421,7 @@
           <p:cNvPr id="10" name="Imagen 9">
             <a:extLst>
               <a:ext uri="{FF2B5EF4-FFF2-40B4-BE49-F238E27FC236}">
-                <a16:creationId xmlns:a16="http://schemas.microsoft.com/office/drawing/2014/main" id="{1DD5983A-8795-45F3-AC5B-11AE3DF3EE87}"/>
+                <a16:creationId xmlns:a16="http://schemas.microsoft.com/office/drawing/2014/main" id="{27172154-F39A-4CDD-A784-7A6505034E88}"/>
               </a:ext>
             </a:extLst>
           </p:cNvPr>
@@ -14428,8 +14438,8 @@
         </p:blipFill>
         <p:spPr>
           <a:xfrm>
-            <a:off x="1322101" y="2229763"/>
-            <a:ext cx="8698539" cy="4540983"/>
+            <a:off x="2069871" y="2022764"/>
+            <a:ext cx="6325984" cy="4835236"/>
           </a:xfrm>
           <a:prstGeom prst="rect">
             <a:avLst/>
@@ -14439,7 +14449,7 @@
     </p:spTree>
     <p:extLst>
       <p:ext uri="{BB962C8B-B14F-4D97-AF65-F5344CB8AC3E}">
-        <p14:creationId xmlns:p14="http://schemas.microsoft.com/office/powerpoint/2010/main" val="3649416660"/>
+        <p14:creationId xmlns:p14="http://schemas.microsoft.com/office/powerpoint/2010/main" val="2722720059"/>
       </p:ext>
     </p:extLst>
   </p:cSld>
@@ -14586,13 +14596,13 @@
         </p:nvSpPr>
         <p:spPr>
           <a:xfrm>
-            <a:off x="1135067" y="1594352"/>
-            <a:ext cx="7039115" cy="4640193"/>
+            <a:off x="1135067" y="1482997"/>
+            <a:ext cx="9998118" cy="746766"/>
           </a:xfrm>
         </p:spPr>
         <p:txBody>
           <a:bodyPr>
-            <a:normAutofit/>
+            <a:normAutofit fontScale="92500"/>
           </a:bodyPr>
           <a:lstStyle/>
           <a:p>
@@ -14603,51 +14613,7 @@
                   <a:srgbClr val="FFC000"/>
                 </a:solidFill>
               </a:rPr>
-              <a:t>Pagos desde la web</a:t>
-            </a:r>
-          </a:p>
-          <a:p>
-            <a:pPr algn="just"/>
-            <a:r>
-              <a:rPr lang="es-PE" dirty="0">
-                <a:solidFill>
-                  <a:srgbClr val="FFC000"/>
-                </a:solidFill>
-              </a:rPr>
-              <a:t>Inscripción manual de ficha de datos</a:t>
-            </a:r>
-          </a:p>
-          <a:p>
-            <a:pPr algn="just"/>
-            <a:r>
-              <a:rPr lang="es-PE" dirty="0">
-                <a:solidFill>
-                  <a:srgbClr val="FFC000"/>
-                </a:solidFill>
-              </a:rPr>
-              <a:t>Entrega de boleta</a:t>
-            </a:r>
-          </a:p>
-          <a:p>
-            <a:pPr algn="just"/>
-            <a:r>
-              <a:rPr lang="es-PE" dirty="0">
-                <a:solidFill>
-                  <a:srgbClr val="FFC000"/>
-                </a:solidFill>
-              </a:rPr>
-              <a:t>Envío de constancia de matricula</a:t>
-            </a:r>
-          </a:p>
-          <a:p>
-            <a:pPr algn="just"/>
-            <a:r>
-              <a:rPr lang="es-PE" dirty="0">
-                <a:solidFill>
-                  <a:srgbClr val="FFC000"/>
-                </a:solidFill>
-              </a:rPr>
-              <a:t>Pago de banco y consulta de estado de cuenta</a:t>
+              <a:t>Diagrama de Actividades – Gestiona Documentos Matricula </a:t>
             </a:r>
           </a:p>
         </p:txBody>
@@ -14754,7 +14720,7 @@
                   <a:srgbClr val="002060"/>
                 </a:solidFill>
               </a:rPr>
-              <a:t>Listas de actividades a automatizar </a:t>
+              <a:t>Realización de casos de uso del negocio</a:t>
             </a:r>
             <a:endParaRPr lang="es-PE" sz="3200" dirty="0">
               <a:solidFill>
@@ -14912,55 +14878,38 @@
       </p:pic>
       <p:pic>
         <p:nvPicPr>
-          <p:cNvPr id="30722" name="Picture 2" descr="Resultado de imagen para AUTOMATIZACIÃN">
-            <a:extLst>
-              <a:ext uri="{FF2B5EF4-FFF2-40B4-BE49-F238E27FC236}">
-                <a16:creationId xmlns:a16="http://schemas.microsoft.com/office/drawing/2014/main" id="{C02DCD82-423C-464D-8945-9245F531BFA9}"/>
+          <p:cNvPr id="10" name="Imagen 9">
+            <a:extLst>
+              <a:ext uri="{FF2B5EF4-FFF2-40B4-BE49-F238E27FC236}">
+                <a16:creationId xmlns:a16="http://schemas.microsoft.com/office/drawing/2014/main" id="{1DD5983A-8795-45F3-AC5B-11AE3DF3EE87}"/>
               </a:ext>
             </a:extLst>
           </p:cNvPr>
           <p:cNvPicPr>
-            <a:picLocks noChangeAspect="1" noChangeArrowheads="1"/>
+            <a:picLocks noChangeAspect="1"/>
           </p:cNvPicPr>
           <p:nvPr/>
         </p:nvPicPr>
         <p:blipFill>
-          <a:blip r:embed="rId5">
-            <a:extLst>
-              <a:ext uri="{28A0092B-C50C-407E-A947-70E740481C1C}">
-                <a14:useLocalDpi xmlns:a14="http://schemas.microsoft.com/office/drawing/2010/main" val="0"/>
-              </a:ext>
-            </a:extLst>
-          </a:blip>
-          <a:srcRect/>
+          <a:blip r:embed="rId5"/>
           <a:stretch>
             <a:fillRect/>
           </a:stretch>
         </p:blipFill>
-        <p:spPr bwMode="auto">
-          <a:xfrm>
-            <a:off x="7881503" y="1570968"/>
-            <a:ext cx="3760329" cy="2820247"/>
+        <p:spPr>
+          <a:xfrm>
+            <a:off x="1322101" y="2229763"/>
+            <a:ext cx="8698539" cy="4540983"/>
           </a:xfrm>
           <a:prstGeom prst="rect">
             <a:avLst/>
           </a:prstGeom>
-          <a:noFill/>
-          <a:extLst>
-            <a:ext uri="{909E8E84-426E-40DD-AFC4-6F175D3DCCD1}">
-              <a14:hiddenFill xmlns:a14="http://schemas.microsoft.com/office/drawing/2010/main">
-                <a:solidFill>
-                  <a:srgbClr val="FFFFFF"/>
-                </a:solidFill>
-              </a14:hiddenFill>
-            </a:ext>
-          </a:extLst>
         </p:spPr>
       </p:pic>
     </p:spTree>
     <p:extLst>
       <p:ext uri="{BB962C8B-B14F-4D97-AF65-F5344CB8AC3E}">
-        <p14:creationId xmlns:p14="http://schemas.microsoft.com/office/powerpoint/2010/main" val="4107160887"/>
+        <p14:creationId xmlns:p14="http://schemas.microsoft.com/office/powerpoint/2010/main" val="3649416660"/>
       </p:ext>
     </p:extLst>
   </p:cSld>
@@ -15107,8 +15056,8 @@
         </p:nvSpPr>
         <p:spPr>
           <a:xfrm>
-            <a:off x="1135067" y="1482997"/>
-            <a:ext cx="9577893" cy="4737694"/>
+            <a:off x="1135067" y="1594352"/>
+            <a:ext cx="7039115" cy="4640193"/>
           </a:xfrm>
         </p:spPr>
         <p:txBody>
@@ -15124,7 +15073,7 @@
                   <a:srgbClr val="FFC000"/>
                 </a:solidFill>
               </a:rPr>
-              <a:t>Es una obligación del analista identificar cuáles son las necesidades del proceso actual.</a:t>
+              <a:t>Pagos desde la web</a:t>
             </a:r>
           </a:p>
           <a:p>
@@ -15135,7 +15084,7 @@
                   <a:srgbClr val="FFC000"/>
                 </a:solidFill>
               </a:rPr>
-              <a:t>Las automatizaciones se deben de centrar en procesos que mayor tiempo de ejecución.</a:t>
+              <a:t>Inscripción manual de ficha de datos</a:t>
             </a:r>
           </a:p>
           <a:p>
@@ -15146,7 +15095,29 @@
                   <a:srgbClr val="FFC000"/>
                 </a:solidFill>
               </a:rPr>
-              <a:t>Se debe de contemplar nuevos servicios de los actores del negocio para poder proponer la automatización, por ejemplo, servicios web no utilizados.</a:t>
+              <a:t>Entrega de boleta</a:t>
+            </a:r>
+          </a:p>
+          <a:p>
+            <a:pPr algn="just"/>
+            <a:r>
+              <a:rPr lang="es-PE" dirty="0">
+                <a:solidFill>
+                  <a:srgbClr val="FFC000"/>
+                </a:solidFill>
+              </a:rPr>
+              <a:t>Envío de constancia de matricula</a:t>
+            </a:r>
+          </a:p>
+          <a:p>
+            <a:pPr algn="just"/>
+            <a:r>
+              <a:rPr lang="es-PE" dirty="0">
+                <a:solidFill>
+                  <a:srgbClr val="FFC000"/>
+                </a:solidFill>
+              </a:rPr>
+              <a:t>Pago de banco y consulta de estado de cuenta</a:t>
             </a:r>
           </a:p>
         </p:txBody>
@@ -15253,7 +15224,7 @@
                   <a:srgbClr val="002060"/>
                 </a:solidFill>
               </a:rPr>
-              <a:t>conclusiones</a:t>
+              <a:t>Listas de actividades a automatizar </a:t>
             </a:r>
             <a:endParaRPr lang="es-PE" sz="3200" dirty="0">
               <a:solidFill>
@@ -15409,10 +15380,57 @@
           </a:extLst>
         </p:spPr>
       </p:pic>
+      <p:pic>
+        <p:nvPicPr>
+          <p:cNvPr id="30722" name="Picture 2" descr="Resultado de imagen para AUTOMATIZACIÃN">
+            <a:extLst>
+              <a:ext uri="{FF2B5EF4-FFF2-40B4-BE49-F238E27FC236}">
+                <a16:creationId xmlns:a16="http://schemas.microsoft.com/office/drawing/2014/main" id="{C02DCD82-423C-464D-8945-9245F531BFA9}"/>
+              </a:ext>
+            </a:extLst>
+          </p:cNvPr>
+          <p:cNvPicPr>
+            <a:picLocks noChangeAspect="1" noChangeArrowheads="1"/>
+          </p:cNvPicPr>
+          <p:nvPr/>
+        </p:nvPicPr>
+        <p:blipFill>
+          <a:blip r:embed="rId5">
+            <a:extLst>
+              <a:ext uri="{28A0092B-C50C-407E-A947-70E740481C1C}">
+                <a14:useLocalDpi xmlns:a14="http://schemas.microsoft.com/office/drawing/2010/main" val="0"/>
+              </a:ext>
+            </a:extLst>
+          </a:blip>
+          <a:srcRect/>
+          <a:stretch>
+            <a:fillRect/>
+          </a:stretch>
+        </p:blipFill>
+        <p:spPr bwMode="auto">
+          <a:xfrm>
+            <a:off x="7881503" y="1570968"/>
+            <a:ext cx="3760329" cy="2820247"/>
+          </a:xfrm>
+          <a:prstGeom prst="rect">
+            <a:avLst/>
+          </a:prstGeom>
+          <a:noFill/>
+          <a:extLst>
+            <a:ext uri="{909E8E84-426E-40DD-AFC4-6F175D3DCCD1}">
+              <a14:hiddenFill xmlns:a14="http://schemas.microsoft.com/office/drawing/2010/main">
+                <a:solidFill>
+                  <a:srgbClr val="FFFFFF"/>
+                </a:solidFill>
+              </a14:hiddenFill>
+            </a:ext>
+          </a:extLst>
+        </p:spPr>
+      </p:pic>
     </p:spTree>
     <p:extLst>
       <p:ext uri="{BB962C8B-B14F-4D97-AF65-F5344CB8AC3E}">
-        <p14:creationId xmlns:p14="http://schemas.microsoft.com/office/powerpoint/2010/main" val="379687772"/>
+        <p14:creationId xmlns:p14="http://schemas.microsoft.com/office/powerpoint/2010/main" val="4107160887"/>
       </p:ext>
     </p:extLst>
   </p:cSld>
@@ -15933,6 +15951,458 @@
 </file>
 
 <file path=ppt/slides/slide30.xml><?xml version="1.0" encoding="utf-8"?>
+<p:sld xmlns:a="http://schemas.openxmlformats.org/drawingml/2006/main" xmlns:r="http://schemas.openxmlformats.org/officeDocument/2006/relationships" xmlns:p="http://schemas.openxmlformats.org/presentationml/2006/main">
+  <p:cSld>
+    <p:spTree>
+      <p:nvGrpSpPr>
+        <p:cNvPr id="1" name=""/>
+        <p:cNvGrpSpPr/>
+        <p:nvPr/>
+      </p:nvGrpSpPr>
+      <p:grpSpPr>
+        <a:xfrm>
+          <a:off x="0" y="0"/>
+          <a:ext cx="0" cy="0"/>
+          <a:chOff x="0" y="0"/>
+          <a:chExt cx="0" cy="0"/>
+        </a:xfrm>
+      </p:grpSpPr>
+      <p:pic>
+        <p:nvPicPr>
+          <p:cNvPr id="3074" name="Picture 2" descr="Imagen relacionada">
+            <a:extLst>
+              <a:ext uri="{FF2B5EF4-FFF2-40B4-BE49-F238E27FC236}">
+                <a16:creationId xmlns:a16="http://schemas.microsoft.com/office/drawing/2014/main" id="{05B12E2C-FABF-4D27-BF59-5D38667199E7}"/>
+              </a:ext>
+            </a:extLst>
+          </p:cNvPr>
+          <p:cNvPicPr>
+            <a:picLocks noChangeAspect="1" noChangeArrowheads="1"/>
+          </p:cNvPicPr>
+          <p:nvPr/>
+        </p:nvPicPr>
+        <p:blipFill>
+          <a:blip r:embed="rId2">
+            <a:extLst>
+              <a:ext uri="{28A0092B-C50C-407E-A947-70E740481C1C}">
+                <a14:useLocalDpi xmlns:a14="http://schemas.microsoft.com/office/drawing/2010/main" val="0"/>
+              </a:ext>
+            </a:extLst>
+          </a:blip>
+          <a:srcRect/>
+          <a:stretch>
+            <a:fillRect/>
+          </a:stretch>
+        </p:blipFill>
+        <p:spPr bwMode="auto">
+          <a:xfrm>
+            <a:off x="0" y="0"/>
+            <a:ext cx="12174391" cy="6858000"/>
+          </a:xfrm>
+          <a:prstGeom prst="rect">
+            <a:avLst/>
+          </a:prstGeom>
+          <a:noFill/>
+          <a:extLst>
+            <a:ext uri="{909E8E84-426E-40DD-AFC4-6F175D3DCCD1}">
+              <a14:hiddenFill xmlns:a14="http://schemas.microsoft.com/office/drawing/2010/main">
+                <a:solidFill>
+                  <a:srgbClr val="FFFFFF"/>
+                </a:solidFill>
+              </a14:hiddenFill>
+            </a:ext>
+          </a:extLst>
+        </p:spPr>
+      </p:pic>
+      <p:sp>
+        <p:nvSpPr>
+          <p:cNvPr id="5" name="Rectangle 6">
+            <a:extLst>
+              <a:ext uri="{FF2B5EF4-FFF2-40B4-BE49-F238E27FC236}">
+                <a16:creationId xmlns:a16="http://schemas.microsoft.com/office/drawing/2014/main" id="{29226A0B-93FB-4E2B-8DB9-4DC733138A26}"/>
+              </a:ext>
+            </a:extLst>
+          </p:cNvPr>
+          <p:cNvSpPr/>
+          <p:nvPr/>
+        </p:nvSpPr>
+        <p:spPr>
+          <a:xfrm>
+            <a:off x="17609" y="0"/>
+            <a:ext cx="12192000" cy="7039708"/>
+          </a:xfrm>
+          <a:prstGeom prst="rect">
+            <a:avLst/>
+          </a:prstGeom>
+          <a:solidFill>
+            <a:schemeClr val="bg2">
+              <a:lumMod val="25000"/>
+              <a:alpha val="76000"/>
+            </a:schemeClr>
+          </a:solidFill>
+          <a:ln>
+            <a:noFill/>
+          </a:ln>
+        </p:spPr>
+        <p:style>
+          <a:lnRef idx="2">
+            <a:schemeClr val="accent2">
+              <a:shade val="50000"/>
+            </a:schemeClr>
+          </a:lnRef>
+          <a:fillRef idx="1">
+            <a:schemeClr val="accent2"/>
+          </a:fillRef>
+          <a:effectRef idx="0">
+            <a:schemeClr val="accent2"/>
+          </a:effectRef>
+          <a:fontRef idx="minor">
+            <a:schemeClr val="lt1"/>
+          </a:fontRef>
+        </p:style>
+        <p:txBody>
+          <a:bodyPr rtlCol="0" anchor="ctr"/>
+          <a:lstStyle/>
+          <a:p>
+            <a:pPr algn="ctr"/>
+            <a:endParaRPr lang="es-PE" dirty="0"/>
+          </a:p>
+        </p:txBody>
+      </p:sp>
+      <p:sp>
+        <p:nvSpPr>
+          <p:cNvPr id="3" name="Marcador de contenido 2">
+            <a:extLst>
+              <a:ext uri="{FF2B5EF4-FFF2-40B4-BE49-F238E27FC236}">
+                <a16:creationId xmlns:a16="http://schemas.microsoft.com/office/drawing/2014/main" id="{E7C05CC3-11D7-40CC-B980-05AF401AC530}"/>
+              </a:ext>
+            </a:extLst>
+          </p:cNvPr>
+          <p:cNvSpPr>
+            <a:spLocks noGrp="1"/>
+          </p:cNvSpPr>
+          <p:nvPr>
+            <p:ph idx="1"/>
+          </p:nvPr>
+        </p:nvSpPr>
+        <p:spPr>
+          <a:xfrm>
+            <a:off x="1135067" y="1482997"/>
+            <a:ext cx="9577893" cy="4737694"/>
+          </a:xfrm>
+        </p:spPr>
+        <p:txBody>
+          <a:bodyPr>
+            <a:normAutofit/>
+          </a:bodyPr>
+          <a:lstStyle/>
+          <a:p>
+            <a:pPr algn="just"/>
+            <a:r>
+              <a:rPr lang="es-PE" dirty="0">
+                <a:solidFill>
+                  <a:srgbClr val="FFC000"/>
+                </a:solidFill>
+              </a:rPr>
+              <a:t>Es una obligación del analista identificar cuáles son las necesidades del proceso actual.</a:t>
+            </a:r>
+          </a:p>
+          <a:p>
+            <a:pPr algn="just"/>
+            <a:r>
+              <a:rPr lang="es-PE" dirty="0">
+                <a:solidFill>
+                  <a:srgbClr val="FFC000"/>
+                </a:solidFill>
+              </a:rPr>
+              <a:t>Las automatizaciones se deben de centrar en procesos que mayor tiempo de ejecución.</a:t>
+            </a:r>
+          </a:p>
+          <a:p>
+            <a:pPr algn="just"/>
+            <a:r>
+              <a:rPr lang="es-PE" dirty="0">
+                <a:solidFill>
+                  <a:srgbClr val="FFC000"/>
+                </a:solidFill>
+              </a:rPr>
+              <a:t>Se debe de contemplar nuevos servicios de los actores del negocio para poder proponer la automatización, por ejemplo, servicios web no utilizados.</a:t>
+            </a:r>
+          </a:p>
+        </p:txBody>
+      </p:sp>
+      <p:sp>
+        <p:nvSpPr>
+          <p:cNvPr id="4" name="Flecha: pentágono 3">
+            <a:extLst>
+              <a:ext uri="{FF2B5EF4-FFF2-40B4-BE49-F238E27FC236}">
+                <a16:creationId xmlns:a16="http://schemas.microsoft.com/office/drawing/2014/main" id="{0AAC25DD-9019-4834-8DDD-90426C6BF0AD}"/>
+              </a:ext>
+            </a:extLst>
+          </p:cNvPr>
+          <p:cNvSpPr/>
+          <p:nvPr/>
+        </p:nvSpPr>
+        <p:spPr>
+          <a:xfrm>
+            <a:off x="1444267" y="325534"/>
+            <a:ext cx="9268693" cy="573955"/>
+          </a:xfrm>
+          <a:prstGeom prst="homePlate">
+            <a:avLst>
+              <a:gd name="adj" fmla="val 176989"/>
+            </a:avLst>
+          </a:prstGeom>
+          <a:gradFill>
+            <a:gsLst>
+              <a:gs pos="68141">
+                <a:schemeClr val="accent2">
+                  <a:lumMod val="40000"/>
+                  <a:lumOff val="60000"/>
+                </a:schemeClr>
+              </a:gs>
+              <a:gs pos="44000">
+                <a:schemeClr val="accent2">
+                  <a:lumMod val="20000"/>
+                  <a:lumOff val="80000"/>
+                </a:schemeClr>
+              </a:gs>
+            </a:gsLst>
+            <a:lin ang="13500000" scaled="1"/>
+          </a:gradFill>
+          <a:ln>
+            <a:noFill/>
+          </a:ln>
+        </p:spPr>
+        <p:style>
+          <a:lnRef idx="2">
+            <a:schemeClr val="accent1">
+              <a:shade val="50000"/>
+            </a:schemeClr>
+          </a:lnRef>
+          <a:fillRef idx="1">
+            <a:schemeClr val="accent1"/>
+          </a:fillRef>
+          <a:effectRef idx="0">
+            <a:schemeClr val="accent1"/>
+          </a:effectRef>
+          <a:fontRef idx="minor">
+            <a:schemeClr val="lt1"/>
+          </a:fontRef>
+        </p:style>
+        <p:txBody>
+          <a:bodyPr rtlCol="0" anchor="ctr"/>
+          <a:lstStyle/>
+          <a:p>
+            <a:pPr algn="ctr"/>
+            <a:endParaRPr lang="es-PE" dirty="0"/>
+          </a:p>
+        </p:txBody>
+      </p:sp>
+      <p:sp>
+        <p:nvSpPr>
+          <p:cNvPr id="2" name="Título 1">
+            <a:extLst>
+              <a:ext uri="{FF2B5EF4-FFF2-40B4-BE49-F238E27FC236}">
+                <a16:creationId xmlns:a16="http://schemas.microsoft.com/office/drawing/2014/main" id="{4699B09D-520F-4264-BF69-28CEB7678DAF}"/>
+              </a:ext>
+            </a:extLst>
+          </p:cNvPr>
+          <p:cNvSpPr>
+            <a:spLocks noGrp="1"/>
+          </p:cNvSpPr>
+          <p:nvPr>
+            <p:ph type="title"/>
+          </p:nvPr>
+        </p:nvSpPr>
+        <p:spPr>
+          <a:xfrm>
+            <a:off x="1479040" y="398446"/>
+            <a:ext cx="10515600" cy="383709"/>
+          </a:xfrm>
+        </p:spPr>
+        <p:txBody>
+          <a:bodyPr>
+            <a:noAutofit/>
+          </a:bodyPr>
+          <a:lstStyle/>
+          <a:p>
+            <a:r>
+              <a:rPr lang="es-PE" sz="3200" b="1" cap="small" dirty="0">
+                <a:solidFill>
+                  <a:srgbClr val="002060"/>
+                </a:solidFill>
+              </a:rPr>
+              <a:t>conclusiones</a:t>
+            </a:r>
+            <a:endParaRPr lang="es-PE" sz="3200" dirty="0">
+              <a:solidFill>
+                <a:srgbClr val="002060"/>
+              </a:solidFill>
+            </a:endParaRPr>
+          </a:p>
+        </p:txBody>
+      </p:sp>
+      <p:sp>
+        <p:nvSpPr>
+          <p:cNvPr id="6" name="Rectángulo 5">
+            <a:extLst>
+              <a:ext uri="{FF2B5EF4-FFF2-40B4-BE49-F238E27FC236}">
+                <a16:creationId xmlns:a16="http://schemas.microsoft.com/office/drawing/2014/main" id="{9D8EDB50-8C3C-4B6B-A22C-7169591C33BD}"/>
+              </a:ext>
+            </a:extLst>
+          </p:cNvPr>
+          <p:cNvSpPr/>
+          <p:nvPr/>
+        </p:nvSpPr>
+        <p:spPr>
+          <a:xfrm>
+            <a:off x="1135067" y="287621"/>
+            <a:ext cx="187034" cy="635252"/>
+          </a:xfrm>
+          <a:prstGeom prst="rect">
+            <a:avLst/>
+          </a:prstGeom>
+          <a:solidFill>
+            <a:schemeClr val="accent2"/>
+          </a:solidFill>
+          <a:ln>
+            <a:solidFill>
+              <a:schemeClr val="accent2"/>
+            </a:solidFill>
+          </a:ln>
+        </p:spPr>
+        <p:style>
+          <a:lnRef idx="2">
+            <a:schemeClr val="accent1">
+              <a:shade val="50000"/>
+            </a:schemeClr>
+          </a:lnRef>
+          <a:fillRef idx="1">
+            <a:schemeClr val="accent1"/>
+          </a:fillRef>
+          <a:effectRef idx="0">
+            <a:schemeClr val="accent1"/>
+          </a:effectRef>
+          <a:fontRef idx="minor">
+            <a:schemeClr val="lt1"/>
+          </a:fontRef>
+        </p:style>
+        <p:txBody>
+          <a:bodyPr rtlCol="0" anchor="ctr"/>
+          <a:lstStyle/>
+          <a:p>
+            <a:pPr algn="ctr"/>
+            <a:endParaRPr lang="es-PE" dirty="0"/>
+          </a:p>
+        </p:txBody>
+      </p:sp>
+      <p:pic>
+        <p:nvPicPr>
+          <p:cNvPr id="8" name="Picture 2" descr="Resultado de imagen para upc logo png">
+            <a:extLst>
+              <a:ext uri="{FF2B5EF4-FFF2-40B4-BE49-F238E27FC236}">
+                <a16:creationId xmlns:a16="http://schemas.microsoft.com/office/drawing/2014/main" id="{0FA2A498-536C-43EF-A9D1-7B882388B2BF}"/>
+              </a:ext>
+            </a:extLst>
+          </p:cNvPr>
+          <p:cNvPicPr>
+            <a:picLocks noChangeAspect="1" noChangeArrowheads="1"/>
+          </p:cNvPicPr>
+          <p:nvPr/>
+        </p:nvPicPr>
+        <p:blipFill>
+          <a:blip r:embed="rId3">
+            <a:extLst>
+              <a:ext uri="{28A0092B-C50C-407E-A947-70E740481C1C}">
+                <a14:useLocalDpi xmlns:a14="http://schemas.microsoft.com/office/drawing/2010/main" val="0"/>
+              </a:ext>
+            </a:extLst>
+          </a:blip>
+          <a:srcRect/>
+          <a:stretch>
+            <a:fillRect/>
+          </a:stretch>
+        </p:blipFill>
+        <p:spPr bwMode="auto">
+          <a:xfrm>
+            <a:off x="0" y="-33207"/>
+            <a:ext cx="956080" cy="956080"/>
+          </a:xfrm>
+          <a:prstGeom prst="rect">
+            <a:avLst/>
+          </a:prstGeom>
+          <a:noFill/>
+          <a:extLst>
+            <a:ext uri="{909E8E84-426E-40DD-AFC4-6F175D3DCCD1}">
+              <a14:hiddenFill xmlns:a14="http://schemas.microsoft.com/office/drawing/2010/main">
+                <a:solidFill>
+                  <a:srgbClr val="FFFFFF"/>
+                </a:solidFill>
+              </a14:hiddenFill>
+            </a:ext>
+          </a:extLst>
+        </p:spPr>
+      </p:pic>
+      <p:pic>
+        <p:nvPicPr>
+          <p:cNvPr id="9" name="Picture 4" descr="Resultado de imagen para britanico logo sin fondo">
+            <a:extLst>
+              <a:ext uri="{FF2B5EF4-FFF2-40B4-BE49-F238E27FC236}">
+                <a16:creationId xmlns:a16="http://schemas.microsoft.com/office/drawing/2014/main" id="{2D1D0558-610B-4487-BEE4-079EF97D1394}"/>
+              </a:ext>
+            </a:extLst>
+          </p:cNvPr>
+          <p:cNvPicPr>
+            <a:picLocks noChangeAspect="1" noChangeArrowheads="1"/>
+          </p:cNvPicPr>
+          <p:nvPr/>
+        </p:nvPicPr>
+        <p:blipFill rotWithShape="1">
+          <a:blip r:embed="rId4">
+            <a:extLst>
+              <a:ext uri="{28A0092B-C50C-407E-A947-70E740481C1C}">
+                <a14:useLocalDpi xmlns:a14="http://schemas.microsoft.com/office/drawing/2010/main" val="0"/>
+              </a:ext>
+            </a:extLst>
+          </a:blip>
+          <a:srcRect l="4182" t="25515" r="70606" b="24545"/>
+          <a:stretch/>
+        </p:blipFill>
+        <p:spPr bwMode="auto">
+          <a:xfrm>
+            <a:off x="11133185" y="152724"/>
+            <a:ext cx="754016" cy="746766"/>
+          </a:xfrm>
+          <a:prstGeom prst="rect">
+            <a:avLst/>
+          </a:prstGeom>
+          <a:noFill/>
+          <a:extLst>
+            <a:ext uri="{909E8E84-426E-40DD-AFC4-6F175D3DCCD1}">
+              <a14:hiddenFill xmlns:a14="http://schemas.microsoft.com/office/drawing/2010/main">
+                <a:solidFill>
+                  <a:srgbClr val="FFFFFF"/>
+                </a:solidFill>
+              </a14:hiddenFill>
+            </a:ext>
+          </a:extLst>
+        </p:spPr>
+      </p:pic>
+    </p:spTree>
+    <p:extLst>
+      <p:ext uri="{BB962C8B-B14F-4D97-AF65-F5344CB8AC3E}">
+        <p14:creationId xmlns:p14="http://schemas.microsoft.com/office/powerpoint/2010/main" val="379687772"/>
+      </p:ext>
+    </p:extLst>
+  </p:cSld>
+  <p:clrMapOvr>
+    <a:masterClrMapping/>
+  </p:clrMapOvr>
+</p:sld>
+</file>
+
+<file path=ppt/slides/slide31.xml><?xml version="1.0" encoding="utf-8"?>
 <p:sld xmlns:a="http://schemas.openxmlformats.org/drawingml/2006/main" xmlns:r="http://schemas.openxmlformats.org/officeDocument/2006/relationships" xmlns:p="http://schemas.openxmlformats.org/presentationml/2006/main">
   <p:cSld>
     <p:spTree>
@@ -16603,73 +17073,280 @@
         </p:nvSpPr>
         <p:spPr>
           <a:xfrm>
-            <a:off x="1135067" y="1482997"/>
-            <a:ext cx="7205369" cy="5049469"/>
+            <a:off x="1135067" y="1225023"/>
+            <a:ext cx="9823878" cy="5632977"/>
           </a:xfrm>
         </p:spPr>
         <p:txBody>
           <a:bodyPr>
-            <a:normAutofit fontScale="77500" lnSpcReduction="20000"/>
+            <a:normAutofit lnSpcReduction="10000"/>
           </a:bodyPr>
           <a:lstStyle/>
           <a:p>
             <a:pPr marL="0" indent="0" algn="just">
+              <a:lnSpc>
+                <a:spcPct val="120000"/>
+              </a:lnSpc>
+              <a:spcBef>
+                <a:spcPts val="0"/>
+              </a:spcBef>
               <a:buNone/>
             </a:pPr>
             <a:r>
-              <a:rPr lang="es-PE" dirty="0">
+              <a:rPr lang="es-PE" sz="1800" dirty="0">
                 <a:solidFill>
                   <a:srgbClr val="FFC000"/>
                 </a:solidFill>
               </a:rPr>
-              <a:t>La Asociación Cultural Peruano Británica, más conocida como BRITÁNICO, es una de las más sólidas instituciones de enseñanza del idioma inglés en el Perú, y es también el puente de comunicación e integración cultural con la Gran Bretaña.</a:t>
-            </a:r>
-          </a:p>
-          <a:p>
-            <a:pPr marL="0" indent="0" algn="just">
-              <a:buNone/>
+              <a:t>La Asociación Cultural Peruano Británica promueve el enfoque de Procesos, como estándar para la mejora de sus procesos, ya que les permite identificar las entradas, salidas esperadas, los objetivos, los criterios y métodos, los recursos, las responsabilidades, los riesgos y oportunidades y las acciones de mejora necesarias para lograr la eficacia del Sistema Integrado de Gestión. </a:t>
+            </a:r>
+          </a:p>
+          <a:p>
+            <a:pPr algn="just">
+              <a:lnSpc>
+                <a:spcPct val="120000"/>
+              </a:lnSpc>
+              <a:spcBef>
+                <a:spcPts val="0"/>
+              </a:spcBef>
             </a:pPr>
-            <a:endParaRPr lang="es-PE" dirty="0">
+            <a:r>
+              <a:rPr lang="es-PE" sz="1800" dirty="0">
+                <a:solidFill>
+                  <a:srgbClr val="FFC000"/>
+                </a:solidFill>
+              </a:rPr>
+              <a:t>Los procesos estratégicos que permiten definir y garantizar los objetivos y estrategias de la institución son:</a:t>
+            </a:r>
+          </a:p>
+          <a:p>
+            <a:pPr lvl="1" algn="just">
+              <a:lnSpc>
+                <a:spcPct val="120000"/>
+              </a:lnSpc>
+              <a:spcBef>
+                <a:spcPts val="0"/>
+              </a:spcBef>
+            </a:pPr>
+            <a:r>
+              <a:rPr lang="es-PE" sz="1800" dirty="0">
+                <a:solidFill>
+                  <a:srgbClr val="FFC000"/>
+                </a:solidFill>
+              </a:rPr>
+              <a:t>Gestión de Alta Dirección</a:t>
+            </a:r>
+          </a:p>
+          <a:p>
+            <a:pPr algn="just">
+              <a:lnSpc>
+                <a:spcPct val="120000"/>
+              </a:lnSpc>
+              <a:spcBef>
+                <a:spcPts val="0"/>
+              </a:spcBef>
+            </a:pPr>
+            <a:r>
+              <a:rPr lang="es-PE" sz="1800" dirty="0">
+                <a:solidFill>
+                  <a:srgbClr val="FFC000"/>
+                </a:solidFill>
+              </a:rPr>
+              <a:t>Los procesos operativos que forman parte de la cadena de valor de la organización son:</a:t>
+            </a:r>
+          </a:p>
+          <a:p>
+            <a:pPr lvl="1" algn="just">
+              <a:lnSpc>
+                <a:spcPct val="120000"/>
+              </a:lnSpc>
+              <a:spcBef>
+                <a:spcPts val="0"/>
+              </a:spcBef>
+            </a:pPr>
+            <a:r>
+              <a:rPr lang="es-PE" sz="1800" dirty="0">
+                <a:solidFill>
+                  <a:srgbClr val="FFC000"/>
+                </a:solidFill>
+              </a:rPr>
+              <a:t>Gestión Cultural</a:t>
+            </a:r>
+          </a:p>
+          <a:p>
+            <a:pPr lvl="1" algn="just">
+              <a:lnSpc>
+                <a:spcPct val="120000"/>
+              </a:lnSpc>
+              <a:spcBef>
+                <a:spcPts val="0"/>
+              </a:spcBef>
+            </a:pPr>
+            <a:r>
+              <a:rPr lang="es-PE" sz="1800" b="1" dirty="0">
+                <a:solidFill>
+                  <a:schemeClr val="bg1"/>
+                </a:solidFill>
+              </a:rPr>
+              <a:t>Gestión de la Enseñanza(Proceso Escogido)</a:t>
+            </a:r>
+          </a:p>
+          <a:p>
+            <a:pPr lvl="1" algn="just">
+              <a:lnSpc>
+                <a:spcPct val="120000"/>
+              </a:lnSpc>
+              <a:spcBef>
+                <a:spcPts val="0"/>
+              </a:spcBef>
+            </a:pPr>
+            <a:r>
+              <a:rPr lang="es-PE" sz="1800" dirty="0">
+                <a:solidFill>
+                  <a:srgbClr val="FFC000"/>
+                </a:solidFill>
+              </a:rPr>
+              <a:t>Gestión de Biblioteca</a:t>
+            </a:r>
+          </a:p>
+          <a:p>
+            <a:pPr algn="just">
+              <a:lnSpc>
+                <a:spcPct val="120000"/>
+              </a:lnSpc>
+              <a:spcBef>
+                <a:spcPts val="0"/>
+              </a:spcBef>
+            </a:pPr>
+            <a:r>
+              <a:rPr lang="es-PE" sz="1800" dirty="0">
+                <a:solidFill>
+                  <a:srgbClr val="FFC000"/>
+                </a:solidFill>
+              </a:rPr>
+              <a:t>Los procesos de apoyo que dan soporte a los procesos estratégicos y operativos son:</a:t>
+            </a:r>
+          </a:p>
+          <a:p>
+            <a:pPr lvl="1" algn="just">
+              <a:lnSpc>
+                <a:spcPct val="120000"/>
+              </a:lnSpc>
+              <a:spcBef>
+                <a:spcPts val="0"/>
+              </a:spcBef>
+            </a:pPr>
+            <a:r>
+              <a:rPr lang="es-PE" sz="1800" dirty="0">
+                <a:solidFill>
+                  <a:srgbClr val="FFC000"/>
+                </a:solidFill>
+              </a:rPr>
+              <a:t>Sistemas</a:t>
+            </a:r>
+          </a:p>
+          <a:p>
+            <a:pPr lvl="1" algn="just">
+              <a:lnSpc>
+                <a:spcPct val="120000"/>
+              </a:lnSpc>
+              <a:spcBef>
+                <a:spcPts val="0"/>
+              </a:spcBef>
+            </a:pPr>
+            <a:r>
+              <a:rPr lang="es-PE" sz="1800" dirty="0">
+                <a:solidFill>
+                  <a:srgbClr val="FFC000"/>
+                </a:solidFill>
+              </a:rPr>
+              <a:t> Recursos Humanos</a:t>
+            </a:r>
+          </a:p>
+          <a:p>
+            <a:pPr lvl="1" algn="just">
+              <a:lnSpc>
+                <a:spcPct val="120000"/>
+              </a:lnSpc>
+              <a:spcBef>
+                <a:spcPts val="0"/>
+              </a:spcBef>
+            </a:pPr>
+            <a:r>
+              <a:rPr lang="es-PE" sz="1800" dirty="0">
+                <a:solidFill>
+                  <a:srgbClr val="FFC000"/>
+                </a:solidFill>
+              </a:rPr>
+              <a:t>Contabilidad</a:t>
+            </a:r>
+          </a:p>
+          <a:p>
+            <a:pPr lvl="1" algn="just">
+              <a:lnSpc>
+                <a:spcPct val="120000"/>
+              </a:lnSpc>
+              <a:spcBef>
+                <a:spcPts val="0"/>
+              </a:spcBef>
+            </a:pPr>
+            <a:r>
+              <a:rPr lang="es-PE" sz="1800" dirty="0">
+                <a:solidFill>
+                  <a:srgbClr val="FFC000"/>
+                </a:solidFill>
+              </a:rPr>
+              <a:t>Sistema Integrado de Gestión</a:t>
+            </a:r>
+          </a:p>
+          <a:p>
+            <a:pPr lvl="1" algn="just">
+              <a:lnSpc>
+                <a:spcPct val="120000"/>
+              </a:lnSpc>
+              <a:spcBef>
+                <a:spcPts val="0"/>
+              </a:spcBef>
+            </a:pPr>
+            <a:r>
+              <a:rPr lang="es-PE" sz="1800" dirty="0">
+                <a:solidFill>
+                  <a:srgbClr val="FFC000"/>
+                </a:solidFill>
+              </a:rPr>
+              <a:t>Compras</a:t>
+            </a:r>
+          </a:p>
+          <a:p>
+            <a:pPr lvl="1" algn="just">
+              <a:lnSpc>
+                <a:spcPct val="120000"/>
+              </a:lnSpc>
+              <a:spcBef>
+                <a:spcPts val="0"/>
+              </a:spcBef>
+            </a:pPr>
+            <a:r>
+              <a:rPr lang="es-PE" sz="1800" dirty="0">
+                <a:solidFill>
+                  <a:srgbClr val="FFC000"/>
+                </a:solidFill>
+              </a:rPr>
+              <a:t>Almacén . </a:t>
+            </a:r>
+            <a:r>
+              <a:rPr lang="es-PE" sz="1800" dirty="0" err="1">
+                <a:solidFill>
+                  <a:srgbClr val="FFC000"/>
+                </a:solidFill>
+              </a:rPr>
+              <a:t>etc</a:t>
+            </a:r>
+            <a:endParaRPr lang="es-PE" sz="1800" dirty="0">
               <a:solidFill>
                 <a:srgbClr val="FFC000"/>
               </a:solidFill>
             </a:endParaRPr>
-          </a:p>
-          <a:p>
-            <a:pPr marL="0" indent="0" algn="just">
-              <a:buNone/>
-            </a:pPr>
-            <a:r>
-              <a:rPr lang="es-PE" dirty="0">
-                <a:solidFill>
-                  <a:srgbClr val="FFC000"/>
-                </a:solidFill>
-              </a:rPr>
-              <a:t>El éxito de su labor tiene como pilares la experiencia, profesionalismo y vocación de un selecto staff de profesores y del equipo administrativo que los acompaña.</a:t>
-            </a:r>
-          </a:p>
-          <a:p>
-            <a:pPr marL="0" indent="0" algn="just">
-              <a:buNone/>
-            </a:pPr>
-            <a:endParaRPr lang="es-PE" dirty="0">
-              <a:solidFill>
-                <a:srgbClr val="FFC000"/>
-              </a:solidFill>
-            </a:endParaRPr>
-          </a:p>
-          <a:p>
-            <a:pPr marL="0" indent="0" algn="just">
-              <a:buNone/>
-            </a:pPr>
-            <a:r>
-              <a:rPr lang="es-PE" dirty="0">
-                <a:solidFill>
-                  <a:srgbClr val="FFC000"/>
-                </a:solidFill>
-              </a:rPr>
-              <a:t>Hoy en día, la institución se distingue no solo por su moderna infraestructura, sino también por complementar su reconocida exigencia académica con el dinamismo de su nueva metodología de enseñanza. </a:t>
-            </a:r>
           </a:p>
         </p:txBody>
       </p:sp>
@@ -16775,7 +17452,7 @@
                   <a:srgbClr val="002060"/>
                 </a:solidFill>
               </a:rPr>
-              <a:t>Descripción de la organización objetivo</a:t>
+              <a:t>Descripción de la organización </a:t>
             </a:r>
             <a:endParaRPr lang="es-PE" sz="3200" dirty="0">
               <a:solidFill>
@@ -16868,7 +17545,7 @@
         </p:blipFill>
         <p:spPr bwMode="auto">
           <a:xfrm>
-            <a:off x="98094" y="152724"/>
+            <a:off x="67962" y="152724"/>
             <a:ext cx="956080" cy="956080"/>
           </a:xfrm>
           <a:prstGeom prst="rect">
@@ -16931,57 +17608,10 @@
           </a:extLst>
         </p:spPr>
       </p:pic>
-      <p:pic>
-        <p:nvPicPr>
-          <p:cNvPr id="33796" name="Picture 4" descr="Resultado de imagen para britanico">
-            <a:extLst>
-              <a:ext uri="{FF2B5EF4-FFF2-40B4-BE49-F238E27FC236}">
-                <a16:creationId xmlns:a16="http://schemas.microsoft.com/office/drawing/2014/main" id="{7733C76A-46A7-4964-A6BA-22C6C7FC18E1}"/>
-              </a:ext>
-            </a:extLst>
-          </p:cNvPr>
-          <p:cNvPicPr>
-            <a:picLocks noChangeAspect="1" noChangeArrowheads="1"/>
-          </p:cNvPicPr>
-          <p:nvPr/>
-        </p:nvPicPr>
-        <p:blipFill>
-          <a:blip r:embed="rId5">
-            <a:extLst>
-              <a:ext uri="{28A0092B-C50C-407E-A947-70E740481C1C}">
-                <a14:useLocalDpi xmlns:a14="http://schemas.microsoft.com/office/drawing/2010/main" val="0"/>
-              </a:ext>
-            </a:extLst>
-          </a:blip>
-          <a:srcRect/>
-          <a:stretch>
-            <a:fillRect/>
-          </a:stretch>
-        </p:blipFill>
-        <p:spPr bwMode="auto">
-          <a:xfrm>
-            <a:off x="8597119" y="2319770"/>
-            <a:ext cx="2708190" cy="2062429"/>
-          </a:xfrm>
-          <a:prstGeom prst="rect">
-            <a:avLst/>
-          </a:prstGeom>
-          <a:noFill/>
-          <a:extLst>
-            <a:ext uri="{909E8E84-426E-40DD-AFC4-6F175D3DCCD1}">
-              <a14:hiddenFill xmlns:a14="http://schemas.microsoft.com/office/drawing/2010/main">
-                <a:solidFill>
-                  <a:srgbClr val="FFFFFF"/>
-                </a:solidFill>
-              </a14:hiddenFill>
-            </a:ext>
-          </a:extLst>
-        </p:spPr>
-      </p:pic>
     </p:spTree>
     <p:extLst>
       <p:ext uri="{BB962C8B-B14F-4D97-AF65-F5344CB8AC3E}">
-        <p14:creationId xmlns:p14="http://schemas.microsoft.com/office/powerpoint/2010/main" val="3799927871"/>
+        <p14:creationId xmlns:p14="http://schemas.microsoft.com/office/powerpoint/2010/main" val="1692883760"/>
       </p:ext>
     </p:extLst>
   </p:cSld>
@@ -17112,301 +17742,6 @@
       </p:sp>
       <p:sp>
         <p:nvSpPr>
-          <p:cNvPr id="3" name="Marcador de contenido 2">
-            <a:extLst>
-              <a:ext uri="{FF2B5EF4-FFF2-40B4-BE49-F238E27FC236}">
-                <a16:creationId xmlns:a16="http://schemas.microsoft.com/office/drawing/2014/main" id="{E7C05CC3-11D7-40CC-B980-05AF401AC530}"/>
-              </a:ext>
-            </a:extLst>
-          </p:cNvPr>
-          <p:cNvSpPr>
-            <a:spLocks noGrp="1"/>
-          </p:cNvSpPr>
-          <p:nvPr>
-            <p:ph idx="1"/>
-          </p:nvPr>
-        </p:nvSpPr>
-        <p:spPr>
-          <a:xfrm>
-            <a:off x="1135067" y="1225023"/>
-            <a:ext cx="9823878" cy="5632977"/>
-          </a:xfrm>
-        </p:spPr>
-        <p:txBody>
-          <a:bodyPr>
-            <a:normAutofit lnSpcReduction="10000"/>
-          </a:bodyPr>
-          <a:lstStyle/>
-          <a:p>
-            <a:pPr marL="0" indent="0" algn="just">
-              <a:lnSpc>
-                <a:spcPct val="120000"/>
-              </a:lnSpc>
-              <a:spcBef>
-                <a:spcPts val="0"/>
-              </a:spcBef>
-              <a:buNone/>
-            </a:pPr>
-            <a:r>
-              <a:rPr lang="es-PE" sz="1800" dirty="0">
-                <a:solidFill>
-                  <a:srgbClr val="FFC000"/>
-                </a:solidFill>
-              </a:rPr>
-              <a:t>La Asociación Cultural Peruano Británica promueve el enfoque de Procesos, como estándar para la mejora de sus procesos, ya que les permite identificar las entradas, salidas esperadas, los objetivos, los criterios y métodos, los recursos, las responsabilidades, los riesgos y oportunidades y las acciones de mejora necesarias para lograr la eficacia del Sistema Integrado de Gestión. </a:t>
-            </a:r>
-          </a:p>
-          <a:p>
-            <a:pPr algn="just">
-              <a:lnSpc>
-                <a:spcPct val="120000"/>
-              </a:lnSpc>
-              <a:spcBef>
-                <a:spcPts val="0"/>
-              </a:spcBef>
-            </a:pPr>
-            <a:r>
-              <a:rPr lang="es-PE" sz="1800" dirty="0">
-                <a:solidFill>
-                  <a:srgbClr val="FFC000"/>
-                </a:solidFill>
-              </a:rPr>
-              <a:t>Los procesos estratégicos que permiten definir y garantizar los objetivos y estrategias de la institución son:</a:t>
-            </a:r>
-          </a:p>
-          <a:p>
-            <a:pPr lvl="1" algn="just">
-              <a:lnSpc>
-                <a:spcPct val="120000"/>
-              </a:lnSpc>
-              <a:spcBef>
-                <a:spcPts val="0"/>
-              </a:spcBef>
-            </a:pPr>
-            <a:r>
-              <a:rPr lang="es-PE" sz="1800" dirty="0">
-                <a:solidFill>
-                  <a:srgbClr val="FFC000"/>
-                </a:solidFill>
-              </a:rPr>
-              <a:t>Gestión de Alta Dirección</a:t>
-            </a:r>
-          </a:p>
-          <a:p>
-            <a:pPr algn="just">
-              <a:lnSpc>
-                <a:spcPct val="120000"/>
-              </a:lnSpc>
-              <a:spcBef>
-                <a:spcPts val="0"/>
-              </a:spcBef>
-            </a:pPr>
-            <a:r>
-              <a:rPr lang="es-PE" sz="1800" dirty="0">
-                <a:solidFill>
-                  <a:srgbClr val="FFC000"/>
-                </a:solidFill>
-              </a:rPr>
-              <a:t>Los procesos operativos que forman parte de la cadena de valor de la organización son:</a:t>
-            </a:r>
-          </a:p>
-          <a:p>
-            <a:pPr lvl="1" algn="just">
-              <a:lnSpc>
-                <a:spcPct val="120000"/>
-              </a:lnSpc>
-              <a:spcBef>
-                <a:spcPts val="0"/>
-              </a:spcBef>
-            </a:pPr>
-            <a:r>
-              <a:rPr lang="es-PE" sz="1800" dirty="0">
-                <a:solidFill>
-                  <a:srgbClr val="FFC000"/>
-                </a:solidFill>
-              </a:rPr>
-              <a:t>Gestión Cultural</a:t>
-            </a:r>
-          </a:p>
-          <a:p>
-            <a:pPr lvl="1" algn="just">
-              <a:lnSpc>
-                <a:spcPct val="120000"/>
-              </a:lnSpc>
-              <a:spcBef>
-                <a:spcPts val="0"/>
-              </a:spcBef>
-            </a:pPr>
-            <a:r>
-              <a:rPr lang="es-PE" sz="1800" b="1" dirty="0">
-                <a:solidFill>
-                  <a:schemeClr val="bg1"/>
-                </a:solidFill>
-              </a:rPr>
-              <a:t>Gestión de la Enseñanza</a:t>
-            </a:r>
-          </a:p>
-          <a:p>
-            <a:pPr lvl="1" algn="just">
-              <a:lnSpc>
-                <a:spcPct val="120000"/>
-              </a:lnSpc>
-              <a:spcBef>
-                <a:spcPts val="0"/>
-              </a:spcBef>
-            </a:pPr>
-            <a:r>
-              <a:rPr lang="es-PE" sz="1800" dirty="0">
-                <a:solidFill>
-                  <a:srgbClr val="FFC000"/>
-                </a:solidFill>
-              </a:rPr>
-              <a:t>Gestión de Biblioteca</a:t>
-            </a:r>
-          </a:p>
-          <a:p>
-            <a:pPr algn="just">
-              <a:lnSpc>
-                <a:spcPct val="120000"/>
-              </a:lnSpc>
-              <a:spcBef>
-                <a:spcPts val="0"/>
-              </a:spcBef>
-            </a:pPr>
-            <a:r>
-              <a:rPr lang="es-PE" sz="1800" dirty="0">
-                <a:solidFill>
-                  <a:srgbClr val="FFC000"/>
-                </a:solidFill>
-              </a:rPr>
-              <a:t>Los procesos de apoyo que dan soporte a los procesos estratégicos y operativos son:</a:t>
-            </a:r>
-          </a:p>
-          <a:p>
-            <a:pPr lvl="1" algn="just">
-              <a:lnSpc>
-                <a:spcPct val="120000"/>
-              </a:lnSpc>
-              <a:spcBef>
-                <a:spcPts val="0"/>
-              </a:spcBef>
-            </a:pPr>
-            <a:r>
-              <a:rPr lang="es-PE" sz="1800" dirty="0">
-                <a:solidFill>
-                  <a:srgbClr val="FFC000"/>
-                </a:solidFill>
-              </a:rPr>
-              <a:t>Sistemas</a:t>
-            </a:r>
-          </a:p>
-          <a:p>
-            <a:pPr lvl="1" algn="just">
-              <a:lnSpc>
-                <a:spcPct val="120000"/>
-              </a:lnSpc>
-              <a:spcBef>
-                <a:spcPts val="0"/>
-              </a:spcBef>
-            </a:pPr>
-            <a:r>
-              <a:rPr lang="es-PE" sz="1800" dirty="0">
-                <a:solidFill>
-                  <a:srgbClr val="FFC000"/>
-                </a:solidFill>
-              </a:rPr>
-              <a:t> Recursos Humanos</a:t>
-            </a:r>
-          </a:p>
-          <a:p>
-            <a:pPr lvl="1" algn="just">
-              <a:lnSpc>
-                <a:spcPct val="120000"/>
-              </a:lnSpc>
-              <a:spcBef>
-                <a:spcPts val="0"/>
-              </a:spcBef>
-            </a:pPr>
-            <a:r>
-              <a:rPr lang="es-PE" sz="1800" dirty="0">
-                <a:solidFill>
-                  <a:srgbClr val="FFC000"/>
-                </a:solidFill>
-              </a:rPr>
-              <a:t>Contabilidad</a:t>
-            </a:r>
-          </a:p>
-          <a:p>
-            <a:pPr lvl="1" algn="just">
-              <a:lnSpc>
-                <a:spcPct val="120000"/>
-              </a:lnSpc>
-              <a:spcBef>
-                <a:spcPts val="0"/>
-              </a:spcBef>
-            </a:pPr>
-            <a:r>
-              <a:rPr lang="es-PE" sz="1800" dirty="0">
-                <a:solidFill>
-                  <a:srgbClr val="FFC000"/>
-                </a:solidFill>
-              </a:rPr>
-              <a:t>Sistema Integrado de Gestión</a:t>
-            </a:r>
-          </a:p>
-          <a:p>
-            <a:pPr lvl="1" algn="just">
-              <a:lnSpc>
-                <a:spcPct val="120000"/>
-              </a:lnSpc>
-              <a:spcBef>
-                <a:spcPts val="0"/>
-              </a:spcBef>
-            </a:pPr>
-            <a:r>
-              <a:rPr lang="es-PE" sz="1800" dirty="0">
-                <a:solidFill>
-                  <a:srgbClr val="FFC000"/>
-                </a:solidFill>
-              </a:rPr>
-              <a:t>Compras</a:t>
-            </a:r>
-          </a:p>
-          <a:p>
-            <a:pPr lvl="1" algn="just">
-              <a:lnSpc>
-                <a:spcPct val="120000"/>
-              </a:lnSpc>
-              <a:spcBef>
-                <a:spcPts val="0"/>
-              </a:spcBef>
-            </a:pPr>
-            <a:r>
-              <a:rPr lang="es-PE" sz="1800" dirty="0">
-                <a:solidFill>
-                  <a:srgbClr val="FFC000"/>
-                </a:solidFill>
-              </a:rPr>
-              <a:t>Almacén . </a:t>
-            </a:r>
-            <a:r>
-              <a:rPr lang="es-PE" sz="1800" dirty="0" err="1">
-                <a:solidFill>
-                  <a:srgbClr val="FFC000"/>
-                </a:solidFill>
-              </a:rPr>
-              <a:t>etc</a:t>
-            </a:r>
-            <a:endParaRPr lang="es-PE" sz="1800" dirty="0">
-              <a:solidFill>
-                <a:srgbClr val="FFC000"/>
-              </a:solidFill>
-            </a:endParaRPr>
-          </a:p>
-        </p:txBody>
-      </p:sp>
-      <p:sp>
-        <p:nvSpPr>
           <p:cNvPr id="4" name="Flecha: pentágono 3">
             <a:extLst>
               <a:ext uri="{FF2B5EF4-FFF2-40B4-BE49-F238E27FC236}">
@@ -17663,10 +17998,40 @@
           </a:extLst>
         </p:spPr>
       </p:pic>
+      <p:pic>
+        <p:nvPicPr>
+          <p:cNvPr id="11" name="Imagen 10">
+            <a:extLst>
+              <a:ext uri="{FF2B5EF4-FFF2-40B4-BE49-F238E27FC236}">
+                <a16:creationId xmlns:a16="http://schemas.microsoft.com/office/drawing/2014/main" id="{CF21B0BA-50EE-4AEE-B0A0-65DAC5B3ACA6}"/>
+              </a:ext>
+            </a:extLst>
+          </p:cNvPr>
+          <p:cNvPicPr>
+            <a:picLocks noChangeAspect="1"/>
+          </p:cNvPicPr>
+          <p:nvPr/>
+        </p:nvPicPr>
+        <p:blipFill>
+          <a:blip r:embed="rId5"/>
+          <a:stretch>
+            <a:fillRect/>
+          </a:stretch>
+        </p:blipFill>
+        <p:spPr>
+          <a:xfrm>
+            <a:off x="1479040" y="1180601"/>
+            <a:ext cx="8488213" cy="5677399"/>
+          </a:xfrm>
+          <a:prstGeom prst="rect">
+            <a:avLst/>
+          </a:prstGeom>
+        </p:spPr>
+      </p:pic>
     </p:spTree>
     <p:extLst>
       <p:ext uri="{BB962C8B-B14F-4D97-AF65-F5344CB8AC3E}">
-        <p14:creationId xmlns:p14="http://schemas.microsoft.com/office/powerpoint/2010/main" val="1692883760"/>
+        <p14:creationId xmlns:p14="http://schemas.microsoft.com/office/powerpoint/2010/main" val="3617127257"/>
       </p:ext>
     </p:extLst>
   </p:cSld>
@@ -17797,6 +18162,94 @@
       </p:sp>
       <p:sp>
         <p:nvSpPr>
+          <p:cNvPr id="3" name="Marcador de contenido 2">
+            <a:extLst>
+              <a:ext uri="{FF2B5EF4-FFF2-40B4-BE49-F238E27FC236}">
+                <a16:creationId xmlns:a16="http://schemas.microsoft.com/office/drawing/2014/main" id="{E7C05CC3-11D7-40CC-B980-05AF401AC530}"/>
+              </a:ext>
+            </a:extLst>
+          </p:cNvPr>
+          <p:cNvSpPr>
+            <a:spLocks noGrp="1"/>
+          </p:cNvSpPr>
+          <p:nvPr>
+            <p:ph idx="1"/>
+          </p:nvPr>
+        </p:nvSpPr>
+        <p:spPr>
+          <a:xfrm>
+            <a:off x="1135067" y="1482997"/>
+            <a:ext cx="7205369" cy="5049469"/>
+          </a:xfrm>
+        </p:spPr>
+        <p:txBody>
+          <a:bodyPr>
+            <a:normAutofit fontScale="77500" lnSpcReduction="20000"/>
+          </a:bodyPr>
+          <a:lstStyle/>
+          <a:p>
+            <a:pPr marL="0" indent="0" algn="just">
+              <a:buNone/>
+            </a:pPr>
+            <a:r>
+              <a:rPr lang="es-PE" dirty="0">
+                <a:solidFill>
+                  <a:srgbClr val="FFC000"/>
+                </a:solidFill>
+              </a:rPr>
+              <a:t>La Asociación Cultural Peruano Británica, más conocida como BRITÁNICO, es una de las más sólidas instituciones de enseñanza del idioma inglés en el Perú, y es también el puente de comunicación e integración cultural con la Gran Bretaña.</a:t>
+            </a:r>
+          </a:p>
+          <a:p>
+            <a:pPr marL="0" indent="0" algn="just">
+              <a:buNone/>
+            </a:pPr>
+            <a:endParaRPr lang="es-PE" dirty="0">
+              <a:solidFill>
+                <a:srgbClr val="FFC000"/>
+              </a:solidFill>
+            </a:endParaRPr>
+          </a:p>
+          <a:p>
+            <a:pPr marL="0" indent="0" algn="just">
+              <a:buNone/>
+            </a:pPr>
+            <a:r>
+              <a:rPr lang="es-PE" dirty="0">
+                <a:solidFill>
+                  <a:srgbClr val="FFC000"/>
+                </a:solidFill>
+              </a:rPr>
+              <a:t>El éxito de su labor tiene como pilares la experiencia, profesionalismo y vocación de un selecto staff de profesores y del equipo administrativo que los acompaña.</a:t>
+            </a:r>
+          </a:p>
+          <a:p>
+            <a:pPr marL="0" indent="0" algn="just">
+              <a:buNone/>
+            </a:pPr>
+            <a:endParaRPr lang="es-PE" dirty="0">
+              <a:solidFill>
+                <a:srgbClr val="FFC000"/>
+              </a:solidFill>
+            </a:endParaRPr>
+          </a:p>
+          <a:p>
+            <a:pPr marL="0" indent="0" algn="just">
+              <a:buNone/>
+            </a:pPr>
+            <a:r>
+              <a:rPr lang="es-PE" dirty="0">
+                <a:solidFill>
+                  <a:srgbClr val="FFC000"/>
+                </a:solidFill>
+              </a:rPr>
+              <a:t>Hoy en día, la institución se distingue no solo por su moderna infraestructura, sino también por complementar su reconocida exigencia académica con el dinamismo de su nueva metodología de enseñanza. </a:t>
+            </a:r>
+          </a:p>
+        </p:txBody>
+      </p:sp>
+      <p:sp>
+        <p:nvSpPr>
           <p:cNvPr id="4" name="Flecha: pentágono 3">
             <a:extLst>
               <a:ext uri="{FF2B5EF4-FFF2-40B4-BE49-F238E27FC236}">
@@ -17897,7 +18350,7 @@
                   <a:srgbClr val="002060"/>
                 </a:solidFill>
               </a:rPr>
-              <a:t>Descripción de la organización </a:t>
+              <a:t>Modelo del negocio</a:t>
             </a:r>
             <a:endParaRPr lang="es-PE" sz="3200" dirty="0">
               <a:solidFill>
@@ -17990,7 +18443,7 @@
         </p:blipFill>
         <p:spPr bwMode="auto">
           <a:xfrm>
-            <a:off x="67962" y="152724"/>
+            <a:off x="98094" y="152724"/>
             <a:ext cx="956080" cy="956080"/>
           </a:xfrm>
           <a:prstGeom prst="rect">
@@ -18055,38 +18508,60 @@
       </p:pic>
       <p:pic>
         <p:nvPicPr>
-          <p:cNvPr id="11" name="Imagen 10">
-            <a:extLst>
-              <a:ext uri="{FF2B5EF4-FFF2-40B4-BE49-F238E27FC236}">
-                <a16:creationId xmlns:a16="http://schemas.microsoft.com/office/drawing/2014/main" id="{CF21B0BA-50EE-4AEE-B0A0-65DAC5B3ACA6}"/>
+          <p:cNvPr id="33796" name="Picture 4" descr="Resultado de imagen para britanico">
+            <a:extLst>
+              <a:ext uri="{FF2B5EF4-FFF2-40B4-BE49-F238E27FC236}">
+                <a16:creationId xmlns:a16="http://schemas.microsoft.com/office/drawing/2014/main" id="{7733C76A-46A7-4964-A6BA-22C6C7FC18E1}"/>
               </a:ext>
             </a:extLst>
           </p:cNvPr>
           <p:cNvPicPr>
-            <a:picLocks noChangeAspect="1"/>
+            <a:picLocks noChangeAspect="1" noChangeArrowheads="1"/>
           </p:cNvPicPr>
           <p:nvPr/>
         </p:nvPicPr>
         <p:blipFill>
-          <a:blip r:embed="rId5"/>
+          <a:blip r:embed="rId5">
+            <a:extLst>
+              <a:ext uri="{28A0092B-C50C-407E-A947-70E740481C1C}">
+                <a14:useLocalDpi xmlns:a14="http://schemas.microsoft.com/office/drawing/2010/main" val="0"/>
+              </a:ext>
+            </a:extLst>
+          </a:blip>
+          <a:srcRect/>
           <a:stretch>
             <a:fillRect/>
           </a:stretch>
         </p:blipFill>
-        <p:spPr>
-          <a:xfrm>
-            <a:off x="1479040" y="1180601"/>
-            <a:ext cx="8488213" cy="5677399"/>
+        <p:spPr bwMode="auto">
+          <a:xfrm>
+            <a:off x="8597119" y="2319770"/>
+            <a:ext cx="2708190" cy="2062429"/>
           </a:xfrm>
           <a:prstGeom prst="rect">
             <a:avLst/>
           </a:prstGeom>
+          <a:ln>
+            <a:noFill/>
+          </a:ln>
+          <a:effectLst>
+            <a:softEdge rad="112500"/>
+          </a:effectLst>
+          <a:extLst>
+            <a:ext uri="{909E8E84-426E-40DD-AFC4-6F175D3DCCD1}">
+              <a14:hiddenFill xmlns:a14="http://schemas.microsoft.com/office/drawing/2010/main">
+                <a:solidFill>
+                  <a:srgbClr val="FFFFFF"/>
+                </a:solidFill>
+              </a14:hiddenFill>
+            </a:ext>
+          </a:extLst>
         </p:spPr>
       </p:pic>
     </p:spTree>
     <p:extLst>
       <p:ext uri="{BB962C8B-B14F-4D97-AF65-F5344CB8AC3E}">
-        <p14:creationId xmlns:p14="http://schemas.microsoft.com/office/powerpoint/2010/main" val="3617127257"/>
+        <p14:creationId xmlns:p14="http://schemas.microsoft.com/office/powerpoint/2010/main" val="3799927871"/>
       </p:ext>
     </p:extLst>
   </p:cSld>
@@ -18489,19 +18964,110 @@
             <p:ph idx="1"/>
           </p:nvPr>
         </p:nvSpPr>
-        <p:spPr/>
-        <p:txBody>
-          <a:bodyPr/>
+        <p:spPr>
+          <a:xfrm>
+            <a:off x="994593" y="1321319"/>
+            <a:ext cx="10138592" cy="5421409"/>
+          </a:xfrm>
+        </p:spPr>
+        <p:txBody>
+          <a:bodyPr>
+            <a:normAutofit fontScale="77500" lnSpcReduction="20000"/>
+          </a:bodyPr>
           <a:lstStyle/>
           <a:p>
-            <a:endParaRPr lang="es-PE"/>
+            <a:r>
+              <a:rPr lang="es-PE" dirty="0">
+                <a:solidFill>
+                  <a:srgbClr val="FFC000"/>
+                </a:solidFill>
+              </a:rPr>
+              <a:t>RN01: La nota mínima aprobatoria es de 70 puntos.</a:t>
+            </a:r>
+          </a:p>
+          <a:p>
+            <a:r>
+              <a:rPr lang="es-PE" dirty="0">
+                <a:solidFill>
+                  <a:srgbClr val="FFC000"/>
+                </a:solidFill>
+              </a:rPr>
+              <a:t>RN02: No se paga una matrícula, el costo promedio es de  350 soles para el ciclo regular.</a:t>
+            </a:r>
+          </a:p>
+          <a:p>
+            <a:r>
+              <a:rPr lang="es-PE" dirty="0">
+                <a:solidFill>
+                  <a:srgbClr val="FFC000"/>
+                </a:solidFill>
+              </a:rPr>
+              <a:t>RN03: Los libros se compran por separado por cada 6 ciclos y su costo es de 100 soles.</a:t>
+            </a:r>
+          </a:p>
+          <a:p>
+            <a:r>
+              <a:rPr lang="es-PE" dirty="0">
+                <a:solidFill>
+                  <a:srgbClr val="FFC000"/>
+                </a:solidFill>
+              </a:rPr>
+              <a:t>RN04: Cada ciclo dura un mes.</a:t>
+            </a:r>
+          </a:p>
+          <a:p>
+            <a:r>
+              <a:rPr lang="es-PE" dirty="0">
+                <a:solidFill>
+                  <a:srgbClr val="FFC000"/>
+                </a:solidFill>
+              </a:rPr>
+              <a:t>RN05: Los tipos de alumnos se definen por alumno entre 4 y 13 años, alumno regular presencial, programas para empresas, programas no presenciales y programas de preparación para certificaciones internacionales.</a:t>
+            </a:r>
+          </a:p>
+          <a:p>
+            <a:r>
+              <a:rPr lang="es-PE" dirty="0">
+                <a:solidFill>
+                  <a:srgbClr val="FFC000"/>
+                </a:solidFill>
+              </a:rPr>
+              <a:t>RN06: El alumno puede rendir un examen de clasificación</a:t>
+            </a:r>
+          </a:p>
+          <a:p>
+            <a:r>
+              <a:rPr lang="es-PE" dirty="0">
+                <a:solidFill>
+                  <a:srgbClr val="FFC000"/>
+                </a:solidFill>
+              </a:rPr>
+              <a:t>RN07: Para matricularte de forma online, debes ser alumno del BRITÁNICO, que no haya dejado de estudiar más de 4 meses.</a:t>
+            </a:r>
+          </a:p>
+          <a:p>
+            <a:r>
+              <a:rPr lang="es-PE" dirty="0">
+                <a:solidFill>
+                  <a:srgbClr val="FFC000"/>
+                </a:solidFill>
+              </a:rPr>
+              <a:t>RN08: Los alumnos solo podrán asistir a clases en el centro, grado, horario y aula en el que están matriculados.</a:t>
+            </a:r>
+          </a:p>
+          <a:p>
+            <a:endParaRPr lang="es-PE" dirty="0">
+              <a:solidFill>
+                <a:srgbClr val="FFC000"/>
+              </a:solidFill>
+            </a:endParaRPr>
           </a:p>
         </p:txBody>
       </p:sp>
     </p:spTree>
     <p:extLst>
       <p:ext uri="{BB962C8B-B14F-4D97-AF65-F5344CB8AC3E}">
-        <p14:creationId xmlns:p14="http://schemas.microsoft.com/office/powerpoint/2010/main" val="1677290459"/>
+        <p14:creationId xmlns:p14="http://schemas.microsoft.com/office/powerpoint/2010/main" val="4013346287"/>
       </p:ext>
     </p:extLst>
   </p:cSld>
@@ -18632,46 +19198,6 @@
       </p:sp>
       <p:sp>
         <p:nvSpPr>
-          <p:cNvPr id="3" name="Marcador de contenido 2">
-            <a:extLst>
-              <a:ext uri="{FF2B5EF4-FFF2-40B4-BE49-F238E27FC236}">
-                <a16:creationId xmlns:a16="http://schemas.microsoft.com/office/drawing/2014/main" id="{E7C05CC3-11D7-40CC-B980-05AF401AC530}"/>
-              </a:ext>
-            </a:extLst>
-          </p:cNvPr>
-          <p:cNvSpPr>
-            <a:spLocks noGrp="1"/>
-          </p:cNvSpPr>
-          <p:nvPr>
-            <p:ph idx="1"/>
-          </p:nvPr>
-        </p:nvSpPr>
-        <p:spPr>
-          <a:xfrm>
-            <a:off x="1444267" y="1445406"/>
-            <a:ext cx="4305369" cy="635253"/>
-          </a:xfrm>
-        </p:spPr>
-        <p:txBody>
-          <a:bodyPr>
-            <a:normAutofit fontScale="92500"/>
-          </a:bodyPr>
-          <a:lstStyle/>
-          <a:p>
-            <a:pPr algn="just"/>
-            <a:r>
-              <a:rPr lang="es-PE" dirty="0">
-                <a:solidFill>
-                  <a:srgbClr val="FFC000"/>
-                </a:solidFill>
-              </a:rPr>
-              <a:t>Proceso Matrícula Web:</a:t>
-            </a:r>
-          </a:p>
-        </p:txBody>
-      </p:sp>
-      <p:sp>
-        <p:nvSpPr>
           <p:cNvPr id="4" name="Flecha: pentágono 3">
             <a:extLst>
               <a:ext uri="{FF2B5EF4-FFF2-40B4-BE49-F238E27FC236}">
@@ -18772,7 +19298,7 @@
                   <a:srgbClr val="002060"/>
                 </a:solidFill>
               </a:rPr>
-              <a:t>Procesos del negocio</a:t>
+              <a:t>Especificación de reglas del negocio</a:t>
             </a:r>
             <a:endParaRPr lang="es-PE" sz="3200" dirty="0">
               <a:solidFill>
@@ -18928,44 +19454,106 @@
           </a:extLst>
         </p:spPr>
       </p:pic>
-      <p:pic>
-        <p:nvPicPr>
-          <p:cNvPr id="10" name="picture">
-            <a:extLst>
-              <a:ext uri="{FF2B5EF4-FFF2-40B4-BE49-F238E27FC236}">
-                <a16:creationId xmlns:a16="http://schemas.microsoft.com/office/drawing/2014/main" id="{E0A4EF7A-0477-4187-B3D4-6C1631A0622A}"/>
-              </a:ext>
-            </a:extLst>
-          </p:cNvPr>
-          <p:cNvPicPr/>
-          <p:nvPr/>
-        </p:nvPicPr>
-        <p:blipFill>
-          <a:blip r:embed="rId5">
-            <a:extLst>
-              <a:ext uri="{28A0092B-C50C-407E-A947-70E740481C1C}">
-                <a14:useLocalDpi xmlns:a14="http://schemas.microsoft.com/office/drawing/2010/main" val="0"/>
-              </a:ext>
-            </a:extLst>
-          </a:blip>
-          <a:stretch>
-            <a:fillRect/>
-          </a:stretch>
-        </p:blipFill>
+      <p:sp>
+        <p:nvSpPr>
+          <p:cNvPr id="10" name="Marcador de contenido 9">
+            <a:extLst>
+              <a:ext uri="{FF2B5EF4-FFF2-40B4-BE49-F238E27FC236}">
+                <a16:creationId xmlns:a16="http://schemas.microsoft.com/office/drawing/2014/main" id="{5B729FBD-2688-4A85-9017-6181B96C8BCC}"/>
+              </a:ext>
+            </a:extLst>
+          </p:cNvPr>
+          <p:cNvSpPr>
+            <a:spLocks noGrp="1"/>
+          </p:cNvSpPr>
+          <p:nvPr>
+            <p:ph idx="1"/>
+          </p:nvPr>
+        </p:nvSpPr>
         <p:spPr>
           <a:xfrm>
-            <a:off x="1228584" y="2354361"/>
-            <a:ext cx="9268693" cy="3395276"/>
-          </a:xfrm>
-          <a:prstGeom prst="rect">
-            <a:avLst/>
-          </a:prstGeom>
-        </p:spPr>
-      </p:pic>
+            <a:off x="994593" y="1436591"/>
+            <a:ext cx="10138592" cy="5421409"/>
+          </a:xfrm>
+        </p:spPr>
+        <p:txBody>
+          <a:bodyPr>
+            <a:normAutofit fontScale="70000" lnSpcReduction="20000"/>
+          </a:bodyPr>
+          <a:lstStyle/>
+          <a:p>
+            <a:r>
+              <a:rPr lang="es-PE" dirty="0">
+                <a:solidFill>
+                  <a:srgbClr val="FFC000"/>
+                </a:solidFill>
+              </a:rPr>
+              <a:t>RN09: La presentación del “Documento de Matrícula” es indispensable tanto para ingresar al centro de estudios como al aula donde se encuentre matriculado.</a:t>
+            </a:r>
+          </a:p>
+          <a:p>
+            <a:r>
+              <a:rPr lang="es-PE" dirty="0">
+                <a:solidFill>
+                  <a:srgbClr val="FFC000"/>
+                </a:solidFill>
+              </a:rPr>
+              <a:t>RN10: Únicamente los alumnos que figuran matriculados pueden asistir a clases. No está permitida la asistencia de acompañantes.</a:t>
+            </a:r>
+          </a:p>
+          <a:p>
+            <a:r>
+              <a:rPr lang="es-PE" dirty="0">
+                <a:solidFill>
+                  <a:srgbClr val="FFC000"/>
+                </a:solidFill>
+              </a:rPr>
+              <a:t>RN11: La matrícula no es transferible. Ninguna persona podrá asistir a clases reemplazando al alumno matriculado</a:t>
+            </a:r>
+          </a:p>
+          <a:p>
+            <a:r>
+              <a:rPr lang="es-PE" dirty="0">
+                <a:solidFill>
+                  <a:srgbClr val="FFC000"/>
+                </a:solidFill>
+              </a:rPr>
+              <a:t>RN12: Las clases no asistidas no son recuperables.</a:t>
+            </a:r>
+          </a:p>
+          <a:p>
+            <a:r>
+              <a:rPr lang="es-PE" dirty="0">
+                <a:solidFill>
+                  <a:srgbClr val="FFC000"/>
+                </a:solidFill>
+              </a:rPr>
+              <a:t>RN13: Luego de haber realizado su pre matrícula seleccionando “Pago presencial en Centros de Enseñanza”, se generará un número de ticket con el cual en un plazo máximo de 6 horas, deberá acercarse a realizar el pago correspondiente a cualquiera de nuestros Centros de Enseñanza.</a:t>
+            </a:r>
+          </a:p>
+          <a:p>
+            <a:r>
+              <a:rPr lang="es-PE" dirty="0">
+                <a:solidFill>
+                  <a:srgbClr val="FFC000"/>
+                </a:solidFill>
+              </a:rPr>
+              <a:t>RN14:  Luego de haber realizado su pre matrícula seleccionando “Pago por banco afiliado”, se generará un número de ticket con el cual en un plazo máximo de 6 horas, deberá acercarse a realizar el pago correspondiente en Agente BCP, Agente Express BBVA o Agente Interbank o mediante la APP Banca Móvil del BBVA. o mediante la APP Interbank. Adicionalmente podrá realizar el pago en ventanilla del banco BCP, BBVA o Interbank, o a través de su cuenta personal de cualquiera de los tres bancos</a:t>
+            </a:r>
+          </a:p>
+          <a:p>
+            <a:endParaRPr lang="es-PE" dirty="0">
+              <a:solidFill>
+                <a:srgbClr val="FFC000"/>
+              </a:solidFill>
+            </a:endParaRPr>
+          </a:p>
+        </p:txBody>
+      </p:sp>
     </p:spTree>
     <p:extLst>
       <p:ext uri="{BB962C8B-B14F-4D97-AF65-F5344CB8AC3E}">
-        <p14:creationId xmlns:p14="http://schemas.microsoft.com/office/powerpoint/2010/main" val="4184352117"/>
+        <p14:creationId xmlns:p14="http://schemas.microsoft.com/office/powerpoint/2010/main" val="1677290459"/>
       </p:ext>
     </p:extLst>
   </p:cSld>

--- a/Requerimiento_Presentacion1.pptx
+++ b/Requerimiento_Presentacion1.pptx
@@ -9,9 +9,9 @@
     <p:sldId id="261" r:id="rId3"/>
     <p:sldId id="260" r:id="rId4"/>
     <p:sldId id="264" r:id="rId5"/>
-    <p:sldId id="262" r:id="rId6"/>
-    <p:sldId id="291" r:id="rId7"/>
-    <p:sldId id="272" r:id="rId8"/>
+    <p:sldId id="272" r:id="rId6"/>
+    <p:sldId id="262" r:id="rId7"/>
+    <p:sldId id="291" r:id="rId8"/>
     <p:sldId id="292" r:id="rId9"/>
     <p:sldId id="265" r:id="rId10"/>
     <p:sldId id="276" r:id="rId11"/>
@@ -17073,280 +17073,40 @@
         </p:nvSpPr>
         <p:spPr>
           <a:xfrm>
-            <a:off x="1135067" y="1225023"/>
-            <a:ext cx="9823878" cy="5632977"/>
+            <a:off x="1135067" y="1482997"/>
+            <a:ext cx="7205369" cy="5049469"/>
           </a:xfrm>
         </p:spPr>
         <p:txBody>
           <a:bodyPr>
-            <a:normAutofit lnSpcReduction="10000"/>
+            <a:normAutofit fontScale="92500" lnSpcReduction="20000"/>
           </a:bodyPr>
           <a:lstStyle/>
           <a:p>
             <a:pPr marL="0" indent="0" algn="just">
-              <a:lnSpc>
-                <a:spcPct val="120000"/>
-              </a:lnSpc>
-              <a:spcBef>
-                <a:spcPts val="0"/>
-              </a:spcBef>
               <a:buNone/>
             </a:pPr>
             <a:r>
-              <a:rPr lang="es-PE" sz="1800" dirty="0">
+              <a:rPr lang="es-PE" dirty="0">
                 <a:solidFill>
                   <a:srgbClr val="FFC000"/>
                 </a:solidFill>
               </a:rPr>
-              <a:t>La Asociación Cultural Peruano Británica promueve el enfoque de Procesos, como estándar para la mejora de sus procesos, ya que les permite identificar las entradas, salidas esperadas, los objetivos, los criterios y métodos, los recursos, las responsabilidades, los riesgos y oportunidades y las acciones de mejora necesarias para lograr la eficacia del Sistema Integrado de Gestión. </a:t>
-            </a:r>
-          </a:p>
-          <a:p>
-            <a:pPr algn="just">
-              <a:lnSpc>
-                <a:spcPct val="120000"/>
-              </a:lnSpc>
-              <a:spcBef>
-                <a:spcPts val="0"/>
-              </a:spcBef>
+              <a:t>Brindar servicio de calidad en la formación de idiomas, implementando un sistema de enseñanza en colaboración de tecnología de punta y profesionales en el área de idiomas. Se especializa en la enseñanza a todo nivel del idioma Británico, desde un nivel básico hasta el estar apto para rendir certificaciones internacionales.</a:t>
+            </a:r>
+          </a:p>
+          <a:p>
+            <a:pPr marL="0" indent="0" algn="just">
+              <a:buNone/>
             </a:pPr>
             <a:r>
-              <a:rPr lang="es-PE" sz="1800" dirty="0">
+              <a:rPr lang="es-PE" dirty="0">
                 <a:solidFill>
                   <a:srgbClr val="FFC000"/>
                 </a:solidFill>
               </a:rPr>
-              <a:t>Los procesos estratégicos que permiten definir y garantizar los objetivos y estrategias de la institución son:</a:t>
-            </a:r>
-          </a:p>
-          <a:p>
-            <a:pPr lvl="1" algn="just">
-              <a:lnSpc>
-                <a:spcPct val="120000"/>
-              </a:lnSpc>
-              <a:spcBef>
-                <a:spcPts val="0"/>
-              </a:spcBef>
-            </a:pPr>
-            <a:r>
-              <a:rPr lang="es-PE" sz="1800" dirty="0">
-                <a:solidFill>
-                  <a:srgbClr val="FFC000"/>
-                </a:solidFill>
-              </a:rPr>
-              <a:t>Gestión de Alta Dirección</a:t>
-            </a:r>
-          </a:p>
-          <a:p>
-            <a:pPr algn="just">
-              <a:lnSpc>
-                <a:spcPct val="120000"/>
-              </a:lnSpc>
-              <a:spcBef>
-                <a:spcPts val="0"/>
-              </a:spcBef>
-            </a:pPr>
-            <a:r>
-              <a:rPr lang="es-PE" sz="1800" dirty="0">
-                <a:solidFill>
-                  <a:srgbClr val="FFC000"/>
-                </a:solidFill>
-              </a:rPr>
-              <a:t>Los procesos operativos que forman parte de la cadena de valor de la organización son:</a:t>
-            </a:r>
-          </a:p>
-          <a:p>
-            <a:pPr lvl="1" algn="just">
-              <a:lnSpc>
-                <a:spcPct val="120000"/>
-              </a:lnSpc>
-              <a:spcBef>
-                <a:spcPts val="0"/>
-              </a:spcBef>
-            </a:pPr>
-            <a:r>
-              <a:rPr lang="es-PE" sz="1800" dirty="0">
-                <a:solidFill>
-                  <a:srgbClr val="FFC000"/>
-                </a:solidFill>
-              </a:rPr>
-              <a:t>Gestión Cultural</a:t>
-            </a:r>
-          </a:p>
-          <a:p>
-            <a:pPr lvl="1" algn="just">
-              <a:lnSpc>
-                <a:spcPct val="120000"/>
-              </a:lnSpc>
-              <a:spcBef>
-                <a:spcPts val="0"/>
-              </a:spcBef>
-            </a:pPr>
-            <a:r>
-              <a:rPr lang="es-PE" sz="1800" b="1" dirty="0">
-                <a:solidFill>
-                  <a:schemeClr val="bg1"/>
-                </a:solidFill>
-              </a:rPr>
-              <a:t>Gestión de la Enseñanza(Proceso Escogido)</a:t>
-            </a:r>
-          </a:p>
-          <a:p>
-            <a:pPr lvl="1" algn="just">
-              <a:lnSpc>
-                <a:spcPct val="120000"/>
-              </a:lnSpc>
-              <a:spcBef>
-                <a:spcPts val="0"/>
-              </a:spcBef>
-            </a:pPr>
-            <a:r>
-              <a:rPr lang="es-PE" sz="1800" dirty="0">
-                <a:solidFill>
-                  <a:srgbClr val="FFC000"/>
-                </a:solidFill>
-              </a:rPr>
-              <a:t>Gestión de Biblioteca</a:t>
-            </a:r>
-          </a:p>
-          <a:p>
-            <a:pPr algn="just">
-              <a:lnSpc>
-                <a:spcPct val="120000"/>
-              </a:lnSpc>
-              <a:spcBef>
-                <a:spcPts val="0"/>
-              </a:spcBef>
-            </a:pPr>
-            <a:r>
-              <a:rPr lang="es-PE" sz="1800" dirty="0">
-                <a:solidFill>
-                  <a:srgbClr val="FFC000"/>
-                </a:solidFill>
-              </a:rPr>
-              <a:t>Los procesos de apoyo que dan soporte a los procesos estratégicos y operativos son:</a:t>
-            </a:r>
-          </a:p>
-          <a:p>
-            <a:pPr lvl="1" algn="just">
-              <a:lnSpc>
-                <a:spcPct val="120000"/>
-              </a:lnSpc>
-              <a:spcBef>
-                <a:spcPts val="0"/>
-              </a:spcBef>
-            </a:pPr>
-            <a:r>
-              <a:rPr lang="es-PE" sz="1800" dirty="0">
-                <a:solidFill>
-                  <a:srgbClr val="FFC000"/>
-                </a:solidFill>
-              </a:rPr>
-              <a:t>Sistemas</a:t>
-            </a:r>
-          </a:p>
-          <a:p>
-            <a:pPr lvl="1" algn="just">
-              <a:lnSpc>
-                <a:spcPct val="120000"/>
-              </a:lnSpc>
-              <a:spcBef>
-                <a:spcPts val="0"/>
-              </a:spcBef>
-            </a:pPr>
-            <a:r>
-              <a:rPr lang="es-PE" sz="1800" dirty="0">
-                <a:solidFill>
-                  <a:srgbClr val="FFC000"/>
-                </a:solidFill>
-              </a:rPr>
-              <a:t> Recursos Humanos</a:t>
-            </a:r>
-          </a:p>
-          <a:p>
-            <a:pPr lvl="1" algn="just">
-              <a:lnSpc>
-                <a:spcPct val="120000"/>
-              </a:lnSpc>
-              <a:spcBef>
-                <a:spcPts val="0"/>
-              </a:spcBef>
-            </a:pPr>
-            <a:r>
-              <a:rPr lang="es-PE" sz="1800" dirty="0">
-                <a:solidFill>
-                  <a:srgbClr val="FFC000"/>
-                </a:solidFill>
-              </a:rPr>
-              <a:t>Contabilidad</a:t>
-            </a:r>
-          </a:p>
-          <a:p>
-            <a:pPr lvl="1" algn="just">
-              <a:lnSpc>
-                <a:spcPct val="120000"/>
-              </a:lnSpc>
-              <a:spcBef>
-                <a:spcPts val="0"/>
-              </a:spcBef>
-            </a:pPr>
-            <a:r>
-              <a:rPr lang="es-PE" sz="1800" dirty="0">
-                <a:solidFill>
-                  <a:srgbClr val="FFC000"/>
-                </a:solidFill>
-              </a:rPr>
-              <a:t>Sistema Integrado de Gestión</a:t>
-            </a:r>
-          </a:p>
-          <a:p>
-            <a:pPr lvl="1" algn="just">
-              <a:lnSpc>
-                <a:spcPct val="120000"/>
-              </a:lnSpc>
-              <a:spcBef>
-                <a:spcPts val="0"/>
-              </a:spcBef>
-            </a:pPr>
-            <a:r>
-              <a:rPr lang="es-PE" sz="1800" dirty="0">
-                <a:solidFill>
-                  <a:srgbClr val="FFC000"/>
-                </a:solidFill>
-              </a:rPr>
-              <a:t>Compras</a:t>
-            </a:r>
-          </a:p>
-          <a:p>
-            <a:pPr lvl="1" algn="just">
-              <a:lnSpc>
-                <a:spcPct val="120000"/>
-              </a:lnSpc>
-              <a:spcBef>
-                <a:spcPts val="0"/>
-              </a:spcBef>
-            </a:pPr>
-            <a:r>
-              <a:rPr lang="es-PE" sz="1800" dirty="0">
-                <a:solidFill>
-                  <a:srgbClr val="FFC000"/>
-                </a:solidFill>
-              </a:rPr>
-              <a:t>Almacén . </a:t>
-            </a:r>
-            <a:r>
-              <a:rPr lang="es-PE" sz="1800" dirty="0" err="1">
-                <a:solidFill>
-                  <a:srgbClr val="FFC000"/>
-                </a:solidFill>
-              </a:rPr>
-              <a:t>etc</a:t>
-            </a:r>
-            <a:endParaRPr lang="es-PE" sz="1800" dirty="0">
-              <a:solidFill>
-                <a:srgbClr val="FFC000"/>
-              </a:solidFill>
-            </a:endParaRPr>
+              <a:t>Actualmente cuenta con 20 mil alumnos en diferentes turnos en Lima Metropolitana y con proyección a la apertura de nuevas sedes en provincia. </a:t>
+            </a:r>
           </a:p>
         </p:txBody>
       </p:sp>
@@ -17452,7 +17212,7 @@
                   <a:srgbClr val="002060"/>
                 </a:solidFill>
               </a:rPr>
-              <a:t>Descripción de la organización </a:t>
+              <a:t>Modelo del negocio</a:t>
             </a:r>
             <a:endParaRPr lang="es-PE" sz="3200" dirty="0">
               <a:solidFill>
@@ -17545,7 +17305,7 @@
         </p:blipFill>
         <p:spPr bwMode="auto">
           <a:xfrm>
-            <a:off x="67962" y="152724"/>
+            <a:off x="98094" y="152724"/>
             <a:ext cx="956080" cy="956080"/>
           </a:xfrm>
           <a:prstGeom prst="rect">
@@ -17608,10 +17368,62 @@
           </a:extLst>
         </p:spPr>
       </p:pic>
+      <p:pic>
+        <p:nvPicPr>
+          <p:cNvPr id="33796" name="Picture 4" descr="Resultado de imagen para britanico">
+            <a:extLst>
+              <a:ext uri="{FF2B5EF4-FFF2-40B4-BE49-F238E27FC236}">
+                <a16:creationId xmlns:a16="http://schemas.microsoft.com/office/drawing/2014/main" id="{7733C76A-46A7-4964-A6BA-22C6C7FC18E1}"/>
+              </a:ext>
+            </a:extLst>
+          </p:cNvPr>
+          <p:cNvPicPr>
+            <a:picLocks noChangeAspect="1" noChangeArrowheads="1"/>
+          </p:cNvPicPr>
+          <p:nvPr/>
+        </p:nvPicPr>
+        <p:blipFill>
+          <a:blip r:embed="rId5">
+            <a:extLst>
+              <a:ext uri="{28A0092B-C50C-407E-A947-70E740481C1C}">
+                <a14:useLocalDpi xmlns:a14="http://schemas.microsoft.com/office/drawing/2010/main" val="0"/>
+              </a:ext>
+            </a:extLst>
+          </a:blip>
+          <a:srcRect/>
+          <a:stretch>
+            <a:fillRect/>
+          </a:stretch>
+        </p:blipFill>
+        <p:spPr bwMode="auto">
+          <a:xfrm>
+            <a:off x="8597119" y="2319770"/>
+            <a:ext cx="2708190" cy="2062429"/>
+          </a:xfrm>
+          <a:prstGeom prst="rect">
+            <a:avLst/>
+          </a:prstGeom>
+          <a:ln>
+            <a:noFill/>
+          </a:ln>
+          <a:effectLst>
+            <a:softEdge rad="112500"/>
+          </a:effectLst>
+          <a:extLst>
+            <a:ext uri="{909E8E84-426E-40DD-AFC4-6F175D3DCCD1}">
+              <a14:hiddenFill xmlns:a14="http://schemas.microsoft.com/office/drawing/2010/main">
+                <a:solidFill>
+                  <a:srgbClr val="FFFFFF"/>
+                </a:solidFill>
+              </a14:hiddenFill>
+            </a:ext>
+          </a:extLst>
+        </p:spPr>
+      </p:pic>
     </p:spTree>
     <p:extLst>
       <p:ext uri="{BB962C8B-B14F-4D97-AF65-F5344CB8AC3E}">
-        <p14:creationId xmlns:p14="http://schemas.microsoft.com/office/powerpoint/2010/main" val="1692883760"/>
+        <p14:creationId xmlns:p14="http://schemas.microsoft.com/office/powerpoint/2010/main" val="3799927871"/>
       </p:ext>
     </p:extLst>
   </p:cSld>
@@ -17742,6 +17554,301 @@
       </p:sp>
       <p:sp>
         <p:nvSpPr>
+          <p:cNvPr id="3" name="Marcador de contenido 2">
+            <a:extLst>
+              <a:ext uri="{FF2B5EF4-FFF2-40B4-BE49-F238E27FC236}">
+                <a16:creationId xmlns:a16="http://schemas.microsoft.com/office/drawing/2014/main" id="{E7C05CC3-11D7-40CC-B980-05AF401AC530}"/>
+              </a:ext>
+            </a:extLst>
+          </p:cNvPr>
+          <p:cNvSpPr>
+            <a:spLocks noGrp="1"/>
+          </p:cNvSpPr>
+          <p:nvPr>
+            <p:ph idx="1"/>
+          </p:nvPr>
+        </p:nvSpPr>
+        <p:spPr>
+          <a:xfrm>
+            <a:off x="1135067" y="1225023"/>
+            <a:ext cx="9823878" cy="5632977"/>
+          </a:xfrm>
+        </p:spPr>
+        <p:txBody>
+          <a:bodyPr>
+            <a:normAutofit lnSpcReduction="10000"/>
+          </a:bodyPr>
+          <a:lstStyle/>
+          <a:p>
+            <a:pPr marL="0" indent="0" algn="just">
+              <a:lnSpc>
+                <a:spcPct val="120000"/>
+              </a:lnSpc>
+              <a:spcBef>
+                <a:spcPts val="0"/>
+              </a:spcBef>
+              <a:buNone/>
+            </a:pPr>
+            <a:r>
+              <a:rPr lang="es-PE" sz="1800" dirty="0">
+                <a:solidFill>
+                  <a:srgbClr val="FFC000"/>
+                </a:solidFill>
+              </a:rPr>
+              <a:t>La Asociación Cultural Peruano Británica promueve el enfoque de Procesos, como estándar para la mejora de sus procesos, ya que les permite identificar las entradas, salidas esperadas, los objetivos, los criterios y métodos, los recursos, las responsabilidades, los riesgos y oportunidades y las acciones de mejora necesarias para lograr la eficacia del Sistema Integrado de Gestión. </a:t>
+            </a:r>
+          </a:p>
+          <a:p>
+            <a:pPr algn="just">
+              <a:lnSpc>
+                <a:spcPct val="120000"/>
+              </a:lnSpc>
+              <a:spcBef>
+                <a:spcPts val="0"/>
+              </a:spcBef>
+            </a:pPr>
+            <a:r>
+              <a:rPr lang="es-PE" sz="1800" dirty="0">
+                <a:solidFill>
+                  <a:srgbClr val="FFC000"/>
+                </a:solidFill>
+              </a:rPr>
+              <a:t>Los procesos estratégicos que permiten definir y garantizar los objetivos y estrategias de la institución son:</a:t>
+            </a:r>
+          </a:p>
+          <a:p>
+            <a:pPr lvl="1" algn="just">
+              <a:lnSpc>
+                <a:spcPct val="120000"/>
+              </a:lnSpc>
+              <a:spcBef>
+                <a:spcPts val="0"/>
+              </a:spcBef>
+            </a:pPr>
+            <a:r>
+              <a:rPr lang="es-PE" sz="1800" dirty="0">
+                <a:solidFill>
+                  <a:srgbClr val="FFC000"/>
+                </a:solidFill>
+              </a:rPr>
+              <a:t>Gestión de Alta Dirección</a:t>
+            </a:r>
+          </a:p>
+          <a:p>
+            <a:pPr algn="just">
+              <a:lnSpc>
+                <a:spcPct val="120000"/>
+              </a:lnSpc>
+              <a:spcBef>
+                <a:spcPts val="0"/>
+              </a:spcBef>
+            </a:pPr>
+            <a:r>
+              <a:rPr lang="es-PE" sz="1800" dirty="0">
+                <a:solidFill>
+                  <a:srgbClr val="FFC000"/>
+                </a:solidFill>
+              </a:rPr>
+              <a:t>Los procesos operativos que forman parte de la cadena de valor de la organización son:</a:t>
+            </a:r>
+          </a:p>
+          <a:p>
+            <a:pPr lvl="1" algn="just">
+              <a:lnSpc>
+                <a:spcPct val="120000"/>
+              </a:lnSpc>
+              <a:spcBef>
+                <a:spcPts val="0"/>
+              </a:spcBef>
+            </a:pPr>
+            <a:r>
+              <a:rPr lang="es-PE" sz="1800" dirty="0">
+                <a:solidFill>
+                  <a:srgbClr val="FFC000"/>
+                </a:solidFill>
+              </a:rPr>
+              <a:t>Gestión Cultural</a:t>
+            </a:r>
+          </a:p>
+          <a:p>
+            <a:pPr lvl="1" algn="just">
+              <a:lnSpc>
+                <a:spcPct val="120000"/>
+              </a:lnSpc>
+              <a:spcBef>
+                <a:spcPts val="0"/>
+              </a:spcBef>
+            </a:pPr>
+            <a:r>
+              <a:rPr lang="es-PE" sz="1800" b="1" dirty="0">
+                <a:solidFill>
+                  <a:schemeClr val="bg1"/>
+                </a:solidFill>
+              </a:rPr>
+              <a:t>Gestión de la Enseñanza(Proceso Escogido)</a:t>
+            </a:r>
+          </a:p>
+          <a:p>
+            <a:pPr lvl="1" algn="just">
+              <a:lnSpc>
+                <a:spcPct val="120000"/>
+              </a:lnSpc>
+              <a:spcBef>
+                <a:spcPts val="0"/>
+              </a:spcBef>
+            </a:pPr>
+            <a:r>
+              <a:rPr lang="es-PE" sz="1800" dirty="0">
+                <a:solidFill>
+                  <a:srgbClr val="FFC000"/>
+                </a:solidFill>
+              </a:rPr>
+              <a:t>Gestión de Biblioteca</a:t>
+            </a:r>
+          </a:p>
+          <a:p>
+            <a:pPr algn="just">
+              <a:lnSpc>
+                <a:spcPct val="120000"/>
+              </a:lnSpc>
+              <a:spcBef>
+                <a:spcPts val="0"/>
+              </a:spcBef>
+            </a:pPr>
+            <a:r>
+              <a:rPr lang="es-PE" sz="1800" dirty="0">
+                <a:solidFill>
+                  <a:srgbClr val="FFC000"/>
+                </a:solidFill>
+              </a:rPr>
+              <a:t>Los procesos de apoyo que dan soporte a los procesos estratégicos y operativos son:</a:t>
+            </a:r>
+          </a:p>
+          <a:p>
+            <a:pPr lvl="1" algn="just">
+              <a:lnSpc>
+                <a:spcPct val="120000"/>
+              </a:lnSpc>
+              <a:spcBef>
+                <a:spcPts val="0"/>
+              </a:spcBef>
+            </a:pPr>
+            <a:r>
+              <a:rPr lang="es-PE" sz="1800" dirty="0">
+                <a:solidFill>
+                  <a:srgbClr val="FFC000"/>
+                </a:solidFill>
+              </a:rPr>
+              <a:t>Sistemas</a:t>
+            </a:r>
+          </a:p>
+          <a:p>
+            <a:pPr lvl="1" algn="just">
+              <a:lnSpc>
+                <a:spcPct val="120000"/>
+              </a:lnSpc>
+              <a:spcBef>
+                <a:spcPts val="0"/>
+              </a:spcBef>
+            </a:pPr>
+            <a:r>
+              <a:rPr lang="es-PE" sz="1800" dirty="0">
+                <a:solidFill>
+                  <a:srgbClr val="FFC000"/>
+                </a:solidFill>
+              </a:rPr>
+              <a:t> Recursos Humanos</a:t>
+            </a:r>
+          </a:p>
+          <a:p>
+            <a:pPr lvl="1" algn="just">
+              <a:lnSpc>
+                <a:spcPct val="120000"/>
+              </a:lnSpc>
+              <a:spcBef>
+                <a:spcPts val="0"/>
+              </a:spcBef>
+            </a:pPr>
+            <a:r>
+              <a:rPr lang="es-PE" sz="1800" dirty="0">
+                <a:solidFill>
+                  <a:srgbClr val="FFC000"/>
+                </a:solidFill>
+              </a:rPr>
+              <a:t>Contabilidad</a:t>
+            </a:r>
+          </a:p>
+          <a:p>
+            <a:pPr lvl="1" algn="just">
+              <a:lnSpc>
+                <a:spcPct val="120000"/>
+              </a:lnSpc>
+              <a:spcBef>
+                <a:spcPts val="0"/>
+              </a:spcBef>
+            </a:pPr>
+            <a:r>
+              <a:rPr lang="es-PE" sz="1800" dirty="0">
+                <a:solidFill>
+                  <a:srgbClr val="FFC000"/>
+                </a:solidFill>
+              </a:rPr>
+              <a:t>Sistema Integrado de Gestión</a:t>
+            </a:r>
+          </a:p>
+          <a:p>
+            <a:pPr lvl="1" algn="just">
+              <a:lnSpc>
+                <a:spcPct val="120000"/>
+              </a:lnSpc>
+              <a:spcBef>
+                <a:spcPts val="0"/>
+              </a:spcBef>
+            </a:pPr>
+            <a:r>
+              <a:rPr lang="es-PE" sz="1800" dirty="0">
+                <a:solidFill>
+                  <a:srgbClr val="FFC000"/>
+                </a:solidFill>
+              </a:rPr>
+              <a:t>Compras</a:t>
+            </a:r>
+          </a:p>
+          <a:p>
+            <a:pPr lvl="1" algn="just">
+              <a:lnSpc>
+                <a:spcPct val="120000"/>
+              </a:lnSpc>
+              <a:spcBef>
+                <a:spcPts val="0"/>
+              </a:spcBef>
+            </a:pPr>
+            <a:r>
+              <a:rPr lang="es-PE" sz="1800" dirty="0">
+                <a:solidFill>
+                  <a:srgbClr val="FFC000"/>
+                </a:solidFill>
+              </a:rPr>
+              <a:t>Almacén . </a:t>
+            </a:r>
+            <a:r>
+              <a:rPr lang="es-PE" sz="1800" dirty="0" err="1">
+                <a:solidFill>
+                  <a:srgbClr val="FFC000"/>
+                </a:solidFill>
+              </a:rPr>
+              <a:t>etc</a:t>
+            </a:r>
+            <a:endParaRPr lang="es-PE" sz="1800" dirty="0">
+              <a:solidFill>
+                <a:srgbClr val="FFC000"/>
+              </a:solidFill>
+            </a:endParaRPr>
+          </a:p>
+        </p:txBody>
+      </p:sp>
+      <p:sp>
+        <p:nvSpPr>
           <p:cNvPr id="4" name="Flecha: pentágono 3">
             <a:extLst>
               <a:ext uri="{FF2B5EF4-FFF2-40B4-BE49-F238E27FC236}">
@@ -17998,40 +18105,10 @@
           </a:extLst>
         </p:spPr>
       </p:pic>
-      <p:pic>
-        <p:nvPicPr>
-          <p:cNvPr id="11" name="Imagen 10">
-            <a:extLst>
-              <a:ext uri="{FF2B5EF4-FFF2-40B4-BE49-F238E27FC236}">
-                <a16:creationId xmlns:a16="http://schemas.microsoft.com/office/drawing/2014/main" id="{CF21B0BA-50EE-4AEE-B0A0-65DAC5B3ACA6}"/>
-              </a:ext>
-            </a:extLst>
-          </p:cNvPr>
-          <p:cNvPicPr>
-            <a:picLocks noChangeAspect="1"/>
-          </p:cNvPicPr>
-          <p:nvPr/>
-        </p:nvPicPr>
-        <p:blipFill>
-          <a:blip r:embed="rId5"/>
-          <a:stretch>
-            <a:fillRect/>
-          </a:stretch>
-        </p:blipFill>
-        <p:spPr>
-          <a:xfrm>
-            <a:off x="1479040" y="1180601"/>
-            <a:ext cx="8488213" cy="5677399"/>
-          </a:xfrm>
-          <a:prstGeom prst="rect">
-            <a:avLst/>
-          </a:prstGeom>
-        </p:spPr>
-      </p:pic>
     </p:spTree>
     <p:extLst>
       <p:ext uri="{BB962C8B-B14F-4D97-AF65-F5344CB8AC3E}">
-        <p14:creationId xmlns:p14="http://schemas.microsoft.com/office/powerpoint/2010/main" val="3617127257"/>
+        <p14:creationId xmlns:p14="http://schemas.microsoft.com/office/powerpoint/2010/main" val="1692883760"/>
       </p:ext>
     </p:extLst>
   </p:cSld>
@@ -18162,94 +18239,6 @@
       </p:sp>
       <p:sp>
         <p:nvSpPr>
-          <p:cNvPr id="3" name="Marcador de contenido 2">
-            <a:extLst>
-              <a:ext uri="{FF2B5EF4-FFF2-40B4-BE49-F238E27FC236}">
-                <a16:creationId xmlns:a16="http://schemas.microsoft.com/office/drawing/2014/main" id="{E7C05CC3-11D7-40CC-B980-05AF401AC530}"/>
-              </a:ext>
-            </a:extLst>
-          </p:cNvPr>
-          <p:cNvSpPr>
-            <a:spLocks noGrp="1"/>
-          </p:cNvSpPr>
-          <p:nvPr>
-            <p:ph idx="1"/>
-          </p:nvPr>
-        </p:nvSpPr>
-        <p:spPr>
-          <a:xfrm>
-            <a:off x="1135067" y="1482997"/>
-            <a:ext cx="7205369" cy="5049469"/>
-          </a:xfrm>
-        </p:spPr>
-        <p:txBody>
-          <a:bodyPr>
-            <a:normAutofit fontScale="77500" lnSpcReduction="20000"/>
-          </a:bodyPr>
-          <a:lstStyle/>
-          <a:p>
-            <a:pPr marL="0" indent="0" algn="just">
-              <a:buNone/>
-            </a:pPr>
-            <a:r>
-              <a:rPr lang="es-PE" dirty="0">
-                <a:solidFill>
-                  <a:srgbClr val="FFC000"/>
-                </a:solidFill>
-              </a:rPr>
-              <a:t>La Asociación Cultural Peruano Británica, más conocida como BRITÁNICO, es una de las más sólidas instituciones de enseñanza del idioma inglés en el Perú, y es también el puente de comunicación e integración cultural con la Gran Bretaña.</a:t>
-            </a:r>
-          </a:p>
-          <a:p>
-            <a:pPr marL="0" indent="0" algn="just">
-              <a:buNone/>
-            </a:pPr>
-            <a:endParaRPr lang="es-PE" dirty="0">
-              <a:solidFill>
-                <a:srgbClr val="FFC000"/>
-              </a:solidFill>
-            </a:endParaRPr>
-          </a:p>
-          <a:p>
-            <a:pPr marL="0" indent="0" algn="just">
-              <a:buNone/>
-            </a:pPr>
-            <a:r>
-              <a:rPr lang="es-PE" dirty="0">
-                <a:solidFill>
-                  <a:srgbClr val="FFC000"/>
-                </a:solidFill>
-              </a:rPr>
-              <a:t>El éxito de su labor tiene como pilares la experiencia, profesionalismo y vocación de un selecto staff de profesores y del equipo administrativo que los acompaña.</a:t>
-            </a:r>
-          </a:p>
-          <a:p>
-            <a:pPr marL="0" indent="0" algn="just">
-              <a:buNone/>
-            </a:pPr>
-            <a:endParaRPr lang="es-PE" dirty="0">
-              <a:solidFill>
-                <a:srgbClr val="FFC000"/>
-              </a:solidFill>
-            </a:endParaRPr>
-          </a:p>
-          <a:p>
-            <a:pPr marL="0" indent="0" algn="just">
-              <a:buNone/>
-            </a:pPr>
-            <a:r>
-              <a:rPr lang="es-PE" dirty="0">
-                <a:solidFill>
-                  <a:srgbClr val="FFC000"/>
-                </a:solidFill>
-              </a:rPr>
-              <a:t>Hoy en día, la institución se distingue no solo por su moderna infraestructura, sino también por complementar su reconocida exigencia académica con el dinamismo de su nueva metodología de enseñanza. </a:t>
-            </a:r>
-          </a:p>
-        </p:txBody>
-      </p:sp>
-      <p:sp>
-        <p:nvSpPr>
           <p:cNvPr id="4" name="Flecha: pentágono 3">
             <a:extLst>
               <a:ext uri="{FF2B5EF4-FFF2-40B4-BE49-F238E27FC236}">
@@ -18350,7 +18339,7 @@
                   <a:srgbClr val="002060"/>
                 </a:solidFill>
               </a:rPr>
-              <a:t>Modelo del negocio</a:t>
+              <a:t>Descripción de la organización </a:t>
             </a:r>
             <a:endParaRPr lang="es-PE" sz="3200" dirty="0">
               <a:solidFill>
@@ -18443,7 +18432,7 @@
         </p:blipFill>
         <p:spPr bwMode="auto">
           <a:xfrm>
-            <a:off x="98094" y="152724"/>
+            <a:off x="67962" y="152724"/>
             <a:ext cx="956080" cy="956080"/>
           </a:xfrm>
           <a:prstGeom prst="rect">
@@ -18508,60 +18497,38 @@
       </p:pic>
       <p:pic>
         <p:nvPicPr>
-          <p:cNvPr id="33796" name="Picture 4" descr="Resultado de imagen para britanico">
-            <a:extLst>
-              <a:ext uri="{FF2B5EF4-FFF2-40B4-BE49-F238E27FC236}">
-                <a16:creationId xmlns:a16="http://schemas.microsoft.com/office/drawing/2014/main" id="{7733C76A-46A7-4964-A6BA-22C6C7FC18E1}"/>
+          <p:cNvPr id="11" name="Imagen 10">
+            <a:extLst>
+              <a:ext uri="{FF2B5EF4-FFF2-40B4-BE49-F238E27FC236}">
+                <a16:creationId xmlns:a16="http://schemas.microsoft.com/office/drawing/2014/main" id="{CF21B0BA-50EE-4AEE-B0A0-65DAC5B3ACA6}"/>
               </a:ext>
             </a:extLst>
           </p:cNvPr>
           <p:cNvPicPr>
-            <a:picLocks noChangeAspect="1" noChangeArrowheads="1"/>
+            <a:picLocks noChangeAspect="1"/>
           </p:cNvPicPr>
           <p:nvPr/>
         </p:nvPicPr>
         <p:blipFill>
-          <a:blip r:embed="rId5">
-            <a:extLst>
-              <a:ext uri="{28A0092B-C50C-407E-A947-70E740481C1C}">
-                <a14:useLocalDpi xmlns:a14="http://schemas.microsoft.com/office/drawing/2010/main" val="0"/>
-              </a:ext>
-            </a:extLst>
-          </a:blip>
-          <a:srcRect/>
+          <a:blip r:embed="rId5"/>
           <a:stretch>
             <a:fillRect/>
           </a:stretch>
         </p:blipFill>
-        <p:spPr bwMode="auto">
-          <a:xfrm>
-            <a:off x="8597119" y="2319770"/>
-            <a:ext cx="2708190" cy="2062429"/>
+        <p:spPr>
+          <a:xfrm>
+            <a:off x="1479040" y="1180601"/>
+            <a:ext cx="8488213" cy="5677399"/>
           </a:xfrm>
           <a:prstGeom prst="rect">
             <a:avLst/>
           </a:prstGeom>
-          <a:ln>
-            <a:noFill/>
-          </a:ln>
-          <a:effectLst>
-            <a:softEdge rad="112500"/>
-          </a:effectLst>
-          <a:extLst>
-            <a:ext uri="{909E8E84-426E-40DD-AFC4-6F175D3DCCD1}">
-              <a14:hiddenFill xmlns:a14="http://schemas.microsoft.com/office/drawing/2010/main">
-                <a:solidFill>
-                  <a:srgbClr val="FFFFFF"/>
-                </a:solidFill>
-              </a14:hiddenFill>
-            </a:ext>
-          </a:extLst>
         </p:spPr>
       </p:pic>
     </p:spTree>
     <p:extLst>
       <p:ext uri="{BB962C8B-B14F-4D97-AF65-F5344CB8AC3E}">
-        <p14:creationId xmlns:p14="http://schemas.microsoft.com/office/powerpoint/2010/main" val="3799927871"/>
+        <p14:creationId xmlns:p14="http://schemas.microsoft.com/office/powerpoint/2010/main" val="3617127257"/>
       </p:ext>
     </p:extLst>
   </p:cSld>

--- a/Requerimiento_Presentacion1.pptx
+++ b/Requerimiento_Presentacion1.pptx
@@ -13,7 +13,7 @@
     <p:sldId id="262" r:id="rId7"/>
     <p:sldId id="291" r:id="rId8"/>
     <p:sldId id="292" r:id="rId9"/>
-    <p:sldId id="265" r:id="rId10"/>
+    <p:sldId id="293" r:id="rId10"/>
     <p:sldId id="276" r:id="rId11"/>
     <p:sldId id="277" r:id="rId12"/>
     <p:sldId id="278" r:id="rId13"/>
@@ -34,8 +34,18 @@
     <p:sldId id="281" r:id="rId28"/>
     <p:sldId id="273" r:id="rId29"/>
     <p:sldId id="275" r:id="rId30"/>
-    <p:sldId id="274" r:id="rId31"/>
-    <p:sldId id="283" r:id="rId32"/>
+    <p:sldId id="294" r:id="rId31"/>
+    <p:sldId id="295" r:id="rId32"/>
+    <p:sldId id="296" r:id="rId33"/>
+    <p:sldId id="298" r:id="rId34"/>
+    <p:sldId id="299" r:id="rId35"/>
+    <p:sldId id="300" r:id="rId36"/>
+    <p:sldId id="301" r:id="rId37"/>
+    <p:sldId id="302" r:id="rId38"/>
+    <p:sldId id="303" r:id="rId39"/>
+    <p:sldId id="304" r:id="rId40"/>
+    <p:sldId id="274" r:id="rId41"/>
+    <p:sldId id="283" r:id="rId42"/>
   </p:sldIdLst>
   <p:sldSz cx="12192000" cy="6858000"/>
   <p:notesSz cx="6858000" cy="9144000"/>
@@ -273,7 +283,7 @@
           <a:p>
             <a:fld id="{48A87A34-81AB-432B-8DAE-1953F412C126}" type="datetimeFigureOut">
               <a:rPr lang="en-US" smtClean="0"/>
-              <a:t>6/13/2018</a:t>
+              <a:t>7/14/2018</a:t>
             </a:fld>
             <a:endParaRPr lang="en-US" dirty="0"/>
           </a:p>
@@ -443,7 +453,7 @@
           <a:p>
             <a:fld id="{48A87A34-81AB-432B-8DAE-1953F412C126}" type="datetimeFigureOut">
               <a:rPr lang="en-US" smtClean="0"/>
-              <a:t>6/13/2018</a:t>
+              <a:t>7/14/2018</a:t>
             </a:fld>
             <a:endParaRPr lang="en-US" dirty="0"/>
           </a:p>
@@ -623,7 +633,7 @@
           <a:p>
             <a:fld id="{48A87A34-81AB-432B-8DAE-1953F412C126}" type="datetimeFigureOut">
               <a:rPr lang="en-US" smtClean="0"/>
-              <a:t>6/13/2018</a:t>
+              <a:t>7/14/2018</a:t>
             </a:fld>
             <a:endParaRPr lang="en-US" dirty="0"/>
           </a:p>
@@ -793,7 +803,7 @@
           <a:p>
             <a:fld id="{48A87A34-81AB-432B-8DAE-1953F412C126}" type="datetimeFigureOut">
               <a:rPr lang="en-US" smtClean="0"/>
-              <a:t>6/13/2018</a:t>
+              <a:t>7/14/2018</a:t>
             </a:fld>
             <a:endParaRPr lang="en-US" dirty="0"/>
           </a:p>
@@ -1039,7 +1049,7 @@
           <a:p>
             <a:fld id="{48A87A34-81AB-432B-8DAE-1953F412C126}" type="datetimeFigureOut">
               <a:rPr lang="en-US" smtClean="0"/>
-              <a:t>6/13/2018</a:t>
+              <a:t>7/14/2018</a:t>
             </a:fld>
             <a:endParaRPr lang="en-US" dirty="0"/>
           </a:p>
@@ -1327,7 +1337,7 @@
           <a:p>
             <a:fld id="{48A87A34-81AB-432B-8DAE-1953F412C126}" type="datetimeFigureOut">
               <a:rPr lang="en-US" smtClean="0"/>
-              <a:t>6/13/2018</a:t>
+              <a:t>7/14/2018</a:t>
             </a:fld>
             <a:endParaRPr lang="en-US" dirty="0"/>
           </a:p>
@@ -1750,7 +1760,7 @@
           <a:p>
             <a:fld id="{48A87A34-81AB-432B-8DAE-1953F412C126}" type="datetimeFigureOut">
               <a:rPr lang="en-US" smtClean="0"/>
-              <a:t>6/13/2018</a:t>
+              <a:t>7/14/2018</a:t>
             </a:fld>
             <a:endParaRPr lang="en-US" dirty="0"/>
           </a:p>
@@ -1868,7 +1878,7 @@
           <a:p>
             <a:fld id="{48A87A34-81AB-432B-8DAE-1953F412C126}" type="datetimeFigureOut">
               <a:rPr lang="en-US" smtClean="0"/>
-              <a:t>6/13/2018</a:t>
+              <a:t>7/14/2018</a:t>
             </a:fld>
             <a:endParaRPr lang="en-US" dirty="0"/>
           </a:p>
@@ -1963,7 +1973,7 @@
           <a:p>
             <a:fld id="{48A87A34-81AB-432B-8DAE-1953F412C126}" type="datetimeFigureOut">
               <a:rPr lang="en-US" smtClean="0"/>
-              <a:t>6/13/2018</a:t>
+              <a:t>7/14/2018</a:t>
             </a:fld>
             <a:endParaRPr lang="en-US" dirty="0"/>
           </a:p>
@@ -2240,7 +2250,7 @@
           <a:p>
             <a:fld id="{48A87A34-81AB-432B-8DAE-1953F412C126}" type="datetimeFigureOut">
               <a:rPr lang="en-US" smtClean="0"/>
-              <a:t>6/13/2018</a:t>
+              <a:t>7/14/2018</a:t>
             </a:fld>
             <a:endParaRPr lang="en-US" dirty="0"/>
           </a:p>
@@ -2497,7 +2507,7 @@
           <a:p>
             <a:fld id="{48A87A34-81AB-432B-8DAE-1953F412C126}" type="datetimeFigureOut">
               <a:rPr lang="en-US" smtClean="0"/>
-              <a:t>6/13/2018</a:t>
+              <a:t>7/14/2018</a:t>
             </a:fld>
             <a:endParaRPr lang="en-US" dirty="0"/>
           </a:p>
@@ -2711,7 +2721,7 @@
             <a:fld id="{48A87A34-81AB-432B-8DAE-1953F412C126}" type="datetimeFigureOut">
               <a:rPr lang="en-US" smtClean="0"/>
               <a:pPr/>
-              <a:t>6/13/2018</a:t>
+              <a:t>7/14/2018</a:t>
             </a:fld>
             <a:endParaRPr lang="en-US" dirty="0"/>
           </a:p>
@@ -3102,7 +3112,7 @@
           <p:cNvPr id="7" name="Picture 2" descr="Resultado de imagen para innovacion">
             <a:extLst>
               <a:ext uri="{FF2B5EF4-FFF2-40B4-BE49-F238E27FC236}">
-                <a16:creationId xmlns:a16="http://schemas.microsoft.com/office/drawing/2014/main" id="{82A53E78-E4A6-42BE-882D-4EA9589B3A50}"/>
+                <a16:creationId xmlns:a16="http://schemas.microsoft.com/office/drawing/2014/main" xmlns="" id="{82A53E78-E4A6-42BE-882D-4EA9589B3A50}"/>
               </a:ext>
             </a:extLst>
           </p:cNvPr>
@@ -3149,7 +3159,7 @@
           <p:cNvPr id="6" name="Rectangle 6">
             <a:extLst>
               <a:ext uri="{FF2B5EF4-FFF2-40B4-BE49-F238E27FC236}">
-                <a16:creationId xmlns:a16="http://schemas.microsoft.com/office/drawing/2014/main" id="{BCBB83CE-5A38-4ED2-A878-AD6CE9619E5E}"/>
+                <a16:creationId xmlns:a16="http://schemas.microsoft.com/office/drawing/2014/main" xmlns="" id="{BCBB83CE-5A38-4ED2-A878-AD6CE9619E5E}"/>
               </a:ext>
             </a:extLst>
           </p:cNvPr>
@@ -3204,7 +3214,7 @@
           <p:cNvPr id="2" name="Título 1">
             <a:extLst>
               <a:ext uri="{FF2B5EF4-FFF2-40B4-BE49-F238E27FC236}">
-                <a16:creationId xmlns:a16="http://schemas.microsoft.com/office/drawing/2014/main" id="{51A5F75B-F161-42B7-AC21-35FF865D73D0}"/>
+                <a16:creationId xmlns:a16="http://schemas.microsoft.com/office/drawing/2014/main" xmlns="" id="{51A5F75B-F161-42B7-AC21-35FF865D73D0}"/>
               </a:ext>
             </a:extLst>
           </p:cNvPr>
@@ -3228,6 +3238,10 @@
           <a:lstStyle/>
           <a:p>
             <a:pPr algn="ctr"/>
+            <a:r>
+              <a:rPr lang="es-PE" dirty="0"/>
+              <a:t/>
+            </a:r>
             <a:br>
               <a:rPr lang="es-PE" dirty="0"/>
             </a:br>
@@ -3247,7 +3261,7 @@
           <p:cNvPr id="3" name="Subtítulo 2">
             <a:extLst>
               <a:ext uri="{FF2B5EF4-FFF2-40B4-BE49-F238E27FC236}">
-                <a16:creationId xmlns:a16="http://schemas.microsoft.com/office/drawing/2014/main" id="{517A552F-CFA9-4F96-B5FA-66A304BB5757}"/>
+                <a16:creationId xmlns:a16="http://schemas.microsoft.com/office/drawing/2014/main" xmlns="" id="{517A552F-CFA9-4F96-B5FA-66A304BB5757}"/>
               </a:ext>
             </a:extLst>
           </p:cNvPr>
@@ -3274,7 +3288,7 @@
             <a:r>
               <a:rPr lang="es-PE" sz="2800" dirty="0">
                 <a:solidFill>
-                  <a:srgbClr val="FFC000"/>
+                  <a:schemeClr val="bg1"/>
                 </a:solidFill>
               </a:rPr>
               <a:t>Presentado por:</a:t>
@@ -3284,7 +3298,7 @@
             <a:pPr algn="l"/>
             <a:endParaRPr lang="es-PE" sz="2800" dirty="0">
               <a:solidFill>
-                <a:srgbClr val="FFC000"/>
+                <a:schemeClr val="bg1"/>
               </a:solidFill>
             </a:endParaRPr>
           </a:p>
@@ -3302,7 +3316,7 @@
             <a:r>
               <a:rPr lang="es-PE" sz="2800" dirty="0">
                 <a:solidFill>
-                  <a:srgbClr val="FFC000"/>
+                  <a:schemeClr val="bg1"/>
                 </a:solidFill>
               </a:rPr>
               <a:t>Claudia Barreto</a:t>
@@ -3322,7 +3336,7 @@
             <a:r>
               <a:rPr lang="es-PE" sz="2800" dirty="0">
                 <a:solidFill>
-                  <a:srgbClr val="FFC000"/>
+                  <a:schemeClr val="bg1"/>
                 </a:solidFill>
               </a:rPr>
               <a:t>Franco Cabanillas</a:t>
@@ -3342,7 +3356,7 @@
             <a:r>
               <a:rPr lang="es-PE" sz="2800" dirty="0">
                 <a:solidFill>
-                  <a:srgbClr val="FFC000"/>
+                  <a:schemeClr val="bg1"/>
                 </a:solidFill>
               </a:rPr>
               <a:t>Spencer Camacho</a:t>
@@ -3362,7 +3376,7 @@
             <a:r>
               <a:rPr lang="es-PE" sz="2800" dirty="0">
                 <a:solidFill>
-                  <a:srgbClr val="FFC000"/>
+                  <a:schemeClr val="bg1"/>
                 </a:solidFill>
               </a:rPr>
               <a:t>Jorge Castillo</a:t>
@@ -3382,7 +3396,7 @@
             <a:r>
               <a:rPr lang="es-PE" sz="2800" dirty="0">
                 <a:solidFill>
-                  <a:srgbClr val="FFC000"/>
+                  <a:schemeClr val="bg1"/>
                 </a:solidFill>
               </a:rPr>
               <a:t>Frank Rojas</a:t>
@@ -3398,7 +3412,7 @@
           <p:cNvPr id="13" name="Picture 2" descr="Resultado de imagen para upc logo png">
             <a:extLst>
               <a:ext uri="{FF2B5EF4-FFF2-40B4-BE49-F238E27FC236}">
-                <a16:creationId xmlns:a16="http://schemas.microsoft.com/office/drawing/2014/main" id="{0A2C7DC2-66A4-4E56-A29C-C0BB76DBFA48}"/>
+                <a16:creationId xmlns:a16="http://schemas.microsoft.com/office/drawing/2014/main" xmlns="" id="{0A2C7DC2-66A4-4E56-A29C-C0BB76DBFA48}"/>
               </a:ext>
             </a:extLst>
           </p:cNvPr>
@@ -3445,7 +3459,7 @@
           <p:cNvPr id="14" name="Picture 4" descr="Resultado de imagen para britanico logo sin fondo">
             <a:extLst>
               <a:ext uri="{FF2B5EF4-FFF2-40B4-BE49-F238E27FC236}">
-                <a16:creationId xmlns:a16="http://schemas.microsoft.com/office/drawing/2014/main" id="{D76755F0-2ABA-4D31-A7A9-8FACB4217E3C}"/>
+                <a16:creationId xmlns:a16="http://schemas.microsoft.com/office/drawing/2014/main" xmlns="" id="{D76755F0-2ABA-4D31-A7A9-8FACB4217E3C}"/>
               </a:ext>
             </a:extLst>
           </p:cNvPr>
@@ -3495,6 +3509,13 @@
   <p:clrMapOvr>
     <a:masterClrMapping/>
   </p:clrMapOvr>
+  <p:timing>
+    <p:tnLst>
+      <p:par>
+        <p:cTn id="1" dur="indefinite" restart="never" nodeType="tmRoot"/>
+      </p:par>
+    </p:tnLst>
+  </p:timing>
 </p:sld>
 </file>
 
@@ -3520,7 +3541,7 @@
           <p:cNvPr id="3074" name="Picture 2" descr="Imagen relacionada">
             <a:extLst>
               <a:ext uri="{FF2B5EF4-FFF2-40B4-BE49-F238E27FC236}">
-                <a16:creationId xmlns:a16="http://schemas.microsoft.com/office/drawing/2014/main" id="{05B12E2C-FABF-4D27-BF59-5D38667199E7}"/>
+                <a16:creationId xmlns:a16="http://schemas.microsoft.com/office/drawing/2014/main" xmlns="" id="{05B12E2C-FABF-4D27-BF59-5D38667199E7}"/>
               </a:ext>
             </a:extLst>
           </p:cNvPr>
@@ -3567,7 +3588,7 @@
           <p:cNvPr id="5" name="Rectangle 6">
             <a:extLst>
               <a:ext uri="{FF2B5EF4-FFF2-40B4-BE49-F238E27FC236}">
-                <a16:creationId xmlns:a16="http://schemas.microsoft.com/office/drawing/2014/main" id="{29226A0B-93FB-4E2B-8DB9-4DC733138A26}"/>
+                <a16:creationId xmlns:a16="http://schemas.microsoft.com/office/drawing/2014/main" xmlns="" id="{29226A0B-93FB-4E2B-8DB9-4DC733138A26}"/>
               </a:ext>
             </a:extLst>
           </p:cNvPr>
@@ -3622,7 +3643,7 @@
           <p:cNvPr id="3" name="Marcador de contenido 2">
             <a:extLst>
               <a:ext uri="{FF2B5EF4-FFF2-40B4-BE49-F238E27FC236}">
-                <a16:creationId xmlns:a16="http://schemas.microsoft.com/office/drawing/2014/main" id="{E7C05CC3-11D7-40CC-B980-05AF401AC530}"/>
+                <a16:creationId xmlns:a16="http://schemas.microsoft.com/office/drawing/2014/main" xmlns="" id="{E7C05CC3-11D7-40CC-B980-05AF401AC530}"/>
               </a:ext>
             </a:extLst>
           </p:cNvPr>
@@ -3662,7 +3683,7 @@
           <p:cNvPr id="4" name="Flecha: pentágono 3">
             <a:extLst>
               <a:ext uri="{FF2B5EF4-FFF2-40B4-BE49-F238E27FC236}">
-                <a16:creationId xmlns:a16="http://schemas.microsoft.com/office/drawing/2014/main" id="{0AAC25DD-9019-4834-8DDD-90426C6BF0AD}"/>
+                <a16:creationId xmlns:a16="http://schemas.microsoft.com/office/drawing/2014/main" xmlns="" id="{0AAC25DD-9019-4834-8DDD-90426C6BF0AD}"/>
               </a:ext>
             </a:extLst>
           </p:cNvPr>
@@ -3730,7 +3751,7 @@
           <p:cNvPr id="2" name="Título 1">
             <a:extLst>
               <a:ext uri="{FF2B5EF4-FFF2-40B4-BE49-F238E27FC236}">
-                <a16:creationId xmlns:a16="http://schemas.microsoft.com/office/drawing/2014/main" id="{4699B09D-520F-4264-BF69-28CEB7678DAF}"/>
+                <a16:creationId xmlns:a16="http://schemas.microsoft.com/office/drawing/2014/main" xmlns="" id="{4699B09D-520F-4264-BF69-28CEB7678DAF}"/>
               </a:ext>
             </a:extLst>
           </p:cNvPr>
@@ -3774,7 +3795,7 @@
           <p:cNvPr id="6" name="Rectángulo 5">
             <a:extLst>
               <a:ext uri="{FF2B5EF4-FFF2-40B4-BE49-F238E27FC236}">
-                <a16:creationId xmlns:a16="http://schemas.microsoft.com/office/drawing/2014/main" id="{9D8EDB50-8C3C-4B6B-A22C-7169591C33BD}"/>
+                <a16:creationId xmlns:a16="http://schemas.microsoft.com/office/drawing/2014/main" xmlns="" id="{9D8EDB50-8C3C-4B6B-A22C-7169591C33BD}"/>
               </a:ext>
             </a:extLst>
           </p:cNvPr>
@@ -3828,7 +3849,7 @@
           <p:cNvPr id="8" name="Picture 2" descr="Resultado de imagen para upc logo png">
             <a:extLst>
               <a:ext uri="{FF2B5EF4-FFF2-40B4-BE49-F238E27FC236}">
-                <a16:creationId xmlns:a16="http://schemas.microsoft.com/office/drawing/2014/main" id="{0FA2A498-536C-43EF-A9D1-7B882388B2BF}"/>
+                <a16:creationId xmlns:a16="http://schemas.microsoft.com/office/drawing/2014/main" xmlns="" id="{0FA2A498-536C-43EF-A9D1-7B882388B2BF}"/>
               </a:ext>
             </a:extLst>
           </p:cNvPr>
@@ -3875,7 +3896,7 @@
           <p:cNvPr id="9" name="Picture 4" descr="Resultado de imagen para britanico logo sin fondo">
             <a:extLst>
               <a:ext uri="{FF2B5EF4-FFF2-40B4-BE49-F238E27FC236}">
-                <a16:creationId xmlns:a16="http://schemas.microsoft.com/office/drawing/2014/main" id="{2D1D0558-610B-4487-BEE4-079EF97D1394}"/>
+                <a16:creationId xmlns:a16="http://schemas.microsoft.com/office/drawing/2014/main" xmlns="" id="{2D1D0558-610B-4487-BEE4-079EF97D1394}"/>
               </a:ext>
             </a:extLst>
           </p:cNvPr>
@@ -3920,7 +3941,7 @@
           <p:cNvPr id="10" name="picture">
             <a:extLst>
               <a:ext uri="{FF2B5EF4-FFF2-40B4-BE49-F238E27FC236}">
-                <a16:creationId xmlns:a16="http://schemas.microsoft.com/office/drawing/2014/main" id="{E0A4EF7A-0477-4187-B3D4-6C1631A0622A}"/>
+                <a16:creationId xmlns:a16="http://schemas.microsoft.com/office/drawing/2014/main" xmlns="" id="{E0A4EF7A-0477-4187-B3D4-6C1631A0622A}"/>
               </a:ext>
             </a:extLst>
           </p:cNvPr>
@@ -3959,6 +3980,13 @@
   <p:clrMapOvr>
     <a:masterClrMapping/>
   </p:clrMapOvr>
+  <p:timing>
+    <p:tnLst>
+      <p:par>
+        <p:cTn id="1" dur="indefinite" restart="never" nodeType="tmRoot"/>
+      </p:par>
+    </p:tnLst>
+  </p:timing>
 </p:sld>
 </file>
 
@@ -3984,7 +4012,7 @@
           <p:cNvPr id="3074" name="Picture 2" descr="Imagen relacionada">
             <a:extLst>
               <a:ext uri="{FF2B5EF4-FFF2-40B4-BE49-F238E27FC236}">
-                <a16:creationId xmlns:a16="http://schemas.microsoft.com/office/drawing/2014/main" id="{05B12E2C-FABF-4D27-BF59-5D38667199E7}"/>
+                <a16:creationId xmlns:a16="http://schemas.microsoft.com/office/drawing/2014/main" xmlns="" id="{05B12E2C-FABF-4D27-BF59-5D38667199E7}"/>
               </a:ext>
             </a:extLst>
           </p:cNvPr>
@@ -4031,7 +4059,7 @@
           <p:cNvPr id="5" name="Rectangle 6">
             <a:extLst>
               <a:ext uri="{FF2B5EF4-FFF2-40B4-BE49-F238E27FC236}">
-                <a16:creationId xmlns:a16="http://schemas.microsoft.com/office/drawing/2014/main" id="{29226A0B-93FB-4E2B-8DB9-4DC733138A26}"/>
+                <a16:creationId xmlns:a16="http://schemas.microsoft.com/office/drawing/2014/main" xmlns="" id="{29226A0B-93FB-4E2B-8DB9-4DC733138A26}"/>
               </a:ext>
             </a:extLst>
           </p:cNvPr>
@@ -4086,7 +4114,7 @@
           <p:cNvPr id="3" name="Marcador de contenido 2">
             <a:extLst>
               <a:ext uri="{FF2B5EF4-FFF2-40B4-BE49-F238E27FC236}">
-                <a16:creationId xmlns:a16="http://schemas.microsoft.com/office/drawing/2014/main" id="{E7C05CC3-11D7-40CC-B980-05AF401AC530}"/>
+                <a16:creationId xmlns:a16="http://schemas.microsoft.com/office/drawing/2014/main" xmlns="" id="{E7C05CC3-11D7-40CC-B980-05AF401AC530}"/>
               </a:ext>
             </a:extLst>
           </p:cNvPr>
@@ -4126,7 +4154,7 @@
           <p:cNvPr id="4" name="Flecha: pentágono 3">
             <a:extLst>
               <a:ext uri="{FF2B5EF4-FFF2-40B4-BE49-F238E27FC236}">
-                <a16:creationId xmlns:a16="http://schemas.microsoft.com/office/drawing/2014/main" id="{0AAC25DD-9019-4834-8DDD-90426C6BF0AD}"/>
+                <a16:creationId xmlns:a16="http://schemas.microsoft.com/office/drawing/2014/main" xmlns="" id="{0AAC25DD-9019-4834-8DDD-90426C6BF0AD}"/>
               </a:ext>
             </a:extLst>
           </p:cNvPr>
@@ -4194,7 +4222,7 @@
           <p:cNvPr id="2" name="Título 1">
             <a:extLst>
               <a:ext uri="{FF2B5EF4-FFF2-40B4-BE49-F238E27FC236}">
-                <a16:creationId xmlns:a16="http://schemas.microsoft.com/office/drawing/2014/main" id="{4699B09D-520F-4264-BF69-28CEB7678DAF}"/>
+                <a16:creationId xmlns:a16="http://schemas.microsoft.com/office/drawing/2014/main" xmlns="" id="{4699B09D-520F-4264-BF69-28CEB7678DAF}"/>
               </a:ext>
             </a:extLst>
           </p:cNvPr>
@@ -4238,7 +4266,7 @@
           <p:cNvPr id="6" name="Rectángulo 5">
             <a:extLst>
               <a:ext uri="{FF2B5EF4-FFF2-40B4-BE49-F238E27FC236}">
-                <a16:creationId xmlns:a16="http://schemas.microsoft.com/office/drawing/2014/main" id="{9D8EDB50-8C3C-4B6B-A22C-7169591C33BD}"/>
+                <a16:creationId xmlns:a16="http://schemas.microsoft.com/office/drawing/2014/main" xmlns="" id="{9D8EDB50-8C3C-4B6B-A22C-7169591C33BD}"/>
               </a:ext>
             </a:extLst>
           </p:cNvPr>
@@ -4292,7 +4320,7 @@
           <p:cNvPr id="8" name="Picture 2" descr="Resultado de imagen para upc logo png">
             <a:extLst>
               <a:ext uri="{FF2B5EF4-FFF2-40B4-BE49-F238E27FC236}">
-                <a16:creationId xmlns:a16="http://schemas.microsoft.com/office/drawing/2014/main" id="{0FA2A498-536C-43EF-A9D1-7B882388B2BF}"/>
+                <a16:creationId xmlns:a16="http://schemas.microsoft.com/office/drawing/2014/main" xmlns="" id="{0FA2A498-536C-43EF-A9D1-7B882388B2BF}"/>
               </a:ext>
             </a:extLst>
           </p:cNvPr>
@@ -4339,7 +4367,7 @@
           <p:cNvPr id="9" name="Picture 4" descr="Resultado de imagen para britanico logo sin fondo">
             <a:extLst>
               <a:ext uri="{FF2B5EF4-FFF2-40B4-BE49-F238E27FC236}">
-                <a16:creationId xmlns:a16="http://schemas.microsoft.com/office/drawing/2014/main" id="{2D1D0558-610B-4487-BEE4-079EF97D1394}"/>
+                <a16:creationId xmlns:a16="http://schemas.microsoft.com/office/drawing/2014/main" xmlns="" id="{2D1D0558-610B-4487-BEE4-079EF97D1394}"/>
               </a:ext>
             </a:extLst>
           </p:cNvPr>
@@ -4384,7 +4412,7 @@
           <p:cNvPr id="11" name="picture">
             <a:extLst>
               <a:ext uri="{FF2B5EF4-FFF2-40B4-BE49-F238E27FC236}">
-                <a16:creationId xmlns:a16="http://schemas.microsoft.com/office/drawing/2014/main" id="{2369CA15-4E93-43B8-8858-842C2F311607}"/>
+                <a16:creationId xmlns:a16="http://schemas.microsoft.com/office/drawing/2014/main" xmlns="" id="{2369CA15-4E93-43B8-8858-842C2F311607}"/>
               </a:ext>
             </a:extLst>
           </p:cNvPr>
@@ -4423,6 +4451,13 @@
   <p:clrMapOvr>
     <a:masterClrMapping/>
   </p:clrMapOvr>
+  <p:timing>
+    <p:tnLst>
+      <p:par>
+        <p:cTn id="1" dur="indefinite" restart="never" nodeType="tmRoot"/>
+      </p:par>
+    </p:tnLst>
+  </p:timing>
 </p:sld>
 </file>
 
@@ -4448,7 +4483,7 @@
           <p:cNvPr id="3074" name="Picture 2" descr="Imagen relacionada">
             <a:extLst>
               <a:ext uri="{FF2B5EF4-FFF2-40B4-BE49-F238E27FC236}">
-                <a16:creationId xmlns:a16="http://schemas.microsoft.com/office/drawing/2014/main" id="{05B12E2C-FABF-4D27-BF59-5D38667199E7}"/>
+                <a16:creationId xmlns:a16="http://schemas.microsoft.com/office/drawing/2014/main" xmlns="" id="{05B12E2C-FABF-4D27-BF59-5D38667199E7}"/>
               </a:ext>
             </a:extLst>
           </p:cNvPr>
@@ -4495,7 +4530,7 @@
           <p:cNvPr id="5" name="Rectangle 6">
             <a:extLst>
               <a:ext uri="{FF2B5EF4-FFF2-40B4-BE49-F238E27FC236}">
-                <a16:creationId xmlns:a16="http://schemas.microsoft.com/office/drawing/2014/main" id="{29226A0B-93FB-4E2B-8DB9-4DC733138A26}"/>
+                <a16:creationId xmlns:a16="http://schemas.microsoft.com/office/drawing/2014/main" xmlns="" id="{29226A0B-93FB-4E2B-8DB9-4DC733138A26}"/>
               </a:ext>
             </a:extLst>
           </p:cNvPr>
@@ -4550,7 +4585,7 @@
           <p:cNvPr id="3" name="Marcador de contenido 2">
             <a:extLst>
               <a:ext uri="{FF2B5EF4-FFF2-40B4-BE49-F238E27FC236}">
-                <a16:creationId xmlns:a16="http://schemas.microsoft.com/office/drawing/2014/main" id="{E7C05CC3-11D7-40CC-B980-05AF401AC530}"/>
+                <a16:creationId xmlns:a16="http://schemas.microsoft.com/office/drawing/2014/main" xmlns="" id="{E7C05CC3-11D7-40CC-B980-05AF401AC530}"/>
               </a:ext>
             </a:extLst>
           </p:cNvPr>
@@ -4590,7 +4625,7 @@
           <p:cNvPr id="4" name="Flecha: pentágono 3">
             <a:extLst>
               <a:ext uri="{FF2B5EF4-FFF2-40B4-BE49-F238E27FC236}">
-                <a16:creationId xmlns:a16="http://schemas.microsoft.com/office/drawing/2014/main" id="{0AAC25DD-9019-4834-8DDD-90426C6BF0AD}"/>
+                <a16:creationId xmlns:a16="http://schemas.microsoft.com/office/drawing/2014/main" xmlns="" id="{0AAC25DD-9019-4834-8DDD-90426C6BF0AD}"/>
               </a:ext>
             </a:extLst>
           </p:cNvPr>
@@ -4658,7 +4693,7 @@
           <p:cNvPr id="2" name="Título 1">
             <a:extLst>
               <a:ext uri="{FF2B5EF4-FFF2-40B4-BE49-F238E27FC236}">
-                <a16:creationId xmlns:a16="http://schemas.microsoft.com/office/drawing/2014/main" id="{4699B09D-520F-4264-BF69-28CEB7678DAF}"/>
+                <a16:creationId xmlns:a16="http://schemas.microsoft.com/office/drawing/2014/main" xmlns="" id="{4699B09D-520F-4264-BF69-28CEB7678DAF}"/>
               </a:ext>
             </a:extLst>
           </p:cNvPr>
@@ -4702,7 +4737,7 @@
           <p:cNvPr id="6" name="Rectángulo 5">
             <a:extLst>
               <a:ext uri="{FF2B5EF4-FFF2-40B4-BE49-F238E27FC236}">
-                <a16:creationId xmlns:a16="http://schemas.microsoft.com/office/drawing/2014/main" id="{9D8EDB50-8C3C-4B6B-A22C-7169591C33BD}"/>
+                <a16:creationId xmlns:a16="http://schemas.microsoft.com/office/drawing/2014/main" xmlns="" id="{9D8EDB50-8C3C-4B6B-A22C-7169591C33BD}"/>
               </a:ext>
             </a:extLst>
           </p:cNvPr>
@@ -4756,7 +4791,7 @@
           <p:cNvPr id="8" name="Picture 2" descr="Resultado de imagen para upc logo png">
             <a:extLst>
               <a:ext uri="{FF2B5EF4-FFF2-40B4-BE49-F238E27FC236}">
-                <a16:creationId xmlns:a16="http://schemas.microsoft.com/office/drawing/2014/main" id="{0FA2A498-536C-43EF-A9D1-7B882388B2BF}"/>
+                <a16:creationId xmlns:a16="http://schemas.microsoft.com/office/drawing/2014/main" xmlns="" id="{0FA2A498-536C-43EF-A9D1-7B882388B2BF}"/>
               </a:ext>
             </a:extLst>
           </p:cNvPr>
@@ -4803,7 +4838,7 @@
           <p:cNvPr id="9" name="Picture 4" descr="Resultado de imagen para britanico logo sin fondo">
             <a:extLst>
               <a:ext uri="{FF2B5EF4-FFF2-40B4-BE49-F238E27FC236}">
-                <a16:creationId xmlns:a16="http://schemas.microsoft.com/office/drawing/2014/main" id="{2D1D0558-610B-4487-BEE4-079EF97D1394}"/>
+                <a16:creationId xmlns:a16="http://schemas.microsoft.com/office/drawing/2014/main" xmlns="" id="{2D1D0558-610B-4487-BEE4-079EF97D1394}"/>
               </a:ext>
             </a:extLst>
           </p:cNvPr>
@@ -4848,7 +4883,7 @@
           <p:cNvPr id="11" name="Imagen 10">
             <a:extLst>
               <a:ext uri="{FF2B5EF4-FFF2-40B4-BE49-F238E27FC236}">
-                <a16:creationId xmlns:a16="http://schemas.microsoft.com/office/drawing/2014/main" id="{057D3E9E-87B4-4057-9514-0F95852792E5}"/>
+                <a16:creationId xmlns:a16="http://schemas.microsoft.com/office/drawing/2014/main" xmlns="" id="{057D3E9E-87B4-4057-9514-0F95852792E5}"/>
               </a:ext>
             </a:extLst>
           </p:cNvPr>
@@ -4888,6 +4923,13 @@
   <p:clrMapOvr>
     <a:masterClrMapping/>
   </p:clrMapOvr>
+  <p:timing>
+    <p:tnLst>
+      <p:par>
+        <p:cTn id="1" dur="indefinite" restart="never" nodeType="tmRoot"/>
+      </p:par>
+    </p:tnLst>
+  </p:timing>
 </p:sld>
 </file>
 
@@ -4913,7 +4955,7 @@
           <p:cNvPr id="3074" name="Picture 2" descr="Imagen relacionada">
             <a:extLst>
               <a:ext uri="{FF2B5EF4-FFF2-40B4-BE49-F238E27FC236}">
-                <a16:creationId xmlns:a16="http://schemas.microsoft.com/office/drawing/2014/main" id="{05B12E2C-FABF-4D27-BF59-5D38667199E7}"/>
+                <a16:creationId xmlns:a16="http://schemas.microsoft.com/office/drawing/2014/main" xmlns="" id="{05B12E2C-FABF-4D27-BF59-5D38667199E7}"/>
               </a:ext>
             </a:extLst>
           </p:cNvPr>
@@ -4960,7 +5002,7 @@
           <p:cNvPr id="5" name="Rectangle 6">
             <a:extLst>
               <a:ext uri="{FF2B5EF4-FFF2-40B4-BE49-F238E27FC236}">
-                <a16:creationId xmlns:a16="http://schemas.microsoft.com/office/drawing/2014/main" id="{29226A0B-93FB-4E2B-8DB9-4DC733138A26}"/>
+                <a16:creationId xmlns:a16="http://schemas.microsoft.com/office/drawing/2014/main" xmlns="" id="{29226A0B-93FB-4E2B-8DB9-4DC733138A26}"/>
               </a:ext>
             </a:extLst>
           </p:cNvPr>
@@ -5015,7 +5057,7 @@
           <p:cNvPr id="3" name="Marcador de contenido 2">
             <a:extLst>
               <a:ext uri="{FF2B5EF4-FFF2-40B4-BE49-F238E27FC236}">
-                <a16:creationId xmlns:a16="http://schemas.microsoft.com/office/drawing/2014/main" id="{E7C05CC3-11D7-40CC-B980-05AF401AC530}"/>
+                <a16:creationId xmlns:a16="http://schemas.microsoft.com/office/drawing/2014/main" xmlns="" id="{E7C05CC3-11D7-40CC-B980-05AF401AC530}"/>
               </a:ext>
             </a:extLst>
           </p:cNvPr>
@@ -5055,7 +5097,7 @@
           <p:cNvPr id="4" name="Flecha: pentágono 3">
             <a:extLst>
               <a:ext uri="{FF2B5EF4-FFF2-40B4-BE49-F238E27FC236}">
-                <a16:creationId xmlns:a16="http://schemas.microsoft.com/office/drawing/2014/main" id="{0AAC25DD-9019-4834-8DDD-90426C6BF0AD}"/>
+                <a16:creationId xmlns:a16="http://schemas.microsoft.com/office/drawing/2014/main" xmlns="" id="{0AAC25DD-9019-4834-8DDD-90426C6BF0AD}"/>
               </a:ext>
             </a:extLst>
           </p:cNvPr>
@@ -5123,7 +5165,7 @@
           <p:cNvPr id="2" name="Título 1">
             <a:extLst>
               <a:ext uri="{FF2B5EF4-FFF2-40B4-BE49-F238E27FC236}">
-                <a16:creationId xmlns:a16="http://schemas.microsoft.com/office/drawing/2014/main" id="{4699B09D-520F-4264-BF69-28CEB7678DAF}"/>
+                <a16:creationId xmlns:a16="http://schemas.microsoft.com/office/drawing/2014/main" xmlns="" id="{4699B09D-520F-4264-BF69-28CEB7678DAF}"/>
               </a:ext>
             </a:extLst>
           </p:cNvPr>
@@ -5167,7 +5209,7 @@
           <p:cNvPr id="6" name="Rectángulo 5">
             <a:extLst>
               <a:ext uri="{FF2B5EF4-FFF2-40B4-BE49-F238E27FC236}">
-                <a16:creationId xmlns:a16="http://schemas.microsoft.com/office/drawing/2014/main" id="{9D8EDB50-8C3C-4B6B-A22C-7169591C33BD}"/>
+                <a16:creationId xmlns:a16="http://schemas.microsoft.com/office/drawing/2014/main" xmlns="" id="{9D8EDB50-8C3C-4B6B-A22C-7169591C33BD}"/>
               </a:ext>
             </a:extLst>
           </p:cNvPr>
@@ -5221,7 +5263,7 @@
           <p:cNvPr id="8" name="Picture 2" descr="Resultado de imagen para upc logo png">
             <a:extLst>
               <a:ext uri="{FF2B5EF4-FFF2-40B4-BE49-F238E27FC236}">
-                <a16:creationId xmlns:a16="http://schemas.microsoft.com/office/drawing/2014/main" id="{0FA2A498-536C-43EF-A9D1-7B882388B2BF}"/>
+                <a16:creationId xmlns:a16="http://schemas.microsoft.com/office/drawing/2014/main" xmlns="" id="{0FA2A498-536C-43EF-A9D1-7B882388B2BF}"/>
               </a:ext>
             </a:extLst>
           </p:cNvPr>
@@ -5268,7 +5310,7 @@
           <p:cNvPr id="9" name="Picture 4" descr="Resultado de imagen para britanico logo sin fondo">
             <a:extLst>
               <a:ext uri="{FF2B5EF4-FFF2-40B4-BE49-F238E27FC236}">
-                <a16:creationId xmlns:a16="http://schemas.microsoft.com/office/drawing/2014/main" id="{2D1D0558-610B-4487-BEE4-079EF97D1394}"/>
+                <a16:creationId xmlns:a16="http://schemas.microsoft.com/office/drawing/2014/main" xmlns="" id="{2D1D0558-610B-4487-BEE4-079EF97D1394}"/>
               </a:ext>
             </a:extLst>
           </p:cNvPr>
@@ -5313,7 +5355,7 @@
           <p:cNvPr id="12" name="picture">
             <a:extLst>
               <a:ext uri="{FF2B5EF4-FFF2-40B4-BE49-F238E27FC236}">
-                <a16:creationId xmlns:a16="http://schemas.microsoft.com/office/drawing/2014/main" id="{7BA5F374-4A1C-4535-B655-F5A8E77318A9}"/>
+                <a16:creationId xmlns:a16="http://schemas.microsoft.com/office/drawing/2014/main" xmlns="" id="{7BA5F374-4A1C-4535-B655-F5A8E77318A9}"/>
               </a:ext>
             </a:extLst>
           </p:cNvPr>
@@ -5352,6 +5394,13 @@
   <p:clrMapOvr>
     <a:masterClrMapping/>
   </p:clrMapOvr>
+  <p:timing>
+    <p:tnLst>
+      <p:par>
+        <p:cTn id="1" dur="indefinite" restart="never" nodeType="tmRoot"/>
+      </p:par>
+    </p:tnLst>
+  </p:timing>
 </p:sld>
 </file>
 
@@ -5377,7 +5426,7 @@
           <p:cNvPr id="3074" name="Picture 2" descr="Imagen relacionada">
             <a:extLst>
               <a:ext uri="{FF2B5EF4-FFF2-40B4-BE49-F238E27FC236}">
-                <a16:creationId xmlns:a16="http://schemas.microsoft.com/office/drawing/2014/main" id="{05B12E2C-FABF-4D27-BF59-5D38667199E7}"/>
+                <a16:creationId xmlns:a16="http://schemas.microsoft.com/office/drawing/2014/main" xmlns="" id="{05B12E2C-FABF-4D27-BF59-5D38667199E7}"/>
               </a:ext>
             </a:extLst>
           </p:cNvPr>
@@ -5424,7 +5473,7 @@
           <p:cNvPr id="5" name="Rectangle 6">
             <a:extLst>
               <a:ext uri="{FF2B5EF4-FFF2-40B4-BE49-F238E27FC236}">
-                <a16:creationId xmlns:a16="http://schemas.microsoft.com/office/drawing/2014/main" id="{29226A0B-93FB-4E2B-8DB9-4DC733138A26}"/>
+                <a16:creationId xmlns:a16="http://schemas.microsoft.com/office/drawing/2014/main" xmlns="" id="{29226A0B-93FB-4E2B-8DB9-4DC733138A26}"/>
               </a:ext>
             </a:extLst>
           </p:cNvPr>
@@ -5479,7 +5528,7 @@
           <p:cNvPr id="3" name="Marcador de contenido 2">
             <a:extLst>
               <a:ext uri="{FF2B5EF4-FFF2-40B4-BE49-F238E27FC236}">
-                <a16:creationId xmlns:a16="http://schemas.microsoft.com/office/drawing/2014/main" id="{E7C05CC3-11D7-40CC-B980-05AF401AC530}"/>
+                <a16:creationId xmlns:a16="http://schemas.microsoft.com/office/drawing/2014/main" xmlns="" id="{E7C05CC3-11D7-40CC-B980-05AF401AC530}"/>
               </a:ext>
             </a:extLst>
           </p:cNvPr>
@@ -5519,7 +5568,7 @@
           <p:cNvPr id="4" name="Flecha: pentágono 3">
             <a:extLst>
               <a:ext uri="{FF2B5EF4-FFF2-40B4-BE49-F238E27FC236}">
-                <a16:creationId xmlns:a16="http://schemas.microsoft.com/office/drawing/2014/main" id="{0AAC25DD-9019-4834-8DDD-90426C6BF0AD}"/>
+                <a16:creationId xmlns:a16="http://schemas.microsoft.com/office/drawing/2014/main" xmlns="" id="{0AAC25DD-9019-4834-8DDD-90426C6BF0AD}"/>
               </a:ext>
             </a:extLst>
           </p:cNvPr>
@@ -5587,7 +5636,7 @@
           <p:cNvPr id="2" name="Título 1">
             <a:extLst>
               <a:ext uri="{FF2B5EF4-FFF2-40B4-BE49-F238E27FC236}">
-                <a16:creationId xmlns:a16="http://schemas.microsoft.com/office/drawing/2014/main" id="{4699B09D-520F-4264-BF69-28CEB7678DAF}"/>
+                <a16:creationId xmlns:a16="http://schemas.microsoft.com/office/drawing/2014/main" xmlns="" id="{4699B09D-520F-4264-BF69-28CEB7678DAF}"/>
               </a:ext>
             </a:extLst>
           </p:cNvPr>
@@ -5631,7 +5680,7 @@
           <p:cNvPr id="6" name="Rectángulo 5">
             <a:extLst>
               <a:ext uri="{FF2B5EF4-FFF2-40B4-BE49-F238E27FC236}">
-                <a16:creationId xmlns:a16="http://schemas.microsoft.com/office/drawing/2014/main" id="{9D8EDB50-8C3C-4B6B-A22C-7169591C33BD}"/>
+                <a16:creationId xmlns:a16="http://schemas.microsoft.com/office/drawing/2014/main" xmlns="" id="{9D8EDB50-8C3C-4B6B-A22C-7169591C33BD}"/>
               </a:ext>
             </a:extLst>
           </p:cNvPr>
@@ -5685,7 +5734,7 @@
           <p:cNvPr id="8" name="Picture 2" descr="Resultado de imagen para upc logo png">
             <a:extLst>
               <a:ext uri="{FF2B5EF4-FFF2-40B4-BE49-F238E27FC236}">
-                <a16:creationId xmlns:a16="http://schemas.microsoft.com/office/drawing/2014/main" id="{0FA2A498-536C-43EF-A9D1-7B882388B2BF}"/>
+                <a16:creationId xmlns:a16="http://schemas.microsoft.com/office/drawing/2014/main" xmlns="" id="{0FA2A498-536C-43EF-A9D1-7B882388B2BF}"/>
               </a:ext>
             </a:extLst>
           </p:cNvPr>
@@ -5732,7 +5781,7 @@
           <p:cNvPr id="9" name="Picture 4" descr="Resultado de imagen para britanico logo sin fondo">
             <a:extLst>
               <a:ext uri="{FF2B5EF4-FFF2-40B4-BE49-F238E27FC236}">
-                <a16:creationId xmlns:a16="http://schemas.microsoft.com/office/drawing/2014/main" id="{2D1D0558-610B-4487-BEE4-079EF97D1394}"/>
+                <a16:creationId xmlns:a16="http://schemas.microsoft.com/office/drawing/2014/main" xmlns="" id="{2D1D0558-610B-4487-BEE4-079EF97D1394}"/>
               </a:ext>
             </a:extLst>
           </p:cNvPr>
@@ -5777,7 +5826,7 @@
           <p:cNvPr id="7" name="Imagen 6">
             <a:extLst>
               <a:ext uri="{FF2B5EF4-FFF2-40B4-BE49-F238E27FC236}">
-                <a16:creationId xmlns:a16="http://schemas.microsoft.com/office/drawing/2014/main" id="{3389A85D-F78D-4773-974B-F3763996E9FA}"/>
+                <a16:creationId xmlns:a16="http://schemas.microsoft.com/office/drawing/2014/main" xmlns="" id="{3389A85D-F78D-4773-974B-F3763996E9FA}"/>
               </a:ext>
             </a:extLst>
           </p:cNvPr>
@@ -5812,6 +5861,13 @@
   <p:clrMapOvr>
     <a:masterClrMapping/>
   </p:clrMapOvr>
+  <p:timing>
+    <p:tnLst>
+      <p:par>
+        <p:cTn id="1" dur="indefinite" restart="never" nodeType="tmRoot"/>
+      </p:par>
+    </p:tnLst>
+  </p:timing>
 </p:sld>
 </file>
 
@@ -5837,7 +5893,7 @@
           <p:cNvPr id="3074" name="Picture 2" descr="Imagen relacionada">
             <a:extLst>
               <a:ext uri="{FF2B5EF4-FFF2-40B4-BE49-F238E27FC236}">
-                <a16:creationId xmlns:a16="http://schemas.microsoft.com/office/drawing/2014/main" id="{05B12E2C-FABF-4D27-BF59-5D38667199E7}"/>
+                <a16:creationId xmlns:a16="http://schemas.microsoft.com/office/drawing/2014/main" xmlns="" id="{05B12E2C-FABF-4D27-BF59-5D38667199E7}"/>
               </a:ext>
             </a:extLst>
           </p:cNvPr>
@@ -5884,7 +5940,7 @@
           <p:cNvPr id="5" name="Rectangle 6">
             <a:extLst>
               <a:ext uri="{FF2B5EF4-FFF2-40B4-BE49-F238E27FC236}">
-                <a16:creationId xmlns:a16="http://schemas.microsoft.com/office/drawing/2014/main" id="{29226A0B-93FB-4E2B-8DB9-4DC733138A26}"/>
+                <a16:creationId xmlns:a16="http://schemas.microsoft.com/office/drawing/2014/main" xmlns="" id="{29226A0B-93FB-4E2B-8DB9-4DC733138A26}"/>
               </a:ext>
             </a:extLst>
           </p:cNvPr>
@@ -5939,7 +5995,7 @@
           <p:cNvPr id="3" name="Marcador de contenido 2">
             <a:extLst>
               <a:ext uri="{FF2B5EF4-FFF2-40B4-BE49-F238E27FC236}">
-                <a16:creationId xmlns:a16="http://schemas.microsoft.com/office/drawing/2014/main" id="{E7C05CC3-11D7-40CC-B980-05AF401AC530}"/>
+                <a16:creationId xmlns:a16="http://schemas.microsoft.com/office/drawing/2014/main" xmlns="" id="{E7C05CC3-11D7-40CC-B980-05AF401AC530}"/>
               </a:ext>
             </a:extLst>
           </p:cNvPr>
@@ -5979,7 +6035,7 @@
           <p:cNvPr id="4" name="Flecha: pentágono 3">
             <a:extLst>
               <a:ext uri="{FF2B5EF4-FFF2-40B4-BE49-F238E27FC236}">
-                <a16:creationId xmlns:a16="http://schemas.microsoft.com/office/drawing/2014/main" id="{0AAC25DD-9019-4834-8DDD-90426C6BF0AD}"/>
+                <a16:creationId xmlns:a16="http://schemas.microsoft.com/office/drawing/2014/main" xmlns="" id="{0AAC25DD-9019-4834-8DDD-90426C6BF0AD}"/>
               </a:ext>
             </a:extLst>
           </p:cNvPr>
@@ -6047,7 +6103,7 @@
           <p:cNvPr id="2" name="Título 1">
             <a:extLst>
               <a:ext uri="{FF2B5EF4-FFF2-40B4-BE49-F238E27FC236}">
-                <a16:creationId xmlns:a16="http://schemas.microsoft.com/office/drawing/2014/main" id="{4699B09D-520F-4264-BF69-28CEB7678DAF}"/>
+                <a16:creationId xmlns:a16="http://schemas.microsoft.com/office/drawing/2014/main" xmlns="" id="{4699B09D-520F-4264-BF69-28CEB7678DAF}"/>
               </a:ext>
             </a:extLst>
           </p:cNvPr>
@@ -6091,7 +6147,7 @@
           <p:cNvPr id="6" name="Rectángulo 5">
             <a:extLst>
               <a:ext uri="{FF2B5EF4-FFF2-40B4-BE49-F238E27FC236}">
-                <a16:creationId xmlns:a16="http://schemas.microsoft.com/office/drawing/2014/main" id="{9D8EDB50-8C3C-4B6B-A22C-7169591C33BD}"/>
+                <a16:creationId xmlns:a16="http://schemas.microsoft.com/office/drawing/2014/main" xmlns="" id="{9D8EDB50-8C3C-4B6B-A22C-7169591C33BD}"/>
               </a:ext>
             </a:extLst>
           </p:cNvPr>
@@ -6145,7 +6201,7 @@
           <p:cNvPr id="8" name="Picture 2" descr="Resultado de imagen para upc logo png">
             <a:extLst>
               <a:ext uri="{FF2B5EF4-FFF2-40B4-BE49-F238E27FC236}">
-                <a16:creationId xmlns:a16="http://schemas.microsoft.com/office/drawing/2014/main" id="{0FA2A498-536C-43EF-A9D1-7B882388B2BF}"/>
+                <a16:creationId xmlns:a16="http://schemas.microsoft.com/office/drawing/2014/main" xmlns="" id="{0FA2A498-536C-43EF-A9D1-7B882388B2BF}"/>
               </a:ext>
             </a:extLst>
           </p:cNvPr>
@@ -6192,7 +6248,7 @@
           <p:cNvPr id="9" name="Picture 4" descr="Resultado de imagen para britanico logo sin fondo">
             <a:extLst>
               <a:ext uri="{FF2B5EF4-FFF2-40B4-BE49-F238E27FC236}">
-                <a16:creationId xmlns:a16="http://schemas.microsoft.com/office/drawing/2014/main" id="{2D1D0558-610B-4487-BEE4-079EF97D1394}"/>
+                <a16:creationId xmlns:a16="http://schemas.microsoft.com/office/drawing/2014/main" xmlns="" id="{2D1D0558-610B-4487-BEE4-079EF97D1394}"/>
               </a:ext>
             </a:extLst>
           </p:cNvPr>
@@ -6237,7 +6293,7 @@
           <p:cNvPr id="7" name="Imagen 6">
             <a:extLst>
               <a:ext uri="{FF2B5EF4-FFF2-40B4-BE49-F238E27FC236}">
-                <a16:creationId xmlns:a16="http://schemas.microsoft.com/office/drawing/2014/main" id="{8EC9ADE2-7F89-40C2-B65B-996BE6C47A57}"/>
+                <a16:creationId xmlns:a16="http://schemas.microsoft.com/office/drawing/2014/main" xmlns="" id="{8EC9ADE2-7F89-40C2-B65B-996BE6C47A57}"/>
               </a:ext>
             </a:extLst>
           </p:cNvPr>
@@ -6267,7 +6323,7 @@
           <p:cNvPr id="11" name="Marcador de contenido 2">
             <a:extLst>
               <a:ext uri="{FF2B5EF4-FFF2-40B4-BE49-F238E27FC236}">
-                <a16:creationId xmlns:a16="http://schemas.microsoft.com/office/drawing/2014/main" id="{6BA64A64-77C3-45B5-A333-C84CC38FCAAA}"/>
+                <a16:creationId xmlns:a16="http://schemas.microsoft.com/office/drawing/2014/main" xmlns="" id="{6BA64A64-77C3-45B5-A333-C84CC38FCAAA}"/>
               </a:ext>
             </a:extLst>
           </p:cNvPr>
@@ -6477,6 +6533,13 @@
   <p:clrMapOvr>
     <a:masterClrMapping/>
   </p:clrMapOvr>
+  <p:timing>
+    <p:tnLst>
+      <p:par>
+        <p:cTn id="1" dur="indefinite" restart="never" nodeType="tmRoot"/>
+      </p:par>
+    </p:tnLst>
+  </p:timing>
 </p:sld>
 </file>
 
@@ -6502,7 +6565,7 @@
           <p:cNvPr id="3074" name="Picture 2" descr="Imagen relacionada">
             <a:extLst>
               <a:ext uri="{FF2B5EF4-FFF2-40B4-BE49-F238E27FC236}">
-                <a16:creationId xmlns:a16="http://schemas.microsoft.com/office/drawing/2014/main" id="{05B12E2C-FABF-4D27-BF59-5D38667199E7}"/>
+                <a16:creationId xmlns:a16="http://schemas.microsoft.com/office/drawing/2014/main" xmlns="" id="{05B12E2C-FABF-4D27-BF59-5D38667199E7}"/>
               </a:ext>
             </a:extLst>
           </p:cNvPr>
@@ -6549,7 +6612,7 @@
           <p:cNvPr id="5" name="Rectangle 6">
             <a:extLst>
               <a:ext uri="{FF2B5EF4-FFF2-40B4-BE49-F238E27FC236}">
-                <a16:creationId xmlns:a16="http://schemas.microsoft.com/office/drawing/2014/main" id="{29226A0B-93FB-4E2B-8DB9-4DC733138A26}"/>
+                <a16:creationId xmlns:a16="http://schemas.microsoft.com/office/drawing/2014/main" xmlns="" id="{29226A0B-93FB-4E2B-8DB9-4DC733138A26}"/>
               </a:ext>
             </a:extLst>
           </p:cNvPr>
@@ -6604,7 +6667,7 @@
           <p:cNvPr id="3" name="Marcador de contenido 2">
             <a:extLst>
               <a:ext uri="{FF2B5EF4-FFF2-40B4-BE49-F238E27FC236}">
-                <a16:creationId xmlns:a16="http://schemas.microsoft.com/office/drawing/2014/main" id="{E7C05CC3-11D7-40CC-B980-05AF401AC530}"/>
+                <a16:creationId xmlns:a16="http://schemas.microsoft.com/office/drawing/2014/main" xmlns="" id="{E7C05CC3-11D7-40CC-B980-05AF401AC530}"/>
               </a:ext>
             </a:extLst>
           </p:cNvPr>
@@ -6644,7 +6707,7 @@
           <p:cNvPr id="4" name="Flecha: pentágono 3">
             <a:extLst>
               <a:ext uri="{FF2B5EF4-FFF2-40B4-BE49-F238E27FC236}">
-                <a16:creationId xmlns:a16="http://schemas.microsoft.com/office/drawing/2014/main" id="{0AAC25DD-9019-4834-8DDD-90426C6BF0AD}"/>
+                <a16:creationId xmlns:a16="http://schemas.microsoft.com/office/drawing/2014/main" xmlns="" id="{0AAC25DD-9019-4834-8DDD-90426C6BF0AD}"/>
               </a:ext>
             </a:extLst>
           </p:cNvPr>
@@ -6712,7 +6775,7 @@
           <p:cNvPr id="2" name="Título 1">
             <a:extLst>
               <a:ext uri="{FF2B5EF4-FFF2-40B4-BE49-F238E27FC236}">
-                <a16:creationId xmlns:a16="http://schemas.microsoft.com/office/drawing/2014/main" id="{4699B09D-520F-4264-BF69-28CEB7678DAF}"/>
+                <a16:creationId xmlns:a16="http://schemas.microsoft.com/office/drawing/2014/main" xmlns="" id="{4699B09D-520F-4264-BF69-28CEB7678DAF}"/>
               </a:ext>
             </a:extLst>
           </p:cNvPr>
@@ -6756,7 +6819,7 @@
           <p:cNvPr id="6" name="Rectángulo 5">
             <a:extLst>
               <a:ext uri="{FF2B5EF4-FFF2-40B4-BE49-F238E27FC236}">
-                <a16:creationId xmlns:a16="http://schemas.microsoft.com/office/drawing/2014/main" id="{9D8EDB50-8C3C-4B6B-A22C-7169591C33BD}"/>
+                <a16:creationId xmlns:a16="http://schemas.microsoft.com/office/drawing/2014/main" xmlns="" id="{9D8EDB50-8C3C-4B6B-A22C-7169591C33BD}"/>
               </a:ext>
             </a:extLst>
           </p:cNvPr>
@@ -6810,7 +6873,7 @@
           <p:cNvPr id="8" name="Picture 2" descr="Resultado de imagen para upc logo png">
             <a:extLst>
               <a:ext uri="{FF2B5EF4-FFF2-40B4-BE49-F238E27FC236}">
-                <a16:creationId xmlns:a16="http://schemas.microsoft.com/office/drawing/2014/main" id="{0FA2A498-536C-43EF-A9D1-7B882388B2BF}"/>
+                <a16:creationId xmlns:a16="http://schemas.microsoft.com/office/drawing/2014/main" xmlns="" id="{0FA2A498-536C-43EF-A9D1-7B882388B2BF}"/>
               </a:ext>
             </a:extLst>
           </p:cNvPr>
@@ -6857,7 +6920,7 @@
           <p:cNvPr id="9" name="Picture 4" descr="Resultado de imagen para britanico logo sin fondo">
             <a:extLst>
               <a:ext uri="{FF2B5EF4-FFF2-40B4-BE49-F238E27FC236}">
-                <a16:creationId xmlns:a16="http://schemas.microsoft.com/office/drawing/2014/main" id="{2D1D0558-610B-4487-BEE4-079EF97D1394}"/>
+                <a16:creationId xmlns:a16="http://schemas.microsoft.com/office/drawing/2014/main" xmlns="" id="{2D1D0558-610B-4487-BEE4-079EF97D1394}"/>
               </a:ext>
             </a:extLst>
           </p:cNvPr>
@@ -6902,7 +6965,7 @@
           <p:cNvPr id="7" name="Imagen 6">
             <a:extLst>
               <a:ext uri="{FF2B5EF4-FFF2-40B4-BE49-F238E27FC236}">
-                <a16:creationId xmlns:a16="http://schemas.microsoft.com/office/drawing/2014/main" id="{5D5063EF-1FBB-4750-8156-BA3E10D15DAE}"/>
+                <a16:creationId xmlns:a16="http://schemas.microsoft.com/office/drawing/2014/main" xmlns="" id="{5D5063EF-1FBB-4750-8156-BA3E10D15DAE}"/>
               </a:ext>
             </a:extLst>
           </p:cNvPr>
@@ -6937,6 +7000,13 @@
   <p:clrMapOvr>
     <a:masterClrMapping/>
   </p:clrMapOvr>
+  <p:timing>
+    <p:tnLst>
+      <p:par>
+        <p:cTn id="1" dur="indefinite" restart="never" nodeType="tmRoot"/>
+      </p:par>
+    </p:tnLst>
+  </p:timing>
 </p:sld>
 </file>
 
@@ -6962,7 +7032,7 @@
           <p:cNvPr id="3074" name="Picture 2" descr="Imagen relacionada">
             <a:extLst>
               <a:ext uri="{FF2B5EF4-FFF2-40B4-BE49-F238E27FC236}">
-                <a16:creationId xmlns:a16="http://schemas.microsoft.com/office/drawing/2014/main" id="{05B12E2C-FABF-4D27-BF59-5D38667199E7}"/>
+                <a16:creationId xmlns:a16="http://schemas.microsoft.com/office/drawing/2014/main" xmlns="" id="{05B12E2C-FABF-4D27-BF59-5D38667199E7}"/>
               </a:ext>
             </a:extLst>
           </p:cNvPr>
@@ -7009,7 +7079,7 @@
           <p:cNvPr id="5" name="Rectangle 6">
             <a:extLst>
               <a:ext uri="{FF2B5EF4-FFF2-40B4-BE49-F238E27FC236}">
-                <a16:creationId xmlns:a16="http://schemas.microsoft.com/office/drawing/2014/main" id="{29226A0B-93FB-4E2B-8DB9-4DC733138A26}"/>
+                <a16:creationId xmlns:a16="http://schemas.microsoft.com/office/drawing/2014/main" xmlns="" id="{29226A0B-93FB-4E2B-8DB9-4DC733138A26}"/>
               </a:ext>
             </a:extLst>
           </p:cNvPr>
@@ -7064,7 +7134,7 @@
           <p:cNvPr id="3" name="Marcador de contenido 2">
             <a:extLst>
               <a:ext uri="{FF2B5EF4-FFF2-40B4-BE49-F238E27FC236}">
-                <a16:creationId xmlns:a16="http://schemas.microsoft.com/office/drawing/2014/main" id="{E7C05CC3-11D7-40CC-B980-05AF401AC530}"/>
+                <a16:creationId xmlns:a16="http://schemas.microsoft.com/office/drawing/2014/main" xmlns="" id="{E7C05CC3-11D7-40CC-B980-05AF401AC530}"/>
               </a:ext>
             </a:extLst>
           </p:cNvPr>
@@ -7104,7 +7174,7 @@
           <p:cNvPr id="4" name="Flecha: pentágono 3">
             <a:extLst>
               <a:ext uri="{FF2B5EF4-FFF2-40B4-BE49-F238E27FC236}">
-                <a16:creationId xmlns:a16="http://schemas.microsoft.com/office/drawing/2014/main" id="{0AAC25DD-9019-4834-8DDD-90426C6BF0AD}"/>
+                <a16:creationId xmlns:a16="http://schemas.microsoft.com/office/drawing/2014/main" xmlns="" id="{0AAC25DD-9019-4834-8DDD-90426C6BF0AD}"/>
               </a:ext>
             </a:extLst>
           </p:cNvPr>
@@ -7172,7 +7242,7 @@
           <p:cNvPr id="2" name="Título 1">
             <a:extLst>
               <a:ext uri="{FF2B5EF4-FFF2-40B4-BE49-F238E27FC236}">
-                <a16:creationId xmlns:a16="http://schemas.microsoft.com/office/drawing/2014/main" id="{4699B09D-520F-4264-BF69-28CEB7678DAF}"/>
+                <a16:creationId xmlns:a16="http://schemas.microsoft.com/office/drawing/2014/main" xmlns="" id="{4699B09D-520F-4264-BF69-28CEB7678DAF}"/>
               </a:ext>
             </a:extLst>
           </p:cNvPr>
@@ -7216,7 +7286,7 @@
           <p:cNvPr id="6" name="Rectángulo 5">
             <a:extLst>
               <a:ext uri="{FF2B5EF4-FFF2-40B4-BE49-F238E27FC236}">
-                <a16:creationId xmlns:a16="http://schemas.microsoft.com/office/drawing/2014/main" id="{9D8EDB50-8C3C-4B6B-A22C-7169591C33BD}"/>
+                <a16:creationId xmlns:a16="http://schemas.microsoft.com/office/drawing/2014/main" xmlns="" id="{9D8EDB50-8C3C-4B6B-A22C-7169591C33BD}"/>
               </a:ext>
             </a:extLst>
           </p:cNvPr>
@@ -7270,7 +7340,7 @@
           <p:cNvPr id="8" name="Picture 2" descr="Resultado de imagen para upc logo png">
             <a:extLst>
               <a:ext uri="{FF2B5EF4-FFF2-40B4-BE49-F238E27FC236}">
-                <a16:creationId xmlns:a16="http://schemas.microsoft.com/office/drawing/2014/main" id="{0FA2A498-536C-43EF-A9D1-7B882388B2BF}"/>
+                <a16:creationId xmlns:a16="http://schemas.microsoft.com/office/drawing/2014/main" xmlns="" id="{0FA2A498-536C-43EF-A9D1-7B882388B2BF}"/>
               </a:ext>
             </a:extLst>
           </p:cNvPr>
@@ -7317,7 +7387,7 @@
           <p:cNvPr id="9" name="Picture 4" descr="Resultado de imagen para britanico logo sin fondo">
             <a:extLst>
               <a:ext uri="{FF2B5EF4-FFF2-40B4-BE49-F238E27FC236}">
-                <a16:creationId xmlns:a16="http://schemas.microsoft.com/office/drawing/2014/main" id="{2D1D0558-610B-4487-BEE4-079EF97D1394}"/>
+                <a16:creationId xmlns:a16="http://schemas.microsoft.com/office/drawing/2014/main" xmlns="" id="{2D1D0558-610B-4487-BEE4-079EF97D1394}"/>
               </a:ext>
             </a:extLst>
           </p:cNvPr>
@@ -7359,16 +7429,8 @@
       </p:pic>
       <p:pic>
         <p:nvPicPr>
-          <p:cNvPr id="7" name="Imagen 6">
-            <a:extLst>
-              <a:ext uri="{FF2B5EF4-FFF2-40B4-BE49-F238E27FC236}">
-                <a16:creationId xmlns:a16="http://schemas.microsoft.com/office/drawing/2014/main" id="{86202C3C-BB8F-4C93-951D-25F0C6C53917}"/>
-              </a:ext>
-            </a:extLst>
-          </p:cNvPr>
-          <p:cNvPicPr>
-            <a:picLocks noChangeAspect="1"/>
-          </p:cNvPicPr>
+          <p:cNvPr id="11" name="Imagen 10"/>
+          <p:cNvPicPr/>
           <p:nvPr/>
         </p:nvPicPr>
         <p:blipFill>
@@ -7379,8 +7441,8 @@
         </p:blipFill>
         <p:spPr>
           <a:xfrm>
-            <a:off x="1636301" y="2151457"/>
-            <a:ext cx="5651386" cy="3889125"/>
+            <a:off x="1983739" y="2382486"/>
+            <a:ext cx="5930175" cy="3869533"/>
           </a:xfrm>
           <a:prstGeom prst="rect">
             <a:avLst/>
@@ -7397,6 +7459,13 @@
   <p:clrMapOvr>
     <a:masterClrMapping/>
   </p:clrMapOvr>
+  <p:timing>
+    <p:tnLst>
+      <p:par>
+        <p:cTn id="1" dur="indefinite" restart="never" nodeType="tmRoot"/>
+      </p:par>
+    </p:tnLst>
+  </p:timing>
 </p:sld>
 </file>
 
@@ -7422,7 +7491,7 @@
           <p:cNvPr id="3074" name="Picture 2" descr="Imagen relacionada">
             <a:extLst>
               <a:ext uri="{FF2B5EF4-FFF2-40B4-BE49-F238E27FC236}">
-                <a16:creationId xmlns:a16="http://schemas.microsoft.com/office/drawing/2014/main" id="{05B12E2C-FABF-4D27-BF59-5D38667199E7}"/>
+                <a16:creationId xmlns:a16="http://schemas.microsoft.com/office/drawing/2014/main" xmlns="" id="{05B12E2C-FABF-4D27-BF59-5D38667199E7}"/>
               </a:ext>
             </a:extLst>
           </p:cNvPr>
@@ -7469,7 +7538,7 @@
           <p:cNvPr id="5" name="Rectangle 6">
             <a:extLst>
               <a:ext uri="{FF2B5EF4-FFF2-40B4-BE49-F238E27FC236}">
-                <a16:creationId xmlns:a16="http://schemas.microsoft.com/office/drawing/2014/main" id="{29226A0B-93FB-4E2B-8DB9-4DC733138A26}"/>
+                <a16:creationId xmlns:a16="http://schemas.microsoft.com/office/drawing/2014/main" xmlns="" id="{29226A0B-93FB-4E2B-8DB9-4DC733138A26}"/>
               </a:ext>
             </a:extLst>
           </p:cNvPr>
@@ -7524,7 +7593,7 @@
           <p:cNvPr id="3" name="Marcador de contenido 2">
             <a:extLst>
               <a:ext uri="{FF2B5EF4-FFF2-40B4-BE49-F238E27FC236}">
-                <a16:creationId xmlns:a16="http://schemas.microsoft.com/office/drawing/2014/main" id="{E7C05CC3-11D7-40CC-B980-05AF401AC530}"/>
+                <a16:creationId xmlns:a16="http://schemas.microsoft.com/office/drawing/2014/main" xmlns="" id="{E7C05CC3-11D7-40CC-B980-05AF401AC530}"/>
               </a:ext>
             </a:extLst>
           </p:cNvPr>
@@ -7564,7 +7633,7 @@
           <p:cNvPr id="4" name="Flecha: pentágono 3">
             <a:extLst>
               <a:ext uri="{FF2B5EF4-FFF2-40B4-BE49-F238E27FC236}">
-                <a16:creationId xmlns:a16="http://schemas.microsoft.com/office/drawing/2014/main" id="{0AAC25DD-9019-4834-8DDD-90426C6BF0AD}"/>
+                <a16:creationId xmlns:a16="http://schemas.microsoft.com/office/drawing/2014/main" xmlns="" id="{0AAC25DD-9019-4834-8DDD-90426C6BF0AD}"/>
               </a:ext>
             </a:extLst>
           </p:cNvPr>
@@ -7632,7 +7701,7 @@
           <p:cNvPr id="2" name="Título 1">
             <a:extLst>
               <a:ext uri="{FF2B5EF4-FFF2-40B4-BE49-F238E27FC236}">
-                <a16:creationId xmlns:a16="http://schemas.microsoft.com/office/drawing/2014/main" id="{4699B09D-520F-4264-BF69-28CEB7678DAF}"/>
+                <a16:creationId xmlns:a16="http://schemas.microsoft.com/office/drawing/2014/main" xmlns="" id="{4699B09D-520F-4264-BF69-28CEB7678DAF}"/>
               </a:ext>
             </a:extLst>
           </p:cNvPr>
@@ -7676,7 +7745,7 @@
           <p:cNvPr id="6" name="Rectángulo 5">
             <a:extLst>
               <a:ext uri="{FF2B5EF4-FFF2-40B4-BE49-F238E27FC236}">
-                <a16:creationId xmlns:a16="http://schemas.microsoft.com/office/drawing/2014/main" id="{9D8EDB50-8C3C-4B6B-A22C-7169591C33BD}"/>
+                <a16:creationId xmlns:a16="http://schemas.microsoft.com/office/drawing/2014/main" xmlns="" id="{9D8EDB50-8C3C-4B6B-A22C-7169591C33BD}"/>
               </a:ext>
             </a:extLst>
           </p:cNvPr>
@@ -7730,7 +7799,7 @@
           <p:cNvPr id="8" name="Picture 2" descr="Resultado de imagen para upc logo png">
             <a:extLst>
               <a:ext uri="{FF2B5EF4-FFF2-40B4-BE49-F238E27FC236}">
-                <a16:creationId xmlns:a16="http://schemas.microsoft.com/office/drawing/2014/main" id="{0FA2A498-536C-43EF-A9D1-7B882388B2BF}"/>
+                <a16:creationId xmlns:a16="http://schemas.microsoft.com/office/drawing/2014/main" xmlns="" id="{0FA2A498-536C-43EF-A9D1-7B882388B2BF}"/>
               </a:ext>
             </a:extLst>
           </p:cNvPr>
@@ -7777,7 +7846,7 @@
           <p:cNvPr id="9" name="Picture 4" descr="Resultado de imagen para britanico logo sin fondo">
             <a:extLst>
               <a:ext uri="{FF2B5EF4-FFF2-40B4-BE49-F238E27FC236}">
-                <a16:creationId xmlns:a16="http://schemas.microsoft.com/office/drawing/2014/main" id="{2D1D0558-610B-4487-BEE4-079EF97D1394}"/>
+                <a16:creationId xmlns:a16="http://schemas.microsoft.com/office/drawing/2014/main" xmlns="" id="{2D1D0558-610B-4487-BEE4-079EF97D1394}"/>
               </a:ext>
             </a:extLst>
           </p:cNvPr>
@@ -7822,7 +7891,7 @@
           <p:cNvPr id="7" name="Imagen 6">
             <a:extLst>
               <a:ext uri="{FF2B5EF4-FFF2-40B4-BE49-F238E27FC236}">
-                <a16:creationId xmlns:a16="http://schemas.microsoft.com/office/drawing/2014/main" id="{09E4B054-30FB-4B87-B9FB-6BA57B1692BC}"/>
+                <a16:creationId xmlns:a16="http://schemas.microsoft.com/office/drawing/2014/main" xmlns="" id="{09E4B054-30FB-4B87-B9FB-6BA57B1692BC}"/>
               </a:ext>
             </a:extLst>
           </p:cNvPr>
@@ -7857,6 +7926,13 @@
   <p:clrMapOvr>
     <a:masterClrMapping/>
   </p:clrMapOvr>
+  <p:timing>
+    <p:tnLst>
+      <p:par>
+        <p:cTn id="1" dur="indefinite" restart="never" nodeType="tmRoot"/>
+      </p:par>
+    </p:tnLst>
+  </p:timing>
 </p:sld>
 </file>
 
@@ -7882,7 +7958,7 @@
           <p:cNvPr id="3074" name="Picture 2" descr="Imagen relacionada">
             <a:extLst>
               <a:ext uri="{FF2B5EF4-FFF2-40B4-BE49-F238E27FC236}">
-                <a16:creationId xmlns:a16="http://schemas.microsoft.com/office/drawing/2014/main" id="{05B12E2C-FABF-4D27-BF59-5D38667199E7}"/>
+                <a16:creationId xmlns:a16="http://schemas.microsoft.com/office/drawing/2014/main" xmlns="" id="{05B12E2C-FABF-4D27-BF59-5D38667199E7}"/>
               </a:ext>
             </a:extLst>
           </p:cNvPr>
@@ -7929,7 +8005,7 @@
           <p:cNvPr id="5" name="Rectangle 6">
             <a:extLst>
               <a:ext uri="{FF2B5EF4-FFF2-40B4-BE49-F238E27FC236}">
-                <a16:creationId xmlns:a16="http://schemas.microsoft.com/office/drawing/2014/main" id="{29226A0B-93FB-4E2B-8DB9-4DC733138A26}"/>
+                <a16:creationId xmlns:a16="http://schemas.microsoft.com/office/drawing/2014/main" xmlns="" id="{29226A0B-93FB-4E2B-8DB9-4DC733138A26}"/>
               </a:ext>
             </a:extLst>
           </p:cNvPr>
@@ -7984,7 +8060,7 @@
           <p:cNvPr id="3" name="Marcador de contenido 2">
             <a:extLst>
               <a:ext uri="{FF2B5EF4-FFF2-40B4-BE49-F238E27FC236}">
-                <a16:creationId xmlns:a16="http://schemas.microsoft.com/office/drawing/2014/main" id="{E7C05CC3-11D7-40CC-B980-05AF401AC530}"/>
+                <a16:creationId xmlns:a16="http://schemas.microsoft.com/office/drawing/2014/main" xmlns="" id="{E7C05CC3-11D7-40CC-B980-05AF401AC530}"/>
               </a:ext>
             </a:extLst>
           </p:cNvPr>
@@ -8024,7 +8100,7 @@
           <p:cNvPr id="4" name="Flecha: pentágono 3">
             <a:extLst>
               <a:ext uri="{FF2B5EF4-FFF2-40B4-BE49-F238E27FC236}">
-                <a16:creationId xmlns:a16="http://schemas.microsoft.com/office/drawing/2014/main" id="{0AAC25DD-9019-4834-8DDD-90426C6BF0AD}"/>
+                <a16:creationId xmlns:a16="http://schemas.microsoft.com/office/drawing/2014/main" xmlns="" id="{0AAC25DD-9019-4834-8DDD-90426C6BF0AD}"/>
               </a:ext>
             </a:extLst>
           </p:cNvPr>
@@ -8092,7 +8168,7 @@
           <p:cNvPr id="2" name="Título 1">
             <a:extLst>
               <a:ext uri="{FF2B5EF4-FFF2-40B4-BE49-F238E27FC236}">
-                <a16:creationId xmlns:a16="http://schemas.microsoft.com/office/drawing/2014/main" id="{4699B09D-520F-4264-BF69-28CEB7678DAF}"/>
+                <a16:creationId xmlns:a16="http://schemas.microsoft.com/office/drawing/2014/main" xmlns="" id="{4699B09D-520F-4264-BF69-28CEB7678DAF}"/>
               </a:ext>
             </a:extLst>
           </p:cNvPr>
@@ -8136,7 +8212,7 @@
           <p:cNvPr id="6" name="Rectángulo 5">
             <a:extLst>
               <a:ext uri="{FF2B5EF4-FFF2-40B4-BE49-F238E27FC236}">
-                <a16:creationId xmlns:a16="http://schemas.microsoft.com/office/drawing/2014/main" id="{9D8EDB50-8C3C-4B6B-A22C-7169591C33BD}"/>
+                <a16:creationId xmlns:a16="http://schemas.microsoft.com/office/drawing/2014/main" xmlns="" id="{9D8EDB50-8C3C-4B6B-A22C-7169591C33BD}"/>
               </a:ext>
             </a:extLst>
           </p:cNvPr>
@@ -8190,7 +8266,7 @@
           <p:cNvPr id="8" name="Picture 2" descr="Resultado de imagen para upc logo png">
             <a:extLst>
               <a:ext uri="{FF2B5EF4-FFF2-40B4-BE49-F238E27FC236}">
-                <a16:creationId xmlns:a16="http://schemas.microsoft.com/office/drawing/2014/main" id="{0FA2A498-536C-43EF-A9D1-7B882388B2BF}"/>
+                <a16:creationId xmlns:a16="http://schemas.microsoft.com/office/drawing/2014/main" xmlns="" id="{0FA2A498-536C-43EF-A9D1-7B882388B2BF}"/>
               </a:ext>
             </a:extLst>
           </p:cNvPr>
@@ -8237,7 +8313,7 @@
           <p:cNvPr id="9" name="Picture 4" descr="Resultado de imagen para britanico logo sin fondo">
             <a:extLst>
               <a:ext uri="{FF2B5EF4-FFF2-40B4-BE49-F238E27FC236}">
-                <a16:creationId xmlns:a16="http://schemas.microsoft.com/office/drawing/2014/main" id="{2D1D0558-610B-4487-BEE4-079EF97D1394}"/>
+                <a16:creationId xmlns:a16="http://schemas.microsoft.com/office/drawing/2014/main" xmlns="" id="{2D1D0558-610B-4487-BEE4-079EF97D1394}"/>
               </a:ext>
             </a:extLst>
           </p:cNvPr>
@@ -8282,7 +8358,7 @@
           <p:cNvPr id="7" name="Imagen 6">
             <a:extLst>
               <a:ext uri="{FF2B5EF4-FFF2-40B4-BE49-F238E27FC236}">
-                <a16:creationId xmlns:a16="http://schemas.microsoft.com/office/drawing/2014/main" id="{775E7A9F-6D78-4F2A-989E-C7C7AA30AA5B}"/>
+                <a16:creationId xmlns:a16="http://schemas.microsoft.com/office/drawing/2014/main" xmlns="" id="{775E7A9F-6D78-4F2A-989E-C7C7AA30AA5B}"/>
               </a:ext>
             </a:extLst>
           </p:cNvPr>
@@ -8317,6 +8393,13 @@
   <p:clrMapOvr>
     <a:masterClrMapping/>
   </p:clrMapOvr>
+  <p:timing>
+    <p:tnLst>
+      <p:par>
+        <p:cTn id="1" dur="indefinite" restart="never" nodeType="tmRoot"/>
+      </p:par>
+    </p:tnLst>
+  </p:timing>
 </p:sld>
 </file>
 
@@ -8342,7 +8425,7 @@
           <p:cNvPr id="3074" name="Picture 2" descr="Imagen relacionada">
             <a:extLst>
               <a:ext uri="{FF2B5EF4-FFF2-40B4-BE49-F238E27FC236}">
-                <a16:creationId xmlns:a16="http://schemas.microsoft.com/office/drawing/2014/main" id="{05B12E2C-FABF-4D27-BF59-5D38667199E7}"/>
+                <a16:creationId xmlns:a16="http://schemas.microsoft.com/office/drawing/2014/main" xmlns="" id="{05B12E2C-FABF-4D27-BF59-5D38667199E7}"/>
               </a:ext>
             </a:extLst>
           </p:cNvPr>
@@ -8389,7 +8472,7 @@
           <p:cNvPr id="5" name="Rectangle 6">
             <a:extLst>
               <a:ext uri="{FF2B5EF4-FFF2-40B4-BE49-F238E27FC236}">
-                <a16:creationId xmlns:a16="http://schemas.microsoft.com/office/drawing/2014/main" id="{29226A0B-93FB-4E2B-8DB9-4DC733138A26}"/>
+                <a16:creationId xmlns:a16="http://schemas.microsoft.com/office/drawing/2014/main" xmlns="" id="{29226A0B-93FB-4E2B-8DB9-4DC733138A26}"/>
               </a:ext>
             </a:extLst>
           </p:cNvPr>
@@ -8444,7 +8527,7 @@
           <p:cNvPr id="3" name="Marcador de contenido 2">
             <a:extLst>
               <a:ext uri="{FF2B5EF4-FFF2-40B4-BE49-F238E27FC236}">
-                <a16:creationId xmlns:a16="http://schemas.microsoft.com/office/drawing/2014/main" id="{E7C05CC3-11D7-40CC-B980-05AF401AC530}"/>
+                <a16:creationId xmlns:a16="http://schemas.microsoft.com/office/drawing/2014/main" xmlns="" id="{E7C05CC3-11D7-40CC-B980-05AF401AC530}"/>
               </a:ext>
             </a:extLst>
           </p:cNvPr>
@@ -8473,7 +8556,7 @@
             <a:r>
               <a:rPr lang="es-PE" dirty="0">
                 <a:solidFill>
-                  <a:srgbClr val="FFC000"/>
+                  <a:schemeClr val="bg1"/>
                 </a:solidFill>
               </a:rPr>
               <a:t>Mejorar el Sistema de Matricula en Web, que ofrezca de manera eficiente al Estudiantes, Personal Natural, Operaciones de Centros de Enseñanzas y Operaciones del Británico Empresarial una manera de simplificar, agilizar y mejorar el proceso de matrícula a todos lo que van a interactuar. A la vez se analizar de una manera más rápida de buscar documentos y/o reportes relacionados con los estudiantes.</a:t>
@@ -8493,7 +8576,7 @@
           <p:cNvPr id="4" name="Flecha: pentágono 3">
             <a:extLst>
               <a:ext uri="{FF2B5EF4-FFF2-40B4-BE49-F238E27FC236}">
-                <a16:creationId xmlns:a16="http://schemas.microsoft.com/office/drawing/2014/main" id="{0AAC25DD-9019-4834-8DDD-90426C6BF0AD}"/>
+                <a16:creationId xmlns:a16="http://schemas.microsoft.com/office/drawing/2014/main" xmlns="" id="{0AAC25DD-9019-4834-8DDD-90426C6BF0AD}"/>
               </a:ext>
             </a:extLst>
           </p:cNvPr>
@@ -8561,7 +8644,7 @@
           <p:cNvPr id="2" name="Título 1">
             <a:extLst>
               <a:ext uri="{FF2B5EF4-FFF2-40B4-BE49-F238E27FC236}">
-                <a16:creationId xmlns:a16="http://schemas.microsoft.com/office/drawing/2014/main" id="{4699B09D-520F-4264-BF69-28CEB7678DAF}"/>
+                <a16:creationId xmlns:a16="http://schemas.microsoft.com/office/drawing/2014/main" xmlns="" id="{4699B09D-520F-4264-BF69-28CEB7678DAF}"/>
               </a:ext>
             </a:extLst>
           </p:cNvPr>
@@ -8605,7 +8688,7 @@
           <p:cNvPr id="6" name="Rectángulo 5">
             <a:extLst>
               <a:ext uri="{FF2B5EF4-FFF2-40B4-BE49-F238E27FC236}">
-                <a16:creationId xmlns:a16="http://schemas.microsoft.com/office/drawing/2014/main" id="{9D8EDB50-8C3C-4B6B-A22C-7169591C33BD}"/>
+                <a16:creationId xmlns:a16="http://schemas.microsoft.com/office/drawing/2014/main" xmlns="" id="{9D8EDB50-8C3C-4B6B-A22C-7169591C33BD}"/>
               </a:ext>
             </a:extLst>
           </p:cNvPr>
@@ -8659,7 +8742,7 @@
           <p:cNvPr id="8" name="Picture 2" descr="Resultado de imagen para upc logo png">
             <a:extLst>
               <a:ext uri="{FF2B5EF4-FFF2-40B4-BE49-F238E27FC236}">
-                <a16:creationId xmlns:a16="http://schemas.microsoft.com/office/drawing/2014/main" id="{0FA2A498-536C-43EF-A9D1-7B882388B2BF}"/>
+                <a16:creationId xmlns:a16="http://schemas.microsoft.com/office/drawing/2014/main" xmlns="" id="{0FA2A498-536C-43EF-A9D1-7B882388B2BF}"/>
               </a:ext>
             </a:extLst>
           </p:cNvPr>
@@ -8706,7 +8789,7 @@
           <p:cNvPr id="9" name="Picture 4" descr="Resultado de imagen para britanico logo sin fondo">
             <a:extLst>
               <a:ext uri="{FF2B5EF4-FFF2-40B4-BE49-F238E27FC236}">
-                <a16:creationId xmlns:a16="http://schemas.microsoft.com/office/drawing/2014/main" id="{2D1D0558-610B-4487-BEE4-079EF97D1394}"/>
+                <a16:creationId xmlns:a16="http://schemas.microsoft.com/office/drawing/2014/main" xmlns="" id="{2D1D0558-610B-4487-BEE4-079EF97D1394}"/>
               </a:ext>
             </a:extLst>
           </p:cNvPr>
@@ -8751,7 +8834,7 @@
           <p:cNvPr id="14342" name="Picture 6" descr="Resultado de imagen para matricula web britanico">
             <a:extLst>
               <a:ext uri="{FF2B5EF4-FFF2-40B4-BE49-F238E27FC236}">
-                <a16:creationId xmlns:a16="http://schemas.microsoft.com/office/drawing/2014/main" id="{EF112D35-C8C0-4F11-B32D-C39BA8A499B4}"/>
+                <a16:creationId xmlns:a16="http://schemas.microsoft.com/office/drawing/2014/main" xmlns="" id="{EF112D35-C8C0-4F11-B32D-C39BA8A499B4}"/>
               </a:ext>
             </a:extLst>
           </p:cNvPr>
@@ -8808,6 +8891,13 @@
   <p:clrMapOvr>
     <a:masterClrMapping/>
   </p:clrMapOvr>
+  <p:timing>
+    <p:tnLst>
+      <p:par>
+        <p:cTn id="1" dur="indefinite" restart="never" nodeType="tmRoot"/>
+      </p:par>
+    </p:tnLst>
+  </p:timing>
 </p:sld>
 </file>
 
@@ -8833,7 +8923,7 @@
           <p:cNvPr id="3074" name="Picture 2" descr="Imagen relacionada">
             <a:extLst>
               <a:ext uri="{FF2B5EF4-FFF2-40B4-BE49-F238E27FC236}">
-                <a16:creationId xmlns:a16="http://schemas.microsoft.com/office/drawing/2014/main" id="{05B12E2C-FABF-4D27-BF59-5D38667199E7}"/>
+                <a16:creationId xmlns:a16="http://schemas.microsoft.com/office/drawing/2014/main" xmlns="" id="{05B12E2C-FABF-4D27-BF59-5D38667199E7}"/>
               </a:ext>
             </a:extLst>
           </p:cNvPr>
@@ -8880,7 +8970,7 @@
           <p:cNvPr id="5" name="Rectangle 6">
             <a:extLst>
               <a:ext uri="{FF2B5EF4-FFF2-40B4-BE49-F238E27FC236}">
-                <a16:creationId xmlns:a16="http://schemas.microsoft.com/office/drawing/2014/main" id="{29226A0B-93FB-4E2B-8DB9-4DC733138A26}"/>
+                <a16:creationId xmlns:a16="http://schemas.microsoft.com/office/drawing/2014/main" xmlns="" id="{29226A0B-93FB-4E2B-8DB9-4DC733138A26}"/>
               </a:ext>
             </a:extLst>
           </p:cNvPr>
@@ -8935,7 +9025,7 @@
           <p:cNvPr id="3" name="Marcador de contenido 2">
             <a:extLst>
               <a:ext uri="{FF2B5EF4-FFF2-40B4-BE49-F238E27FC236}">
-                <a16:creationId xmlns:a16="http://schemas.microsoft.com/office/drawing/2014/main" id="{E7C05CC3-11D7-40CC-B980-05AF401AC530}"/>
+                <a16:creationId xmlns:a16="http://schemas.microsoft.com/office/drawing/2014/main" xmlns="" id="{E7C05CC3-11D7-40CC-B980-05AF401AC530}"/>
               </a:ext>
             </a:extLst>
           </p:cNvPr>
@@ -8975,7 +9065,7 @@
           <p:cNvPr id="4" name="Flecha: pentágono 3">
             <a:extLst>
               <a:ext uri="{FF2B5EF4-FFF2-40B4-BE49-F238E27FC236}">
-                <a16:creationId xmlns:a16="http://schemas.microsoft.com/office/drawing/2014/main" id="{0AAC25DD-9019-4834-8DDD-90426C6BF0AD}"/>
+                <a16:creationId xmlns:a16="http://schemas.microsoft.com/office/drawing/2014/main" xmlns="" id="{0AAC25DD-9019-4834-8DDD-90426C6BF0AD}"/>
               </a:ext>
             </a:extLst>
           </p:cNvPr>
@@ -9043,7 +9133,7 @@
           <p:cNvPr id="2" name="Título 1">
             <a:extLst>
               <a:ext uri="{FF2B5EF4-FFF2-40B4-BE49-F238E27FC236}">
-                <a16:creationId xmlns:a16="http://schemas.microsoft.com/office/drawing/2014/main" id="{4699B09D-520F-4264-BF69-28CEB7678DAF}"/>
+                <a16:creationId xmlns:a16="http://schemas.microsoft.com/office/drawing/2014/main" xmlns="" id="{4699B09D-520F-4264-BF69-28CEB7678DAF}"/>
               </a:ext>
             </a:extLst>
           </p:cNvPr>
@@ -9087,7 +9177,7 @@
           <p:cNvPr id="6" name="Rectángulo 5">
             <a:extLst>
               <a:ext uri="{FF2B5EF4-FFF2-40B4-BE49-F238E27FC236}">
-                <a16:creationId xmlns:a16="http://schemas.microsoft.com/office/drawing/2014/main" id="{9D8EDB50-8C3C-4B6B-A22C-7169591C33BD}"/>
+                <a16:creationId xmlns:a16="http://schemas.microsoft.com/office/drawing/2014/main" xmlns="" id="{9D8EDB50-8C3C-4B6B-A22C-7169591C33BD}"/>
               </a:ext>
             </a:extLst>
           </p:cNvPr>
@@ -9141,7 +9231,7 @@
           <p:cNvPr id="8" name="Picture 2" descr="Resultado de imagen para upc logo png">
             <a:extLst>
               <a:ext uri="{FF2B5EF4-FFF2-40B4-BE49-F238E27FC236}">
-                <a16:creationId xmlns:a16="http://schemas.microsoft.com/office/drawing/2014/main" id="{0FA2A498-536C-43EF-A9D1-7B882388B2BF}"/>
+                <a16:creationId xmlns:a16="http://schemas.microsoft.com/office/drawing/2014/main" xmlns="" id="{0FA2A498-536C-43EF-A9D1-7B882388B2BF}"/>
               </a:ext>
             </a:extLst>
           </p:cNvPr>
@@ -9188,7 +9278,7 @@
           <p:cNvPr id="9" name="Picture 4" descr="Resultado de imagen para britanico logo sin fondo">
             <a:extLst>
               <a:ext uri="{FF2B5EF4-FFF2-40B4-BE49-F238E27FC236}">
-                <a16:creationId xmlns:a16="http://schemas.microsoft.com/office/drawing/2014/main" id="{2D1D0558-610B-4487-BEE4-079EF97D1394}"/>
+                <a16:creationId xmlns:a16="http://schemas.microsoft.com/office/drawing/2014/main" xmlns="" id="{2D1D0558-610B-4487-BEE4-079EF97D1394}"/>
               </a:ext>
             </a:extLst>
           </p:cNvPr>
@@ -9233,7 +9323,7 @@
           <p:cNvPr id="10" name="Imagen 9">
             <a:extLst>
               <a:ext uri="{FF2B5EF4-FFF2-40B4-BE49-F238E27FC236}">
-                <a16:creationId xmlns:a16="http://schemas.microsoft.com/office/drawing/2014/main" id="{3E67B24D-059E-412B-9ECD-C3183F8D28E0}"/>
+                <a16:creationId xmlns:a16="http://schemas.microsoft.com/office/drawing/2014/main" xmlns="" id="{3E67B24D-059E-412B-9ECD-C3183F8D28E0}"/>
               </a:ext>
             </a:extLst>
           </p:cNvPr>
@@ -9250,8 +9340,8 @@
         </p:blipFill>
         <p:spPr>
           <a:xfrm>
-            <a:off x="1713789" y="2347850"/>
-            <a:ext cx="8764421" cy="4111704"/>
+            <a:off x="2122714" y="2347850"/>
+            <a:ext cx="8355496" cy="4111704"/>
           </a:xfrm>
           <a:prstGeom prst="rect">
             <a:avLst/>
@@ -9268,6 +9358,13 @@
   <p:clrMapOvr>
     <a:masterClrMapping/>
   </p:clrMapOvr>
+  <p:timing>
+    <p:tnLst>
+      <p:par>
+        <p:cTn id="1" dur="indefinite" restart="never" nodeType="tmRoot"/>
+      </p:par>
+    </p:tnLst>
+  </p:timing>
 </p:sld>
 </file>
 
@@ -9293,7 +9390,7 @@
           <p:cNvPr id="3074" name="Picture 2" descr="Imagen relacionada">
             <a:extLst>
               <a:ext uri="{FF2B5EF4-FFF2-40B4-BE49-F238E27FC236}">
-                <a16:creationId xmlns:a16="http://schemas.microsoft.com/office/drawing/2014/main" id="{05B12E2C-FABF-4D27-BF59-5D38667199E7}"/>
+                <a16:creationId xmlns:a16="http://schemas.microsoft.com/office/drawing/2014/main" xmlns="" id="{05B12E2C-FABF-4D27-BF59-5D38667199E7}"/>
               </a:ext>
             </a:extLst>
           </p:cNvPr>
@@ -9340,7 +9437,7 @@
           <p:cNvPr id="5" name="Rectangle 6">
             <a:extLst>
               <a:ext uri="{FF2B5EF4-FFF2-40B4-BE49-F238E27FC236}">
-                <a16:creationId xmlns:a16="http://schemas.microsoft.com/office/drawing/2014/main" id="{29226A0B-93FB-4E2B-8DB9-4DC733138A26}"/>
+                <a16:creationId xmlns:a16="http://schemas.microsoft.com/office/drawing/2014/main" xmlns="" id="{29226A0B-93FB-4E2B-8DB9-4DC733138A26}"/>
               </a:ext>
             </a:extLst>
           </p:cNvPr>
@@ -9395,7 +9492,7 @@
           <p:cNvPr id="3" name="Marcador de contenido 2">
             <a:extLst>
               <a:ext uri="{FF2B5EF4-FFF2-40B4-BE49-F238E27FC236}">
-                <a16:creationId xmlns:a16="http://schemas.microsoft.com/office/drawing/2014/main" id="{E7C05CC3-11D7-40CC-B980-05AF401AC530}"/>
+                <a16:creationId xmlns:a16="http://schemas.microsoft.com/office/drawing/2014/main" xmlns="" id="{E7C05CC3-11D7-40CC-B980-05AF401AC530}"/>
               </a:ext>
             </a:extLst>
           </p:cNvPr>
@@ -9435,7 +9532,7 @@
           <p:cNvPr id="4" name="Flecha: pentágono 3">
             <a:extLst>
               <a:ext uri="{FF2B5EF4-FFF2-40B4-BE49-F238E27FC236}">
-                <a16:creationId xmlns:a16="http://schemas.microsoft.com/office/drawing/2014/main" id="{0AAC25DD-9019-4834-8DDD-90426C6BF0AD}"/>
+                <a16:creationId xmlns:a16="http://schemas.microsoft.com/office/drawing/2014/main" xmlns="" id="{0AAC25DD-9019-4834-8DDD-90426C6BF0AD}"/>
               </a:ext>
             </a:extLst>
           </p:cNvPr>
@@ -9503,7 +9600,7 @@
           <p:cNvPr id="2" name="Título 1">
             <a:extLst>
               <a:ext uri="{FF2B5EF4-FFF2-40B4-BE49-F238E27FC236}">
-                <a16:creationId xmlns:a16="http://schemas.microsoft.com/office/drawing/2014/main" id="{4699B09D-520F-4264-BF69-28CEB7678DAF}"/>
+                <a16:creationId xmlns:a16="http://schemas.microsoft.com/office/drawing/2014/main" xmlns="" id="{4699B09D-520F-4264-BF69-28CEB7678DAF}"/>
               </a:ext>
             </a:extLst>
           </p:cNvPr>
@@ -9547,7 +9644,7 @@
           <p:cNvPr id="6" name="Rectángulo 5">
             <a:extLst>
               <a:ext uri="{FF2B5EF4-FFF2-40B4-BE49-F238E27FC236}">
-                <a16:creationId xmlns:a16="http://schemas.microsoft.com/office/drawing/2014/main" id="{9D8EDB50-8C3C-4B6B-A22C-7169591C33BD}"/>
+                <a16:creationId xmlns:a16="http://schemas.microsoft.com/office/drawing/2014/main" xmlns="" id="{9D8EDB50-8C3C-4B6B-A22C-7169591C33BD}"/>
               </a:ext>
             </a:extLst>
           </p:cNvPr>
@@ -9601,7 +9698,7 @@
           <p:cNvPr id="8" name="Picture 2" descr="Resultado de imagen para upc logo png">
             <a:extLst>
               <a:ext uri="{FF2B5EF4-FFF2-40B4-BE49-F238E27FC236}">
-                <a16:creationId xmlns:a16="http://schemas.microsoft.com/office/drawing/2014/main" id="{0FA2A498-536C-43EF-A9D1-7B882388B2BF}"/>
+                <a16:creationId xmlns:a16="http://schemas.microsoft.com/office/drawing/2014/main" xmlns="" id="{0FA2A498-536C-43EF-A9D1-7B882388B2BF}"/>
               </a:ext>
             </a:extLst>
           </p:cNvPr>
@@ -9648,7 +9745,7 @@
           <p:cNvPr id="9" name="Picture 4" descr="Resultado de imagen para britanico logo sin fondo">
             <a:extLst>
               <a:ext uri="{FF2B5EF4-FFF2-40B4-BE49-F238E27FC236}">
-                <a16:creationId xmlns:a16="http://schemas.microsoft.com/office/drawing/2014/main" id="{2D1D0558-610B-4487-BEE4-079EF97D1394}"/>
+                <a16:creationId xmlns:a16="http://schemas.microsoft.com/office/drawing/2014/main" xmlns="" id="{2D1D0558-610B-4487-BEE4-079EF97D1394}"/>
               </a:ext>
             </a:extLst>
           </p:cNvPr>
@@ -9693,7 +9790,7 @@
           <p:cNvPr id="7" name="Imagen 6">
             <a:extLst>
               <a:ext uri="{FF2B5EF4-FFF2-40B4-BE49-F238E27FC236}">
-                <a16:creationId xmlns:a16="http://schemas.microsoft.com/office/drawing/2014/main" id="{A56CCA4E-6C35-49DF-96A1-E721015CEA78}"/>
+                <a16:creationId xmlns:a16="http://schemas.microsoft.com/office/drawing/2014/main" xmlns="" id="{A56CCA4E-6C35-49DF-96A1-E721015CEA78}"/>
               </a:ext>
             </a:extLst>
           </p:cNvPr>
@@ -9723,7 +9820,7 @@
           <p:cNvPr id="11" name="Marcador de contenido 2">
             <a:extLst>
               <a:ext uri="{FF2B5EF4-FFF2-40B4-BE49-F238E27FC236}">
-                <a16:creationId xmlns:a16="http://schemas.microsoft.com/office/drawing/2014/main" id="{032EF7DF-DCB0-4C1E-9568-267DFBC6A786}"/>
+                <a16:creationId xmlns:a16="http://schemas.microsoft.com/office/drawing/2014/main" xmlns="" id="{032EF7DF-DCB0-4C1E-9568-267DFBC6A786}"/>
               </a:ext>
             </a:extLst>
           </p:cNvPr>
@@ -9899,7 +9996,7 @@
           <p:cNvPr id="10" name="Imagen 9">
             <a:extLst>
               <a:ext uri="{FF2B5EF4-FFF2-40B4-BE49-F238E27FC236}">
-                <a16:creationId xmlns:a16="http://schemas.microsoft.com/office/drawing/2014/main" id="{EE4EAB7E-6333-425E-BB75-63DC3A81D476}"/>
+                <a16:creationId xmlns:a16="http://schemas.microsoft.com/office/drawing/2014/main" xmlns="" id="{EE4EAB7E-6333-425E-BB75-63DC3A81D476}"/>
               </a:ext>
             </a:extLst>
           </p:cNvPr>
@@ -9929,7 +10026,7 @@
           <p:cNvPr id="12" name="Imagen 11">
             <a:extLst>
               <a:ext uri="{FF2B5EF4-FFF2-40B4-BE49-F238E27FC236}">
-                <a16:creationId xmlns:a16="http://schemas.microsoft.com/office/drawing/2014/main" id="{C69D81F3-60EE-481D-A157-4524A7A083F3}"/>
+                <a16:creationId xmlns:a16="http://schemas.microsoft.com/office/drawing/2014/main" xmlns="" id="{C69D81F3-60EE-481D-A157-4524A7A083F3}"/>
               </a:ext>
             </a:extLst>
           </p:cNvPr>
@@ -9964,6 +10061,13 @@
   <p:clrMapOvr>
     <a:masterClrMapping/>
   </p:clrMapOvr>
+  <p:timing>
+    <p:tnLst>
+      <p:par>
+        <p:cTn id="1" dur="indefinite" restart="never" nodeType="tmRoot"/>
+      </p:par>
+    </p:tnLst>
+  </p:timing>
 </p:sld>
 </file>
 
@@ -9989,7 +10093,7 @@
           <p:cNvPr id="3074" name="Picture 2" descr="Imagen relacionada">
             <a:extLst>
               <a:ext uri="{FF2B5EF4-FFF2-40B4-BE49-F238E27FC236}">
-                <a16:creationId xmlns:a16="http://schemas.microsoft.com/office/drawing/2014/main" id="{05B12E2C-FABF-4D27-BF59-5D38667199E7}"/>
+                <a16:creationId xmlns:a16="http://schemas.microsoft.com/office/drawing/2014/main" xmlns="" id="{05B12E2C-FABF-4D27-BF59-5D38667199E7}"/>
               </a:ext>
             </a:extLst>
           </p:cNvPr>
@@ -10036,7 +10140,7 @@
           <p:cNvPr id="5" name="Rectangle 6">
             <a:extLst>
               <a:ext uri="{FF2B5EF4-FFF2-40B4-BE49-F238E27FC236}">
-                <a16:creationId xmlns:a16="http://schemas.microsoft.com/office/drawing/2014/main" id="{29226A0B-93FB-4E2B-8DB9-4DC733138A26}"/>
+                <a16:creationId xmlns:a16="http://schemas.microsoft.com/office/drawing/2014/main" xmlns="" id="{29226A0B-93FB-4E2B-8DB9-4DC733138A26}"/>
               </a:ext>
             </a:extLst>
           </p:cNvPr>
@@ -10091,7 +10195,7 @@
           <p:cNvPr id="3" name="Marcador de contenido 2">
             <a:extLst>
               <a:ext uri="{FF2B5EF4-FFF2-40B4-BE49-F238E27FC236}">
-                <a16:creationId xmlns:a16="http://schemas.microsoft.com/office/drawing/2014/main" id="{E7C05CC3-11D7-40CC-B980-05AF401AC530}"/>
+                <a16:creationId xmlns:a16="http://schemas.microsoft.com/office/drawing/2014/main" xmlns="" id="{E7C05CC3-11D7-40CC-B980-05AF401AC530}"/>
               </a:ext>
             </a:extLst>
           </p:cNvPr>
@@ -10114,7 +10218,9 @@
           </a:bodyPr>
           <a:lstStyle/>
           <a:p>
-            <a:pPr algn="just"/>
+            <a:pPr marL="0" indent="0" algn="just">
+              <a:buNone/>
+            </a:pPr>
             <a:r>
               <a:rPr lang="es-PE" dirty="0">
                 <a:solidFill>
@@ -10131,7 +10237,7 @@
           <p:cNvPr id="4" name="Flecha: pentágono 3">
             <a:extLst>
               <a:ext uri="{FF2B5EF4-FFF2-40B4-BE49-F238E27FC236}">
-                <a16:creationId xmlns:a16="http://schemas.microsoft.com/office/drawing/2014/main" id="{0AAC25DD-9019-4834-8DDD-90426C6BF0AD}"/>
+                <a16:creationId xmlns:a16="http://schemas.microsoft.com/office/drawing/2014/main" xmlns="" id="{0AAC25DD-9019-4834-8DDD-90426C6BF0AD}"/>
               </a:ext>
             </a:extLst>
           </p:cNvPr>
@@ -10199,7 +10305,7 @@
           <p:cNvPr id="2" name="Título 1">
             <a:extLst>
               <a:ext uri="{FF2B5EF4-FFF2-40B4-BE49-F238E27FC236}">
-                <a16:creationId xmlns:a16="http://schemas.microsoft.com/office/drawing/2014/main" id="{4699B09D-520F-4264-BF69-28CEB7678DAF}"/>
+                <a16:creationId xmlns:a16="http://schemas.microsoft.com/office/drawing/2014/main" xmlns="" id="{4699B09D-520F-4264-BF69-28CEB7678DAF}"/>
               </a:ext>
             </a:extLst>
           </p:cNvPr>
@@ -10243,7 +10349,7 @@
           <p:cNvPr id="6" name="Rectángulo 5">
             <a:extLst>
               <a:ext uri="{FF2B5EF4-FFF2-40B4-BE49-F238E27FC236}">
-                <a16:creationId xmlns:a16="http://schemas.microsoft.com/office/drawing/2014/main" id="{9D8EDB50-8C3C-4B6B-A22C-7169591C33BD}"/>
+                <a16:creationId xmlns:a16="http://schemas.microsoft.com/office/drawing/2014/main" xmlns="" id="{9D8EDB50-8C3C-4B6B-A22C-7169591C33BD}"/>
               </a:ext>
             </a:extLst>
           </p:cNvPr>
@@ -10297,7 +10403,7 @@
           <p:cNvPr id="8" name="Picture 2" descr="Resultado de imagen para upc logo png">
             <a:extLst>
               <a:ext uri="{FF2B5EF4-FFF2-40B4-BE49-F238E27FC236}">
-                <a16:creationId xmlns:a16="http://schemas.microsoft.com/office/drawing/2014/main" id="{0FA2A498-536C-43EF-A9D1-7B882388B2BF}"/>
+                <a16:creationId xmlns:a16="http://schemas.microsoft.com/office/drawing/2014/main" xmlns="" id="{0FA2A498-536C-43EF-A9D1-7B882388B2BF}"/>
               </a:ext>
             </a:extLst>
           </p:cNvPr>
@@ -10344,7 +10450,7 @@
           <p:cNvPr id="9" name="Picture 4" descr="Resultado de imagen para britanico logo sin fondo">
             <a:extLst>
               <a:ext uri="{FF2B5EF4-FFF2-40B4-BE49-F238E27FC236}">
-                <a16:creationId xmlns:a16="http://schemas.microsoft.com/office/drawing/2014/main" id="{2D1D0558-610B-4487-BEE4-079EF97D1394}"/>
+                <a16:creationId xmlns:a16="http://schemas.microsoft.com/office/drawing/2014/main" xmlns="" id="{2D1D0558-610B-4487-BEE4-079EF97D1394}"/>
               </a:ext>
             </a:extLst>
           </p:cNvPr>
@@ -10389,7 +10495,7 @@
           <p:cNvPr id="11" name="Marcador de contenido 2">
             <a:extLst>
               <a:ext uri="{FF2B5EF4-FFF2-40B4-BE49-F238E27FC236}">
-                <a16:creationId xmlns:a16="http://schemas.microsoft.com/office/drawing/2014/main" id="{032EF7DF-DCB0-4C1E-9568-267DFBC6A786}"/>
+                <a16:creationId xmlns:a16="http://schemas.microsoft.com/office/drawing/2014/main" xmlns="" id="{032EF7DF-DCB0-4C1E-9568-267DFBC6A786}"/>
               </a:ext>
             </a:extLst>
           </p:cNvPr>
@@ -10565,7 +10671,7 @@
           <p:cNvPr id="14" name="Marcador de contenido 2">
             <a:extLst>
               <a:ext uri="{FF2B5EF4-FFF2-40B4-BE49-F238E27FC236}">
-                <a16:creationId xmlns:a16="http://schemas.microsoft.com/office/drawing/2014/main" id="{4D227B4E-7B2F-4E0B-B89F-6802A3D81FB9}"/>
+                <a16:creationId xmlns:a16="http://schemas.microsoft.com/office/drawing/2014/main" xmlns="" id="{4D227B4E-7B2F-4E0B-B89F-6802A3D81FB9}"/>
               </a:ext>
             </a:extLst>
           </p:cNvPr>
@@ -10856,6 +10962,13 @@
   <p:clrMapOvr>
     <a:masterClrMapping/>
   </p:clrMapOvr>
+  <p:timing>
+    <p:tnLst>
+      <p:par>
+        <p:cTn id="1" dur="indefinite" restart="never" nodeType="tmRoot"/>
+      </p:par>
+    </p:tnLst>
+  </p:timing>
 </p:sld>
 </file>
 
@@ -10881,7 +10994,7 @@
           <p:cNvPr id="3074" name="Picture 2" descr="Imagen relacionada">
             <a:extLst>
               <a:ext uri="{FF2B5EF4-FFF2-40B4-BE49-F238E27FC236}">
-                <a16:creationId xmlns:a16="http://schemas.microsoft.com/office/drawing/2014/main" id="{05B12E2C-FABF-4D27-BF59-5D38667199E7}"/>
+                <a16:creationId xmlns:a16="http://schemas.microsoft.com/office/drawing/2014/main" xmlns="" id="{05B12E2C-FABF-4D27-BF59-5D38667199E7}"/>
               </a:ext>
             </a:extLst>
           </p:cNvPr>
@@ -10928,7 +11041,7 @@
           <p:cNvPr id="5" name="Rectangle 6">
             <a:extLst>
               <a:ext uri="{FF2B5EF4-FFF2-40B4-BE49-F238E27FC236}">
-                <a16:creationId xmlns:a16="http://schemas.microsoft.com/office/drawing/2014/main" id="{29226A0B-93FB-4E2B-8DB9-4DC733138A26}"/>
+                <a16:creationId xmlns:a16="http://schemas.microsoft.com/office/drawing/2014/main" xmlns="" id="{29226A0B-93FB-4E2B-8DB9-4DC733138A26}"/>
               </a:ext>
             </a:extLst>
           </p:cNvPr>
@@ -10983,7 +11096,7 @@
           <p:cNvPr id="3" name="Marcador de contenido 2">
             <a:extLst>
               <a:ext uri="{FF2B5EF4-FFF2-40B4-BE49-F238E27FC236}">
-                <a16:creationId xmlns:a16="http://schemas.microsoft.com/office/drawing/2014/main" id="{E7C05CC3-11D7-40CC-B980-05AF401AC530}"/>
+                <a16:creationId xmlns:a16="http://schemas.microsoft.com/office/drawing/2014/main" xmlns="" id="{E7C05CC3-11D7-40CC-B980-05AF401AC530}"/>
               </a:ext>
             </a:extLst>
           </p:cNvPr>
@@ -11006,7 +11119,9 @@
           </a:bodyPr>
           <a:lstStyle/>
           <a:p>
-            <a:pPr algn="just"/>
+            <a:pPr marL="0" indent="0" algn="just">
+              <a:buNone/>
+            </a:pPr>
             <a:r>
               <a:rPr lang="es-PE" dirty="0">
                 <a:solidFill>
@@ -11023,7 +11138,7 @@
           <p:cNvPr id="4" name="Flecha: pentágono 3">
             <a:extLst>
               <a:ext uri="{FF2B5EF4-FFF2-40B4-BE49-F238E27FC236}">
-                <a16:creationId xmlns:a16="http://schemas.microsoft.com/office/drawing/2014/main" id="{0AAC25DD-9019-4834-8DDD-90426C6BF0AD}"/>
+                <a16:creationId xmlns:a16="http://schemas.microsoft.com/office/drawing/2014/main" xmlns="" id="{0AAC25DD-9019-4834-8DDD-90426C6BF0AD}"/>
               </a:ext>
             </a:extLst>
           </p:cNvPr>
@@ -11091,7 +11206,7 @@
           <p:cNvPr id="2" name="Título 1">
             <a:extLst>
               <a:ext uri="{FF2B5EF4-FFF2-40B4-BE49-F238E27FC236}">
-                <a16:creationId xmlns:a16="http://schemas.microsoft.com/office/drawing/2014/main" id="{4699B09D-520F-4264-BF69-28CEB7678DAF}"/>
+                <a16:creationId xmlns:a16="http://schemas.microsoft.com/office/drawing/2014/main" xmlns="" id="{4699B09D-520F-4264-BF69-28CEB7678DAF}"/>
               </a:ext>
             </a:extLst>
           </p:cNvPr>
@@ -11135,7 +11250,7 @@
           <p:cNvPr id="6" name="Rectángulo 5">
             <a:extLst>
               <a:ext uri="{FF2B5EF4-FFF2-40B4-BE49-F238E27FC236}">
-                <a16:creationId xmlns:a16="http://schemas.microsoft.com/office/drawing/2014/main" id="{9D8EDB50-8C3C-4B6B-A22C-7169591C33BD}"/>
+                <a16:creationId xmlns:a16="http://schemas.microsoft.com/office/drawing/2014/main" xmlns="" id="{9D8EDB50-8C3C-4B6B-A22C-7169591C33BD}"/>
               </a:ext>
             </a:extLst>
           </p:cNvPr>
@@ -11189,7 +11304,7 @@
           <p:cNvPr id="8" name="Picture 2" descr="Resultado de imagen para upc logo png">
             <a:extLst>
               <a:ext uri="{FF2B5EF4-FFF2-40B4-BE49-F238E27FC236}">
-                <a16:creationId xmlns:a16="http://schemas.microsoft.com/office/drawing/2014/main" id="{0FA2A498-536C-43EF-A9D1-7B882388B2BF}"/>
+                <a16:creationId xmlns:a16="http://schemas.microsoft.com/office/drawing/2014/main" xmlns="" id="{0FA2A498-536C-43EF-A9D1-7B882388B2BF}"/>
               </a:ext>
             </a:extLst>
           </p:cNvPr>
@@ -11236,7 +11351,7 @@
           <p:cNvPr id="9" name="Picture 4" descr="Resultado de imagen para britanico logo sin fondo">
             <a:extLst>
               <a:ext uri="{FF2B5EF4-FFF2-40B4-BE49-F238E27FC236}">
-                <a16:creationId xmlns:a16="http://schemas.microsoft.com/office/drawing/2014/main" id="{2D1D0558-610B-4487-BEE4-079EF97D1394}"/>
+                <a16:creationId xmlns:a16="http://schemas.microsoft.com/office/drawing/2014/main" xmlns="" id="{2D1D0558-610B-4487-BEE4-079EF97D1394}"/>
               </a:ext>
             </a:extLst>
           </p:cNvPr>
@@ -11281,7 +11396,7 @@
           <p:cNvPr id="11" name="Marcador de contenido 2">
             <a:extLst>
               <a:ext uri="{FF2B5EF4-FFF2-40B4-BE49-F238E27FC236}">
-                <a16:creationId xmlns:a16="http://schemas.microsoft.com/office/drawing/2014/main" id="{032EF7DF-DCB0-4C1E-9568-267DFBC6A786}"/>
+                <a16:creationId xmlns:a16="http://schemas.microsoft.com/office/drawing/2014/main" xmlns="" id="{032EF7DF-DCB0-4C1E-9568-267DFBC6A786}"/>
               </a:ext>
             </a:extLst>
           </p:cNvPr>
@@ -11457,7 +11572,7 @@
           <p:cNvPr id="14" name="Marcador de contenido 2">
             <a:extLst>
               <a:ext uri="{FF2B5EF4-FFF2-40B4-BE49-F238E27FC236}">
-                <a16:creationId xmlns:a16="http://schemas.microsoft.com/office/drawing/2014/main" id="{4D227B4E-7B2F-4E0B-B89F-6802A3D81FB9}"/>
+                <a16:creationId xmlns:a16="http://schemas.microsoft.com/office/drawing/2014/main" xmlns="" id="{4D227B4E-7B2F-4E0B-B89F-6802A3D81FB9}"/>
               </a:ext>
             </a:extLst>
           </p:cNvPr>
@@ -11803,6 +11918,13 @@
   <p:clrMapOvr>
     <a:masterClrMapping/>
   </p:clrMapOvr>
+  <p:timing>
+    <p:tnLst>
+      <p:par>
+        <p:cTn id="1" dur="indefinite" restart="never" nodeType="tmRoot"/>
+      </p:par>
+    </p:tnLst>
+  </p:timing>
 </p:sld>
 </file>
 
@@ -11828,7 +11950,7 @@
           <p:cNvPr id="3074" name="Picture 2" descr="Imagen relacionada">
             <a:extLst>
               <a:ext uri="{FF2B5EF4-FFF2-40B4-BE49-F238E27FC236}">
-                <a16:creationId xmlns:a16="http://schemas.microsoft.com/office/drawing/2014/main" id="{05B12E2C-FABF-4D27-BF59-5D38667199E7}"/>
+                <a16:creationId xmlns:a16="http://schemas.microsoft.com/office/drawing/2014/main" xmlns="" id="{05B12E2C-FABF-4D27-BF59-5D38667199E7}"/>
               </a:ext>
             </a:extLst>
           </p:cNvPr>
@@ -11875,7 +11997,7 @@
           <p:cNvPr id="5" name="Rectangle 6">
             <a:extLst>
               <a:ext uri="{FF2B5EF4-FFF2-40B4-BE49-F238E27FC236}">
-                <a16:creationId xmlns:a16="http://schemas.microsoft.com/office/drawing/2014/main" id="{29226A0B-93FB-4E2B-8DB9-4DC733138A26}"/>
+                <a16:creationId xmlns:a16="http://schemas.microsoft.com/office/drawing/2014/main" xmlns="" id="{29226A0B-93FB-4E2B-8DB9-4DC733138A26}"/>
               </a:ext>
             </a:extLst>
           </p:cNvPr>
@@ -11930,7 +12052,7 @@
           <p:cNvPr id="3" name="Marcador de contenido 2">
             <a:extLst>
               <a:ext uri="{FF2B5EF4-FFF2-40B4-BE49-F238E27FC236}">
-                <a16:creationId xmlns:a16="http://schemas.microsoft.com/office/drawing/2014/main" id="{E7C05CC3-11D7-40CC-B980-05AF401AC530}"/>
+                <a16:creationId xmlns:a16="http://schemas.microsoft.com/office/drawing/2014/main" xmlns="" id="{E7C05CC3-11D7-40CC-B980-05AF401AC530}"/>
               </a:ext>
             </a:extLst>
           </p:cNvPr>
@@ -11953,7 +12075,9 @@
           </a:bodyPr>
           <a:lstStyle/>
           <a:p>
-            <a:pPr algn="just"/>
+            <a:pPr marL="0" indent="0" algn="just">
+              <a:buNone/>
+            </a:pPr>
             <a:r>
               <a:rPr lang="es-PE" dirty="0">
                 <a:solidFill>
@@ -11970,7 +12094,7 @@
           <p:cNvPr id="4" name="Flecha: pentágono 3">
             <a:extLst>
               <a:ext uri="{FF2B5EF4-FFF2-40B4-BE49-F238E27FC236}">
-                <a16:creationId xmlns:a16="http://schemas.microsoft.com/office/drawing/2014/main" id="{0AAC25DD-9019-4834-8DDD-90426C6BF0AD}"/>
+                <a16:creationId xmlns:a16="http://schemas.microsoft.com/office/drawing/2014/main" xmlns="" id="{0AAC25DD-9019-4834-8DDD-90426C6BF0AD}"/>
               </a:ext>
             </a:extLst>
           </p:cNvPr>
@@ -12038,7 +12162,7 @@
           <p:cNvPr id="2" name="Título 1">
             <a:extLst>
               <a:ext uri="{FF2B5EF4-FFF2-40B4-BE49-F238E27FC236}">
-                <a16:creationId xmlns:a16="http://schemas.microsoft.com/office/drawing/2014/main" id="{4699B09D-520F-4264-BF69-28CEB7678DAF}"/>
+                <a16:creationId xmlns:a16="http://schemas.microsoft.com/office/drawing/2014/main" xmlns="" id="{4699B09D-520F-4264-BF69-28CEB7678DAF}"/>
               </a:ext>
             </a:extLst>
           </p:cNvPr>
@@ -12082,7 +12206,7 @@
           <p:cNvPr id="6" name="Rectángulo 5">
             <a:extLst>
               <a:ext uri="{FF2B5EF4-FFF2-40B4-BE49-F238E27FC236}">
-                <a16:creationId xmlns:a16="http://schemas.microsoft.com/office/drawing/2014/main" id="{9D8EDB50-8C3C-4B6B-A22C-7169591C33BD}"/>
+                <a16:creationId xmlns:a16="http://schemas.microsoft.com/office/drawing/2014/main" xmlns="" id="{9D8EDB50-8C3C-4B6B-A22C-7169591C33BD}"/>
               </a:ext>
             </a:extLst>
           </p:cNvPr>
@@ -12136,7 +12260,7 @@
           <p:cNvPr id="8" name="Picture 2" descr="Resultado de imagen para upc logo png">
             <a:extLst>
               <a:ext uri="{FF2B5EF4-FFF2-40B4-BE49-F238E27FC236}">
-                <a16:creationId xmlns:a16="http://schemas.microsoft.com/office/drawing/2014/main" id="{0FA2A498-536C-43EF-A9D1-7B882388B2BF}"/>
+                <a16:creationId xmlns:a16="http://schemas.microsoft.com/office/drawing/2014/main" xmlns="" id="{0FA2A498-536C-43EF-A9D1-7B882388B2BF}"/>
               </a:ext>
             </a:extLst>
           </p:cNvPr>
@@ -12183,7 +12307,7 @@
           <p:cNvPr id="9" name="Picture 4" descr="Resultado de imagen para britanico logo sin fondo">
             <a:extLst>
               <a:ext uri="{FF2B5EF4-FFF2-40B4-BE49-F238E27FC236}">
-                <a16:creationId xmlns:a16="http://schemas.microsoft.com/office/drawing/2014/main" id="{2D1D0558-610B-4487-BEE4-079EF97D1394}"/>
+                <a16:creationId xmlns:a16="http://schemas.microsoft.com/office/drawing/2014/main" xmlns="" id="{2D1D0558-610B-4487-BEE4-079EF97D1394}"/>
               </a:ext>
             </a:extLst>
           </p:cNvPr>
@@ -12228,7 +12352,7 @@
           <p:cNvPr id="11" name="Marcador de contenido 2">
             <a:extLst>
               <a:ext uri="{FF2B5EF4-FFF2-40B4-BE49-F238E27FC236}">
-                <a16:creationId xmlns:a16="http://schemas.microsoft.com/office/drawing/2014/main" id="{032EF7DF-DCB0-4C1E-9568-267DFBC6A786}"/>
+                <a16:creationId xmlns:a16="http://schemas.microsoft.com/office/drawing/2014/main" xmlns="" id="{032EF7DF-DCB0-4C1E-9568-267DFBC6A786}"/>
               </a:ext>
             </a:extLst>
           </p:cNvPr>
@@ -12404,7 +12528,7 @@
           <p:cNvPr id="14" name="Marcador de contenido 2">
             <a:extLst>
               <a:ext uri="{FF2B5EF4-FFF2-40B4-BE49-F238E27FC236}">
-                <a16:creationId xmlns:a16="http://schemas.microsoft.com/office/drawing/2014/main" id="{CCFB0BA4-7422-46E8-9B17-CBF08667A103}"/>
+                <a16:creationId xmlns:a16="http://schemas.microsoft.com/office/drawing/2014/main" xmlns="" id="{CCFB0BA4-7422-46E8-9B17-CBF08667A103}"/>
               </a:ext>
             </a:extLst>
           </p:cNvPr>
@@ -12692,6 +12816,13 @@
   <p:clrMapOvr>
     <a:masterClrMapping/>
   </p:clrMapOvr>
+  <p:timing>
+    <p:tnLst>
+      <p:par>
+        <p:cTn id="1" dur="indefinite" restart="never" nodeType="tmRoot"/>
+      </p:par>
+    </p:tnLst>
+  </p:timing>
 </p:sld>
 </file>
 
@@ -12717,7 +12848,7 @@
           <p:cNvPr id="3074" name="Picture 2" descr="Imagen relacionada">
             <a:extLst>
               <a:ext uri="{FF2B5EF4-FFF2-40B4-BE49-F238E27FC236}">
-                <a16:creationId xmlns:a16="http://schemas.microsoft.com/office/drawing/2014/main" id="{05B12E2C-FABF-4D27-BF59-5D38667199E7}"/>
+                <a16:creationId xmlns:a16="http://schemas.microsoft.com/office/drawing/2014/main" xmlns="" id="{05B12E2C-FABF-4D27-BF59-5D38667199E7}"/>
               </a:ext>
             </a:extLst>
           </p:cNvPr>
@@ -12764,7 +12895,7 @@
           <p:cNvPr id="5" name="Rectangle 6">
             <a:extLst>
               <a:ext uri="{FF2B5EF4-FFF2-40B4-BE49-F238E27FC236}">
-                <a16:creationId xmlns:a16="http://schemas.microsoft.com/office/drawing/2014/main" id="{29226A0B-93FB-4E2B-8DB9-4DC733138A26}"/>
+                <a16:creationId xmlns:a16="http://schemas.microsoft.com/office/drawing/2014/main" xmlns="" id="{29226A0B-93FB-4E2B-8DB9-4DC733138A26}"/>
               </a:ext>
             </a:extLst>
           </p:cNvPr>
@@ -12819,7 +12950,7 @@
           <p:cNvPr id="3" name="Marcador de contenido 2">
             <a:extLst>
               <a:ext uri="{FF2B5EF4-FFF2-40B4-BE49-F238E27FC236}">
-                <a16:creationId xmlns:a16="http://schemas.microsoft.com/office/drawing/2014/main" id="{E7C05CC3-11D7-40CC-B980-05AF401AC530}"/>
+                <a16:creationId xmlns:a16="http://schemas.microsoft.com/office/drawing/2014/main" xmlns="" id="{E7C05CC3-11D7-40CC-B980-05AF401AC530}"/>
               </a:ext>
             </a:extLst>
           </p:cNvPr>
@@ -12842,7 +12973,9 @@
           </a:bodyPr>
           <a:lstStyle/>
           <a:p>
-            <a:pPr algn="just"/>
+            <a:pPr marL="0" indent="0" algn="just">
+              <a:buNone/>
+            </a:pPr>
             <a:r>
               <a:rPr lang="es-PE" dirty="0">
                 <a:solidFill>
@@ -12859,7 +12992,7 @@
           <p:cNvPr id="4" name="Flecha: pentágono 3">
             <a:extLst>
               <a:ext uri="{FF2B5EF4-FFF2-40B4-BE49-F238E27FC236}">
-                <a16:creationId xmlns:a16="http://schemas.microsoft.com/office/drawing/2014/main" id="{0AAC25DD-9019-4834-8DDD-90426C6BF0AD}"/>
+                <a16:creationId xmlns:a16="http://schemas.microsoft.com/office/drawing/2014/main" xmlns="" id="{0AAC25DD-9019-4834-8DDD-90426C6BF0AD}"/>
               </a:ext>
             </a:extLst>
           </p:cNvPr>
@@ -12927,7 +13060,7 @@
           <p:cNvPr id="2" name="Título 1">
             <a:extLst>
               <a:ext uri="{FF2B5EF4-FFF2-40B4-BE49-F238E27FC236}">
-                <a16:creationId xmlns:a16="http://schemas.microsoft.com/office/drawing/2014/main" id="{4699B09D-520F-4264-BF69-28CEB7678DAF}"/>
+                <a16:creationId xmlns:a16="http://schemas.microsoft.com/office/drawing/2014/main" xmlns="" id="{4699B09D-520F-4264-BF69-28CEB7678DAF}"/>
               </a:ext>
             </a:extLst>
           </p:cNvPr>
@@ -12971,7 +13104,7 @@
           <p:cNvPr id="6" name="Rectángulo 5">
             <a:extLst>
               <a:ext uri="{FF2B5EF4-FFF2-40B4-BE49-F238E27FC236}">
-                <a16:creationId xmlns:a16="http://schemas.microsoft.com/office/drawing/2014/main" id="{9D8EDB50-8C3C-4B6B-A22C-7169591C33BD}"/>
+                <a16:creationId xmlns:a16="http://schemas.microsoft.com/office/drawing/2014/main" xmlns="" id="{9D8EDB50-8C3C-4B6B-A22C-7169591C33BD}"/>
               </a:ext>
             </a:extLst>
           </p:cNvPr>
@@ -13025,7 +13158,7 @@
           <p:cNvPr id="8" name="Picture 2" descr="Resultado de imagen para upc logo png">
             <a:extLst>
               <a:ext uri="{FF2B5EF4-FFF2-40B4-BE49-F238E27FC236}">
-                <a16:creationId xmlns:a16="http://schemas.microsoft.com/office/drawing/2014/main" id="{0FA2A498-536C-43EF-A9D1-7B882388B2BF}"/>
+                <a16:creationId xmlns:a16="http://schemas.microsoft.com/office/drawing/2014/main" xmlns="" id="{0FA2A498-536C-43EF-A9D1-7B882388B2BF}"/>
               </a:ext>
             </a:extLst>
           </p:cNvPr>
@@ -13072,7 +13205,7 @@
           <p:cNvPr id="9" name="Picture 4" descr="Resultado de imagen para britanico logo sin fondo">
             <a:extLst>
               <a:ext uri="{FF2B5EF4-FFF2-40B4-BE49-F238E27FC236}">
-                <a16:creationId xmlns:a16="http://schemas.microsoft.com/office/drawing/2014/main" id="{2D1D0558-610B-4487-BEE4-079EF97D1394}"/>
+                <a16:creationId xmlns:a16="http://schemas.microsoft.com/office/drawing/2014/main" xmlns="" id="{2D1D0558-610B-4487-BEE4-079EF97D1394}"/>
               </a:ext>
             </a:extLst>
           </p:cNvPr>
@@ -13117,7 +13250,7 @@
           <p:cNvPr id="11" name="Marcador de contenido 2">
             <a:extLst>
               <a:ext uri="{FF2B5EF4-FFF2-40B4-BE49-F238E27FC236}">
-                <a16:creationId xmlns:a16="http://schemas.microsoft.com/office/drawing/2014/main" id="{032EF7DF-DCB0-4C1E-9568-267DFBC6A786}"/>
+                <a16:creationId xmlns:a16="http://schemas.microsoft.com/office/drawing/2014/main" xmlns="" id="{032EF7DF-DCB0-4C1E-9568-267DFBC6A786}"/>
               </a:ext>
             </a:extLst>
           </p:cNvPr>
@@ -13293,7 +13426,7 @@
           <p:cNvPr id="14" name="Marcador de contenido 2">
             <a:extLst>
               <a:ext uri="{FF2B5EF4-FFF2-40B4-BE49-F238E27FC236}">
-                <a16:creationId xmlns:a16="http://schemas.microsoft.com/office/drawing/2014/main" id="{B189BCD0-C50C-4BDC-9E7E-4EB811CD8DA0}"/>
+                <a16:creationId xmlns:a16="http://schemas.microsoft.com/office/drawing/2014/main" xmlns="" id="{B189BCD0-C50C-4BDC-9E7E-4EB811CD8DA0}"/>
               </a:ext>
             </a:extLst>
           </p:cNvPr>
@@ -13536,6 +13669,13 @@
   <p:clrMapOvr>
     <a:masterClrMapping/>
   </p:clrMapOvr>
+  <p:timing>
+    <p:tnLst>
+      <p:par>
+        <p:cTn id="1" dur="indefinite" restart="never" nodeType="tmRoot"/>
+      </p:par>
+    </p:tnLst>
+  </p:timing>
 </p:sld>
 </file>
 
@@ -13561,7 +13701,7 @@
           <p:cNvPr id="3074" name="Picture 2" descr="Imagen relacionada">
             <a:extLst>
               <a:ext uri="{FF2B5EF4-FFF2-40B4-BE49-F238E27FC236}">
-                <a16:creationId xmlns:a16="http://schemas.microsoft.com/office/drawing/2014/main" id="{05B12E2C-FABF-4D27-BF59-5D38667199E7}"/>
+                <a16:creationId xmlns:a16="http://schemas.microsoft.com/office/drawing/2014/main" xmlns="" id="{05B12E2C-FABF-4D27-BF59-5D38667199E7}"/>
               </a:ext>
             </a:extLst>
           </p:cNvPr>
@@ -13608,7 +13748,7 @@
           <p:cNvPr id="5" name="Rectangle 6">
             <a:extLst>
               <a:ext uri="{FF2B5EF4-FFF2-40B4-BE49-F238E27FC236}">
-                <a16:creationId xmlns:a16="http://schemas.microsoft.com/office/drawing/2014/main" id="{29226A0B-93FB-4E2B-8DB9-4DC733138A26}"/>
+                <a16:creationId xmlns:a16="http://schemas.microsoft.com/office/drawing/2014/main" xmlns="" id="{29226A0B-93FB-4E2B-8DB9-4DC733138A26}"/>
               </a:ext>
             </a:extLst>
           </p:cNvPr>
@@ -13663,7 +13803,7 @@
           <p:cNvPr id="3" name="Marcador de contenido 2">
             <a:extLst>
               <a:ext uri="{FF2B5EF4-FFF2-40B4-BE49-F238E27FC236}">
-                <a16:creationId xmlns:a16="http://schemas.microsoft.com/office/drawing/2014/main" id="{E7C05CC3-11D7-40CC-B980-05AF401AC530}"/>
+                <a16:creationId xmlns:a16="http://schemas.microsoft.com/office/drawing/2014/main" xmlns="" id="{E7C05CC3-11D7-40CC-B980-05AF401AC530}"/>
               </a:ext>
             </a:extLst>
           </p:cNvPr>
@@ -13703,7 +13843,7 @@
           <p:cNvPr id="4" name="Flecha: pentágono 3">
             <a:extLst>
               <a:ext uri="{FF2B5EF4-FFF2-40B4-BE49-F238E27FC236}">
-                <a16:creationId xmlns:a16="http://schemas.microsoft.com/office/drawing/2014/main" id="{0AAC25DD-9019-4834-8DDD-90426C6BF0AD}"/>
+                <a16:creationId xmlns:a16="http://schemas.microsoft.com/office/drawing/2014/main" xmlns="" id="{0AAC25DD-9019-4834-8DDD-90426C6BF0AD}"/>
               </a:ext>
             </a:extLst>
           </p:cNvPr>
@@ -13771,7 +13911,7 @@
           <p:cNvPr id="2" name="Título 1">
             <a:extLst>
               <a:ext uri="{FF2B5EF4-FFF2-40B4-BE49-F238E27FC236}">
-                <a16:creationId xmlns:a16="http://schemas.microsoft.com/office/drawing/2014/main" id="{4699B09D-520F-4264-BF69-28CEB7678DAF}"/>
+                <a16:creationId xmlns:a16="http://schemas.microsoft.com/office/drawing/2014/main" xmlns="" id="{4699B09D-520F-4264-BF69-28CEB7678DAF}"/>
               </a:ext>
             </a:extLst>
           </p:cNvPr>
@@ -13815,7 +13955,7 @@
           <p:cNvPr id="6" name="Rectángulo 5">
             <a:extLst>
               <a:ext uri="{FF2B5EF4-FFF2-40B4-BE49-F238E27FC236}">
-                <a16:creationId xmlns:a16="http://schemas.microsoft.com/office/drawing/2014/main" id="{9D8EDB50-8C3C-4B6B-A22C-7169591C33BD}"/>
+                <a16:creationId xmlns:a16="http://schemas.microsoft.com/office/drawing/2014/main" xmlns="" id="{9D8EDB50-8C3C-4B6B-A22C-7169591C33BD}"/>
               </a:ext>
             </a:extLst>
           </p:cNvPr>
@@ -13869,7 +14009,7 @@
           <p:cNvPr id="8" name="Picture 2" descr="Resultado de imagen para upc logo png">
             <a:extLst>
               <a:ext uri="{FF2B5EF4-FFF2-40B4-BE49-F238E27FC236}">
-                <a16:creationId xmlns:a16="http://schemas.microsoft.com/office/drawing/2014/main" id="{0FA2A498-536C-43EF-A9D1-7B882388B2BF}"/>
+                <a16:creationId xmlns:a16="http://schemas.microsoft.com/office/drawing/2014/main" xmlns="" id="{0FA2A498-536C-43EF-A9D1-7B882388B2BF}"/>
               </a:ext>
             </a:extLst>
           </p:cNvPr>
@@ -13916,7 +14056,7 @@
           <p:cNvPr id="9" name="Picture 4" descr="Resultado de imagen para britanico logo sin fondo">
             <a:extLst>
               <a:ext uri="{FF2B5EF4-FFF2-40B4-BE49-F238E27FC236}">
-                <a16:creationId xmlns:a16="http://schemas.microsoft.com/office/drawing/2014/main" id="{2D1D0558-610B-4487-BEE4-079EF97D1394}"/>
+                <a16:creationId xmlns:a16="http://schemas.microsoft.com/office/drawing/2014/main" xmlns="" id="{2D1D0558-610B-4487-BEE4-079EF97D1394}"/>
               </a:ext>
             </a:extLst>
           </p:cNvPr>
@@ -13961,7 +14101,7 @@
           <p:cNvPr id="10" name="Imagen 9">
             <a:extLst>
               <a:ext uri="{FF2B5EF4-FFF2-40B4-BE49-F238E27FC236}">
-                <a16:creationId xmlns:a16="http://schemas.microsoft.com/office/drawing/2014/main" id="{2FDE63A6-5B09-4494-811A-288B29DEE829}"/>
+                <a16:creationId xmlns:a16="http://schemas.microsoft.com/office/drawing/2014/main" xmlns="" id="{2FDE63A6-5B09-4494-811A-288B29DEE829}"/>
               </a:ext>
             </a:extLst>
           </p:cNvPr>
@@ -13996,6 +14136,13 @@
   <p:clrMapOvr>
     <a:masterClrMapping/>
   </p:clrMapOvr>
+  <p:timing>
+    <p:tnLst>
+      <p:par>
+        <p:cTn id="1" dur="indefinite" restart="never" nodeType="tmRoot"/>
+      </p:par>
+    </p:tnLst>
+  </p:timing>
 </p:sld>
 </file>
 
@@ -14021,7 +14168,7 @@
           <p:cNvPr id="3074" name="Picture 2" descr="Imagen relacionada">
             <a:extLst>
               <a:ext uri="{FF2B5EF4-FFF2-40B4-BE49-F238E27FC236}">
-                <a16:creationId xmlns:a16="http://schemas.microsoft.com/office/drawing/2014/main" id="{05B12E2C-FABF-4D27-BF59-5D38667199E7}"/>
+                <a16:creationId xmlns:a16="http://schemas.microsoft.com/office/drawing/2014/main" xmlns="" id="{05B12E2C-FABF-4D27-BF59-5D38667199E7}"/>
               </a:ext>
             </a:extLst>
           </p:cNvPr>
@@ -14068,7 +14215,7 @@
           <p:cNvPr id="5" name="Rectangle 6">
             <a:extLst>
               <a:ext uri="{FF2B5EF4-FFF2-40B4-BE49-F238E27FC236}">
-                <a16:creationId xmlns:a16="http://schemas.microsoft.com/office/drawing/2014/main" id="{29226A0B-93FB-4E2B-8DB9-4DC733138A26}"/>
+                <a16:creationId xmlns:a16="http://schemas.microsoft.com/office/drawing/2014/main" xmlns="" id="{29226A0B-93FB-4E2B-8DB9-4DC733138A26}"/>
               </a:ext>
             </a:extLst>
           </p:cNvPr>
@@ -14123,7 +14270,7 @@
           <p:cNvPr id="3" name="Marcador de contenido 2">
             <a:extLst>
               <a:ext uri="{FF2B5EF4-FFF2-40B4-BE49-F238E27FC236}">
-                <a16:creationId xmlns:a16="http://schemas.microsoft.com/office/drawing/2014/main" id="{E7C05CC3-11D7-40CC-B980-05AF401AC530}"/>
+                <a16:creationId xmlns:a16="http://schemas.microsoft.com/office/drawing/2014/main" xmlns="" id="{E7C05CC3-11D7-40CC-B980-05AF401AC530}"/>
               </a:ext>
             </a:extLst>
           </p:cNvPr>
@@ -14163,7 +14310,7 @@
           <p:cNvPr id="4" name="Flecha: pentágono 3">
             <a:extLst>
               <a:ext uri="{FF2B5EF4-FFF2-40B4-BE49-F238E27FC236}">
-                <a16:creationId xmlns:a16="http://schemas.microsoft.com/office/drawing/2014/main" id="{0AAC25DD-9019-4834-8DDD-90426C6BF0AD}"/>
+                <a16:creationId xmlns:a16="http://schemas.microsoft.com/office/drawing/2014/main" xmlns="" id="{0AAC25DD-9019-4834-8DDD-90426C6BF0AD}"/>
               </a:ext>
             </a:extLst>
           </p:cNvPr>
@@ -14231,7 +14378,7 @@
           <p:cNvPr id="2" name="Título 1">
             <a:extLst>
               <a:ext uri="{FF2B5EF4-FFF2-40B4-BE49-F238E27FC236}">
-                <a16:creationId xmlns:a16="http://schemas.microsoft.com/office/drawing/2014/main" id="{4699B09D-520F-4264-BF69-28CEB7678DAF}"/>
+                <a16:creationId xmlns:a16="http://schemas.microsoft.com/office/drawing/2014/main" xmlns="" id="{4699B09D-520F-4264-BF69-28CEB7678DAF}"/>
               </a:ext>
             </a:extLst>
           </p:cNvPr>
@@ -14275,7 +14422,7 @@
           <p:cNvPr id="6" name="Rectángulo 5">
             <a:extLst>
               <a:ext uri="{FF2B5EF4-FFF2-40B4-BE49-F238E27FC236}">
-                <a16:creationId xmlns:a16="http://schemas.microsoft.com/office/drawing/2014/main" id="{9D8EDB50-8C3C-4B6B-A22C-7169591C33BD}"/>
+                <a16:creationId xmlns:a16="http://schemas.microsoft.com/office/drawing/2014/main" xmlns="" id="{9D8EDB50-8C3C-4B6B-A22C-7169591C33BD}"/>
               </a:ext>
             </a:extLst>
           </p:cNvPr>
@@ -14329,7 +14476,7 @@
           <p:cNvPr id="8" name="Picture 2" descr="Resultado de imagen para upc logo png">
             <a:extLst>
               <a:ext uri="{FF2B5EF4-FFF2-40B4-BE49-F238E27FC236}">
-                <a16:creationId xmlns:a16="http://schemas.microsoft.com/office/drawing/2014/main" id="{0FA2A498-536C-43EF-A9D1-7B882388B2BF}"/>
+                <a16:creationId xmlns:a16="http://schemas.microsoft.com/office/drawing/2014/main" xmlns="" id="{0FA2A498-536C-43EF-A9D1-7B882388B2BF}"/>
               </a:ext>
             </a:extLst>
           </p:cNvPr>
@@ -14376,7 +14523,7 @@
           <p:cNvPr id="9" name="Picture 4" descr="Resultado de imagen para britanico logo sin fondo">
             <a:extLst>
               <a:ext uri="{FF2B5EF4-FFF2-40B4-BE49-F238E27FC236}">
-                <a16:creationId xmlns:a16="http://schemas.microsoft.com/office/drawing/2014/main" id="{2D1D0558-610B-4487-BEE4-079EF97D1394}"/>
+                <a16:creationId xmlns:a16="http://schemas.microsoft.com/office/drawing/2014/main" xmlns="" id="{2D1D0558-610B-4487-BEE4-079EF97D1394}"/>
               </a:ext>
             </a:extLst>
           </p:cNvPr>
@@ -14421,7 +14568,7 @@
           <p:cNvPr id="10" name="Imagen 9">
             <a:extLst>
               <a:ext uri="{FF2B5EF4-FFF2-40B4-BE49-F238E27FC236}">
-                <a16:creationId xmlns:a16="http://schemas.microsoft.com/office/drawing/2014/main" id="{27172154-F39A-4CDD-A784-7A6505034E88}"/>
+                <a16:creationId xmlns:a16="http://schemas.microsoft.com/office/drawing/2014/main" xmlns="" id="{27172154-F39A-4CDD-A784-7A6505034E88}"/>
               </a:ext>
             </a:extLst>
           </p:cNvPr>
@@ -14456,6 +14603,13 @@
   <p:clrMapOvr>
     <a:masterClrMapping/>
   </p:clrMapOvr>
+  <p:timing>
+    <p:tnLst>
+      <p:par>
+        <p:cTn id="1" dur="indefinite" restart="never" nodeType="tmRoot"/>
+      </p:par>
+    </p:tnLst>
+  </p:timing>
 </p:sld>
 </file>
 
@@ -14481,7 +14635,7 @@
           <p:cNvPr id="3074" name="Picture 2" descr="Imagen relacionada">
             <a:extLst>
               <a:ext uri="{FF2B5EF4-FFF2-40B4-BE49-F238E27FC236}">
-                <a16:creationId xmlns:a16="http://schemas.microsoft.com/office/drawing/2014/main" id="{05B12E2C-FABF-4D27-BF59-5D38667199E7}"/>
+                <a16:creationId xmlns:a16="http://schemas.microsoft.com/office/drawing/2014/main" xmlns="" id="{05B12E2C-FABF-4D27-BF59-5D38667199E7}"/>
               </a:ext>
             </a:extLst>
           </p:cNvPr>
@@ -14528,7 +14682,7 @@
           <p:cNvPr id="5" name="Rectangle 6">
             <a:extLst>
               <a:ext uri="{FF2B5EF4-FFF2-40B4-BE49-F238E27FC236}">
-                <a16:creationId xmlns:a16="http://schemas.microsoft.com/office/drawing/2014/main" id="{29226A0B-93FB-4E2B-8DB9-4DC733138A26}"/>
+                <a16:creationId xmlns:a16="http://schemas.microsoft.com/office/drawing/2014/main" xmlns="" id="{29226A0B-93FB-4E2B-8DB9-4DC733138A26}"/>
               </a:ext>
             </a:extLst>
           </p:cNvPr>
@@ -14583,7 +14737,7 @@
           <p:cNvPr id="3" name="Marcador de contenido 2">
             <a:extLst>
               <a:ext uri="{FF2B5EF4-FFF2-40B4-BE49-F238E27FC236}">
-                <a16:creationId xmlns:a16="http://schemas.microsoft.com/office/drawing/2014/main" id="{E7C05CC3-11D7-40CC-B980-05AF401AC530}"/>
+                <a16:creationId xmlns:a16="http://schemas.microsoft.com/office/drawing/2014/main" xmlns="" id="{E7C05CC3-11D7-40CC-B980-05AF401AC530}"/>
               </a:ext>
             </a:extLst>
           </p:cNvPr>
@@ -14623,7 +14777,7 @@
           <p:cNvPr id="4" name="Flecha: pentágono 3">
             <a:extLst>
               <a:ext uri="{FF2B5EF4-FFF2-40B4-BE49-F238E27FC236}">
-                <a16:creationId xmlns:a16="http://schemas.microsoft.com/office/drawing/2014/main" id="{0AAC25DD-9019-4834-8DDD-90426C6BF0AD}"/>
+                <a16:creationId xmlns:a16="http://schemas.microsoft.com/office/drawing/2014/main" xmlns="" id="{0AAC25DD-9019-4834-8DDD-90426C6BF0AD}"/>
               </a:ext>
             </a:extLst>
           </p:cNvPr>
@@ -14691,7 +14845,7 @@
           <p:cNvPr id="2" name="Título 1">
             <a:extLst>
               <a:ext uri="{FF2B5EF4-FFF2-40B4-BE49-F238E27FC236}">
-                <a16:creationId xmlns:a16="http://schemas.microsoft.com/office/drawing/2014/main" id="{4699B09D-520F-4264-BF69-28CEB7678DAF}"/>
+                <a16:creationId xmlns:a16="http://schemas.microsoft.com/office/drawing/2014/main" xmlns="" id="{4699B09D-520F-4264-BF69-28CEB7678DAF}"/>
               </a:ext>
             </a:extLst>
           </p:cNvPr>
@@ -14735,7 +14889,7 @@
           <p:cNvPr id="6" name="Rectángulo 5">
             <a:extLst>
               <a:ext uri="{FF2B5EF4-FFF2-40B4-BE49-F238E27FC236}">
-                <a16:creationId xmlns:a16="http://schemas.microsoft.com/office/drawing/2014/main" id="{9D8EDB50-8C3C-4B6B-A22C-7169591C33BD}"/>
+                <a16:creationId xmlns:a16="http://schemas.microsoft.com/office/drawing/2014/main" xmlns="" id="{9D8EDB50-8C3C-4B6B-A22C-7169591C33BD}"/>
               </a:ext>
             </a:extLst>
           </p:cNvPr>
@@ -14789,7 +14943,7 @@
           <p:cNvPr id="8" name="Picture 2" descr="Resultado de imagen para upc logo png">
             <a:extLst>
               <a:ext uri="{FF2B5EF4-FFF2-40B4-BE49-F238E27FC236}">
-                <a16:creationId xmlns:a16="http://schemas.microsoft.com/office/drawing/2014/main" id="{0FA2A498-536C-43EF-A9D1-7B882388B2BF}"/>
+                <a16:creationId xmlns:a16="http://schemas.microsoft.com/office/drawing/2014/main" xmlns="" id="{0FA2A498-536C-43EF-A9D1-7B882388B2BF}"/>
               </a:ext>
             </a:extLst>
           </p:cNvPr>
@@ -14836,7 +14990,7 @@
           <p:cNvPr id="9" name="Picture 4" descr="Resultado de imagen para britanico logo sin fondo">
             <a:extLst>
               <a:ext uri="{FF2B5EF4-FFF2-40B4-BE49-F238E27FC236}">
-                <a16:creationId xmlns:a16="http://schemas.microsoft.com/office/drawing/2014/main" id="{2D1D0558-610B-4487-BEE4-079EF97D1394}"/>
+                <a16:creationId xmlns:a16="http://schemas.microsoft.com/office/drawing/2014/main" xmlns="" id="{2D1D0558-610B-4487-BEE4-079EF97D1394}"/>
               </a:ext>
             </a:extLst>
           </p:cNvPr>
@@ -14881,7 +15035,7 @@
           <p:cNvPr id="10" name="Imagen 9">
             <a:extLst>
               <a:ext uri="{FF2B5EF4-FFF2-40B4-BE49-F238E27FC236}">
-                <a16:creationId xmlns:a16="http://schemas.microsoft.com/office/drawing/2014/main" id="{1DD5983A-8795-45F3-AC5B-11AE3DF3EE87}"/>
+                <a16:creationId xmlns:a16="http://schemas.microsoft.com/office/drawing/2014/main" xmlns="" id="{1DD5983A-8795-45F3-AC5B-11AE3DF3EE87}"/>
               </a:ext>
             </a:extLst>
           </p:cNvPr>
@@ -14916,6 +15070,13 @@
   <p:clrMapOvr>
     <a:masterClrMapping/>
   </p:clrMapOvr>
+  <p:timing>
+    <p:tnLst>
+      <p:par>
+        <p:cTn id="1" dur="indefinite" restart="never" nodeType="tmRoot"/>
+      </p:par>
+    </p:tnLst>
+  </p:timing>
 </p:sld>
 </file>
 
@@ -14941,7 +15102,7 @@
           <p:cNvPr id="3074" name="Picture 2" descr="Imagen relacionada">
             <a:extLst>
               <a:ext uri="{FF2B5EF4-FFF2-40B4-BE49-F238E27FC236}">
-                <a16:creationId xmlns:a16="http://schemas.microsoft.com/office/drawing/2014/main" id="{05B12E2C-FABF-4D27-BF59-5D38667199E7}"/>
+                <a16:creationId xmlns:a16="http://schemas.microsoft.com/office/drawing/2014/main" xmlns="" id="{05B12E2C-FABF-4D27-BF59-5D38667199E7}"/>
               </a:ext>
             </a:extLst>
           </p:cNvPr>
@@ -14988,7 +15149,7 @@
           <p:cNvPr id="5" name="Rectangle 6">
             <a:extLst>
               <a:ext uri="{FF2B5EF4-FFF2-40B4-BE49-F238E27FC236}">
-                <a16:creationId xmlns:a16="http://schemas.microsoft.com/office/drawing/2014/main" id="{29226A0B-93FB-4E2B-8DB9-4DC733138A26}"/>
+                <a16:creationId xmlns:a16="http://schemas.microsoft.com/office/drawing/2014/main" xmlns="" id="{29226A0B-93FB-4E2B-8DB9-4DC733138A26}"/>
               </a:ext>
             </a:extLst>
           </p:cNvPr>
@@ -15043,7 +15204,7 @@
           <p:cNvPr id="3" name="Marcador de contenido 2">
             <a:extLst>
               <a:ext uri="{FF2B5EF4-FFF2-40B4-BE49-F238E27FC236}">
-                <a16:creationId xmlns:a16="http://schemas.microsoft.com/office/drawing/2014/main" id="{E7C05CC3-11D7-40CC-B980-05AF401AC530}"/>
+                <a16:creationId xmlns:a16="http://schemas.microsoft.com/office/drawing/2014/main" xmlns="" id="{E7C05CC3-11D7-40CC-B980-05AF401AC530}"/>
               </a:ext>
             </a:extLst>
           </p:cNvPr>
@@ -15070,7 +15231,7 @@
             <a:r>
               <a:rPr lang="es-PE" dirty="0">
                 <a:solidFill>
-                  <a:srgbClr val="FFC000"/>
+                  <a:schemeClr val="bg1"/>
                 </a:solidFill>
               </a:rPr>
               <a:t>Pagos desde la web</a:t>
@@ -15081,7 +15242,7 @@
             <a:r>
               <a:rPr lang="es-PE" dirty="0">
                 <a:solidFill>
-                  <a:srgbClr val="FFC000"/>
+                  <a:schemeClr val="bg1"/>
                 </a:solidFill>
               </a:rPr>
               <a:t>Inscripción manual de ficha de datos</a:t>
@@ -15092,7 +15253,7 @@
             <a:r>
               <a:rPr lang="es-PE" dirty="0">
                 <a:solidFill>
-                  <a:srgbClr val="FFC000"/>
+                  <a:schemeClr val="bg1"/>
                 </a:solidFill>
               </a:rPr>
               <a:t>Entrega de boleta</a:t>
@@ -15103,7 +15264,7 @@
             <a:r>
               <a:rPr lang="es-PE" dirty="0">
                 <a:solidFill>
-                  <a:srgbClr val="FFC000"/>
+                  <a:schemeClr val="bg1"/>
                 </a:solidFill>
               </a:rPr>
               <a:t>Envío de constancia de matricula</a:t>
@@ -15114,7 +15275,7 @@
             <a:r>
               <a:rPr lang="es-PE" dirty="0">
                 <a:solidFill>
-                  <a:srgbClr val="FFC000"/>
+                  <a:schemeClr val="bg1"/>
                 </a:solidFill>
               </a:rPr>
               <a:t>Pago de banco y consulta de estado de cuenta</a:t>
@@ -15127,7 +15288,7 @@
           <p:cNvPr id="4" name="Flecha: pentágono 3">
             <a:extLst>
               <a:ext uri="{FF2B5EF4-FFF2-40B4-BE49-F238E27FC236}">
-                <a16:creationId xmlns:a16="http://schemas.microsoft.com/office/drawing/2014/main" id="{0AAC25DD-9019-4834-8DDD-90426C6BF0AD}"/>
+                <a16:creationId xmlns:a16="http://schemas.microsoft.com/office/drawing/2014/main" xmlns="" id="{0AAC25DD-9019-4834-8DDD-90426C6BF0AD}"/>
               </a:ext>
             </a:extLst>
           </p:cNvPr>
@@ -15195,7 +15356,7 @@
           <p:cNvPr id="2" name="Título 1">
             <a:extLst>
               <a:ext uri="{FF2B5EF4-FFF2-40B4-BE49-F238E27FC236}">
-                <a16:creationId xmlns:a16="http://schemas.microsoft.com/office/drawing/2014/main" id="{4699B09D-520F-4264-BF69-28CEB7678DAF}"/>
+                <a16:creationId xmlns:a16="http://schemas.microsoft.com/office/drawing/2014/main" xmlns="" id="{4699B09D-520F-4264-BF69-28CEB7678DAF}"/>
               </a:ext>
             </a:extLst>
           </p:cNvPr>
@@ -15239,7 +15400,7 @@
           <p:cNvPr id="6" name="Rectángulo 5">
             <a:extLst>
               <a:ext uri="{FF2B5EF4-FFF2-40B4-BE49-F238E27FC236}">
-                <a16:creationId xmlns:a16="http://schemas.microsoft.com/office/drawing/2014/main" id="{9D8EDB50-8C3C-4B6B-A22C-7169591C33BD}"/>
+                <a16:creationId xmlns:a16="http://schemas.microsoft.com/office/drawing/2014/main" xmlns="" id="{9D8EDB50-8C3C-4B6B-A22C-7169591C33BD}"/>
               </a:ext>
             </a:extLst>
           </p:cNvPr>
@@ -15293,7 +15454,7 @@
           <p:cNvPr id="8" name="Picture 2" descr="Resultado de imagen para upc logo png">
             <a:extLst>
               <a:ext uri="{FF2B5EF4-FFF2-40B4-BE49-F238E27FC236}">
-                <a16:creationId xmlns:a16="http://schemas.microsoft.com/office/drawing/2014/main" id="{0FA2A498-536C-43EF-A9D1-7B882388B2BF}"/>
+                <a16:creationId xmlns:a16="http://schemas.microsoft.com/office/drawing/2014/main" xmlns="" id="{0FA2A498-536C-43EF-A9D1-7B882388B2BF}"/>
               </a:ext>
             </a:extLst>
           </p:cNvPr>
@@ -15340,7 +15501,7 @@
           <p:cNvPr id="9" name="Picture 4" descr="Resultado de imagen para britanico logo sin fondo">
             <a:extLst>
               <a:ext uri="{FF2B5EF4-FFF2-40B4-BE49-F238E27FC236}">
-                <a16:creationId xmlns:a16="http://schemas.microsoft.com/office/drawing/2014/main" id="{2D1D0558-610B-4487-BEE4-079EF97D1394}"/>
+                <a16:creationId xmlns:a16="http://schemas.microsoft.com/office/drawing/2014/main" xmlns="" id="{2D1D0558-610B-4487-BEE4-079EF97D1394}"/>
               </a:ext>
             </a:extLst>
           </p:cNvPr>
@@ -15385,7 +15546,7 @@
           <p:cNvPr id="30722" name="Picture 2" descr="Resultado de imagen para AUTOMATIZACIÃN">
             <a:extLst>
               <a:ext uri="{FF2B5EF4-FFF2-40B4-BE49-F238E27FC236}">
-                <a16:creationId xmlns:a16="http://schemas.microsoft.com/office/drawing/2014/main" id="{C02DCD82-423C-464D-8945-9245F531BFA9}"/>
+                <a16:creationId xmlns:a16="http://schemas.microsoft.com/office/drawing/2014/main" xmlns="" id="{C02DCD82-423C-464D-8945-9245F531BFA9}"/>
               </a:ext>
             </a:extLst>
           </p:cNvPr>
@@ -15437,6 +15598,13 @@
   <p:clrMapOvr>
     <a:masterClrMapping/>
   </p:clrMapOvr>
+  <p:timing>
+    <p:tnLst>
+      <p:par>
+        <p:cTn id="1" dur="indefinite" restart="never" nodeType="tmRoot"/>
+      </p:par>
+    </p:tnLst>
+  </p:timing>
 </p:sld>
 </file>
 
@@ -15462,7 +15630,7 @@
           <p:cNvPr id="3074" name="Picture 2" descr="Imagen relacionada">
             <a:extLst>
               <a:ext uri="{FF2B5EF4-FFF2-40B4-BE49-F238E27FC236}">
-                <a16:creationId xmlns:a16="http://schemas.microsoft.com/office/drawing/2014/main" id="{05B12E2C-FABF-4D27-BF59-5D38667199E7}"/>
+                <a16:creationId xmlns:a16="http://schemas.microsoft.com/office/drawing/2014/main" xmlns="" id="{05B12E2C-FABF-4D27-BF59-5D38667199E7}"/>
               </a:ext>
             </a:extLst>
           </p:cNvPr>
@@ -15509,7 +15677,7 @@
           <p:cNvPr id="5" name="Rectangle 6">
             <a:extLst>
               <a:ext uri="{FF2B5EF4-FFF2-40B4-BE49-F238E27FC236}">
-                <a16:creationId xmlns:a16="http://schemas.microsoft.com/office/drawing/2014/main" id="{29226A0B-93FB-4E2B-8DB9-4DC733138A26}"/>
+                <a16:creationId xmlns:a16="http://schemas.microsoft.com/office/drawing/2014/main" xmlns="" id="{29226A0B-93FB-4E2B-8DB9-4DC733138A26}"/>
               </a:ext>
             </a:extLst>
           </p:cNvPr>
@@ -15564,7 +15732,7 @@
           <p:cNvPr id="3" name="Marcador de contenido 2">
             <a:extLst>
               <a:ext uri="{FF2B5EF4-FFF2-40B4-BE49-F238E27FC236}">
-                <a16:creationId xmlns:a16="http://schemas.microsoft.com/office/drawing/2014/main" id="{E7C05CC3-11D7-40CC-B980-05AF401AC530}"/>
+                <a16:creationId xmlns:a16="http://schemas.microsoft.com/office/drawing/2014/main" xmlns="" id="{E7C05CC3-11D7-40CC-B980-05AF401AC530}"/>
               </a:ext>
             </a:extLst>
           </p:cNvPr>
@@ -15591,7 +15759,7 @@
             <a:r>
               <a:rPr lang="es-PE" sz="2400" dirty="0">
                 <a:solidFill>
-                  <a:srgbClr val="FFC000"/>
+                  <a:schemeClr val="bg1"/>
                 </a:solidFill>
               </a:rPr>
               <a:t>Simplificar el proceso de matrícula a los estudiantes implantando una alternativa tecnológica para realizar el proceso.</a:t>
@@ -15602,7 +15770,7 @@
             <a:r>
               <a:rPr lang="es-PE" sz="2400" dirty="0">
                 <a:solidFill>
-                  <a:srgbClr val="FFC000"/>
+                  <a:schemeClr val="bg1"/>
                 </a:solidFill>
               </a:rPr>
               <a:t>Mejorar la disponibilidad de consultas de horarios, cursos, profesores a los alumnos. Llevando los reportes detallados y actualizados.</a:t>
@@ -15613,7 +15781,7 @@
             <a:r>
               <a:rPr lang="es-PE" sz="2400" dirty="0">
                 <a:solidFill>
-                  <a:srgbClr val="FFC000"/>
+                  <a:schemeClr val="bg1"/>
                 </a:solidFill>
               </a:rPr>
               <a:t>Agilizar el proceso de matrícula por medio de esta herramienta que podrá permitir múltiples matriculas desde cualquier lugar.</a:t>
@@ -15624,7 +15792,7 @@
             <a:r>
               <a:rPr lang="es-PE" sz="2400" dirty="0">
                 <a:solidFill>
-                  <a:srgbClr val="FFC000"/>
+                  <a:schemeClr val="bg1"/>
                 </a:solidFill>
               </a:rPr>
               <a:t>Recibir la Constancia de pago en el momento.</a:t>
@@ -15635,7 +15803,7 @@
             <a:r>
               <a:rPr lang="es-PE" sz="2400" dirty="0">
                 <a:solidFill>
-                  <a:srgbClr val="FFC000"/>
+                  <a:schemeClr val="bg1"/>
                 </a:solidFill>
               </a:rPr>
               <a:t>Economizar gastos manteniendo los requisitos disponibles de todos los estudiantes en el sistema y no en papeles.</a:t>
@@ -15648,7 +15816,7 @@
           <p:cNvPr id="4" name="Flecha: pentágono 3">
             <a:extLst>
               <a:ext uri="{FF2B5EF4-FFF2-40B4-BE49-F238E27FC236}">
-                <a16:creationId xmlns:a16="http://schemas.microsoft.com/office/drawing/2014/main" id="{0AAC25DD-9019-4834-8DDD-90426C6BF0AD}"/>
+                <a16:creationId xmlns:a16="http://schemas.microsoft.com/office/drawing/2014/main" xmlns="" id="{0AAC25DD-9019-4834-8DDD-90426C6BF0AD}"/>
               </a:ext>
             </a:extLst>
           </p:cNvPr>
@@ -15716,7 +15884,7 @@
           <p:cNvPr id="2" name="Título 1">
             <a:extLst>
               <a:ext uri="{FF2B5EF4-FFF2-40B4-BE49-F238E27FC236}">
-                <a16:creationId xmlns:a16="http://schemas.microsoft.com/office/drawing/2014/main" id="{4699B09D-520F-4264-BF69-28CEB7678DAF}"/>
+                <a16:creationId xmlns:a16="http://schemas.microsoft.com/office/drawing/2014/main" xmlns="" id="{4699B09D-520F-4264-BF69-28CEB7678DAF}"/>
               </a:ext>
             </a:extLst>
           </p:cNvPr>
@@ -15760,7 +15928,7 @@
           <p:cNvPr id="6" name="Rectángulo 5">
             <a:extLst>
               <a:ext uri="{FF2B5EF4-FFF2-40B4-BE49-F238E27FC236}">
-                <a16:creationId xmlns:a16="http://schemas.microsoft.com/office/drawing/2014/main" id="{9D8EDB50-8C3C-4B6B-A22C-7169591C33BD}"/>
+                <a16:creationId xmlns:a16="http://schemas.microsoft.com/office/drawing/2014/main" xmlns="" id="{9D8EDB50-8C3C-4B6B-A22C-7169591C33BD}"/>
               </a:ext>
             </a:extLst>
           </p:cNvPr>
@@ -15814,7 +15982,7 @@
           <p:cNvPr id="8" name="Picture 2" descr="Resultado de imagen para upc logo png">
             <a:extLst>
               <a:ext uri="{FF2B5EF4-FFF2-40B4-BE49-F238E27FC236}">
-                <a16:creationId xmlns:a16="http://schemas.microsoft.com/office/drawing/2014/main" id="{0FA2A498-536C-43EF-A9D1-7B882388B2BF}"/>
+                <a16:creationId xmlns:a16="http://schemas.microsoft.com/office/drawing/2014/main" xmlns="" id="{0FA2A498-536C-43EF-A9D1-7B882388B2BF}"/>
               </a:ext>
             </a:extLst>
           </p:cNvPr>
@@ -15861,7 +16029,7 @@
           <p:cNvPr id="9" name="Picture 4" descr="Resultado de imagen para britanico logo sin fondo">
             <a:extLst>
               <a:ext uri="{FF2B5EF4-FFF2-40B4-BE49-F238E27FC236}">
-                <a16:creationId xmlns:a16="http://schemas.microsoft.com/office/drawing/2014/main" id="{2D1D0558-610B-4487-BEE4-079EF97D1394}"/>
+                <a16:creationId xmlns:a16="http://schemas.microsoft.com/office/drawing/2014/main" xmlns="" id="{2D1D0558-610B-4487-BEE4-079EF97D1394}"/>
               </a:ext>
             </a:extLst>
           </p:cNvPr>
@@ -15906,7 +16074,7 @@
           <p:cNvPr id="7" name="Imagen 6">
             <a:extLst>
               <a:ext uri="{FF2B5EF4-FFF2-40B4-BE49-F238E27FC236}">
-                <a16:creationId xmlns:a16="http://schemas.microsoft.com/office/drawing/2014/main" id="{9764D5E3-B8DC-4B19-8CEF-8F188F8EE099}"/>
+                <a16:creationId xmlns:a16="http://schemas.microsoft.com/office/drawing/2014/main" xmlns="" id="{9764D5E3-B8DC-4B19-8CEF-8F188F8EE099}"/>
               </a:ext>
             </a:extLst>
           </p:cNvPr>
@@ -15947,6 +16115,13 @@
   <p:clrMapOvr>
     <a:masterClrMapping/>
   </p:clrMapOvr>
+  <p:timing>
+    <p:tnLst>
+      <p:par>
+        <p:cTn id="1" dur="indefinite" restart="never" nodeType="tmRoot"/>
+      </p:par>
+    </p:tnLst>
+  </p:timing>
 </p:sld>
 </file>
 
@@ -15972,7 +16147,7 @@
           <p:cNvPr id="3074" name="Picture 2" descr="Imagen relacionada">
             <a:extLst>
               <a:ext uri="{FF2B5EF4-FFF2-40B4-BE49-F238E27FC236}">
-                <a16:creationId xmlns:a16="http://schemas.microsoft.com/office/drawing/2014/main" id="{05B12E2C-FABF-4D27-BF59-5D38667199E7}"/>
+                <a16:creationId xmlns:a16="http://schemas.microsoft.com/office/drawing/2014/main" xmlns="" id="{05B12E2C-FABF-4D27-BF59-5D38667199E7}"/>
               </a:ext>
             </a:extLst>
           </p:cNvPr>
@@ -16019,7 +16194,7 @@
           <p:cNvPr id="5" name="Rectangle 6">
             <a:extLst>
               <a:ext uri="{FF2B5EF4-FFF2-40B4-BE49-F238E27FC236}">
-                <a16:creationId xmlns:a16="http://schemas.microsoft.com/office/drawing/2014/main" id="{29226A0B-93FB-4E2B-8DB9-4DC733138A26}"/>
+                <a16:creationId xmlns:a16="http://schemas.microsoft.com/office/drawing/2014/main" xmlns="" id="{29226A0B-93FB-4E2B-8DB9-4DC733138A26}"/>
               </a:ext>
             </a:extLst>
           </p:cNvPr>
@@ -16074,7 +16249,7 @@
           <p:cNvPr id="3" name="Marcador de contenido 2">
             <a:extLst>
               <a:ext uri="{FF2B5EF4-FFF2-40B4-BE49-F238E27FC236}">
-                <a16:creationId xmlns:a16="http://schemas.microsoft.com/office/drawing/2014/main" id="{E7C05CC3-11D7-40CC-B980-05AF401AC530}"/>
+                <a16:creationId xmlns:a16="http://schemas.microsoft.com/office/drawing/2014/main" xmlns="" id="{E7C05CC3-11D7-40CC-B980-05AF401AC530}"/>
               </a:ext>
             </a:extLst>
           </p:cNvPr>
@@ -16087,46 +16262,243 @@
         </p:nvSpPr>
         <p:spPr>
           <a:xfrm>
-            <a:off x="1135067" y="1482997"/>
-            <a:ext cx="9577893" cy="4737694"/>
+            <a:off x="359229" y="1594352"/>
+            <a:ext cx="7814953" cy="5263648"/>
           </a:xfrm>
         </p:spPr>
         <p:txBody>
           <a:bodyPr>
-            <a:normAutofit/>
+            <a:normAutofit fontScale="55000" lnSpcReduction="20000"/>
           </a:bodyPr>
           <a:lstStyle/>
           <a:p>
-            <a:pPr algn="just"/>
+            <a:pPr lvl="0"/>
+            <a:r>
+              <a:rPr lang="es-PE" b="1" dirty="0">
+                <a:solidFill>
+                  <a:schemeClr val="bg1"/>
+                </a:solidFill>
+              </a:rPr>
+              <a:t>Alumno requiere:</a:t>
+            </a:r>
+            <a:endParaRPr lang="es-PE" dirty="0">
+              <a:solidFill>
+                <a:schemeClr val="bg1"/>
+              </a:solidFill>
+            </a:endParaRPr>
+          </a:p>
+          <a:p>
+            <a:pPr lvl="1"/>
             <a:r>
               <a:rPr lang="es-PE" dirty="0">
                 <a:solidFill>
-                  <a:srgbClr val="FFC000"/>
+                  <a:schemeClr val="bg1"/>
                 </a:solidFill>
               </a:rPr>
-              <a:t>Es una obligación del analista identificar cuáles son las necesidades del proceso actual.</a:t>
-            </a:r>
-          </a:p>
-          <a:p>
-            <a:pPr algn="just"/>
+              <a:t>RQF</a:t>
+            </a:r>
+          </a:p>
+          <a:p>
+            <a:pPr lvl="2"/>
             <a:r>
               <a:rPr lang="es-PE" dirty="0">
                 <a:solidFill>
-                  <a:srgbClr val="FFC000"/>
+                  <a:schemeClr val="bg1"/>
                 </a:solidFill>
               </a:rPr>
-              <a:t>Las automatizaciones se deben de centrar en procesos que mayor tiempo de ejecución.</a:t>
-            </a:r>
-          </a:p>
-          <a:p>
-            <a:pPr algn="just"/>
+              <a:t>Consultar clases.</a:t>
+            </a:r>
+          </a:p>
+          <a:p>
+            <a:pPr lvl="2"/>
             <a:r>
               <a:rPr lang="es-PE" dirty="0">
                 <a:solidFill>
-                  <a:srgbClr val="FFC000"/>
+                  <a:schemeClr val="bg1"/>
                 </a:solidFill>
               </a:rPr>
-              <a:t>Se debe de contemplar nuevos servicios de los actores del negocio para poder proponer la automatización, por ejemplo, servicios web no utilizados.</a:t>
+              <a:t>Registrar inscripción a la clase.</a:t>
+            </a:r>
+          </a:p>
+          <a:p>
+            <a:pPr lvl="2"/>
+            <a:r>
+              <a:rPr lang="es-PE" dirty="0">
+                <a:solidFill>
+                  <a:schemeClr val="bg1"/>
+                </a:solidFill>
+              </a:rPr>
+              <a:t>Solicitar recuperación de contraseña.</a:t>
+            </a:r>
+          </a:p>
+          <a:p>
+            <a:pPr lvl="2"/>
+            <a:r>
+              <a:rPr lang="es-PE" dirty="0">
+                <a:solidFill>
+                  <a:schemeClr val="bg1"/>
+                </a:solidFill>
+              </a:rPr>
+              <a:t>Consultar métodos de pago. </a:t>
+            </a:r>
+          </a:p>
+          <a:p>
+            <a:pPr lvl="2"/>
+            <a:r>
+              <a:rPr lang="es-PE" dirty="0">
+                <a:solidFill>
+                  <a:schemeClr val="bg1"/>
+                </a:solidFill>
+              </a:rPr>
+              <a:t>Seleccionar método de pago.</a:t>
+            </a:r>
+          </a:p>
+          <a:p>
+            <a:pPr lvl="2"/>
+            <a:r>
+              <a:rPr lang="es-PE" dirty="0">
+                <a:solidFill>
+                  <a:schemeClr val="bg1"/>
+                </a:solidFill>
+              </a:rPr>
+              <a:t>Solicitar documento de matrícula.</a:t>
+            </a:r>
+          </a:p>
+          <a:p>
+            <a:pPr lvl="1"/>
+            <a:r>
+              <a:rPr lang="es-PE" dirty="0">
+                <a:solidFill>
+                  <a:schemeClr val="bg1"/>
+                </a:solidFill>
+              </a:rPr>
+              <a:t>RQNF</a:t>
+            </a:r>
+          </a:p>
+          <a:p>
+            <a:pPr lvl="2"/>
+            <a:r>
+              <a:rPr lang="es-PE" dirty="0">
+                <a:solidFill>
+                  <a:schemeClr val="bg1"/>
+                </a:solidFill>
+              </a:rPr>
+              <a:t>Al consultar la clase, al momento de listar a los profesores, se muestre un ranking como el mejor valorado. En base a calificaciones del alumno.</a:t>
+            </a:r>
+          </a:p>
+          <a:p>
+            <a:pPr lvl="2"/>
+            <a:r>
+              <a:rPr lang="es-PE" dirty="0">
+                <a:solidFill>
+                  <a:schemeClr val="bg1"/>
+                </a:solidFill>
+              </a:rPr>
+              <a:t>Todas las funcionalidades del sistema web estén disponibles en una app móvil.</a:t>
+            </a:r>
+          </a:p>
+          <a:p>
+            <a:pPr lvl="2"/>
+            <a:r>
+              <a:rPr lang="es-PE" dirty="0">
+                <a:solidFill>
+                  <a:schemeClr val="bg1"/>
+                </a:solidFill>
+              </a:rPr>
+              <a:t>La aplicación móvil pueda trabajar offline, en caso se pierda la conexión a internet. Y ni bien se reconecte envié la información con las operaciones que realice. </a:t>
+            </a:r>
+          </a:p>
+          <a:p>
+            <a:pPr lvl="2"/>
+            <a:r>
+              <a:rPr lang="es-PE" dirty="0">
+                <a:solidFill>
+                  <a:schemeClr val="bg1"/>
+                </a:solidFill>
+              </a:rPr>
+              <a:t>El sistema debe permitir personalizar el color de mi perfil a gusto. </a:t>
+            </a:r>
+          </a:p>
+          <a:p>
+            <a:pPr lvl="0"/>
+            <a:r>
+              <a:rPr lang="es-PE" b="1" dirty="0">
+                <a:solidFill>
+                  <a:schemeClr val="bg1"/>
+                </a:solidFill>
+              </a:rPr>
+              <a:t>Cajero requiere:</a:t>
+            </a:r>
+            <a:endParaRPr lang="es-PE" dirty="0">
+              <a:solidFill>
+                <a:schemeClr val="bg1"/>
+              </a:solidFill>
+            </a:endParaRPr>
+          </a:p>
+          <a:p>
+            <a:pPr lvl="1"/>
+            <a:r>
+              <a:rPr lang="es-PE" dirty="0">
+                <a:solidFill>
+                  <a:schemeClr val="bg1"/>
+                </a:solidFill>
+              </a:rPr>
+              <a:t>RQF</a:t>
+            </a:r>
+          </a:p>
+          <a:p>
+            <a:pPr lvl="2"/>
+            <a:r>
+              <a:rPr lang="es-PE" dirty="0">
+                <a:solidFill>
+                  <a:schemeClr val="bg1"/>
+                </a:solidFill>
+              </a:rPr>
+              <a:t>Registrar documento de matrícula.</a:t>
+            </a:r>
+          </a:p>
+          <a:p>
+            <a:pPr lvl="2"/>
+            <a:r>
+              <a:rPr lang="es-PE" dirty="0">
+                <a:solidFill>
+                  <a:schemeClr val="bg1"/>
+                </a:solidFill>
+              </a:rPr>
+              <a:t>Generar lista de asistencia. </a:t>
+            </a:r>
+          </a:p>
+          <a:p>
+            <a:pPr lvl="2"/>
+            <a:r>
+              <a:rPr lang="es-PE" dirty="0">
+                <a:solidFill>
+                  <a:schemeClr val="bg1"/>
+                </a:solidFill>
+              </a:rPr>
+              <a:t>Consultar boletas y/o facturas de los alumnos. Entregar CP al alumno.</a:t>
+            </a:r>
+          </a:p>
+          <a:p>
+            <a:pPr lvl="1"/>
+            <a:r>
+              <a:rPr lang="es-PE" dirty="0">
+                <a:solidFill>
+                  <a:schemeClr val="bg1"/>
+                </a:solidFill>
+              </a:rPr>
+              <a:t>RQNF</a:t>
+            </a:r>
+          </a:p>
+          <a:p>
+            <a:pPr lvl="2"/>
+            <a:r>
+              <a:rPr lang="es-PE" dirty="0">
+                <a:solidFill>
+                  <a:schemeClr val="bg1"/>
+                </a:solidFill>
+              </a:rPr>
+              <a:t>Tener un identificador de identidad por cámara, para saber rápidamente a quien atenderá sin que le de sus datos. </a:t>
             </a:r>
           </a:p>
         </p:txBody>
@@ -16136,7 +16508,7 @@
           <p:cNvPr id="4" name="Flecha: pentágono 3">
             <a:extLst>
               <a:ext uri="{FF2B5EF4-FFF2-40B4-BE49-F238E27FC236}">
-                <a16:creationId xmlns:a16="http://schemas.microsoft.com/office/drawing/2014/main" id="{0AAC25DD-9019-4834-8DDD-90426C6BF0AD}"/>
+                <a16:creationId xmlns:a16="http://schemas.microsoft.com/office/drawing/2014/main" xmlns="" id="{0AAC25DD-9019-4834-8DDD-90426C6BF0AD}"/>
               </a:ext>
             </a:extLst>
           </p:cNvPr>
@@ -16204,7 +16576,7 @@
           <p:cNvPr id="2" name="Título 1">
             <a:extLst>
               <a:ext uri="{FF2B5EF4-FFF2-40B4-BE49-F238E27FC236}">
-                <a16:creationId xmlns:a16="http://schemas.microsoft.com/office/drawing/2014/main" id="{4699B09D-520F-4264-BF69-28CEB7678DAF}"/>
+                <a16:creationId xmlns:a16="http://schemas.microsoft.com/office/drawing/2014/main" xmlns="" id="{4699B09D-520F-4264-BF69-28CEB7678DAF}"/>
               </a:ext>
             </a:extLst>
           </p:cNvPr>
@@ -16228,18 +16600,9 @@
           <a:lstStyle/>
           <a:p>
             <a:r>
-              <a:rPr lang="es-PE" sz="3200" b="1" cap="small" dirty="0">
-                <a:solidFill>
-                  <a:srgbClr val="002060"/>
-                </a:solidFill>
-              </a:rPr>
-              <a:t>conclusiones</a:t>
-            </a:r>
-            <a:endParaRPr lang="es-PE" sz="3200" dirty="0">
-              <a:solidFill>
-                <a:srgbClr val="002060"/>
-              </a:solidFill>
-            </a:endParaRPr>
+              <a:rPr lang="es-PE" sz="2400" b="1" cap="small" dirty="0"/>
+              <a:t>ESPECIFICACIÓN DE LOS REQUERIMIENTOS DE SOFTWARE</a:t>
+            </a:r>
           </a:p>
         </p:txBody>
       </p:sp>
@@ -16248,7 +16611,7 @@
           <p:cNvPr id="6" name="Rectángulo 5">
             <a:extLst>
               <a:ext uri="{FF2B5EF4-FFF2-40B4-BE49-F238E27FC236}">
-                <a16:creationId xmlns:a16="http://schemas.microsoft.com/office/drawing/2014/main" id="{9D8EDB50-8C3C-4B6B-A22C-7169591C33BD}"/>
+                <a16:creationId xmlns:a16="http://schemas.microsoft.com/office/drawing/2014/main" xmlns="" id="{9D8EDB50-8C3C-4B6B-A22C-7169591C33BD}"/>
               </a:ext>
             </a:extLst>
           </p:cNvPr>
@@ -16302,7 +16665,7 @@
           <p:cNvPr id="8" name="Picture 2" descr="Resultado de imagen para upc logo png">
             <a:extLst>
               <a:ext uri="{FF2B5EF4-FFF2-40B4-BE49-F238E27FC236}">
-                <a16:creationId xmlns:a16="http://schemas.microsoft.com/office/drawing/2014/main" id="{0FA2A498-536C-43EF-A9D1-7B882388B2BF}"/>
+                <a16:creationId xmlns:a16="http://schemas.microsoft.com/office/drawing/2014/main" xmlns="" id="{0FA2A498-536C-43EF-A9D1-7B882388B2BF}"/>
               </a:ext>
             </a:extLst>
           </p:cNvPr>
@@ -16349,7 +16712,7 @@
           <p:cNvPr id="9" name="Picture 4" descr="Resultado de imagen para britanico logo sin fondo">
             <a:extLst>
               <a:ext uri="{FF2B5EF4-FFF2-40B4-BE49-F238E27FC236}">
-                <a16:creationId xmlns:a16="http://schemas.microsoft.com/office/drawing/2014/main" id="{2D1D0558-610B-4487-BEE4-079EF97D1394}"/>
+                <a16:creationId xmlns:a16="http://schemas.microsoft.com/office/drawing/2014/main" xmlns="" id="{2D1D0558-610B-4487-BEE4-079EF97D1394}"/>
               </a:ext>
             </a:extLst>
           </p:cNvPr>
@@ -16389,16 +16752,70 @@
           </a:extLst>
         </p:spPr>
       </p:pic>
+      <p:pic>
+        <p:nvPicPr>
+          <p:cNvPr id="30722" name="Picture 2" descr="Resultado de imagen para AUTOMATIZACIÃN">
+            <a:extLst>
+              <a:ext uri="{FF2B5EF4-FFF2-40B4-BE49-F238E27FC236}">
+                <a16:creationId xmlns:a16="http://schemas.microsoft.com/office/drawing/2014/main" xmlns="" id="{C02DCD82-423C-464D-8945-9245F531BFA9}"/>
+              </a:ext>
+            </a:extLst>
+          </p:cNvPr>
+          <p:cNvPicPr>
+            <a:picLocks noChangeAspect="1" noChangeArrowheads="1"/>
+          </p:cNvPicPr>
+          <p:nvPr/>
+        </p:nvPicPr>
+        <p:blipFill>
+          <a:blip r:embed="rId5">
+            <a:extLst>
+              <a:ext uri="{28A0092B-C50C-407E-A947-70E740481C1C}">
+                <a14:useLocalDpi xmlns:a14="http://schemas.microsoft.com/office/drawing/2010/main" val="0"/>
+              </a:ext>
+            </a:extLst>
+          </a:blip>
+          <a:srcRect/>
+          <a:stretch>
+            <a:fillRect/>
+          </a:stretch>
+        </p:blipFill>
+        <p:spPr bwMode="auto">
+          <a:xfrm>
+            <a:off x="7881503" y="1570968"/>
+            <a:ext cx="3760329" cy="2820247"/>
+          </a:xfrm>
+          <a:prstGeom prst="rect">
+            <a:avLst/>
+          </a:prstGeom>
+          <a:noFill/>
+          <a:extLst>
+            <a:ext uri="{909E8E84-426E-40DD-AFC4-6F175D3DCCD1}">
+              <a14:hiddenFill xmlns:a14="http://schemas.microsoft.com/office/drawing/2010/main">
+                <a:solidFill>
+                  <a:srgbClr val="FFFFFF"/>
+                </a:solidFill>
+              </a14:hiddenFill>
+            </a:ext>
+          </a:extLst>
+        </p:spPr>
+      </p:pic>
     </p:spTree>
     <p:extLst>
       <p:ext uri="{BB962C8B-B14F-4D97-AF65-F5344CB8AC3E}">
-        <p14:creationId xmlns:p14="http://schemas.microsoft.com/office/powerpoint/2010/main" val="379687772"/>
+        <p14:creationId xmlns:p14="http://schemas.microsoft.com/office/powerpoint/2010/main" val="2504308181"/>
       </p:ext>
     </p:extLst>
   </p:cSld>
   <p:clrMapOvr>
     <a:masterClrMapping/>
   </p:clrMapOvr>
+  <p:timing>
+    <p:tnLst>
+      <p:par>
+        <p:cTn id="1" dur="indefinite" restart="never" nodeType="tmRoot"/>
+      </p:par>
+    </p:tnLst>
+  </p:timing>
 </p:sld>
 </file>
 
@@ -16421,10 +16838,10 @@
       </p:grpSpPr>
       <p:pic>
         <p:nvPicPr>
-          <p:cNvPr id="7" name="Picture 2" descr="Resultado de imagen para innovacion">
-            <a:extLst>
-              <a:ext uri="{FF2B5EF4-FFF2-40B4-BE49-F238E27FC236}">
-                <a16:creationId xmlns:a16="http://schemas.microsoft.com/office/drawing/2014/main" id="{82A53E78-E4A6-42BE-882D-4EA9589B3A50}"/>
+          <p:cNvPr id="3074" name="Picture 2" descr="Imagen relacionada">
+            <a:extLst>
+              <a:ext uri="{FF2B5EF4-FFF2-40B4-BE49-F238E27FC236}">
+                <a16:creationId xmlns:a16="http://schemas.microsoft.com/office/drawing/2014/main" xmlns="" id="{05B12E2C-FABF-4D27-BF59-5D38667199E7}"/>
               </a:ext>
             </a:extLst>
           </p:cNvPr>
@@ -16449,7 +16866,7 @@
         <p:spPr bwMode="auto">
           <a:xfrm>
             <a:off x="0" y="0"/>
-            <a:ext cx="12192000" cy="7039709"/>
+            <a:ext cx="12174391" cy="6858000"/>
           </a:xfrm>
           <a:prstGeom prst="rect">
             <a:avLst/>
@@ -16468,10 +16885,10 @@
       </p:pic>
       <p:sp>
         <p:nvSpPr>
-          <p:cNvPr id="6" name="Rectangle 6">
-            <a:extLst>
-              <a:ext uri="{FF2B5EF4-FFF2-40B4-BE49-F238E27FC236}">
-                <a16:creationId xmlns:a16="http://schemas.microsoft.com/office/drawing/2014/main" id="{BCBB83CE-5A38-4ED2-A878-AD6CE9619E5E}"/>
+          <p:cNvPr id="5" name="Rectangle 6">
+            <a:extLst>
+              <a:ext uri="{FF2B5EF4-FFF2-40B4-BE49-F238E27FC236}">
+                <a16:creationId xmlns:a16="http://schemas.microsoft.com/office/drawing/2014/main" xmlns="" id="{29226A0B-93FB-4E2B-8DB9-4DC733138A26}"/>
               </a:ext>
             </a:extLst>
           </p:cNvPr>
@@ -16480,7 +16897,7 @@
         </p:nvSpPr>
         <p:spPr>
           <a:xfrm>
-            <a:off x="0" y="-16603"/>
+            <a:off x="17609" y="0"/>
             <a:ext cx="12192000" cy="7039708"/>
           </a:xfrm>
           <a:prstGeom prst="rect">
@@ -16489,7 +16906,7 @@
           <a:solidFill>
             <a:schemeClr val="bg2">
               <a:lumMod val="25000"/>
-              <a:alpha val="86000"/>
+              <a:alpha val="76000"/>
             </a:schemeClr>
           </a:solidFill>
           <a:ln>
@@ -16523,10 +16940,10 @@
       </p:sp>
       <p:sp>
         <p:nvSpPr>
-          <p:cNvPr id="2" name="Título 1">
-            <a:extLst>
-              <a:ext uri="{FF2B5EF4-FFF2-40B4-BE49-F238E27FC236}">
-                <a16:creationId xmlns:a16="http://schemas.microsoft.com/office/drawing/2014/main" id="{51A5F75B-F161-42B7-AC21-35FF865D73D0}"/>
+          <p:cNvPr id="3" name="Marcador de contenido 2">
+            <a:extLst>
+              <a:ext uri="{FF2B5EF4-FFF2-40B4-BE49-F238E27FC236}">
+                <a16:creationId xmlns:a16="http://schemas.microsoft.com/office/drawing/2014/main" xmlns="" id="{E7C05CC3-11D7-40CC-B980-05AF401AC530}"/>
               </a:ext>
             </a:extLst>
           </p:cNvPr>
@@ -16534,42 +16951,407 @@
             <a:spLocks noGrp="1"/>
           </p:cNvSpPr>
           <p:nvPr>
-            <p:ph type="ctrTitle"/>
+            <p:ph idx="1"/>
           </p:nvPr>
         </p:nvSpPr>
         <p:spPr>
           <a:xfrm>
-            <a:off x="5284640" y="5259099"/>
-            <a:ext cx="8791575" cy="1598901"/>
+            <a:off x="1135067" y="1594352"/>
+            <a:ext cx="7039115" cy="4640193"/>
           </a:xfrm>
         </p:spPr>
         <p:txBody>
           <a:bodyPr>
-            <a:normAutofit fontScale="90000"/>
+            <a:normAutofit fontScale="55000" lnSpcReduction="20000"/>
           </a:bodyPr>
           <a:lstStyle/>
           <a:p>
+            <a:pPr lvl="0"/>
+            <a:r>
+              <a:rPr lang="es-PE" b="1" dirty="0" smtClean="0">
+                <a:solidFill>
+                  <a:schemeClr val="bg1"/>
+                </a:solidFill>
+              </a:rPr>
+              <a:t>Agente </a:t>
+            </a:r>
+            <a:r>
+              <a:rPr lang="es-PE" b="1" dirty="0">
+                <a:solidFill>
+                  <a:schemeClr val="bg1"/>
+                </a:solidFill>
+              </a:rPr>
+              <a:t>de Call center requiere:</a:t>
+            </a:r>
+            <a:endParaRPr lang="es-PE" dirty="0">
+              <a:solidFill>
+                <a:schemeClr val="bg1"/>
+              </a:solidFill>
+            </a:endParaRPr>
+          </a:p>
+          <a:p>
+            <a:pPr lvl="1"/>
+            <a:r>
+              <a:rPr lang="es-PE" dirty="0">
+                <a:solidFill>
+                  <a:schemeClr val="bg1"/>
+                </a:solidFill>
+              </a:rPr>
+              <a:t>RQF</a:t>
+            </a:r>
+          </a:p>
+          <a:p>
+            <a:pPr lvl="2"/>
+            <a:r>
+              <a:rPr lang="es-PE" dirty="0">
+                <a:solidFill>
+                  <a:schemeClr val="bg1"/>
+                </a:solidFill>
+              </a:rPr>
+              <a:t>Generar nueva contraseña para el alumno</a:t>
+            </a:r>
+          </a:p>
+          <a:p>
+            <a:pPr lvl="1"/>
+            <a:r>
+              <a:rPr lang="es-PE" dirty="0">
+                <a:solidFill>
+                  <a:schemeClr val="bg1"/>
+                </a:solidFill>
+              </a:rPr>
+              <a:t>RQNF</a:t>
+            </a:r>
+          </a:p>
+          <a:p>
+            <a:pPr lvl="2"/>
+            <a:r>
+              <a:rPr lang="es-PE" dirty="0">
+                <a:solidFill>
+                  <a:schemeClr val="bg1"/>
+                </a:solidFill>
+              </a:rPr>
+              <a:t>El sistema debe permitir introducir comandos por voz, para realizar operaciones. </a:t>
+            </a:r>
+          </a:p>
+          <a:p>
+            <a:pPr lvl="0"/>
+            <a:r>
+              <a:rPr lang="es-PE" b="1" dirty="0">
+                <a:solidFill>
+                  <a:schemeClr val="bg1"/>
+                </a:solidFill>
+              </a:rPr>
+              <a:t>Seguridad del sistema debe incluir</a:t>
+            </a:r>
+            <a:endParaRPr lang="es-PE" dirty="0">
+              <a:solidFill>
+                <a:schemeClr val="bg1"/>
+              </a:solidFill>
+            </a:endParaRPr>
+          </a:p>
+          <a:p>
+            <a:pPr lvl="1"/>
+            <a:r>
+              <a:rPr lang="es-PE" dirty="0">
+                <a:solidFill>
+                  <a:schemeClr val="bg1"/>
+                </a:solidFill>
+              </a:rPr>
+              <a:t>RQF</a:t>
+            </a:r>
+          </a:p>
+          <a:p>
+            <a:pPr lvl="2"/>
+            <a:r>
+              <a:rPr lang="es-PE" dirty="0">
+                <a:solidFill>
+                  <a:schemeClr val="bg1"/>
+                </a:solidFill>
+              </a:rPr>
+              <a:t>Permitir el ingreso de cada usuario al sistema.</a:t>
+            </a:r>
+          </a:p>
+          <a:p>
+            <a:pPr lvl="2"/>
+            <a:r>
+              <a:rPr lang="es-PE" dirty="0">
+                <a:solidFill>
+                  <a:schemeClr val="bg1"/>
+                </a:solidFill>
+              </a:rPr>
+              <a:t>Manejar perfiles para el acceso de los usuarios.</a:t>
+            </a:r>
+          </a:p>
+          <a:p>
+            <a:pPr lvl="2"/>
+            <a:r>
+              <a:rPr lang="es-PE" dirty="0">
+                <a:solidFill>
+                  <a:schemeClr val="bg1"/>
+                </a:solidFill>
+              </a:rPr>
+              <a:t>Cambiar la contraseña desde la sesión de cada usuario en el sistema.</a:t>
+            </a:r>
+          </a:p>
+          <a:p>
+            <a:pPr lvl="2"/>
+            <a:r>
+              <a:rPr lang="es-PE" dirty="0">
+                <a:solidFill>
+                  <a:schemeClr val="bg1"/>
+                </a:solidFill>
+              </a:rPr>
+              <a:t>Realizar copias de seguridad de la información del sistema.</a:t>
+            </a:r>
+          </a:p>
+          <a:p>
+            <a:pPr lvl="2"/>
+            <a:r>
+              <a:rPr lang="es-PE" dirty="0">
+                <a:solidFill>
+                  <a:schemeClr val="bg1"/>
+                </a:solidFill>
+              </a:rPr>
+              <a:t>Restaurar copias de seguridad de la información del sistema.</a:t>
+            </a:r>
+          </a:p>
+          <a:p>
+            <a:pPr lvl="0"/>
+            <a:r>
+              <a:rPr lang="es-PE" b="1" dirty="0">
+                <a:solidFill>
+                  <a:schemeClr val="bg1"/>
+                </a:solidFill>
+              </a:rPr>
+              <a:t>Sistema debe:</a:t>
+            </a:r>
+            <a:endParaRPr lang="es-PE" dirty="0">
+              <a:solidFill>
+                <a:schemeClr val="bg1"/>
+              </a:solidFill>
+            </a:endParaRPr>
+          </a:p>
+          <a:p>
+            <a:pPr lvl="1"/>
+            <a:r>
+              <a:rPr lang="es-PE" dirty="0">
+                <a:solidFill>
+                  <a:schemeClr val="bg1"/>
+                </a:solidFill>
+              </a:rPr>
+              <a:t>RQF</a:t>
+            </a:r>
+          </a:p>
+          <a:p>
+            <a:pPr lvl="2"/>
+            <a:r>
+              <a:rPr lang="es-PE" dirty="0">
+                <a:solidFill>
+                  <a:schemeClr val="bg1"/>
+                </a:solidFill>
+              </a:rPr>
+              <a:t>Registrar información de deuda del alumno</a:t>
+            </a:r>
+          </a:p>
+          <a:p>
+            <a:pPr lvl="2"/>
+            <a:r>
+              <a:rPr lang="es-PE" dirty="0">
+                <a:solidFill>
+                  <a:schemeClr val="bg1"/>
+                </a:solidFill>
+              </a:rPr>
+              <a:t>Enviar correo con nueva contraseña al alumno.</a:t>
+            </a:r>
+          </a:p>
+          <a:p>
+            <a:pPr lvl="2"/>
+            <a:r>
+              <a:rPr lang="es-PE" dirty="0">
+                <a:solidFill>
+                  <a:schemeClr val="bg1"/>
+                </a:solidFill>
+              </a:rPr>
+              <a:t>Generar recibo y enviar información de deuda a entidad financiera.</a:t>
+            </a:r>
+          </a:p>
+          <a:p>
+            <a:pPr lvl="2"/>
+            <a:r>
+              <a:rPr lang="es-PE" dirty="0">
+                <a:solidFill>
+                  <a:schemeClr val="bg1"/>
+                </a:solidFill>
+              </a:rPr>
+              <a:t>Consultar estado de pago. </a:t>
+            </a:r>
+          </a:p>
+          <a:p>
+            <a:pPr lvl="2"/>
+            <a:r>
+              <a:rPr lang="es-PE" dirty="0">
+                <a:solidFill>
+                  <a:schemeClr val="bg1"/>
+                </a:solidFill>
+              </a:rPr>
+              <a:t>Registrar confirmación de pago.</a:t>
+            </a:r>
+          </a:p>
+          <a:p>
+            <a:pPr lvl="2"/>
+            <a:r>
+              <a:rPr lang="es-PE" dirty="0">
+                <a:solidFill>
+                  <a:schemeClr val="bg1"/>
+                </a:solidFill>
+              </a:rPr>
+              <a:t>Generar boleta de pago.</a:t>
+            </a:r>
+          </a:p>
+          <a:p>
+            <a:pPr lvl="2"/>
+            <a:r>
+              <a:rPr lang="es-PE" dirty="0">
+                <a:solidFill>
+                  <a:schemeClr val="bg1"/>
+                </a:solidFill>
+              </a:rPr>
+              <a:t>Enviar información de FE a SUNAT. </a:t>
+            </a:r>
+          </a:p>
+          <a:p>
+            <a:endParaRPr lang="es-PE" dirty="0"/>
+          </a:p>
+        </p:txBody>
+      </p:sp>
+      <p:sp>
+        <p:nvSpPr>
+          <p:cNvPr id="4" name="Flecha: pentágono 3">
+            <a:extLst>
+              <a:ext uri="{FF2B5EF4-FFF2-40B4-BE49-F238E27FC236}">
+                <a16:creationId xmlns:a16="http://schemas.microsoft.com/office/drawing/2014/main" xmlns="" id="{0AAC25DD-9019-4834-8DDD-90426C6BF0AD}"/>
+              </a:ext>
+            </a:extLst>
+          </p:cNvPr>
+          <p:cNvSpPr/>
+          <p:nvPr/>
+        </p:nvSpPr>
+        <p:spPr>
+          <a:xfrm>
+            <a:off x="1444267" y="325534"/>
+            <a:ext cx="9268693" cy="573955"/>
+          </a:xfrm>
+          <a:prstGeom prst="homePlate">
+            <a:avLst>
+              <a:gd name="adj" fmla="val 176989"/>
+            </a:avLst>
+          </a:prstGeom>
+          <a:gradFill>
+            <a:gsLst>
+              <a:gs pos="68141">
+                <a:schemeClr val="accent2">
+                  <a:lumMod val="40000"/>
+                  <a:lumOff val="60000"/>
+                </a:schemeClr>
+              </a:gs>
+              <a:gs pos="44000">
+                <a:schemeClr val="accent2">
+                  <a:lumMod val="20000"/>
+                  <a:lumOff val="80000"/>
+                </a:schemeClr>
+              </a:gs>
+            </a:gsLst>
+            <a:lin ang="13500000" scaled="1"/>
+          </a:gradFill>
+          <a:ln>
+            <a:noFill/>
+          </a:ln>
+        </p:spPr>
+        <p:style>
+          <a:lnRef idx="2">
+            <a:schemeClr val="accent1">
+              <a:shade val="50000"/>
+            </a:schemeClr>
+          </a:lnRef>
+          <a:fillRef idx="1">
+            <a:schemeClr val="accent1"/>
+          </a:fillRef>
+          <a:effectRef idx="0">
+            <a:schemeClr val="accent1"/>
+          </a:effectRef>
+          <a:fontRef idx="minor">
+            <a:schemeClr val="lt1"/>
+          </a:fontRef>
+        </p:style>
+        <p:txBody>
+          <a:bodyPr rtlCol="0" anchor="ctr"/>
+          <a:lstStyle/>
+          <a:p>
             <a:pPr algn="ctr"/>
-            <a:br>
-              <a:rPr lang="es-PE" dirty="0"/>
-            </a:br>
-            <a:r>
-              <a:rPr lang="es-PE" dirty="0">
-                <a:solidFill>
-                  <a:schemeClr val="bg1"/>
-                </a:solidFill>
-              </a:rPr>
-              <a:t>GRACIAS</a:t>
-            </a:r>
+            <a:endParaRPr lang="es-PE" dirty="0"/>
+          </a:p>
+        </p:txBody>
+      </p:sp>
+      <p:sp>
+        <p:nvSpPr>
+          <p:cNvPr id="6" name="Rectángulo 5">
+            <a:extLst>
+              <a:ext uri="{FF2B5EF4-FFF2-40B4-BE49-F238E27FC236}">
+                <a16:creationId xmlns:a16="http://schemas.microsoft.com/office/drawing/2014/main" xmlns="" id="{9D8EDB50-8C3C-4B6B-A22C-7169591C33BD}"/>
+              </a:ext>
+            </a:extLst>
+          </p:cNvPr>
+          <p:cNvSpPr/>
+          <p:nvPr/>
+        </p:nvSpPr>
+        <p:spPr>
+          <a:xfrm>
+            <a:off x="1135067" y="287621"/>
+            <a:ext cx="187034" cy="635252"/>
+          </a:xfrm>
+          <a:prstGeom prst="rect">
+            <a:avLst/>
+          </a:prstGeom>
+          <a:solidFill>
+            <a:schemeClr val="accent2"/>
+          </a:solidFill>
+          <a:ln>
+            <a:solidFill>
+              <a:schemeClr val="accent2"/>
+            </a:solidFill>
+          </a:ln>
+        </p:spPr>
+        <p:style>
+          <a:lnRef idx="2">
+            <a:schemeClr val="accent1">
+              <a:shade val="50000"/>
+            </a:schemeClr>
+          </a:lnRef>
+          <a:fillRef idx="1">
+            <a:schemeClr val="accent1"/>
+          </a:fillRef>
+          <a:effectRef idx="0">
+            <a:schemeClr val="accent1"/>
+          </a:effectRef>
+          <a:fontRef idx="minor">
+            <a:schemeClr val="lt1"/>
+          </a:fontRef>
+        </p:style>
+        <p:txBody>
+          <a:bodyPr rtlCol="0" anchor="ctr"/>
+          <a:lstStyle/>
+          <a:p>
+            <a:pPr algn="ctr"/>
+            <a:endParaRPr lang="es-PE" dirty="0"/>
           </a:p>
         </p:txBody>
       </p:sp>
       <p:pic>
         <p:nvPicPr>
-          <p:cNvPr id="13" name="Picture 2" descr="Resultado de imagen para upc logo png">
-            <a:extLst>
-              <a:ext uri="{FF2B5EF4-FFF2-40B4-BE49-F238E27FC236}">
-                <a16:creationId xmlns:a16="http://schemas.microsoft.com/office/drawing/2014/main" id="{0A2C7DC2-66A4-4E56-A29C-C0BB76DBFA48}"/>
+          <p:cNvPr id="8" name="Picture 2" descr="Resultado de imagen para upc logo png">
+            <a:extLst>
+              <a:ext uri="{FF2B5EF4-FFF2-40B4-BE49-F238E27FC236}">
+                <a16:creationId xmlns:a16="http://schemas.microsoft.com/office/drawing/2014/main" xmlns="" id="{0FA2A498-536C-43EF-A9D1-7B882388B2BF}"/>
               </a:ext>
             </a:extLst>
           </p:cNvPr>
@@ -16594,7 +17376,7 @@
         <p:spPr bwMode="auto">
           <a:xfrm>
             <a:off x="0" y="-33207"/>
-            <a:ext cx="1228584" cy="1228584"/>
+            <a:ext cx="956080" cy="956080"/>
           </a:xfrm>
           <a:prstGeom prst="rect">
             <a:avLst/>
@@ -16613,10 +17395,10 @@
       </p:pic>
       <p:pic>
         <p:nvPicPr>
-          <p:cNvPr id="14" name="Picture 4" descr="Resultado de imagen para britanico logo sin fondo">
-            <a:extLst>
-              <a:ext uri="{FF2B5EF4-FFF2-40B4-BE49-F238E27FC236}">
-                <a16:creationId xmlns:a16="http://schemas.microsoft.com/office/drawing/2014/main" id="{D76755F0-2ABA-4D31-A7A9-8FACB4217E3C}"/>
+          <p:cNvPr id="9" name="Picture 4" descr="Resultado de imagen para britanico logo sin fondo">
+            <a:extLst>
+              <a:ext uri="{FF2B5EF4-FFF2-40B4-BE49-F238E27FC236}">
+                <a16:creationId xmlns:a16="http://schemas.microsoft.com/office/drawing/2014/main" xmlns="" id="{2D1D0558-610B-4487-BEE4-079EF97D1394}"/>
               </a:ext>
             </a:extLst>
           </p:cNvPr>
@@ -16638,8 +17420,8 @@
         </p:blipFill>
         <p:spPr bwMode="auto">
           <a:xfrm>
-            <a:off x="11022161" y="152723"/>
-            <a:ext cx="865040" cy="856723"/>
+            <a:off x="11133185" y="152724"/>
+            <a:ext cx="754016" cy="746766"/>
           </a:xfrm>
           <a:prstGeom prst="rect">
             <a:avLst/>
@@ -16656,16 +17438,3768 @@
           </a:extLst>
         </p:spPr>
       </p:pic>
+      <p:pic>
+        <p:nvPicPr>
+          <p:cNvPr id="30722" name="Picture 2" descr="Resultado de imagen para AUTOMATIZACIÃN">
+            <a:extLst>
+              <a:ext uri="{FF2B5EF4-FFF2-40B4-BE49-F238E27FC236}">
+                <a16:creationId xmlns:a16="http://schemas.microsoft.com/office/drawing/2014/main" xmlns="" id="{C02DCD82-423C-464D-8945-9245F531BFA9}"/>
+              </a:ext>
+            </a:extLst>
+          </p:cNvPr>
+          <p:cNvPicPr>
+            <a:picLocks noChangeAspect="1" noChangeArrowheads="1"/>
+          </p:cNvPicPr>
+          <p:nvPr/>
+        </p:nvPicPr>
+        <p:blipFill>
+          <a:blip r:embed="rId5">
+            <a:extLst>
+              <a:ext uri="{28A0092B-C50C-407E-A947-70E740481C1C}">
+                <a14:useLocalDpi xmlns:a14="http://schemas.microsoft.com/office/drawing/2010/main" val="0"/>
+              </a:ext>
+            </a:extLst>
+          </a:blip>
+          <a:srcRect/>
+          <a:stretch>
+            <a:fillRect/>
+          </a:stretch>
+        </p:blipFill>
+        <p:spPr bwMode="auto">
+          <a:xfrm>
+            <a:off x="7881503" y="1570968"/>
+            <a:ext cx="3760329" cy="2820247"/>
+          </a:xfrm>
+          <a:prstGeom prst="rect">
+            <a:avLst/>
+          </a:prstGeom>
+          <a:noFill/>
+          <a:extLst>
+            <a:ext uri="{909E8E84-426E-40DD-AFC4-6F175D3DCCD1}">
+              <a14:hiddenFill xmlns:a14="http://schemas.microsoft.com/office/drawing/2010/main">
+                <a:solidFill>
+                  <a:srgbClr val="FFFFFF"/>
+                </a:solidFill>
+              </a14:hiddenFill>
+            </a:ext>
+          </a:extLst>
+        </p:spPr>
+      </p:pic>
+      <p:sp>
+        <p:nvSpPr>
+          <p:cNvPr id="14" name="Título 1">
+            <a:extLst>
+              <a:ext uri="{FF2B5EF4-FFF2-40B4-BE49-F238E27FC236}">
+                <a16:creationId xmlns:a16="http://schemas.microsoft.com/office/drawing/2014/main" xmlns="" id="{4699B09D-520F-4264-BF69-28CEB7678DAF}"/>
+              </a:ext>
+            </a:extLst>
+          </p:cNvPr>
+          <p:cNvSpPr>
+            <a:spLocks noGrp="1"/>
+          </p:cNvSpPr>
+          <p:nvPr>
+            <p:ph type="title"/>
+          </p:nvPr>
+        </p:nvSpPr>
+        <p:spPr>
+          <a:xfrm>
+            <a:off x="1479040" y="398446"/>
+            <a:ext cx="10515600" cy="383709"/>
+          </a:xfrm>
+        </p:spPr>
+        <p:txBody>
+          <a:bodyPr>
+            <a:noAutofit/>
+          </a:bodyPr>
+          <a:lstStyle/>
+          <a:p>
+            <a:r>
+              <a:rPr lang="es-PE" sz="2400" b="1" cap="small" dirty="0"/>
+              <a:t>ESPECIFICACIÓN DE LOS REQUERIMIENTOS DE SOFTWARE</a:t>
+            </a:r>
+          </a:p>
+        </p:txBody>
+      </p:sp>
     </p:spTree>
     <p:extLst>
       <p:ext uri="{BB962C8B-B14F-4D97-AF65-F5344CB8AC3E}">
-        <p14:creationId xmlns:p14="http://schemas.microsoft.com/office/powerpoint/2010/main" val="1617224998"/>
+        <p14:creationId xmlns:p14="http://schemas.microsoft.com/office/powerpoint/2010/main" val="1344155870"/>
       </p:ext>
     </p:extLst>
   </p:cSld>
   <p:clrMapOvr>
     <a:masterClrMapping/>
   </p:clrMapOvr>
+  <p:timing>
+    <p:tnLst>
+      <p:par>
+        <p:cTn id="1" dur="indefinite" restart="never" nodeType="tmRoot"/>
+      </p:par>
+    </p:tnLst>
+  </p:timing>
+</p:sld>
+</file>
+
+<file path=ppt/slides/slide32.xml><?xml version="1.0" encoding="utf-8"?>
+<p:sld xmlns:a="http://schemas.openxmlformats.org/drawingml/2006/main" xmlns:r="http://schemas.openxmlformats.org/officeDocument/2006/relationships" xmlns:p="http://schemas.openxmlformats.org/presentationml/2006/main">
+  <p:cSld>
+    <p:spTree>
+      <p:nvGrpSpPr>
+        <p:cNvPr id="1" name=""/>
+        <p:cNvGrpSpPr/>
+        <p:nvPr/>
+      </p:nvGrpSpPr>
+      <p:grpSpPr>
+        <a:xfrm>
+          <a:off x="0" y="0"/>
+          <a:ext cx="0" cy="0"/>
+          <a:chOff x="0" y="0"/>
+          <a:chExt cx="0" cy="0"/>
+        </a:xfrm>
+      </p:grpSpPr>
+      <p:pic>
+        <p:nvPicPr>
+          <p:cNvPr id="3074" name="Picture 2" descr="Imagen relacionada">
+            <a:extLst>
+              <a:ext uri="{FF2B5EF4-FFF2-40B4-BE49-F238E27FC236}">
+                <a16:creationId xmlns:a16="http://schemas.microsoft.com/office/drawing/2014/main" xmlns="" id="{05B12E2C-FABF-4D27-BF59-5D38667199E7}"/>
+              </a:ext>
+            </a:extLst>
+          </p:cNvPr>
+          <p:cNvPicPr>
+            <a:picLocks noChangeAspect="1" noChangeArrowheads="1"/>
+          </p:cNvPicPr>
+          <p:nvPr/>
+        </p:nvPicPr>
+        <p:blipFill>
+          <a:blip r:embed="rId2">
+            <a:extLst>
+              <a:ext uri="{28A0092B-C50C-407E-A947-70E740481C1C}">
+                <a14:useLocalDpi xmlns:a14="http://schemas.microsoft.com/office/drawing/2010/main" val="0"/>
+              </a:ext>
+            </a:extLst>
+          </a:blip>
+          <a:srcRect/>
+          <a:stretch>
+            <a:fillRect/>
+          </a:stretch>
+        </p:blipFill>
+        <p:spPr bwMode="auto">
+          <a:xfrm>
+            <a:off x="0" y="0"/>
+            <a:ext cx="12174391" cy="6858000"/>
+          </a:xfrm>
+          <a:prstGeom prst="rect">
+            <a:avLst/>
+          </a:prstGeom>
+          <a:noFill/>
+          <a:extLst>
+            <a:ext uri="{909E8E84-426E-40DD-AFC4-6F175D3DCCD1}">
+              <a14:hiddenFill xmlns:a14="http://schemas.microsoft.com/office/drawing/2010/main">
+                <a:solidFill>
+                  <a:srgbClr val="FFFFFF"/>
+                </a:solidFill>
+              </a14:hiddenFill>
+            </a:ext>
+          </a:extLst>
+        </p:spPr>
+      </p:pic>
+      <p:sp>
+        <p:nvSpPr>
+          <p:cNvPr id="5" name="Rectangle 6">
+            <a:extLst>
+              <a:ext uri="{FF2B5EF4-FFF2-40B4-BE49-F238E27FC236}">
+                <a16:creationId xmlns:a16="http://schemas.microsoft.com/office/drawing/2014/main" xmlns="" id="{29226A0B-93FB-4E2B-8DB9-4DC733138A26}"/>
+              </a:ext>
+            </a:extLst>
+          </p:cNvPr>
+          <p:cNvSpPr/>
+          <p:nvPr/>
+        </p:nvSpPr>
+        <p:spPr>
+          <a:xfrm>
+            <a:off x="17609" y="0"/>
+            <a:ext cx="12192000" cy="7039708"/>
+          </a:xfrm>
+          <a:prstGeom prst="rect">
+            <a:avLst/>
+          </a:prstGeom>
+          <a:solidFill>
+            <a:schemeClr val="bg2">
+              <a:lumMod val="25000"/>
+              <a:alpha val="76000"/>
+            </a:schemeClr>
+          </a:solidFill>
+          <a:ln>
+            <a:noFill/>
+          </a:ln>
+        </p:spPr>
+        <p:style>
+          <a:lnRef idx="2">
+            <a:schemeClr val="accent2">
+              <a:shade val="50000"/>
+            </a:schemeClr>
+          </a:lnRef>
+          <a:fillRef idx="1">
+            <a:schemeClr val="accent2"/>
+          </a:fillRef>
+          <a:effectRef idx="0">
+            <a:schemeClr val="accent2"/>
+          </a:effectRef>
+          <a:fontRef idx="minor">
+            <a:schemeClr val="lt1"/>
+          </a:fontRef>
+        </p:style>
+        <p:txBody>
+          <a:bodyPr rtlCol="0" anchor="ctr"/>
+          <a:lstStyle/>
+          <a:p>
+            <a:pPr algn="ctr"/>
+            <a:endParaRPr lang="es-PE" dirty="0"/>
+          </a:p>
+        </p:txBody>
+      </p:sp>
+      <p:sp>
+        <p:nvSpPr>
+          <p:cNvPr id="4" name="Flecha: pentágono 3">
+            <a:extLst>
+              <a:ext uri="{FF2B5EF4-FFF2-40B4-BE49-F238E27FC236}">
+                <a16:creationId xmlns:a16="http://schemas.microsoft.com/office/drawing/2014/main" xmlns="" id="{0AAC25DD-9019-4834-8DDD-90426C6BF0AD}"/>
+              </a:ext>
+            </a:extLst>
+          </p:cNvPr>
+          <p:cNvSpPr/>
+          <p:nvPr/>
+        </p:nvSpPr>
+        <p:spPr>
+          <a:xfrm>
+            <a:off x="1444267" y="325534"/>
+            <a:ext cx="9268693" cy="573955"/>
+          </a:xfrm>
+          <a:prstGeom prst="homePlate">
+            <a:avLst>
+              <a:gd name="adj" fmla="val 176989"/>
+            </a:avLst>
+          </a:prstGeom>
+          <a:gradFill>
+            <a:gsLst>
+              <a:gs pos="68141">
+                <a:schemeClr val="accent2">
+                  <a:lumMod val="40000"/>
+                  <a:lumOff val="60000"/>
+                </a:schemeClr>
+              </a:gs>
+              <a:gs pos="44000">
+                <a:schemeClr val="accent2">
+                  <a:lumMod val="20000"/>
+                  <a:lumOff val="80000"/>
+                </a:schemeClr>
+              </a:gs>
+            </a:gsLst>
+            <a:lin ang="13500000" scaled="1"/>
+          </a:gradFill>
+          <a:ln>
+            <a:noFill/>
+          </a:ln>
+        </p:spPr>
+        <p:style>
+          <a:lnRef idx="2">
+            <a:schemeClr val="accent1">
+              <a:shade val="50000"/>
+            </a:schemeClr>
+          </a:lnRef>
+          <a:fillRef idx="1">
+            <a:schemeClr val="accent1"/>
+          </a:fillRef>
+          <a:effectRef idx="0">
+            <a:schemeClr val="accent1"/>
+          </a:effectRef>
+          <a:fontRef idx="minor">
+            <a:schemeClr val="lt1"/>
+          </a:fontRef>
+        </p:style>
+        <p:txBody>
+          <a:bodyPr rtlCol="0" anchor="ctr"/>
+          <a:lstStyle/>
+          <a:p>
+            <a:pPr algn="ctr"/>
+            <a:endParaRPr lang="es-PE" dirty="0"/>
+          </a:p>
+        </p:txBody>
+      </p:sp>
+      <p:sp>
+        <p:nvSpPr>
+          <p:cNvPr id="6" name="Rectángulo 5">
+            <a:extLst>
+              <a:ext uri="{FF2B5EF4-FFF2-40B4-BE49-F238E27FC236}">
+                <a16:creationId xmlns:a16="http://schemas.microsoft.com/office/drawing/2014/main" xmlns="" id="{9D8EDB50-8C3C-4B6B-A22C-7169591C33BD}"/>
+              </a:ext>
+            </a:extLst>
+          </p:cNvPr>
+          <p:cNvSpPr/>
+          <p:nvPr/>
+        </p:nvSpPr>
+        <p:spPr>
+          <a:xfrm>
+            <a:off x="1135067" y="287621"/>
+            <a:ext cx="187034" cy="635252"/>
+          </a:xfrm>
+          <a:prstGeom prst="rect">
+            <a:avLst/>
+          </a:prstGeom>
+          <a:solidFill>
+            <a:schemeClr val="accent2"/>
+          </a:solidFill>
+          <a:ln>
+            <a:solidFill>
+              <a:schemeClr val="accent2"/>
+            </a:solidFill>
+          </a:ln>
+        </p:spPr>
+        <p:style>
+          <a:lnRef idx="2">
+            <a:schemeClr val="accent1">
+              <a:shade val="50000"/>
+            </a:schemeClr>
+          </a:lnRef>
+          <a:fillRef idx="1">
+            <a:schemeClr val="accent1"/>
+          </a:fillRef>
+          <a:effectRef idx="0">
+            <a:schemeClr val="accent1"/>
+          </a:effectRef>
+          <a:fontRef idx="minor">
+            <a:schemeClr val="lt1"/>
+          </a:fontRef>
+        </p:style>
+        <p:txBody>
+          <a:bodyPr rtlCol="0" anchor="ctr"/>
+          <a:lstStyle/>
+          <a:p>
+            <a:pPr algn="ctr"/>
+            <a:endParaRPr lang="es-PE" dirty="0"/>
+          </a:p>
+        </p:txBody>
+      </p:sp>
+      <p:pic>
+        <p:nvPicPr>
+          <p:cNvPr id="8" name="Picture 2" descr="Resultado de imagen para upc logo png">
+            <a:extLst>
+              <a:ext uri="{FF2B5EF4-FFF2-40B4-BE49-F238E27FC236}">
+                <a16:creationId xmlns:a16="http://schemas.microsoft.com/office/drawing/2014/main" xmlns="" id="{0FA2A498-536C-43EF-A9D1-7B882388B2BF}"/>
+              </a:ext>
+            </a:extLst>
+          </p:cNvPr>
+          <p:cNvPicPr>
+            <a:picLocks noChangeAspect="1" noChangeArrowheads="1"/>
+          </p:cNvPicPr>
+          <p:nvPr/>
+        </p:nvPicPr>
+        <p:blipFill>
+          <a:blip r:embed="rId3">
+            <a:extLst>
+              <a:ext uri="{28A0092B-C50C-407E-A947-70E740481C1C}">
+                <a14:useLocalDpi xmlns:a14="http://schemas.microsoft.com/office/drawing/2010/main" val="0"/>
+              </a:ext>
+            </a:extLst>
+          </a:blip>
+          <a:srcRect/>
+          <a:stretch>
+            <a:fillRect/>
+          </a:stretch>
+        </p:blipFill>
+        <p:spPr bwMode="auto">
+          <a:xfrm>
+            <a:off x="0" y="-33207"/>
+            <a:ext cx="956080" cy="956080"/>
+          </a:xfrm>
+          <a:prstGeom prst="rect">
+            <a:avLst/>
+          </a:prstGeom>
+          <a:noFill/>
+          <a:extLst>
+            <a:ext uri="{909E8E84-426E-40DD-AFC4-6F175D3DCCD1}">
+              <a14:hiddenFill xmlns:a14="http://schemas.microsoft.com/office/drawing/2010/main">
+                <a:solidFill>
+                  <a:srgbClr val="FFFFFF"/>
+                </a:solidFill>
+              </a14:hiddenFill>
+            </a:ext>
+          </a:extLst>
+        </p:spPr>
+      </p:pic>
+      <p:pic>
+        <p:nvPicPr>
+          <p:cNvPr id="9" name="Picture 4" descr="Resultado de imagen para britanico logo sin fondo">
+            <a:extLst>
+              <a:ext uri="{FF2B5EF4-FFF2-40B4-BE49-F238E27FC236}">
+                <a16:creationId xmlns:a16="http://schemas.microsoft.com/office/drawing/2014/main" xmlns="" id="{2D1D0558-610B-4487-BEE4-079EF97D1394}"/>
+              </a:ext>
+            </a:extLst>
+          </p:cNvPr>
+          <p:cNvPicPr>
+            <a:picLocks noChangeAspect="1" noChangeArrowheads="1"/>
+          </p:cNvPicPr>
+          <p:nvPr/>
+        </p:nvPicPr>
+        <p:blipFill rotWithShape="1">
+          <a:blip r:embed="rId4">
+            <a:extLst>
+              <a:ext uri="{28A0092B-C50C-407E-A947-70E740481C1C}">
+                <a14:useLocalDpi xmlns:a14="http://schemas.microsoft.com/office/drawing/2010/main" val="0"/>
+              </a:ext>
+            </a:extLst>
+          </a:blip>
+          <a:srcRect l="4182" t="25515" r="70606" b="24545"/>
+          <a:stretch/>
+        </p:blipFill>
+        <p:spPr bwMode="auto">
+          <a:xfrm>
+            <a:off x="11133185" y="152724"/>
+            <a:ext cx="754016" cy="746766"/>
+          </a:xfrm>
+          <a:prstGeom prst="rect">
+            <a:avLst/>
+          </a:prstGeom>
+          <a:noFill/>
+          <a:extLst>
+            <a:ext uri="{909E8E84-426E-40DD-AFC4-6F175D3DCCD1}">
+              <a14:hiddenFill xmlns:a14="http://schemas.microsoft.com/office/drawing/2010/main">
+                <a:solidFill>
+                  <a:srgbClr val="FFFFFF"/>
+                </a:solidFill>
+              </a14:hiddenFill>
+            </a:ext>
+          </a:extLst>
+        </p:spPr>
+      </p:pic>
+      <p:pic>
+        <p:nvPicPr>
+          <p:cNvPr id="30722" name="Picture 2" descr="Resultado de imagen para AUTOMATIZACIÃN">
+            <a:extLst>
+              <a:ext uri="{FF2B5EF4-FFF2-40B4-BE49-F238E27FC236}">
+                <a16:creationId xmlns:a16="http://schemas.microsoft.com/office/drawing/2014/main" xmlns="" id="{C02DCD82-423C-464D-8945-9245F531BFA9}"/>
+              </a:ext>
+            </a:extLst>
+          </p:cNvPr>
+          <p:cNvPicPr>
+            <a:picLocks noChangeAspect="1" noChangeArrowheads="1"/>
+          </p:cNvPicPr>
+          <p:nvPr/>
+        </p:nvPicPr>
+        <p:blipFill>
+          <a:blip r:embed="rId5">
+            <a:extLst>
+              <a:ext uri="{28A0092B-C50C-407E-A947-70E740481C1C}">
+                <a14:useLocalDpi xmlns:a14="http://schemas.microsoft.com/office/drawing/2010/main" val="0"/>
+              </a:ext>
+            </a:extLst>
+          </a:blip>
+          <a:srcRect/>
+          <a:stretch>
+            <a:fillRect/>
+          </a:stretch>
+        </p:blipFill>
+        <p:spPr bwMode="auto">
+          <a:xfrm>
+            <a:off x="7881503" y="1570968"/>
+            <a:ext cx="3760329" cy="2820247"/>
+          </a:xfrm>
+          <a:prstGeom prst="rect">
+            <a:avLst/>
+          </a:prstGeom>
+          <a:noFill/>
+          <a:extLst>
+            <a:ext uri="{909E8E84-426E-40DD-AFC4-6F175D3DCCD1}">
+              <a14:hiddenFill xmlns:a14="http://schemas.microsoft.com/office/drawing/2010/main">
+                <a:solidFill>
+                  <a:srgbClr val="FFFFFF"/>
+                </a:solidFill>
+              </a14:hiddenFill>
+            </a:ext>
+          </a:extLst>
+        </p:spPr>
+      </p:pic>
+      <p:sp>
+        <p:nvSpPr>
+          <p:cNvPr id="14" name="Título 1">
+            <a:extLst>
+              <a:ext uri="{FF2B5EF4-FFF2-40B4-BE49-F238E27FC236}">
+                <a16:creationId xmlns:a16="http://schemas.microsoft.com/office/drawing/2014/main" xmlns="" id="{4699B09D-520F-4264-BF69-28CEB7678DAF}"/>
+              </a:ext>
+            </a:extLst>
+          </p:cNvPr>
+          <p:cNvSpPr>
+            <a:spLocks noGrp="1"/>
+          </p:cNvSpPr>
+          <p:nvPr>
+            <p:ph type="title"/>
+          </p:nvPr>
+        </p:nvSpPr>
+        <p:spPr>
+          <a:xfrm>
+            <a:off x="1479040" y="398446"/>
+            <a:ext cx="10515600" cy="383709"/>
+          </a:xfrm>
+        </p:spPr>
+        <p:txBody>
+          <a:bodyPr>
+            <a:noAutofit/>
+          </a:bodyPr>
+          <a:lstStyle/>
+          <a:p>
+            <a:r>
+              <a:rPr lang="es-PE" sz="2400" b="1" cap="small" dirty="0"/>
+              <a:t>ESPECIFICACIÓN DE LOS REQUERIMIENTOS DE SOFTWARE</a:t>
+            </a:r>
+            <a:endParaRPr lang="es-PE" sz="2400" b="1" cap="small" dirty="0"/>
+          </a:p>
+        </p:txBody>
+      </p:sp>
+      <p:pic>
+        <p:nvPicPr>
+          <p:cNvPr id="12" name="Imagen 11"/>
+          <p:cNvPicPr/>
+          <p:nvPr/>
+        </p:nvPicPr>
+        <p:blipFill>
+          <a:blip r:embed="rId6"/>
+          <a:stretch>
+            <a:fillRect/>
+          </a:stretch>
+        </p:blipFill>
+        <p:spPr>
+          <a:xfrm>
+            <a:off x="2319981" y="2603018"/>
+            <a:ext cx="4419022" cy="2953938"/>
+          </a:xfrm>
+          <a:prstGeom prst="rect">
+            <a:avLst/>
+          </a:prstGeom>
+        </p:spPr>
+      </p:pic>
+      <p:sp>
+        <p:nvSpPr>
+          <p:cNvPr id="15" name="Marcador de contenido 2">
+            <a:extLst>
+              <a:ext uri="{FF2B5EF4-FFF2-40B4-BE49-F238E27FC236}">
+                <a16:creationId xmlns:a16="http://schemas.microsoft.com/office/drawing/2014/main" xmlns="" id="{E7C05CC3-11D7-40CC-B980-05AF401AC530}"/>
+              </a:ext>
+            </a:extLst>
+          </p:cNvPr>
+          <p:cNvSpPr>
+            <a:spLocks noGrp="1"/>
+          </p:cNvSpPr>
+          <p:nvPr>
+            <p:ph idx="1"/>
+          </p:nvPr>
+        </p:nvSpPr>
+        <p:spPr>
+          <a:xfrm>
+            <a:off x="1135067" y="1482997"/>
+            <a:ext cx="9998118" cy="746766"/>
+          </a:xfrm>
+        </p:spPr>
+        <p:txBody>
+          <a:bodyPr>
+            <a:normAutofit/>
+          </a:bodyPr>
+          <a:lstStyle/>
+          <a:p>
+            <a:pPr algn="just"/>
+            <a:r>
+              <a:rPr lang="es-PE" dirty="0" smtClean="0">
+                <a:solidFill>
+                  <a:srgbClr val="FFC000"/>
+                </a:solidFill>
+              </a:rPr>
+              <a:t>Especificación de actores del sistema</a:t>
+            </a:r>
+            <a:endParaRPr lang="es-PE" dirty="0">
+              <a:solidFill>
+                <a:srgbClr val="FFC000"/>
+              </a:solidFill>
+            </a:endParaRPr>
+          </a:p>
+        </p:txBody>
+      </p:sp>
+    </p:spTree>
+    <p:extLst>
+      <p:ext uri="{BB962C8B-B14F-4D97-AF65-F5344CB8AC3E}">
+        <p14:creationId xmlns:p14="http://schemas.microsoft.com/office/powerpoint/2010/main" val="4052072097"/>
+      </p:ext>
+    </p:extLst>
+  </p:cSld>
+  <p:clrMapOvr>
+    <a:masterClrMapping/>
+  </p:clrMapOvr>
+  <p:timing>
+    <p:tnLst>
+      <p:par>
+        <p:cTn id="1" dur="indefinite" restart="never" nodeType="tmRoot"/>
+      </p:par>
+    </p:tnLst>
+  </p:timing>
+</p:sld>
+</file>
+
+<file path=ppt/slides/slide33.xml><?xml version="1.0" encoding="utf-8"?>
+<p:sld xmlns:a="http://schemas.openxmlformats.org/drawingml/2006/main" xmlns:r="http://schemas.openxmlformats.org/officeDocument/2006/relationships" xmlns:p="http://schemas.openxmlformats.org/presentationml/2006/main">
+  <p:cSld>
+    <p:spTree>
+      <p:nvGrpSpPr>
+        <p:cNvPr id="1" name=""/>
+        <p:cNvGrpSpPr/>
+        <p:nvPr/>
+      </p:nvGrpSpPr>
+      <p:grpSpPr>
+        <a:xfrm>
+          <a:off x="0" y="0"/>
+          <a:ext cx="0" cy="0"/>
+          <a:chOff x="0" y="0"/>
+          <a:chExt cx="0" cy="0"/>
+        </a:xfrm>
+      </p:grpSpPr>
+      <p:pic>
+        <p:nvPicPr>
+          <p:cNvPr id="3074" name="Picture 2" descr="Imagen relacionada">
+            <a:extLst>
+              <a:ext uri="{FF2B5EF4-FFF2-40B4-BE49-F238E27FC236}">
+                <a16:creationId xmlns:a16="http://schemas.microsoft.com/office/drawing/2014/main" xmlns="" id="{05B12E2C-FABF-4D27-BF59-5D38667199E7}"/>
+              </a:ext>
+            </a:extLst>
+          </p:cNvPr>
+          <p:cNvPicPr>
+            <a:picLocks noChangeAspect="1" noChangeArrowheads="1"/>
+          </p:cNvPicPr>
+          <p:nvPr/>
+        </p:nvPicPr>
+        <p:blipFill>
+          <a:blip r:embed="rId2">
+            <a:extLst>
+              <a:ext uri="{28A0092B-C50C-407E-A947-70E740481C1C}">
+                <a14:useLocalDpi xmlns:a14="http://schemas.microsoft.com/office/drawing/2010/main" val="0"/>
+              </a:ext>
+            </a:extLst>
+          </a:blip>
+          <a:srcRect/>
+          <a:stretch>
+            <a:fillRect/>
+          </a:stretch>
+        </p:blipFill>
+        <p:spPr bwMode="auto">
+          <a:xfrm>
+            <a:off x="0" y="0"/>
+            <a:ext cx="12174391" cy="6858000"/>
+          </a:xfrm>
+          <a:prstGeom prst="rect">
+            <a:avLst/>
+          </a:prstGeom>
+          <a:noFill/>
+          <a:extLst>
+            <a:ext uri="{909E8E84-426E-40DD-AFC4-6F175D3DCCD1}">
+              <a14:hiddenFill xmlns:a14="http://schemas.microsoft.com/office/drawing/2010/main">
+                <a:solidFill>
+                  <a:srgbClr val="FFFFFF"/>
+                </a:solidFill>
+              </a14:hiddenFill>
+            </a:ext>
+          </a:extLst>
+        </p:spPr>
+      </p:pic>
+      <p:sp>
+        <p:nvSpPr>
+          <p:cNvPr id="5" name="Rectangle 6">
+            <a:extLst>
+              <a:ext uri="{FF2B5EF4-FFF2-40B4-BE49-F238E27FC236}">
+                <a16:creationId xmlns:a16="http://schemas.microsoft.com/office/drawing/2014/main" xmlns="" id="{29226A0B-93FB-4E2B-8DB9-4DC733138A26}"/>
+              </a:ext>
+            </a:extLst>
+          </p:cNvPr>
+          <p:cNvSpPr/>
+          <p:nvPr/>
+        </p:nvSpPr>
+        <p:spPr>
+          <a:xfrm>
+            <a:off x="17609" y="0"/>
+            <a:ext cx="12192000" cy="7039708"/>
+          </a:xfrm>
+          <a:prstGeom prst="rect">
+            <a:avLst/>
+          </a:prstGeom>
+          <a:solidFill>
+            <a:schemeClr val="bg2">
+              <a:lumMod val="25000"/>
+              <a:alpha val="76000"/>
+            </a:schemeClr>
+          </a:solidFill>
+          <a:ln>
+            <a:noFill/>
+          </a:ln>
+        </p:spPr>
+        <p:style>
+          <a:lnRef idx="2">
+            <a:schemeClr val="accent2">
+              <a:shade val="50000"/>
+            </a:schemeClr>
+          </a:lnRef>
+          <a:fillRef idx="1">
+            <a:schemeClr val="accent2"/>
+          </a:fillRef>
+          <a:effectRef idx="0">
+            <a:schemeClr val="accent2"/>
+          </a:effectRef>
+          <a:fontRef idx="minor">
+            <a:schemeClr val="lt1"/>
+          </a:fontRef>
+        </p:style>
+        <p:txBody>
+          <a:bodyPr rtlCol="0" anchor="ctr"/>
+          <a:lstStyle/>
+          <a:p>
+            <a:pPr algn="ctr"/>
+            <a:endParaRPr lang="es-PE" dirty="0"/>
+          </a:p>
+        </p:txBody>
+      </p:sp>
+      <p:sp>
+        <p:nvSpPr>
+          <p:cNvPr id="3" name="Marcador de contenido 2">
+            <a:extLst>
+              <a:ext uri="{FF2B5EF4-FFF2-40B4-BE49-F238E27FC236}">
+                <a16:creationId xmlns:a16="http://schemas.microsoft.com/office/drawing/2014/main" xmlns="" id="{E7C05CC3-11D7-40CC-B980-05AF401AC530}"/>
+              </a:ext>
+            </a:extLst>
+          </p:cNvPr>
+          <p:cNvSpPr>
+            <a:spLocks noGrp="1"/>
+          </p:cNvSpPr>
+          <p:nvPr>
+            <p:ph idx="1"/>
+          </p:nvPr>
+        </p:nvSpPr>
+        <p:spPr>
+          <a:xfrm>
+            <a:off x="1135067" y="1482997"/>
+            <a:ext cx="9998118" cy="746766"/>
+          </a:xfrm>
+        </p:spPr>
+        <p:txBody>
+          <a:bodyPr>
+            <a:normAutofit/>
+          </a:bodyPr>
+          <a:lstStyle/>
+          <a:p>
+            <a:pPr algn="just"/>
+            <a:r>
+              <a:rPr lang="es-PE" dirty="0" smtClean="0">
+                <a:solidFill>
+                  <a:srgbClr val="FFC000"/>
+                </a:solidFill>
+              </a:rPr>
+              <a:t>Diagrama de actores del sistema</a:t>
+            </a:r>
+            <a:endParaRPr lang="es-PE" dirty="0">
+              <a:solidFill>
+                <a:srgbClr val="FFC000"/>
+              </a:solidFill>
+            </a:endParaRPr>
+          </a:p>
+        </p:txBody>
+      </p:sp>
+      <p:sp>
+        <p:nvSpPr>
+          <p:cNvPr id="4" name="Flecha: pentágono 3">
+            <a:extLst>
+              <a:ext uri="{FF2B5EF4-FFF2-40B4-BE49-F238E27FC236}">
+                <a16:creationId xmlns:a16="http://schemas.microsoft.com/office/drawing/2014/main" xmlns="" id="{0AAC25DD-9019-4834-8DDD-90426C6BF0AD}"/>
+              </a:ext>
+            </a:extLst>
+          </p:cNvPr>
+          <p:cNvSpPr/>
+          <p:nvPr/>
+        </p:nvSpPr>
+        <p:spPr>
+          <a:xfrm>
+            <a:off x="1444267" y="325534"/>
+            <a:ext cx="9268693" cy="573955"/>
+          </a:xfrm>
+          <a:prstGeom prst="homePlate">
+            <a:avLst>
+              <a:gd name="adj" fmla="val 176989"/>
+            </a:avLst>
+          </a:prstGeom>
+          <a:gradFill>
+            <a:gsLst>
+              <a:gs pos="68141">
+                <a:schemeClr val="accent2">
+                  <a:lumMod val="40000"/>
+                  <a:lumOff val="60000"/>
+                </a:schemeClr>
+              </a:gs>
+              <a:gs pos="44000">
+                <a:schemeClr val="accent2">
+                  <a:lumMod val="20000"/>
+                  <a:lumOff val="80000"/>
+                </a:schemeClr>
+              </a:gs>
+            </a:gsLst>
+            <a:lin ang="13500000" scaled="1"/>
+          </a:gradFill>
+          <a:ln>
+            <a:noFill/>
+          </a:ln>
+        </p:spPr>
+        <p:style>
+          <a:lnRef idx="2">
+            <a:schemeClr val="accent1">
+              <a:shade val="50000"/>
+            </a:schemeClr>
+          </a:lnRef>
+          <a:fillRef idx="1">
+            <a:schemeClr val="accent1"/>
+          </a:fillRef>
+          <a:effectRef idx="0">
+            <a:schemeClr val="accent1"/>
+          </a:effectRef>
+          <a:fontRef idx="minor">
+            <a:schemeClr val="lt1"/>
+          </a:fontRef>
+        </p:style>
+        <p:txBody>
+          <a:bodyPr rtlCol="0" anchor="ctr"/>
+          <a:lstStyle/>
+          <a:p>
+            <a:pPr algn="ctr"/>
+            <a:endParaRPr lang="es-PE" dirty="0"/>
+          </a:p>
+        </p:txBody>
+      </p:sp>
+      <p:sp>
+        <p:nvSpPr>
+          <p:cNvPr id="2" name="Título 1">
+            <a:extLst>
+              <a:ext uri="{FF2B5EF4-FFF2-40B4-BE49-F238E27FC236}">
+                <a16:creationId xmlns:a16="http://schemas.microsoft.com/office/drawing/2014/main" xmlns="" id="{4699B09D-520F-4264-BF69-28CEB7678DAF}"/>
+              </a:ext>
+            </a:extLst>
+          </p:cNvPr>
+          <p:cNvSpPr>
+            <a:spLocks noGrp="1"/>
+          </p:cNvSpPr>
+          <p:nvPr>
+            <p:ph type="title"/>
+          </p:nvPr>
+        </p:nvSpPr>
+        <p:spPr>
+          <a:xfrm>
+            <a:off x="1479040" y="398446"/>
+            <a:ext cx="10515600" cy="383709"/>
+          </a:xfrm>
+        </p:spPr>
+        <p:txBody>
+          <a:bodyPr>
+            <a:noAutofit/>
+          </a:bodyPr>
+          <a:lstStyle/>
+          <a:p>
+            <a:r>
+              <a:rPr lang="es-PE" sz="2400" b="1" cap="small" dirty="0"/>
+              <a:t>ESPECIFICACIÓN DE LOS REQUERIMIENTOS DE SOFTWARE</a:t>
+            </a:r>
+            <a:endParaRPr lang="es-PE" sz="2400" dirty="0">
+              <a:solidFill>
+                <a:srgbClr val="002060"/>
+              </a:solidFill>
+            </a:endParaRPr>
+          </a:p>
+        </p:txBody>
+      </p:sp>
+      <p:sp>
+        <p:nvSpPr>
+          <p:cNvPr id="6" name="Rectángulo 5">
+            <a:extLst>
+              <a:ext uri="{FF2B5EF4-FFF2-40B4-BE49-F238E27FC236}">
+                <a16:creationId xmlns:a16="http://schemas.microsoft.com/office/drawing/2014/main" xmlns="" id="{9D8EDB50-8C3C-4B6B-A22C-7169591C33BD}"/>
+              </a:ext>
+            </a:extLst>
+          </p:cNvPr>
+          <p:cNvSpPr/>
+          <p:nvPr/>
+        </p:nvSpPr>
+        <p:spPr>
+          <a:xfrm>
+            <a:off x="1135067" y="287621"/>
+            <a:ext cx="187034" cy="635252"/>
+          </a:xfrm>
+          <a:prstGeom prst="rect">
+            <a:avLst/>
+          </a:prstGeom>
+          <a:solidFill>
+            <a:schemeClr val="accent2"/>
+          </a:solidFill>
+          <a:ln>
+            <a:solidFill>
+              <a:schemeClr val="accent2"/>
+            </a:solidFill>
+          </a:ln>
+        </p:spPr>
+        <p:style>
+          <a:lnRef idx="2">
+            <a:schemeClr val="accent1">
+              <a:shade val="50000"/>
+            </a:schemeClr>
+          </a:lnRef>
+          <a:fillRef idx="1">
+            <a:schemeClr val="accent1"/>
+          </a:fillRef>
+          <a:effectRef idx="0">
+            <a:schemeClr val="accent1"/>
+          </a:effectRef>
+          <a:fontRef idx="minor">
+            <a:schemeClr val="lt1"/>
+          </a:fontRef>
+        </p:style>
+        <p:txBody>
+          <a:bodyPr rtlCol="0" anchor="ctr"/>
+          <a:lstStyle/>
+          <a:p>
+            <a:pPr algn="ctr"/>
+            <a:endParaRPr lang="es-PE" dirty="0"/>
+          </a:p>
+        </p:txBody>
+      </p:sp>
+      <p:pic>
+        <p:nvPicPr>
+          <p:cNvPr id="8" name="Picture 2" descr="Resultado de imagen para upc logo png">
+            <a:extLst>
+              <a:ext uri="{FF2B5EF4-FFF2-40B4-BE49-F238E27FC236}">
+                <a16:creationId xmlns:a16="http://schemas.microsoft.com/office/drawing/2014/main" xmlns="" id="{0FA2A498-536C-43EF-A9D1-7B882388B2BF}"/>
+              </a:ext>
+            </a:extLst>
+          </p:cNvPr>
+          <p:cNvPicPr>
+            <a:picLocks noChangeAspect="1" noChangeArrowheads="1"/>
+          </p:cNvPicPr>
+          <p:nvPr/>
+        </p:nvPicPr>
+        <p:blipFill>
+          <a:blip r:embed="rId3">
+            <a:extLst>
+              <a:ext uri="{28A0092B-C50C-407E-A947-70E740481C1C}">
+                <a14:useLocalDpi xmlns:a14="http://schemas.microsoft.com/office/drawing/2010/main" val="0"/>
+              </a:ext>
+            </a:extLst>
+          </a:blip>
+          <a:srcRect/>
+          <a:stretch>
+            <a:fillRect/>
+          </a:stretch>
+        </p:blipFill>
+        <p:spPr bwMode="auto">
+          <a:xfrm>
+            <a:off x="0" y="-33207"/>
+            <a:ext cx="956080" cy="956080"/>
+          </a:xfrm>
+          <a:prstGeom prst="rect">
+            <a:avLst/>
+          </a:prstGeom>
+          <a:noFill/>
+          <a:extLst>
+            <a:ext uri="{909E8E84-426E-40DD-AFC4-6F175D3DCCD1}">
+              <a14:hiddenFill xmlns:a14="http://schemas.microsoft.com/office/drawing/2010/main">
+                <a:solidFill>
+                  <a:srgbClr val="FFFFFF"/>
+                </a:solidFill>
+              </a14:hiddenFill>
+            </a:ext>
+          </a:extLst>
+        </p:spPr>
+      </p:pic>
+      <p:pic>
+        <p:nvPicPr>
+          <p:cNvPr id="9" name="Picture 4" descr="Resultado de imagen para britanico logo sin fondo">
+            <a:extLst>
+              <a:ext uri="{FF2B5EF4-FFF2-40B4-BE49-F238E27FC236}">
+                <a16:creationId xmlns:a16="http://schemas.microsoft.com/office/drawing/2014/main" xmlns="" id="{2D1D0558-610B-4487-BEE4-079EF97D1394}"/>
+              </a:ext>
+            </a:extLst>
+          </p:cNvPr>
+          <p:cNvPicPr>
+            <a:picLocks noChangeAspect="1" noChangeArrowheads="1"/>
+          </p:cNvPicPr>
+          <p:nvPr/>
+        </p:nvPicPr>
+        <p:blipFill rotWithShape="1">
+          <a:blip r:embed="rId4">
+            <a:extLst>
+              <a:ext uri="{28A0092B-C50C-407E-A947-70E740481C1C}">
+                <a14:useLocalDpi xmlns:a14="http://schemas.microsoft.com/office/drawing/2010/main" val="0"/>
+              </a:ext>
+            </a:extLst>
+          </a:blip>
+          <a:srcRect l="4182" t="25515" r="70606" b="24545"/>
+          <a:stretch/>
+        </p:blipFill>
+        <p:spPr bwMode="auto">
+          <a:xfrm>
+            <a:off x="11133185" y="152724"/>
+            <a:ext cx="754016" cy="746766"/>
+          </a:xfrm>
+          <a:prstGeom prst="rect">
+            <a:avLst/>
+          </a:prstGeom>
+          <a:noFill/>
+          <a:extLst>
+            <a:ext uri="{909E8E84-426E-40DD-AFC4-6F175D3DCCD1}">
+              <a14:hiddenFill xmlns:a14="http://schemas.microsoft.com/office/drawing/2010/main">
+                <a:solidFill>
+                  <a:srgbClr val="FFFFFF"/>
+                </a:solidFill>
+              </a14:hiddenFill>
+            </a:ext>
+          </a:extLst>
+        </p:spPr>
+      </p:pic>
+      <p:pic>
+        <p:nvPicPr>
+          <p:cNvPr id="11" name="Imagen 10"/>
+          <p:cNvPicPr/>
+          <p:nvPr/>
+        </p:nvPicPr>
+        <p:blipFill rotWithShape="1">
+          <a:blip r:embed="rId5"/>
+          <a:srcRect l="1270" t="3003"/>
+          <a:stretch/>
+        </p:blipFill>
+        <p:spPr bwMode="auto">
+          <a:xfrm>
+            <a:off x="3075572" y="2382486"/>
+            <a:ext cx="6117108" cy="4043835"/>
+          </a:xfrm>
+          <a:prstGeom prst="rect">
+            <a:avLst/>
+          </a:prstGeom>
+          <a:ln>
+            <a:noFill/>
+          </a:ln>
+          <a:extLst>
+            <a:ext uri="{53640926-AAD7-44D8-BBD7-CCE9431645EC}">
+              <a14:shadowObscured xmlns:a14="http://schemas.microsoft.com/office/drawing/2010/main"/>
+            </a:ext>
+          </a:extLst>
+        </p:spPr>
+      </p:pic>
+    </p:spTree>
+    <p:extLst>
+      <p:ext uri="{BB962C8B-B14F-4D97-AF65-F5344CB8AC3E}">
+        <p14:creationId xmlns:p14="http://schemas.microsoft.com/office/powerpoint/2010/main" val="1044504857"/>
+      </p:ext>
+    </p:extLst>
+  </p:cSld>
+  <p:clrMapOvr>
+    <a:masterClrMapping/>
+  </p:clrMapOvr>
+  <p:timing>
+    <p:tnLst>
+      <p:par>
+        <p:cTn id="1" dur="indefinite" restart="never" nodeType="tmRoot"/>
+      </p:par>
+    </p:tnLst>
+  </p:timing>
+</p:sld>
+</file>
+
+<file path=ppt/slides/slide34.xml><?xml version="1.0" encoding="utf-8"?>
+<p:sld xmlns:a="http://schemas.openxmlformats.org/drawingml/2006/main" xmlns:r="http://schemas.openxmlformats.org/officeDocument/2006/relationships" xmlns:p="http://schemas.openxmlformats.org/presentationml/2006/main">
+  <p:cSld>
+    <p:spTree>
+      <p:nvGrpSpPr>
+        <p:cNvPr id="1" name=""/>
+        <p:cNvGrpSpPr/>
+        <p:nvPr/>
+      </p:nvGrpSpPr>
+      <p:grpSpPr>
+        <a:xfrm>
+          <a:off x="0" y="0"/>
+          <a:ext cx="0" cy="0"/>
+          <a:chOff x="0" y="0"/>
+          <a:chExt cx="0" cy="0"/>
+        </a:xfrm>
+      </p:grpSpPr>
+      <p:pic>
+        <p:nvPicPr>
+          <p:cNvPr id="3074" name="Picture 2" descr="Imagen relacionada">
+            <a:extLst>
+              <a:ext uri="{FF2B5EF4-FFF2-40B4-BE49-F238E27FC236}">
+                <a16:creationId xmlns:a16="http://schemas.microsoft.com/office/drawing/2014/main" xmlns="" id="{05B12E2C-FABF-4D27-BF59-5D38667199E7}"/>
+              </a:ext>
+            </a:extLst>
+          </p:cNvPr>
+          <p:cNvPicPr>
+            <a:picLocks noChangeAspect="1" noChangeArrowheads="1"/>
+          </p:cNvPicPr>
+          <p:nvPr/>
+        </p:nvPicPr>
+        <p:blipFill>
+          <a:blip r:embed="rId2">
+            <a:extLst>
+              <a:ext uri="{28A0092B-C50C-407E-A947-70E740481C1C}">
+                <a14:useLocalDpi xmlns:a14="http://schemas.microsoft.com/office/drawing/2010/main" val="0"/>
+              </a:ext>
+            </a:extLst>
+          </a:blip>
+          <a:srcRect/>
+          <a:stretch>
+            <a:fillRect/>
+          </a:stretch>
+        </p:blipFill>
+        <p:spPr bwMode="auto">
+          <a:xfrm>
+            <a:off x="0" y="0"/>
+            <a:ext cx="12174391" cy="6858000"/>
+          </a:xfrm>
+          <a:prstGeom prst="rect">
+            <a:avLst/>
+          </a:prstGeom>
+          <a:noFill/>
+          <a:extLst>
+            <a:ext uri="{909E8E84-426E-40DD-AFC4-6F175D3DCCD1}">
+              <a14:hiddenFill xmlns:a14="http://schemas.microsoft.com/office/drawing/2010/main">
+                <a:solidFill>
+                  <a:srgbClr val="FFFFFF"/>
+                </a:solidFill>
+              </a14:hiddenFill>
+            </a:ext>
+          </a:extLst>
+        </p:spPr>
+      </p:pic>
+      <p:sp>
+        <p:nvSpPr>
+          <p:cNvPr id="5" name="Rectangle 6">
+            <a:extLst>
+              <a:ext uri="{FF2B5EF4-FFF2-40B4-BE49-F238E27FC236}">
+                <a16:creationId xmlns:a16="http://schemas.microsoft.com/office/drawing/2014/main" xmlns="" id="{29226A0B-93FB-4E2B-8DB9-4DC733138A26}"/>
+              </a:ext>
+            </a:extLst>
+          </p:cNvPr>
+          <p:cNvSpPr/>
+          <p:nvPr/>
+        </p:nvSpPr>
+        <p:spPr>
+          <a:xfrm>
+            <a:off x="17609" y="0"/>
+            <a:ext cx="12192000" cy="7039708"/>
+          </a:xfrm>
+          <a:prstGeom prst="rect">
+            <a:avLst/>
+          </a:prstGeom>
+          <a:solidFill>
+            <a:schemeClr val="bg2">
+              <a:lumMod val="25000"/>
+              <a:alpha val="76000"/>
+            </a:schemeClr>
+          </a:solidFill>
+          <a:ln>
+            <a:noFill/>
+          </a:ln>
+        </p:spPr>
+        <p:style>
+          <a:lnRef idx="2">
+            <a:schemeClr val="accent2">
+              <a:shade val="50000"/>
+            </a:schemeClr>
+          </a:lnRef>
+          <a:fillRef idx="1">
+            <a:schemeClr val="accent2"/>
+          </a:fillRef>
+          <a:effectRef idx="0">
+            <a:schemeClr val="accent2"/>
+          </a:effectRef>
+          <a:fontRef idx="minor">
+            <a:schemeClr val="lt1"/>
+          </a:fontRef>
+        </p:style>
+        <p:txBody>
+          <a:bodyPr rtlCol="0" anchor="ctr"/>
+          <a:lstStyle/>
+          <a:p>
+            <a:pPr algn="ctr"/>
+            <a:endParaRPr lang="es-PE" dirty="0"/>
+          </a:p>
+        </p:txBody>
+      </p:sp>
+      <p:sp>
+        <p:nvSpPr>
+          <p:cNvPr id="3" name="Marcador de contenido 2">
+            <a:extLst>
+              <a:ext uri="{FF2B5EF4-FFF2-40B4-BE49-F238E27FC236}">
+                <a16:creationId xmlns:a16="http://schemas.microsoft.com/office/drawing/2014/main" xmlns="" id="{E7C05CC3-11D7-40CC-B980-05AF401AC530}"/>
+              </a:ext>
+            </a:extLst>
+          </p:cNvPr>
+          <p:cNvSpPr>
+            <a:spLocks noGrp="1"/>
+          </p:cNvSpPr>
+          <p:nvPr>
+            <p:ph idx="1"/>
+          </p:nvPr>
+        </p:nvSpPr>
+        <p:spPr>
+          <a:xfrm>
+            <a:off x="1135067" y="1482997"/>
+            <a:ext cx="9998118" cy="746766"/>
+          </a:xfrm>
+        </p:spPr>
+        <p:txBody>
+          <a:bodyPr>
+            <a:normAutofit/>
+          </a:bodyPr>
+          <a:lstStyle/>
+          <a:p>
+            <a:pPr algn="just"/>
+            <a:r>
+              <a:rPr lang="es-PE" dirty="0" smtClean="0">
+                <a:solidFill>
+                  <a:srgbClr val="FFC000"/>
+                </a:solidFill>
+              </a:rPr>
+              <a:t>Diagrama de paquetes</a:t>
+            </a:r>
+            <a:endParaRPr lang="es-PE" dirty="0">
+              <a:solidFill>
+                <a:srgbClr val="FFC000"/>
+              </a:solidFill>
+            </a:endParaRPr>
+          </a:p>
+        </p:txBody>
+      </p:sp>
+      <p:sp>
+        <p:nvSpPr>
+          <p:cNvPr id="4" name="Flecha: pentágono 3">
+            <a:extLst>
+              <a:ext uri="{FF2B5EF4-FFF2-40B4-BE49-F238E27FC236}">
+                <a16:creationId xmlns:a16="http://schemas.microsoft.com/office/drawing/2014/main" xmlns="" id="{0AAC25DD-9019-4834-8DDD-90426C6BF0AD}"/>
+              </a:ext>
+            </a:extLst>
+          </p:cNvPr>
+          <p:cNvSpPr/>
+          <p:nvPr/>
+        </p:nvSpPr>
+        <p:spPr>
+          <a:xfrm>
+            <a:off x="1444267" y="325534"/>
+            <a:ext cx="9268693" cy="573955"/>
+          </a:xfrm>
+          <a:prstGeom prst="homePlate">
+            <a:avLst>
+              <a:gd name="adj" fmla="val 176989"/>
+            </a:avLst>
+          </a:prstGeom>
+          <a:gradFill>
+            <a:gsLst>
+              <a:gs pos="68141">
+                <a:schemeClr val="accent2">
+                  <a:lumMod val="40000"/>
+                  <a:lumOff val="60000"/>
+                </a:schemeClr>
+              </a:gs>
+              <a:gs pos="44000">
+                <a:schemeClr val="accent2">
+                  <a:lumMod val="20000"/>
+                  <a:lumOff val="80000"/>
+                </a:schemeClr>
+              </a:gs>
+            </a:gsLst>
+            <a:lin ang="13500000" scaled="1"/>
+          </a:gradFill>
+          <a:ln>
+            <a:noFill/>
+          </a:ln>
+        </p:spPr>
+        <p:style>
+          <a:lnRef idx="2">
+            <a:schemeClr val="accent1">
+              <a:shade val="50000"/>
+            </a:schemeClr>
+          </a:lnRef>
+          <a:fillRef idx="1">
+            <a:schemeClr val="accent1"/>
+          </a:fillRef>
+          <a:effectRef idx="0">
+            <a:schemeClr val="accent1"/>
+          </a:effectRef>
+          <a:fontRef idx="minor">
+            <a:schemeClr val="lt1"/>
+          </a:fontRef>
+        </p:style>
+        <p:txBody>
+          <a:bodyPr rtlCol="0" anchor="ctr"/>
+          <a:lstStyle/>
+          <a:p>
+            <a:pPr algn="ctr"/>
+            <a:endParaRPr lang="es-PE" dirty="0"/>
+          </a:p>
+        </p:txBody>
+      </p:sp>
+      <p:sp>
+        <p:nvSpPr>
+          <p:cNvPr id="2" name="Título 1">
+            <a:extLst>
+              <a:ext uri="{FF2B5EF4-FFF2-40B4-BE49-F238E27FC236}">
+                <a16:creationId xmlns:a16="http://schemas.microsoft.com/office/drawing/2014/main" xmlns="" id="{4699B09D-520F-4264-BF69-28CEB7678DAF}"/>
+              </a:ext>
+            </a:extLst>
+          </p:cNvPr>
+          <p:cNvSpPr>
+            <a:spLocks noGrp="1"/>
+          </p:cNvSpPr>
+          <p:nvPr>
+            <p:ph type="title"/>
+          </p:nvPr>
+        </p:nvSpPr>
+        <p:spPr>
+          <a:xfrm>
+            <a:off x="1479040" y="398446"/>
+            <a:ext cx="10515600" cy="383709"/>
+          </a:xfrm>
+        </p:spPr>
+        <p:txBody>
+          <a:bodyPr>
+            <a:noAutofit/>
+          </a:bodyPr>
+          <a:lstStyle/>
+          <a:p>
+            <a:r>
+              <a:rPr lang="es-PE" sz="2400" b="1" cap="small" dirty="0"/>
+              <a:t>ESPECIFICACIÓN DE LOS REQUERIMIENTOS DE SOFTWARE</a:t>
+            </a:r>
+            <a:endParaRPr lang="es-PE" sz="2400" dirty="0">
+              <a:solidFill>
+                <a:srgbClr val="002060"/>
+              </a:solidFill>
+            </a:endParaRPr>
+          </a:p>
+        </p:txBody>
+      </p:sp>
+      <p:sp>
+        <p:nvSpPr>
+          <p:cNvPr id="6" name="Rectángulo 5">
+            <a:extLst>
+              <a:ext uri="{FF2B5EF4-FFF2-40B4-BE49-F238E27FC236}">
+                <a16:creationId xmlns:a16="http://schemas.microsoft.com/office/drawing/2014/main" xmlns="" id="{9D8EDB50-8C3C-4B6B-A22C-7169591C33BD}"/>
+              </a:ext>
+            </a:extLst>
+          </p:cNvPr>
+          <p:cNvSpPr/>
+          <p:nvPr/>
+        </p:nvSpPr>
+        <p:spPr>
+          <a:xfrm>
+            <a:off x="1135067" y="287621"/>
+            <a:ext cx="187034" cy="635252"/>
+          </a:xfrm>
+          <a:prstGeom prst="rect">
+            <a:avLst/>
+          </a:prstGeom>
+          <a:solidFill>
+            <a:schemeClr val="accent2"/>
+          </a:solidFill>
+          <a:ln>
+            <a:solidFill>
+              <a:schemeClr val="accent2"/>
+            </a:solidFill>
+          </a:ln>
+        </p:spPr>
+        <p:style>
+          <a:lnRef idx="2">
+            <a:schemeClr val="accent1">
+              <a:shade val="50000"/>
+            </a:schemeClr>
+          </a:lnRef>
+          <a:fillRef idx="1">
+            <a:schemeClr val="accent1"/>
+          </a:fillRef>
+          <a:effectRef idx="0">
+            <a:schemeClr val="accent1"/>
+          </a:effectRef>
+          <a:fontRef idx="minor">
+            <a:schemeClr val="lt1"/>
+          </a:fontRef>
+        </p:style>
+        <p:txBody>
+          <a:bodyPr rtlCol="0" anchor="ctr"/>
+          <a:lstStyle/>
+          <a:p>
+            <a:pPr algn="ctr"/>
+            <a:endParaRPr lang="es-PE" dirty="0"/>
+          </a:p>
+        </p:txBody>
+      </p:sp>
+      <p:pic>
+        <p:nvPicPr>
+          <p:cNvPr id="8" name="Picture 2" descr="Resultado de imagen para upc logo png">
+            <a:extLst>
+              <a:ext uri="{FF2B5EF4-FFF2-40B4-BE49-F238E27FC236}">
+                <a16:creationId xmlns:a16="http://schemas.microsoft.com/office/drawing/2014/main" xmlns="" id="{0FA2A498-536C-43EF-A9D1-7B882388B2BF}"/>
+              </a:ext>
+            </a:extLst>
+          </p:cNvPr>
+          <p:cNvPicPr>
+            <a:picLocks noChangeAspect="1" noChangeArrowheads="1"/>
+          </p:cNvPicPr>
+          <p:nvPr/>
+        </p:nvPicPr>
+        <p:blipFill>
+          <a:blip r:embed="rId3">
+            <a:extLst>
+              <a:ext uri="{28A0092B-C50C-407E-A947-70E740481C1C}">
+                <a14:useLocalDpi xmlns:a14="http://schemas.microsoft.com/office/drawing/2010/main" val="0"/>
+              </a:ext>
+            </a:extLst>
+          </a:blip>
+          <a:srcRect/>
+          <a:stretch>
+            <a:fillRect/>
+          </a:stretch>
+        </p:blipFill>
+        <p:spPr bwMode="auto">
+          <a:xfrm>
+            <a:off x="0" y="-33207"/>
+            <a:ext cx="956080" cy="956080"/>
+          </a:xfrm>
+          <a:prstGeom prst="rect">
+            <a:avLst/>
+          </a:prstGeom>
+          <a:noFill/>
+          <a:extLst>
+            <a:ext uri="{909E8E84-426E-40DD-AFC4-6F175D3DCCD1}">
+              <a14:hiddenFill xmlns:a14="http://schemas.microsoft.com/office/drawing/2010/main">
+                <a:solidFill>
+                  <a:srgbClr val="FFFFFF"/>
+                </a:solidFill>
+              </a14:hiddenFill>
+            </a:ext>
+          </a:extLst>
+        </p:spPr>
+      </p:pic>
+      <p:pic>
+        <p:nvPicPr>
+          <p:cNvPr id="9" name="Picture 4" descr="Resultado de imagen para britanico logo sin fondo">
+            <a:extLst>
+              <a:ext uri="{FF2B5EF4-FFF2-40B4-BE49-F238E27FC236}">
+                <a16:creationId xmlns:a16="http://schemas.microsoft.com/office/drawing/2014/main" xmlns="" id="{2D1D0558-610B-4487-BEE4-079EF97D1394}"/>
+              </a:ext>
+            </a:extLst>
+          </p:cNvPr>
+          <p:cNvPicPr>
+            <a:picLocks noChangeAspect="1" noChangeArrowheads="1"/>
+          </p:cNvPicPr>
+          <p:nvPr/>
+        </p:nvPicPr>
+        <p:blipFill rotWithShape="1">
+          <a:blip r:embed="rId4">
+            <a:extLst>
+              <a:ext uri="{28A0092B-C50C-407E-A947-70E740481C1C}">
+                <a14:useLocalDpi xmlns:a14="http://schemas.microsoft.com/office/drawing/2010/main" val="0"/>
+              </a:ext>
+            </a:extLst>
+          </a:blip>
+          <a:srcRect l="4182" t="25515" r="70606" b="24545"/>
+          <a:stretch/>
+        </p:blipFill>
+        <p:spPr bwMode="auto">
+          <a:xfrm>
+            <a:off x="11133185" y="152724"/>
+            <a:ext cx="754016" cy="746766"/>
+          </a:xfrm>
+          <a:prstGeom prst="rect">
+            <a:avLst/>
+          </a:prstGeom>
+          <a:noFill/>
+          <a:extLst>
+            <a:ext uri="{909E8E84-426E-40DD-AFC4-6F175D3DCCD1}">
+              <a14:hiddenFill xmlns:a14="http://schemas.microsoft.com/office/drawing/2010/main">
+                <a:solidFill>
+                  <a:srgbClr val="FFFFFF"/>
+                </a:solidFill>
+              </a14:hiddenFill>
+            </a:ext>
+          </a:extLst>
+        </p:spPr>
+      </p:pic>
+      <p:pic>
+        <p:nvPicPr>
+          <p:cNvPr id="12" name="Imagen 11"/>
+          <p:cNvPicPr/>
+          <p:nvPr/>
+        </p:nvPicPr>
+        <p:blipFill>
+          <a:blip r:embed="rId5"/>
+          <a:stretch>
+            <a:fillRect/>
+          </a:stretch>
+        </p:blipFill>
+        <p:spPr>
+          <a:xfrm>
+            <a:off x="3594577" y="2568452"/>
+            <a:ext cx="5073433" cy="3894977"/>
+          </a:xfrm>
+          <a:prstGeom prst="rect">
+            <a:avLst/>
+          </a:prstGeom>
+        </p:spPr>
+      </p:pic>
+    </p:spTree>
+    <p:extLst>
+      <p:ext uri="{BB962C8B-B14F-4D97-AF65-F5344CB8AC3E}">
+        <p14:creationId xmlns:p14="http://schemas.microsoft.com/office/powerpoint/2010/main" val="3366024441"/>
+      </p:ext>
+    </p:extLst>
+  </p:cSld>
+  <p:clrMapOvr>
+    <a:masterClrMapping/>
+  </p:clrMapOvr>
+  <p:timing>
+    <p:tnLst>
+      <p:par>
+        <p:cTn id="1" dur="indefinite" restart="never" nodeType="tmRoot"/>
+      </p:par>
+    </p:tnLst>
+  </p:timing>
+</p:sld>
+</file>
+
+<file path=ppt/slides/slide35.xml><?xml version="1.0" encoding="utf-8"?>
+<p:sld xmlns:a="http://schemas.openxmlformats.org/drawingml/2006/main" xmlns:r="http://schemas.openxmlformats.org/officeDocument/2006/relationships" xmlns:p="http://schemas.openxmlformats.org/presentationml/2006/main">
+  <p:cSld>
+    <p:spTree>
+      <p:nvGrpSpPr>
+        <p:cNvPr id="1" name=""/>
+        <p:cNvGrpSpPr/>
+        <p:nvPr/>
+      </p:nvGrpSpPr>
+      <p:grpSpPr>
+        <a:xfrm>
+          <a:off x="0" y="0"/>
+          <a:ext cx="0" cy="0"/>
+          <a:chOff x="0" y="0"/>
+          <a:chExt cx="0" cy="0"/>
+        </a:xfrm>
+      </p:grpSpPr>
+      <p:pic>
+        <p:nvPicPr>
+          <p:cNvPr id="3074" name="Picture 2" descr="Imagen relacionada">
+            <a:extLst>
+              <a:ext uri="{FF2B5EF4-FFF2-40B4-BE49-F238E27FC236}">
+                <a16:creationId xmlns:a16="http://schemas.microsoft.com/office/drawing/2014/main" xmlns="" id="{05B12E2C-FABF-4D27-BF59-5D38667199E7}"/>
+              </a:ext>
+            </a:extLst>
+          </p:cNvPr>
+          <p:cNvPicPr>
+            <a:picLocks noChangeAspect="1" noChangeArrowheads="1"/>
+          </p:cNvPicPr>
+          <p:nvPr/>
+        </p:nvPicPr>
+        <p:blipFill>
+          <a:blip r:embed="rId2">
+            <a:extLst>
+              <a:ext uri="{28A0092B-C50C-407E-A947-70E740481C1C}">
+                <a14:useLocalDpi xmlns:a14="http://schemas.microsoft.com/office/drawing/2010/main" val="0"/>
+              </a:ext>
+            </a:extLst>
+          </a:blip>
+          <a:srcRect/>
+          <a:stretch>
+            <a:fillRect/>
+          </a:stretch>
+        </p:blipFill>
+        <p:spPr bwMode="auto">
+          <a:xfrm>
+            <a:off x="0" y="0"/>
+            <a:ext cx="12174391" cy="6858000"/>
+          </a:xfrm>
+          <a:prstGeom prst="rect">
+            <a:avLst/>
+          </a:prstGeom>
+          <a:noFill/>
+          <a:extLst>
+            <a:ext uri="{909E8E84-426E-40DD-AFC4-6F175D3DCCD1}">
+              <a14:hiddenFill xmlns:a14="http://schemas.microsoft.com/office/drawing/2010/main">
+                <a:solidFill>
+                  <a:srgbClr val="FFFFFF"/>
+                </a:solidFill>
+              </a14:hiddenFill>
+            </a:ext>
+          </a:extLst>
+        </p:spPr>
+      </p:pic>
+      <p:sp>
+        <p:nvSpPr>
+          <p:cNvPr id="5" name="Rectangle 6">
+            <a:extLst>
+              <a:ext uri="{FF2B5EF4-FFF2-40B4-BE49-F238E27FC236}">
+                <a16:creationId xmlns:a16="http://schemas.microsoft.com/office/drawing/2014/main" xmlns="" id="{29226A0B-93FB-4E2B-8DB9-4DC733138A26}"/>
+              </a:ext>
+            </a:extLst>
+          </p:cNvPr>
+          <p:cNvSpPr/>
+          <p:nvPr/>
+        </p:nvSpPr>
+        <p:spPr>
+          <a:xfrm>
+            <a:off x="17609" y="0"/>
+            <a:ext cx="12192000" cy="7039708"/>
+          </a:xfrm>
+          <a:prstGeom prst="rect">
+            <a:avLst/>
+          </a:prstGeom>
+          <a:solidFill>
+            <a:schemeClr val="bg2">
+              <a:lumMod val="25000"/>
+              <a:alpha val="76000"/>
+            </a:schemeClr>
+          </a:solidFill>
+          <a:ln>
+            <a:noFill/>
+          </a:ln>
+        </p:spPr>
+        <p:style>
+          <a:lnRef idx="2">
+            <a:schemeClr val="accent2">
+              <a:shade val="50000"/>
+            </a:schemeClr>
+          </a:lnRef>
+          <a:fillRef idx="1">
+            <a:schemeClr val="accent2"/>
+          </a:fillRef>
+          <a:effectRef idx="0">
+            <a:schemeClr val="accent2"/>
+          </a:effectRef>
+          <a:fontRef idx="minor">
+            <a:schemeClr val="lt1"/>
+          </a:fontRef>
+        </p:style>
+        <p:txBody>
+          <a:bodyPr rtlCol="0" anchor="ctr"/>
+          <a:lstStyle/>
+          <a:p>
+            <a:pPr algn="ctr"/>
+            <a:endParaRPr lang="es-PE" dirty="0"/>
+          </a:p>
+        </p:txBody>
+      </p:sp>
+      <p:sp>
+        <p:nvSpPr>
+          <p:cNvPr id="3" name="Marcador de contenido 2">
+            <a:extLst>
+              <a:ext uri="{FF2B5EF4-FFF2-40B4-BE49-F238E27FC236}">
+                <a16:creationId xmlns:a16="http://schemas.microsoft.com/office/drawing/2014/main" xmlns="" id="{E7C05CC3-11D7-40CC-B980-05AF401AC530}"/>
+              </a:ext>
+            </a:extLst>
+          </p:cNvPr>
+          <p:cNvSpPr>
+            <a:spLocks noGrp="1"/>
+          </p:cNvSpPr>
+          <p:nvPr>
+            <p:ph idx="1"/>
+          </p:nvPr>
+        </p:nvSpPr>
+        <p:spPr>
+          <a:xfrm>
+            <a:off x="1135067" y="1482997"/>
+            <a:ext cx="9998118" cy="746766"/>
+          </a:xfrm>
+        </p:spPr>
+        <p:txBody>
+          <a:bodyPr>
+            <a:normAutofit/>
+          </a:bodyPr>
+          <a:lstStyle/>
+          <a:p>
+            <a:pPr algn="just"/>
+            <a:r>
+              <a:rPr lang="es-PE" dirty="0" smtClean="0">
+                <a:solidFill>
+                  <a:srgbClr val="FFC000"/>
+                </a:solidFill>
+              </a:rPr>
+              <a:t>Gestión de matricula</a:t>
+            </a:r>
+            <a:endParaRPr lang="es-PE" dirty="0">
+              <a:solidFill>
+                <a:srgbClr val="FFC000"/>
+              </a:solidFill>
+            </a:endParaRPr>
+          </a:p>
+        </p:txBody>
+      </p:sp>
+      <p:sp>
+        <p:nvSpPr>
+          <p:cNvPr id="4" name="Flecha: pentágono 3">
+            <a:extLst>
+              <a:ext uri="{FF2B5EF4-FFF2-40B4-BE49-F238E27FC236}">
+                <a16:creationId xmlns:a16="http://schemas.microsoft.com/office/drawing/2014/main" xmlns="" id="{0AAC25DD-9019-4834-8DDD-90426C6BF0AD}"/>
+              </a:ext>
+            </a:extLst>
+          </p:cNvPr>
+          <p:cNvSpPr/>
+          <p:nvPr/>
+        </p:nvSpPr>
+        <p:spPr>
+          <a:xfrm>
+            <a:off x="1444267" y="325534"/>
+            <a:ext cx="9268693" cy="573955"/>
+          </a:xfrm>
+          <a:prstGeom prst="homePlate">
+            <a:avLst>
+              <a:gd name="adj" fmla="val 176989"/>
+            </a:avLst>
+          </a:prstGeom>
+          <a:gradFill>
+            <a:gsLst>
+              <a:gs pos="68141">
+                <a:schemeClr val="accent2">
+                  <a:lumMod val="40000"/>
+                  <a:lumOff val="60000"/>
+                </a:schemeClr>
+              </a:gs>
+              <a:gs pos="44000">
+                <a:schemeClr val="accent2">
+                  <a:lumMod val="20000"/>
+                  <a:lumOff val="80000"/>
+                </a:schemeClr>
+              </a:gs>
+            </a:gsLst>
+            <a:lin ang="13500000" scaled="1"/>
+          </a:gradFill>
+          <a:ln>
+            <a:noFill/>
+          </a:ln>
+        </p:spPr>
+        <p:style>
+          <a:lnRef idx="2">
+            <a:schemeClr val="accent1">
+              <a:shade val="50000"/>
+            </a:schemeClr>
+          </a:lnRef>
+          <a:fillRef idx="1">
+            <a:schemeClr val="accent1"/>
+          </a:fillRef>
+          <a:effectRef idx="0">
+            <a:schemeClr val="accent1"/>
+          </a:effectRef>
+          <a:fontRef idx="minor">
+            <a:schemeClr val="lt1"/>
+          </a:fontRef>
+        </p:style>
+        <p:txBody>
+          <a:bodyPr rtlCol="0" anchor="ctr"/>
+          <a:lstStyle/>
+          <a:p>
+            <a:pPr algn="ctr"/>
+            <a:endParaRPr lang="es-PE" dirty="0"/>
+          </a:p>
+        </p:txBody>
+      </p:sp>
+      <p:sp>
+        <p:nvSpPr>
+          <p:cNvPr id="2" name="Título 1">
+            <a:extLst>
+              <a:ext uri="{FF2B5EF4-FFF2-40B4-BE49-F238E27FC236}">
+                <a16:creationId xmlns:a16="http://schemas.microsoft.com/office/drawing/2014/main" xmlns="" id="{4699B09D-520F-4264-BF69-28CEB7678DAF}"/>
+              </a:ext>
+            </a:extLst>
+          </p:cNvPr>
+          <p:cNvSpPr>
+            <a:spLocks noGrp="1"/>
+          </p:cNvSpPr>
+          <p:nvPr>
+            <p:ph type="title"/>
+          </p:nvPr>
+        </p:nvSpPr>
+        <p:spPr>
+          <a:xfrm>
+            <a:off x="1479040" y="398446"/>
+            <a:ext cx="10515600" cy="383709"/>
+          </a:xfrm>
+        </p:spPr>
+        <p:txBody>
+          <a:bodyPr>
+            <a:noAutofit/>
+          </a:bodyPr>
+          <a:lstStyle/>
+          <a:p>
+            <a:r>
+              <a:rPr lang="es-PE" sz="2400" b="1" cap="small" dirty="0"/>
+              <a:t>DIAGRAMA DE CASOS DE USO DEL SISTEMA POR PAQUETE </a:t>
+            </a:r>
+          </a:p>
+        </p:txBody>
+      </p:sp>
+      <p:sp>
+        <p:nvSpPr>
+          <p:cNvPr id="6" name="Rectángulo 5">
+            <a:extLst>
+              <a:ext uri="{FF2B5EF4-FFF2-40B4-BE49-F238E27FC236}">
+                <a16:creationId xmlns:a16="http://schemas.microsoft.com/office/drawing/2014/main" xmlns="" id="{9D8EDB50-8C3C-4B6B-A22C-7169591C33BD}"/>
+              </a:ext>
+            </a:extLst>
+          </p:cNvPr>
+          <p:cNvSpPr/>
+          <p:nvPr/>
+        </p:nvSpPr>
+        <p:spPr>
+          <a:xfrm>
+            <a:off x="1135067" y="287621"/>
+            <a:ext cx="187034" cy="635252"/>
+          </a:xfrm>
+          <a:prstGeom prst="rect">
+            <a:avLst/>
+          </a:prstGeom>
+          <a:solidFill>
+            <a:schemeClr val="accent2"/>
+          </a:solidFill>
+          <a:ln>
+            <a:solidFill>
+              <a:schemeClr val="accent2"/>
+            </a:solidFill>
+          </a:ln>
+        </p:spPr>
+        <p:style>
+          <a:lnRef idx="2">
+            <a:schemeClr val="accent1">
+              <a:shade val="50000"/>
+            </a:schemeClr>
+          </a:lnRef>
+          <a:fillRef idx="1">
+            <a:schemeClr val="accent1"/>
+          </a:fillRef>
+          <a:effectRef idx="0">
+            <a:schemeClr val="accent1"/>
+          </a:effectRef>
+          <a:fontRef idx="minor">
+            <a:schemeClr val="lt1"/>
+          </a:fontRef>
+        </p:style>
+        <p:txBody>
+          <a:bodyPr rtlCol="0" anchor="ctr"/>
+          <a:lstStyle/>
+          <a:p>
+            <a:pPr algn="ctr"/>
+            <a:endParaRPr lang="es-PE" dirty="0"/>
+          </a:p>
+        </p:txBody>
+      </p:sp>
+      <p:pic>
+        <p:nvPicPr>
+          <p:cNvPr id="8" name="Picture 2" descr="Resultado de imagen para upc logo png">
+            <a:extLst>
+              <a:ext uri="{FF2B5EF4-FFF2-40B4-BE49-F238E27FC236}">
+                <a16:creationId xmlns:a16="http://schemas.microsoft.com/office/drawing/2014/main" xmlns="" id="{0FA2A498-536C-43EF-A9D1-7B882388B2BF}"/>
+              </a:ext>
+            </a:extLst>
+          </p:cNvPr>
+          <p:cNvPicPr>
+            <a:picLocks noChangeAspect="1" noChangeArrowheads="1"/>
+          </p:cNvPicPr>
+          <p:nvPr/>
+        </p:nvPicPr>
+        <p:blipFill>
+          <a:blip r:embed="rId3">
+            <a:extLst>
+              <a:ext uri="{28A0092B-C50C-407E-A947-70E740481C1C}">
+                <a14:useLocalDpi xmlns:a14="http://schemas.microsoft.com/office/drawing/2010/main" val="0"/>
+              </a:ext>
+            </a:extLst>
+          </a:blip>
+          <a:srcRect/>
+          <a:stretch>
+            <a:fillRect/>
+          </a:stretch>
+        </p:blipFill>
+        <p:spPr bwMode="auto">
+          <a:xfrm>
+            <a:off x="0" y="-33207"/>
+            <a:ext cx="956080" cy="956080"/>
+          </a:xfrm>
+          <a:prstGeom prst="rect">
+            <a:avLst/>
+          </a:prstGeom>
+          <a:noFill/>
+          <a:extLst>
+            <a:ext uri="{909E8E84-426E-40DD-AFC4-6F175D3DCCD1}">
+              <a14:hiddenFill xmlns:a14="http://schemas.microsoft.com/office/drawing/2010/main">
+                <a:solidFill>
+                  <a:srgbClr val="FFFFFF"/>
+                </a:solidFill>
+              </a14:hiddenFill>
+            </a:ext>
+          </a:extLst>
+        </p:spPr>
+      </p:pic>
+      <p:pic>
+        <p:nvPicPr>
+          <p:cNvPr id="9" name="Picture 4" descr="Resultado de imagen para britanico logo sin fondo">
+            <a:extLst>
+              <a:ext uri="{FF2B5EF4-FFF2-40B4-BE49-F238E27FC236}">
+                <a16:creationId xmlns:a16="http://schemas.microsoft.com/office/drawing/2014/main" xmlns="" id="{2D1D0558-610B-4487-BEE4-079EF97D1394}"/>
+              </a:ext>
+            </a:extLst>
+          </p:cNvPr>
+          <p:cNvPicPr>
+            <a:picLocks noChangeAspect="1" noChangeArrowheads="1"/>
+          </p:cNvPicPr>
+          <p:nvPr/>
+        </p:nvPicPr>
+        <p:blipFill rotWithShape="1">
+          <a:blip r:embed="rId4">
+            <a:extLst>
+              <a:ext uri="{28A0092B-C50C-407E-A947-70E740481C1C}">
+                <a14:useLocalDpi xmlns:a14="http://schemas.microsoft.com/office/drawing/2010/main" val="0"/>
+              </a:ext>
+            </a:extLst>
+          </a:blip>
+          <a:srcRect l="4182" t="25515" r="70606" b="24545"/>
+          <a:stretch/>
+        </p:blipFill>
+        <p:spPr bwMode="auto">
+          <a:xfrm>
+            <a:off x="11133185" y="152724"/>
+            <a:ext cx="754016" cy="746766"/>
+          </a:xfrm>
+          <a:prstGeom prst="rect">
+            <a:avLst/>
+          </a:prstGeom>
+          <a:noFill/>
+          <a:extLst>
+            <a:ext uri="{909E8E84-426E-40DD-AFC4-6F175D3DCCD1}">
+              <a14:hiddenFill xmlns:a14="http://schemas.microsoft.com/office/drawing/2010/main">
+                <a:solidFill>
+                  <a:srgbClr val="FFFFFF"/>
+                </a:solidFill>
+              </a14:hiddenFill>
+            </a:ext>
+          </a:extLst>
+        </p:spPr>
+      </p:pic>
+      <p:pic>
+        <p:nvPicPr>
+          <p:cNvPr id="13" name="Imagen 12"/>
+          <p:cNvPicPr/>
+          <p:nvPr/>
+        </p:nvPicPr>
+        <p:blipFill>
+          <a:blip r:embed="rId5"/>
+          <a:stretch>
+            <a:fillRect/>
+          </a:stretch>
+        </p:blipFill>
+        <p:spPr>
+          <a:xfrm>
+            <a:off x="3199173" y="2229763"/>
+            <a:ext cx="5869905" cy="4383979"/>
+          </a:xfrm>
+          <a:prstGeom prst="rect">
+            <a:avLst/>
+          </a:prstGeom>
+        </p:spPr>
+      </p:pic>
+    </p:spTree>
+    <p:extLst>
+      <p:ext uri="{BB962C8B-B14F-4D97-AF65-F5344CB8AC3E}">
+        <p14:creationId xmlns:p14="http://schemas.microsoft.com/office/powerpoint/2010/main" val="865816982"/>
+      </p:ext>
+    </p:extLst>
+  </p:cSld>
+  <p:clrMapOvr>
+    <a:masterClrMapping/>
+  </p:clrMapOvr>
+  <p:timing>
+    <p:tnLst>
+      <p:par>
+        <p:cTn id="1" dur="indefinite" restart="never" nodeType="tmRoot"/>
+      </p:par>
+    </p:tnLst>
+  </p:timing>
+</p:sld>
+</file>
+
+<file path=ppt/slides/slide36.xml><?xml version="1.0" encoding="utf-8"?>
+<p:sld xmlns:a="http://schemas.openxmlformats.org/drawingml/2006/main" xmlns:r="http://schemas.openxmlformats.org/officeDocument/2006/relationships" xmlns:p="http://schemas.openxmlformats.org/presentationml/2006/main">
+  <p:cSld>
+    <p:spTree>
+      <p:nvGrpSpPr>
+        <p:cNvPr id="1" name=""/>
+        <p:cNvGrpSpPr/>
+        <p:nvPr/>
+      </p:nvGrpSpPr>
+      <p:grpSpPr>
+        <a:xfrm>
+          <a:off x="0" y="0"/>
+          <a:ext cx="0" cy="0"/>
+          <a:chOff x="0" y="0"/>
+          <a:chExt cx="0" cy="0"/>
+        </a:xfrm>
+      </p:grpSpPr>
+      <p:pic>
+        <p:nvPicPr>
+          <p:cNvPr id="3074" name="Picture 2" descr="Imagen relacionada">
+            <a:extLst>
+              <a:ext uri="{FF2B5EF4-FFF2-40B4-BE49-F238E27FC236}">
+                <a16:creationId xmlns:a16="http://schemas.microsoft.com/office/drawing/2014/main" xmlns="" id="{05B12E2C-FABF-4D27-BF59-5D38667199E7}"/>
+              </a:ext>
+            </a:extLst>
+          </p:cNvPr>
+          <p:cNvPicPr>
+            <a:picLocks noChangeAspect="1" noChangeArrowheads="1"/>
+          </p:cNvPicPr>
+          <p:nvPr/>
+        </p:nvPicPr>
+        <p:blipFill>
+          <a:blip r:embed="rId2">
+            <a:extLst>
+              <a:ext uri="{28A0092B-C50C-407E-A947-70E740481C1C}">
+                <a14:useLocalDpi xmlns:a14="http://schemas.microsoft.com/office/drawing/2010/main" val="0"/>
+              </a:ext>
+            </a:extLst>
+          </a:blip>
+          <a:srcRect/>
+          <a:stretch>
+            <a:fillRect/>
+          </a:stretch>
+        </p:blipFill>
+        <p:spPr bwMode="auto">
+          <a:xfrm>
+            <a:off x="0" y="0"/>
+            <a:ext cx="12174391" cy="6858000"/>
+          </a:xfrm>
+          <a:prstGeom prst="rect">
+            <a:avLst/>
+          </a:prstGeom>
+          <a:noFill/>
+          <a:extLst>
+            <a:ext uri="{909E8E84-426E-40DD-AFC4-6F175D3DCCD1}">
+              <a14:hiddenFill xmlns:a14="http://schemas.microsoft.com/office/drawing/2010/main">
+                <a:solidFill>
+                  <a:srgbClr val="FFFFFF"/>
+                </a:solidFill>
+              </a14:hiddenFill>
+            </a:ext>
+          </a:extLst>
+        </p:spPr>
+      </p:pic>
+      <p:sp>
+        <p:nvSpPr>
+          <p:cNvPr id="5" name="Rectangle 6">
+            <a:extLst>
+              <a:ext uri="{FF2B5EF4-FFF2-40B4-BE49-F238E27FC236}">
+                <a16:creationId xmlns:a16="http://schemas.microsoft.com/office/drawing/2014/main" xmlns="" id="{29226A0B-93FB-4E2B-8DB9-4DC733138A26}"/>
+              </a:ext>
+            </a:extLst>
+          </p:cNvPr>
+          <p:cNvSpPr/>
+          <p:nvPr/>
+        </p:nvSpPr>
+        <p:spPr>
+          <a:xfrm>
+            <a:off x="17609" y="0"/>
+            <a:ext cx="12192000" cy="7039708"/>
+          </a:xfrm>
+          <a:prstGeom prst="rect">
+            <a:avLst/>
+          </a:prstGeom>
+          <a:solidFill>
+            <a:schemeClr val="bg2">
+              <a:lumMod val="25000"/>
+              <a:alpha val="76000"/>
+            </a:schemeClr>
+          </a:solidFill>
+          <a:ln>
+            <a:noFill/>
+          </a:ln>
+        </p:spPr>
+        <p:style>
+          <a:lnRef idx="2">
+            <a:schemeClr val="accent2">
+              <a:shade val="50000"/>
+            </a:schemeClr>
+          </a:lnRef>
+          <a:fillRef idx="1">
+            <a:schemeClr val="accent2"/>
+          </a:fillRef>
+          <a:effectRef idx="0">
+            <a:schemeClr val="accent2"/>
+          </a:effectRef>
+          <a:fontRef idx="minor">
+            <a:schemeClr val="lt1"/>
+          </a:fontRef>
+        </p:style>
+        <p:txBody>
+          <a:bodyPr rtlCol="0" anchor="ctr"/>
+          <a:lstStyle/>
+          <a:p>
+            <a:pPr algn="ctr"/>
+            <a:endParaRPr lang="es-PE" dirty="0"/>
+          </a:p>
+        </p:txBody>
+      </p:sp>
+      <p:sp>
+        <p:nvSpPr>
+          <p:cNvPr id="3" name="Marcador de contenido 2">
+            <a:extLst>
+              <a:ext uri="{FF2B5EF4-FFF2-40B4-BE49-F238E27FC236}">
+                <a16:creationId xmlns:a16="http://schemas.microsoft.com/office/drawing/2014/main" xmlns="" id="{E7C05CC3-11D7-40CC-B980-05AF401AC530}"/>
+              </a:ext>
+            </a:extLst>
+          </p:cNvPr>
+          <p:cNvSpPr>
+            <a:spLocks noGrp="1"/>
+          </p:cNvSpPr>
+          <p:nvPr>
+            <p:ph idx="1"/>
+          </p:nvPr>
+        </p:nvSpPr>
+        <p:spPr>
+          <a:xfrm>
+            <a:off x="1135067" y="1482997"/>
+            <a:ext cx="9998118" cy="746766"/>
+          </a:xfrm>
+        </p:spPr>
+        <p:txBody>
+          <a:bodyPr>
+            <a:normAutofit/>
+          </a:bodyPr>
+          <a:lstStyle/>
+          <a:p>
+            <a:pPr algn="just"/>
+            <a:r>
+              <a:rPr lang="es-PE" dirty="0" smtClean="0">
+                <a:solidFill>
+                  <a:srgbClr val="FFC000"/>
+                </a:solidFill>
+              </a:rPr>
+              <a:t>Gestión de pago</a:t>
+            </a:r>
+            <a:endParaRPr lang="es-PE" dirty="0">
+              <a:solidFill>
+                <a:srgbClr val="FFC000"/>
+              </a:solidFill>
+            </a:endParaRPr>
+          </a:p>
+        </p:txBody>
+      </p:sp>
+      <p:sp>
+        <p:nvSpPr>
+          <p:cNvPr id="4" name="Flecha: pentágono 3">
+            <a:extLst>
+              <a:ext uri="{FF2B5EF4-FFF2-40B4-BE49-F238E27FC236}">
+                <a16:creationId xmlns:a16="http://schemas.microsoft.com/office/drawing/2014/main" xmlns="" id="{0AAC25DD-9019-4834-8DDD-90426C6BF0AD}"/>
+              </a:ext>
+            </a:extLst>
+          </p:cNvPr>
+          <p:cNvSpPr/>
+          <p:nvPr/>
+        </p:nvSpPr>
+        <p:spPr>
+          <a:xfrm>
+            <a:off x="1444267" y="325534"/>
+            <a:ext cx="9268693" cy="573955"/>
+          </a:xfrm>
+          <a:prstGeom prst="homePlate">
+            <a:avLst>
+              <a:gd name="adj" fmla="val 176989"/>
+            </a:avLst>
+          </a:prstGeom>
+          <a:gradFill>
+            <a:gsLst>
+              <a:gs pos="68141">
+                <a:schemeClr val="accent2">
+                  <a:lumMod val="40000"/>
+                  <a:lumOff val="60000"/>
+                </a:schemeClr>
+              </a:gs>
+              <a:gs pos="44000">
+                <a:schemeClr val="accent2">
+                  <a:lumMod val="20000"/>
+                  <a:lumOff val="80000"/>
+                </a:schemeClr>
+              </a:gs>
+            </a:gsLst>
+            <a:lin ang="13500000" scaled="1"/>
+          </a:gradFill>
+          <a:ln>
+            <a:noFill/>
+          </a:ln>
+        </p:spPr>
+        <p:style>
+          <a:lnRef idx="2">
+            <a:schemeClr val="accent1">
+              <a:shade val="50000"/>
+            </a:schemeClr>
+          </a:lnRef>
+          <a:fillRef idx="1">
+            <a:schemeClr val="accent1"/>
+          </a:fillRef>
+          <a:effectRef idx="0">
+            <a:schemeClr val="accent1"/>
+          </a:effectRef>
+          <a:fontRef idx="minor">
+            <a:schemeClr val="lt1"/>
+          </a:fontRef>
+        </p:style>
+        <p:txBody>
+          <a:bodyPr rtlCol="0" anchor="ctr"/>
+          <a:lstStyle/>
+          <a:p>
+            <a:pPr algn="ctr"/>
+            <a:endParaRPr lang="es-PE" dirty="0"/>
+          </a:p>
+        </p:txBody>
+      </p:sp>
+      <p:sp>
+        <p:nvSpPr>
+          <p:cNvPr id="2" name="Título 1">
+            <a:extLst>
+              <a:ext uri="{FF2B5EF4-FFF2-40B4-BE49-F238E27FC236}">
+                <a16:creationId xmlns:a16="http://schemas.microsoft.com/office/drawing/2014/main" xmlns="" id="{4699B09D-520F-4264-BF69-28CEB7678DAF}"/>
+              </a:ext>
+            </a:extLst>
+          </p:cNvPr>
+          <p:cNvSpPr>
+            <a:spLocks noGrp="1"/>
+          </p:cNvSpPr>
+          <p:nvPr>
+            <p:ph type="title"/>
+          </p:nvPr>
+        </p:nvSpPr>
+        <p:spPr>
+          <a:xfrm>
+            <a:off x="1479040" y="398446"/>
+            <a:ext cx="10515600" cy="383709"/>
+          </a:xfrm>
+        </p:spPr>
+        <p:txBody>
+          <a:bodyPr>
+            <a:noAutofit/>
+          </a:bodyPr>
+          <a:lstStyle/>
+          <a:p>
+            <a:r>
+              <a:rPr lang="es-PE" sz="2400" b="1" cap="small" dirty="0"/>
+              <a:t>DIAGRAMA DE CASOS DE USO DEL SISTEMA POR PAQUETE </a:t>
+            </a:r>
+          </a:p>
+        </p:txBody>
+      </p:sp>
+      <p:sp>
+        <p:nvSpPr>
+          <p:cNvPr id="6" name="Rectángulo 5">
+            <a:extLst>
+              <a:ext uri="{FF2B5EF4-FFF2-40B4-BE49-F238E27FC236}">
+                <a16:creationId xmlns:a16="http://schemas.microsoft.com/office/drawing/2014/main" xmlns="" id="{9D8EDB50-8C3C-4B6B-A22C-7169591C33BD}"/>
+              </a:ext>
+            </a:extLst>
+          </p:cNvPr>
+          <p:cNvSpPr/>
+          <p:nvPr/>
+        </p:nvSpPr>
+        <p:spPr>
+          <a:xfrm>
+            <a:off x="1135067" y="287621"/>
+            <a:ext cx="187034" cy="635252"/>
+          </a:xfrm>
+          <a:prstGeom prst="rect">
+            <a:avLst/>
+          </a:prstGeom>
+          <a:solidFill>
+            <a:schemeClr val="accent2"/>
+          </a:solidFill>
+          <a:ln>
+            <a:solidFill>
+              <a:schemeClr val="accent2"/>
+            </a:solidFill>
+          </a:ln>
+        </p:spPr>
+        <p:style>
+          <a:lnRef idx="2">
+            <a:schemeClr val="accent1">
+              <a:shade val="50000"/>
+            </a:schemeClr>
+          </a:lnRef>
+          <a:fillRef idx="1">
+            <a:schemeClr val="accent1"/>
+          </a:fillRef>
+          <a:effectRef idx="0">
+            <a:schemeClr val="accent1"/>
+          </a:effectRef>
+          <a:fontRef idx="minor">
+            <a:schemeClr val="lt1"/>
+          </a:fontRef>
+        </p:style>
+        <p:txBody>
+          <a:bodyPr rtlCol="0" anchor="ctr"/>
+          <a:lstStyle/>
+          <a:p>
+            <a:pPr algn="ctr"/>
+            <a:endParaRPr lang="es-PE" dirty="0"/>
+          </a:p>
+        </p:txBody>
+      </p:sp>
+      <p:pic>
+        <p:nvPicPr>
+          <p:cNvPr id="8" name="Picture 2" descr="Resultado de imagen para upc logo png">
+            <a:extLst>
+              <a:ext uri="{FF2B5EF4-FFF2-40B4-BE49-F238E27FC236}">
+                <a16:creationId xmlns:a16="http://schemas.microsoft.com/office/drawing/2014/main" xmlns="" id="{0FA2A498-536C-43EF-A9D1-7B882388B2BF}"/>
+              </a:ext>
+            </a:extLst>
+          </p:cNvPr>
+          <p:cNvPicPr>
+            <a:picLocks noChangeAspect="1" noChangeArrowheads="1"/>
+          </p:cNvPicPr>
+          <p:nvPr/>
+        </p:nvPicPr>
+        <p:blipFill>
+          <a:blip r:embed="rId3">
+            <a:extLst>
+              <a:ext uri="{28A0092B-C50C-407E-A947-70E740481C1C}">
+                <a14:useLocalDpi xmlns:a14="http://schemas.microsoft.com/office/drawing/2010/main" val="0"/>
+              </a:ext>
+            </a:extLst>
+          </a:blip>
+          <a:srcRect/>
+          <a:stretch>
+            <a:fillRect/>
+          </a:stretch>
+        </p:blipFill>
+        <p:spPr bwMode="auto">
+          <a:xfrm>
+            <a:off x="0" y="-33207"/>
+            <a:ext cx="956080" cy="956080"/>
+          </a:xfrm>
+          <a:prstGeom prst="rect">
+            <a:avLst/>
+          </a:prstGeom>
+          <a:noFill/>
+          <a:extLst>
+            <a:ext uri="{909E8E84-426E-40DD-AFC4-6F175D3DCCD1}">
+              <a14:hiddenFill xmlns:a14="http://schemas.microsoft.com/office/drawing/2010/main">
+                <a:solidFill>
+                  <a:srgbClr val="FFFFFF"/>
+                </a:solidFill>
+              </a14:hiddenFill>
+            </a:ext>
+          </a:extLst>
+        </p:spPr>
+      </p:pic>
+      <p:pic>
+        <p:nvPicPr>
+          <p:cNvPr id="9" name="Picture 4" descr="Resultado de imagen para britanico logo sin fondo">
+            <a:extLst>
+              <a:ext uri="{FF2B5EF4-FFF2-40B4-BE49-F238E27FC236}">
+                <a16:creationId xmlns:a16="http://schemas.microsoft.com/office/drawing/2014/main" xmlns="" id="{2D1D0558-610B-4487-BEE4-079EF97D1394}"/>
+              </a:ext>
+            </a:extLst>
+          </p:cNvPr>
+          <p:cNvPicPr>
+            <a:picLocks noChangeAspect="1" noChangeArrowheads="1"/>
+          </p:cNvPicPr>
+          <p:nvPr/>
+        </p:nvPicPr>
+        <p:blipFill rotWithShape="1">
+          <a:blip r:embed="rId4">
+            <a:extLst>
+              <a:ext uri="{28A0092B-C50C-407E-A947-70E740481C1C}">
+                <a14:useLocalDpi xmlns:a14="http://schemas.microsoft.com/office/drawing/2010/main" val="0"/>
+              </a:ext>
+            </a:extLst>
+          </a:blip>
+          <a:srcRect l="4182" t="25515" r="70606" b="24545"/>
+          <a:stretch/>
+        </p:blipFill>
+        <p:spPr bwMode="auto">
+          <a:xfrm>
+            <a:off x="11133185" y="152724"/>
+            <a:ext cx="754016" cy="746766"/>
+          </a:xfrm>
+          <a:prstGeom prst="rect">
+            <a:avLst/>
+          </a:prstGeom>
+          <a:noFill/>
+          <a:extLst>
+            <a:ext uri="{909E8E84-426E-40DD-AFC4-6F175D3DCCD1}">
+              <a14:hiddenFill xmlns:a14="http://schemas.microsoft.com/office/drawing/2010/main">
+                <a:solidFill>
+                  <a:srgbClr val="FFFFFF"/>
+                </a:solidFill>
+              </a14:hiddenFill>
+            </a:ext>
+          </a:extLst>
+        </p:spPr>
+      </p:pic>
+      <p:pic>
+        <p:nvPicPr>
+          <p:cNvPr id="11" name="Imagen 10"/>
+          <p:cNvPicPr/>
+          <p:nvPr/>
+        </p:nvPicPr>
+        <p:blipFill>
+          <a:blip r:embed="rId5"/>
+          <a:stretch>
+            <a:fillRect/>
+          </a:stretch>
+        </p:blipFill>
+        <p:spPr>
+          <a:xfrm>
+            <a:off x="3146968" y="2382486"/>
+            <a:ext cx="5871772" cy="4238038"/>
+          </a:xfrm>
+          <a:prstGeom prst="rect">
+            <a:avLst/>
+          </a:prstGeom>
+        </p:spPr>
+      </p:pic>
+    </p:spTree>
+    <p:extLst>
+      <p:ext uri="{BB962C8B-B14F-4D97-AF65-F5344CB8AC3E}">
+        <p14:creationId xmlns:p14="http://schemas.microsoft.com/office/powerpoint/2010/main" val="617223082"/>
+      </p:ext>
+    </p:extLst>
+  </p:cSld>
+  <p:clrMapOvr>
+    <a:masterClrMapping/>
+  </p:clrMapOvr>
+  <p:timing>
+    <p:tnLst>
+      <p:par>
+        <p:cTn id="1" dur="indefinite" restart="never" nodeType="tmRoot"/>
+      </p:par>
+    </p:tnLst>
+  </p:timing>
+</p:sld>
+</file>
+
+<file path=ppt/slides/slide37.xml><?xml version="1.0" encoding="utf-8"?>
+<p:sld xmlns:a="http://schemas.openxmlformats.org/drawingml/2006/main" xmlns:r="http://schemas.openxmlformats.org/officeDocument/2006/relationships" xmlns:p="http://schemas.openxmlformats.org/presentationml/2006/main">
+  <p:cSld>
+    <p:spTree>
+      <p:nvGrpSpPr>
+        <p:cNvPr id="1" name=""/>
+        <p:cNvGrpSpPr/>
+        <p:nvPr/>
+      </p:nvGrpSpPr>
+      <p:grpSpPr>
+        <a:xfrm>
+          <a:off x="0" y="0"/>
+          <a:ext cx="0" cy="0"/>
+          <a:chOff x="0" y="0"/>
+          <a:chExt cx="0" cy="0"/>
+        </a:xfrm>
+      </p:grpSpPr>
+      <p:pic>
+        <p:nvPicPr>
+          <p:cNvPr id="3074" name="Picture 2" descr="Imagen relacionada">
+            <a:extLst>
+              <a:ext uri="{FF2B5EF4-FFF2-40B4-BE49-F238E27FC236}">
+                <a16:creationId xmlns:a16="http://schemas.microsoft.com/office/drawing/2014/main" xmlns="" id="{05B12E2C-FABF-4D27-BF59-5D38667199E7}"/>
+              </a:ext>
+            </a:extLst>
+          </p:cNvPr>
+          <p:cNvPicPr>
+            <a:picLocks noChangeAspect="1" noChangeArrowheads="1"/>
+          </p:cNvPicPr>
+          <p:nvPr/>
+        </p:nvPicPr>
+        <p:blipFill>
+          <a:blip r:embed="rId2">
+            <a:extLst>
+              <a:ext uri="{28A0092B-C50C-407E-A947-70E740481C1C}">
+                <a14:useLocalDpi xmlns:a14="http://schemas.microsoft.com/office/drawing/2010/main" val="0"/>
+              </a:ext>
+            </a:extLst>
+          </a:blip>
+          <a:srcRect/>
+          <a:stretch>
+            <a:fillRect/>
+          </a:stretch>
+        </p:blipFill>
+        <p:spPr bwMode="auto">
+          <a:xfrm>
+            <a:off x="0" y="0"/>
+            <a:ext cx="12174391" cy="6858000"/>
+          </a:xfrm>
+          <a:prstGeom prst="rect">
+            <a:avLst/>
+          </a:prstGeom>
+          <a:noFill/>
+          <a:extLst>
+            <a:ext uri="{909E8E84-426E-40DD-AFC4-6F175D3DCCD1}">
+              <a14:hiddenFill xmlns:a14="http://schemas.microsoft.com/office/drawing/2010/main">
+                <a:solidFill>
+                  <a:srgbClr val="FFFFFF"/>
+                </a:solidFill>
+              </a14:hiddenFill>
+            </a:ext>
+          </a:extLst>
+        </p:spPr>
+      </p:pic>
+      <p:sp>
+        <p:nvSpPr>
+          <p:cNvPr id="5" name="Rectangle 6">
+            <a:extLst>
+              <a:ext uri="{FF2B5EF4-FFF2-40B4-BE49-F238E27FC236}">
+                <a16:creationId xmlns:a16="http://schemas.microsoft.com/office/drawing/2014/main" xmlns="" id="{29226A0B-93FB-4E2B-8DB9-4DC733138A26}"/>
+              </a:ext>
+            </a:extLst>
+          </p:cNvPr>
+          <p:cNvSpPr/>
+          <p:nvPr/>
+        </p:nvSpPr>
+        <p:spPr>
+          <a:xfrm>
+            <a:off x="17609" y="0"/>
+            <a:ext cx="12192000" cy="7039708"/>
+          </a:xfrm>
+          <a:prstGeom prst="rect">
+            <a:avLst/>
+          </a:prstGeom>
+          <a:solidFill>
+            <a:schemeClr val="bg2">
+              <a:lumMod val="25000"/>
+              <a:alpha val="76000"/>
+            </a:schemeClr>
+          </a:solidFill>
+          <a:ln>
+            <a:noFill/>
+          </a:ln>
+        </p:spPr>
+        <p:style>
+          <a:lnRef idx="2">
+            <a:schemeClr val="accent2">
+              <a:shade val="50000"/>
+            </a:schemeClr>
+          </a:lnRef>
+          <a:fillRef idx="1">
+            <a:schemeClr val="accent2"/>
+          </a:fillRef>
+          <a:effectRef idx="0">
+            <a:schemeClr val="accent2"/>
+          </a:effectRef>
+          <a:fontRef idx="minor">
+            <a:schemeClr val="lt1"/>
+          </a:fontRef>
+        </p:style>
+        <p:txBody>
+          <a:bodyPr rtlCol="0" anchor="ctr"/>
+          <a:lstStyle/>
+          <a:p>
+            <a:pPr algn="ctr"/>
+            <a:endParaRPr lang="es-PE" dirty="0"/>
+          </a:p>
+        </p:txBody>
+      </p:sp>
+      <p:sp>
+        <p:nvSpPr>
+          <p:cNvPr id="3" name="Marcador de contenido 2">
+            <a:extLst>
+              <a:ext uri="{FF2B5EF4-FFF2-40B4-BE49-F238E27FC236}">
+                <a16:creationId xmlns:a16="http://schemas.microsoft.com/office/drawing/2014/main" xmlns="" id="{E7C05CC3-11D7-40CC-B980-05AF401AC530}"/>
+              </a:ext>
+            </a:extLst>
+          </p:cNvPr>
+          <p:cNvSpPr>
+            <a:spLocks noGrp="1"/>
+          </p:cNvSpPr>
+          <p:nvPr>
+            <p:ph idx="1"/>
+          </p:nvPr>
+        </p:nvSpPr>
+        <p:spPr>
+          <a:xfrm>
+            <a:off x="1135067" y="1482997"/>
+            <a:ext cx="9998118" cy="746766"/>
+          </a:xfrm>
+        </p:spPr>
+        <p:txBody>
+          <a:bodyPr>
+            <a:normAutofit/>
+          </a:bodyPr>
+          <a:lstStyle/>
+          <a:p>
+            <a:pPr algn="just"/>
+            <a:r>
+              <a:rPr lang="es-PE" dirty="0" smtClean="0">
+                <a:solidFill>
+                  <a:srgbClr val="FFC000"/>
+                </a:solidFill>
+              </a:rPr>
+              <a:t>Gestión de proceso documentario</a:t>
+            </a:r>
+            <a:endParaRPr lang="es-PE" dirty="0">
+              <a:solidFill>
+                <a:srgbClr val="FFC000"/>
+              </a:solidFill>
+            </a:endParaRPr>
+          </a:p>
+        </p:txBody>
+      </p:sp>
+      <p:sp>
+        <p:nvSpPr>
+          <p:cNvPr id="4" name="Flecha: pentágono 3">
+            <a:extLst>
+              <a:ext uri="{FF2B5EF4-FFF2-40B4-BE49-F238E27FC236}">
+                <a16:creationId xmlns:a16="http://schemas.microsoft.com/office/drawing/2014/main" xmlns="" id="{0AAC25DD-9019-4834-8DDD-90426C6BF0AD}"/>
+              </a:ext>
+            </a:extLst>
+          </p:cNvPr>
+          <p:cNvSpPr/>
+          <p:nvPr/>
+        </p:nvSpPr>
+        <p:spPr>
+          <a:xfrm>
+            <a:off x="1444267" y="325534"/>
+            <a:ext cx="9268693" cy="573955"/>
+          </a:xfrm>
+          <a:prstGeom prst="homePlate">
+            <a:avLst>
+              <a:gd name="adj" fmla="val 176989"/>
+            </a:avLst>
+          </a:prstGeom>
+          <a:gradFill>
+            <a:gsLst>
+              <a:gs pos="68141">
+                <a:schemeClr val="accent2">
+                  <a:lumMod val="40000"/>
+                  <a:lumOff val="60000"/>
+                </a:schemeClr>
+              </a:gs>
+              <a:gs pos="44000">
+                <a:schemeClr val="accent2">
+                  <a:lumMod val="20000"/>
+                  <a:lumOff val="80000"/>
+                </a:schemeClr>
+              </a:gs>
+            </a:gsLst>
+            <a:lin ang="13500000" scaled="1"/>
+          </a:gradFill>
+          <a:ln>
+            <a:noFill/>
+          </a:ln>
+        </p:spPr>
+        <p:style>
+          <a:lnRef idx="2">
+            <a:schemeClr val="accent1">
+              <a:shade val="50000"/>
+            </a:schemeClr>
+          </a:lnRef>
+          <a:fillRef idx="1">
+            <a:schemeClr val="accent1"/>
+          </a:fillRef>
+          <a:effectRef idx="0">
+            <a:schemeClr val="accent1"/>
+          </a:effectRef>
+          <a:fontRef idx="minor">
+            <a:schemeClr val="lt1"/>
+          </a:fontRef>
+        </p:style>
+        <p:txBody>
+          <a:bodyPr rtlCol="0" anchor="ctr"/>
+          <a:lstStyle/>
+          <a:p>
+            <a:pPr algn="ctr"/>
+            <a:endParaRPr lang="es-PE" dirty="0"/>
+          </a:p>
+        </p:txBody>
+      </p:sp>
+      <p:sp>
+        <p:nvSpPr>
+          <p:cNvPr id="2" name="Título 1">
+            <a:extLst>
+              <a:ext uri="{FF2B5EF4-FFF2-40B4-BE49-F238E27FC236}">
+                <a16:creationId xmlns:a16="http://schemas.microsoft.com/office/drawing/2014/main" xmlns="" id="{4699B09D-520F-4264-BF69-28CEB7678DAF}"/>
+              </a:ext>
+            </a:extLst>
+          </p:cNvPr>
+          <p:cNvSpPr>
+            <a:spLocks noGrp="1"/>
+          </p:cNvSpPr>
+          <p:nvPr>
+            <p:ph type="title"/>
+          </p:nvPr>
+        </p:nvSpPr>
+        <p:spPr>
+          <a:xfrm>
+            <a:off x="1479040" y="398446"/>
+            <a:ext cx="10515600" cy="383709"/>
+          </a:xfrm>
+        </p:spPr>
+        <p:txBody>
+          <a:bodyPr>
+            <a:noAutofit/>
+          </a:bodyPr>
+          <a:lstStyle/>
+          <a:p>
+            <a:r>
+              <a:rPr lang="es-PE" sz="2400" b="1" cap="small" dirty="0"/>
+              <a:t>DIAGRAMA DE CASOS DE USO DEL SISTEMA POR PAQUETE </a:t>
+            </a:r>
+          </a:p>
+        </p:txBody>
+      </p:sp>
+      <p:sp>
+        <p:nvSpPr>
+          <p:cNvPr id="6" name="Rectángulo 5">
+            <a:extLst>
+              <a:ext uri="{FF2B5EF4-FFF2-40B4-BE49-F238E27FC236}">
+                <a16:creationId xmlns:a16="http://schemas.microsoft.com/office/drawing/2014/main" xmlns="" id="{9D8EDB50-8C3C-4B6B-A22C-7169591C33BD}"/>
+              </a:ext>
+            </a:extLst>
+          </p:cNvPr>
+          <p:cNvSpPr/>
+          <p:nvPr/>
+        </p:nvSpPr>
+        <p:spPr>
+          <a:xfrm>
+            <a:off x="1135067" y="287621"/>
+            <a:ext cx="187034" cy="635252"/>
+          </a:xfrm>
+          <a:prstGeom prst="rect">
+            <a:avLst/>
+          </a:prstGeom>
+          <a:solidFill>
+            <a:schemeClr val="accent2"/>
+          </a:solidFill>
+          <a:ln>
+            <a:solidFill>
+              <a:schemeClr val="accent2"/>
+            </a:solidFill>
+          </a:ln>
+        </p:spPr>
+        <p:style>
+          <a:lnRef idx="2">
+            <a:schemeClr val="accent1">
+              <a:shade val="50000"/>
+            </a:schemeClr>
+          </a:lnRef>
+          <a:fillRef idx="1">
+            <a:schemeClr val="accent1"/>
+          </a:fillRef>
+          <a:effectRef idx="0">
+            <a:schemeClr val="accent1"/>
+          </a:effectRef>
+          <a:fontRef idx="minor">
+            <a:schemeClr val="lt1"/>
+          </a:fontRef>
+        </p:style>
+        <p:txBody>
+          <a:bodyPr rtlCol="0" anchor="ctr"/>
+          <a:lstStyle/>
+          <a:p>
+            <a:pPr algn="ctr"/>
+            <a:endParaRPr lang="es-PE" dirty="0"/>
+          </a:p>
+        </p:txBody>
+      </p:sp>
+      <p:pic>
+        <p:nvPicPr>
+          <p:cNvPr id="8" name="Picture 2" descr="Resultado de imagen para upc logo png">
+            <a:extLst>
+              <a:ext uri="{FF2B5EF4-FFF2-40B4-BE49-F238E27FC236}">
+                <a16:creationId xmlns:a16="http://schemas.microsoft.com/office/drawing/2014/main" xmlns="" id="{0FA2A498-536C-43EF-A9D1-7B882388B2BF}"/>
+              </a:ext>
+            </a:extLst>
+          </p:cNvPr>
+          <p:cNvPicPr>
+            <a:picLocks noChangeAspect="1" noChangeArrowheads="1"/>
+          </p:cNvPicPr>
+          <p:nvPr/>
+        </p:nvPicPr>
+        <p:blipFill>
+          <a:blip r:embed="rId3">
+            <a:extLst>
+              <a:ext uri="{28A0092B-C50C-407E-A947-70E740481C1C}">
+                <a14:useLocalDpi xmlns:a14="http://schemas.microsoft.com/office/drawing/2010/main" val="0"/>
+              </a:ext>
+            </a:extLst>
+          </a:blip>
+          <a:srcRect/>
+          <a:stretch>
+            <a:fillRect/>
+          </a:stretch>
+        </p:blipFill>
+        <p:spPr bwMode="auto">
+          <a:xfrm>
+            <a:off x="0" y="-33207"/>
+            <a:ext cx="956080" cy="956080"/>
+          </a:xfrm>
+          <a:prstGeom prst="rect">
+            <a:avLst/>
+          </a:prstGeom>
+          <a:noFill/>
+          <a:extLst>
+            <a:ext uri="{909E8E84-426E-40DD-AFC4-6F175D3DCCD1}">
+              <a14:hiddenFill xmlns:a14="http://schemas.microsoft.com/office/drawing/2010/main">
+                <a:solidFill>
+                  <a:srgbClr val="FFFFFF"/>
+                </a:solidFill>
+              </a14:hiddenFill>
+            </a:ext>
+          </a:extLst>
+        </p:spPr>
+      </p:pic>
+      <p:pic>
+        <p:nvPicPr>
+          <p:cNvPr id="9" name="Picture 4" descr="Resultado de imagen para britanico logo sin fondo">
+            <a:extLst>
+              <a:ext uri="{FF2B5EF4-FFF2-40B4-BE49-F238E27FC236}">
+                <a16:creationId xmlns:a16="http://schemas.microsoft.com/office/drawing/2014/main" xmlns="" id="{2D1D0558-610B-4487-BEE4-079EF97D1394}"/>
+              </a:ext>
+            </a:extLst>
+          </p:cNvPr>
+          <p:cNvPicPr>
+            <a:picLocks noChangeAspect="1" noChangeArrowheads="1"/>
+          </p:cNvPicPr>
+          <p:nvPr/>
+        </p:nvPicPr>
+        <p:blipFill rotWithShape="1">
+          <a:blip r:embed="rId4">
+            <a:extLst>
+              <a:ext uri="{28A0092B-C50C-407E-A947-70E740481C1C}">
+                <a14:useLocalDpi xmlns:a14="http://schemas.microsoft.com/office/drawing/2010/main" val="0"/>
+              </a:ext>
+            </a:extLst>
+          </a:blip>
+          <a:srcRect l="4182" t="25515" r="70606" b="24545"/>
+          <a:stretch/>
+        </p:blipFill>
+        <p:spPr bwMode="auto">
+          <a:xfrm>
+            <a:off x="11133185" y="152724"/>
+            <a:ext cx="754016" cy="746766"/>
+          </a:xfrm>
+          <a:prstGeom prst="rect">
+            <a:avLst/>
+          </a:prstGeom>
+          <a:noFill/>
+          <a:extLst>
+            <a:ext uri="{909E8E84-426E-40DD-AFC4-6F175D3DCCD1}">
+              <a14:hiddenFill xmlns:a14="http://schemas.microsoft.com/office/drawing/2010/main">
+                <a:solidFill>
+                  <a:srgbClr val="FFFFFF"/>
+                </a:solidFill>
+              </a14:hiddenFill>
+            </a:ext>
+          </a:extLst>
+        </p:spPr>
+      </p:pic>
+      <p:pic>
+        <p:nvPicPr>
+          <p:cNvPr id="11" name="Imagen 10"/>
+          <p:cNvPicPr/>
+          <p:nvPr/>
+        </p:nvPicPr>
+        <p:blipFill>
+          <a:blip r:embed="rId5"/>
+          <a:stretch>
+            <a:fillRect/>
+          </a:stretch>
+        </p:blipFill>
+        <p:spPr>
+          <a:xfrm>
+            <a:off x="2662329" y="2382486"/>
+            <a:ext cx="6832400" cy="3838830"/>
+          </a:xfrm>
+          <a:prstGeom prst="rect">
+            <a:avLst/>
+          </a:prstGeom>
+        </p:spPr>
+      </p:pic>
+    </p:spTree>
+    <p:extLst>
+      <p:ext uri="{BB962C8B-B14F-4D97-AF65-F5344CB8AC3E}">
+        <p14:creationId xmlns:p14="http://schemas.microsoft.com/office/powerpoint/2010/main" val="1693857513"/>
+      </p:ext>
+    </p:extLst>
+  </p:cSld>
+  <p:clrMapOvr>
+    <a:masterClrMapping/>
+  </p:clrMapOvr>
+  <p:timing>
+    <p:tnLst>
+      <p:par>
+        <p:cTn id="1" dur="indefinite" restart="never" nodeType="tmRoot"/>
+      </p:par>
+    </p:tnLst>
+  </p:timing>
+</p:sld>
+</file>
+
+<file path=ppt/slides/slide38.xml><?xml version="1.0" encoding="utf-8"?>
+<p:sld xmlns:a="http://schemas.openxmlformats.org/drawingml/2006/main" xmlns:r="http://schemas.openxmlformats.org/officeDocument/2006/relationships" xmlns:p="http://schemas.openxmlformats.org/presentationml/2006/main">
+  <p:cSld>
+    <p:spTree>
+      <p:nvGrpSpPr>
+        <p:cNvPr id="1" name=""/>
+        <p:cNvGrpSpPr/>
+        <p:nvPr/>
+      </p:nvGrpSpPr>
+      <p:grpSpPr>
+        <a:xfrm>
+          <a:off x="0" y="0"/>
+          <a:ext cx="0" cy="0"/>
+          <a:chOff x="0" y="0"/>
+          <a:chExt cx="0" cy="0"/>
+        </a:xfrm>
+      </p:grpSpPr>
+      <p:pic>
+        <p:nvPicPr>
+          <p:cNvPr id="3074" name="Picture 2" descr="Imagen relacionada">
+            <a:extLst>
+              <a:ext uri="{FF2B5EF4-FFF2-40B4-BE49-F238E27FC236}">
+                <a16:creationId xmlns:a16="http://schemas.microsoft.com/office/drawing/2014/main" xmlns="" id="{05B12E2C-FABF-4D27-BF59-5D38667199E7}"/>
+              </a:ext>
+            </a:extLst>
+          </p:cNvPr>
+          <p:cNvPicPr>
+            <a:picLocks noChangeAspect="1" noChangeArrowheads="1"/>
+          </p:cNvPicPr>
+          <p:nvPr/>
+        </p:nvPicPr>
+        <p:blipFill>
+          <a:blip r:embed="rId2">
+            <a:extLst>
+              <a:ext uri="{28A0092B-C50C-407E-A947-70E740481C1C}">
+                <a14:useLocalDpi xmlns:a14="http://schemas.microsoft.com/office/drawing/2010/main" val="0"/>
+              </a:ext>
+            </a:extLst>
+          </a:blip>
+          <a:srcRect/>
+          <a:stretch>
+            <a:fillRect/>
+          </a:stretch>
+        </p:blipFill>
+        <p:spPr bwMode="auto">
+          <a:xfrm>
+            <a:off x="0" y="0"/>
+            <a:ext cx="12174391" cy="6858000"/>
+          </a:xfrm>
+          <a:prstGeom prst="rect">
+            <a:avLst/>
+          </a:prstGeom>
+          <a:noFill/>
+          <a:extLst>
+            <a:ext uri="{909E8E84-426E-40DD-AFC4-6F175D3DCCD1}">
+              <a14:hiddenFill xmlns:a14="http://schemas.microsoft.com/office/drawing/2010/main">
+                <a:solidFill>
+                  <a:srgbClr val="FFFFFF"/>
+                </a:solidFill>
+              </a14:hiddenFill>
+            </a:ext>
+          </a:extLst>
+        </p:spPr>
+      </p:pic>
+      <p:sp>
+        <p:nvSpPr>
+          <p:cNvPr id="5" name="Rectangle 6">
+            <a:extLst>
+              <a:ext uri="{FF2B5EF4-FFF2-40B4-BE49-F238E27FC236}">
+                <a16:creationId xmlns:a16="http://schemas.microsoft.com/office/drawing/2014/main" xmlns="" id="{29226A0B-93FB-4E2B-8DB9-4DC733138A26}"/>
+              </a:ext>
+            </a:extLst>
+          </p:cNvPr>
+          <p:cNvSpPr/>
+          <p:nvPr/>
+        </p:nvSpPr>
+        <p:spPr>
+          <a:xfrm>
+            <a:off x="17609" y="0"/>
+            <a:ext cx="12192000" cy="7039708"/>
+          </a:xfrm>
+          <a:prstGeom prst="rect">
+            <a:avLst/>
+          </a:prstGeom>
+          <a:solidFill>
+            <a:schemeClr val="bg2">
+              <a:lumMod val="25000"/>
+              <a:alpha val="76000"/>
+            </a:schemeClr>
+          </a:solidFill>
+          <a:ln>
+            <a:noFill/>
+          </a:ln>
+        </p:spPr>
+        <p:style>
+          <a:lnRef idx="2">
+            <a:schemeClr val="accent2">
+              <a:shade val="50000"/>
+            </a:schemeClr>
+          </a:lnRef>
+          <a:fillRef idx="1">
+            <a:schemeClr val="accent2"/>
+          </a:fillRef>
+          <a:effectRef idx="0">
+            <a:schemeClr val="accent2"/>
+          </a:effectRef>
+          <a:fontRef idx="minor">
+            <a:schemeClr val="lt1"/>
+          </a:fontRef>
+        </p:style>
+        <p:txBody>
+          <a:bodyPr rtlCol="0" anchor="ctr"/>
+          <a:lstStyle/>
+          <a:p>
+            <a:pPr algn="ctr"/>
+            <a:endParaRPr lang="es-PE" dirty="0"/>
+          </a:p>
+        </p:txBody>
+      </p:sp>
+      <p:sp>
+        <p:nvSpPr>
+          <p:cNvPr id="3" name="Marcador de contenido 2">
+            <a:extLst>
+              <a:ext uri="{FF2B5EF4-FFF2-40B4-BE49-F238E27FC236}">
+                <a16:creationId xmlns:a16="http://schemas.microsoft.com/office/drawing/2014/main" xmlns="" id="{E7C05CC3-11D7-40CC-B980-05AF401AC530}"/>
+              </a:ext>
+            </a:extLst>
+          </p:cNvPr>
+          <p:cNvSpPr>
+            <a:spLocks noGrp="1"/>
+          </p:cNvSpPr>
+          <p:nvPr>
+            <p:ph idx="1"/>
+          </p:nvPr>
+        </p:nvSpPr>
+        <p:spPr>
+          <a:xfrm>
+            <a:off x="1135067" y="1482997"/>
+            <a:ext cx="9998118" cy="746766"/>
+          </a:xfrm>
+        </p:spPr>
+        <p:txBody>
+          <a:bodyPr>
+            <a:normAutofit/>
+          </a:bodyPr>
+          <a:lstStyle/>
+          <a:p>
+            <a:pPr algn="just"/>
+            <a:r>
+              <a:rPr lang="es-PE" dirty="0" smtClean="0">
+                <a:solidFill>
+                  <a:srgbClr val="FFC000"/>
+                </a:solidFill>
+              </a:rPr>
+              <a:t>Gestión de seguridad</a:t>
+            </a:r>
+            <a:endParaRPr lang="es-PE" dirty="0">
+              <a:solidFill>
+                <a:srgbClr val="FFC000"/>
+              </a:solidFill>
+            </a:endParaRPr>
+          </a:p>
+        </p:txBody>
+      </p:sp>
+      <p:sp>
+        <p:nvSpPr>
+          <p:cNvPr id="4" name="Flecha: pentágono 3">
+            <a:extLst>
+              <a:ext uri="{FF2B5EF4-FFF2-40B4-BE49-F238E27FC236}">
+                <a16:creationId xmlns:a16="http://schemas.microsoft.com/office/drawing/2014/main" xmlns="" id="{0AAC25DD-9019-4834-8DDD-90426C6BF0AD}"/>
+              </a:ext>
+            </a:extLst>
+          </p:cNvPr>
+          <p:cNvSpPr/>
+          <p:nvPr/>
+        </p:nvSpPr>
+        <p:spPr>
+          <a:xfrm>
+            <a:off x="1444267" y="325534"/>
+            <a:ext cx="9268693" cy="573955"/>
+          </a:xfrm>
+          <a:prstGeom prst="homePlate">
+            <a:avLst>
+              <a:gd name="adj" fmla="val 176989"/>
+            </a:avLst>
+          </a:prstGeom>
+          <a:gradFill>
+            <a:gsLst>
+              <a:gs pos="68141">
+                <a:schemeClr val="accent2">
+                  <a:lumMod val="40000"/>
+                  <a:lumOff val="60000"/>
+                </a:schemeClr>
+              </a:gs>
+              <a:gs pos="44000">
+                <a:schemeClr val="accent2">
+                  <a:lumMod val="20000"/>
+                  <a:lumOff val="80000"/>
+                </a:schemeClr>
+              </a:gs>
+            </a:gsLst>
+            <a:lin ang="13500000" scaled="1"/>
+          </a:gradFill>
+          <a:ln>
+            <a:noFill/>
+          </a:ln>
+        </p:spPr>
+        <p:style>
+          <a:lnRef idx="2">
+            <a:schemeClr val="accent1">
+              <a:shade val="50000"/>
+            </a:schemeClr>
+          </a:lnRef>
+          <a:fillRef idx="1">
+            <a:schemeClr val="accent1"/>
+          </a:fillRef>
+          <a:effectRef idx="0">
+            <a:schemeClr val="accent1"/>
+          </a:effectRef>
+          <a:fontRef idx="minor">
+            <a:schemeClr val="lt1"/>
+          </a:fontRef>
+        </p:style>
+        <p:txBody>
+          <a:bodyPr rtlCol="0" anchor="ctr"/>
+          <a:lstStyle/>
+          <a:p>
+            <a:pPr algn="ctr"/>
+            <a:endParaRPr lang="es-PE" dirty="0"/>
+          </a:p>
+        </p:txBody>
+      </p:sp>
+      <p:sp>
+        <p:nvSpPr>
+          <p:cNvPr id="2" name="Título 1">
+            <a:extLst>
+              <a:ext uri="{FF2B5EF4-FFF2-40B4-BE49-F238E27FC236}">
+                <a16:creationId xmlns:a16="http://schemas.microsoft.com/office/drawing/2014/main" xmlns="" id="{4699B09D-520F-4264-BF69-28CEB7678DAF}"/>
+              </a:ext>
+            </a:extLst>
+          </p:cNvPr>
+          <p:cNvSpPr>
+            <a:spLocks noGrp="1"/>
+          </p:cNvSpPr>
+          <p:nvPr>
+            <p:ph type="title"/>
+          </p:nvPr>
+        </p:nvSpPr>
+        <p:spPr>
+          <a:xfrm>
+            <a:off x="1479040" y="398446"/>
+            <a:ext cx="10515600" cy="383709"/>
+          </a:xfrm>
+        </p:spPr>
+        <p:txBody>
+          <a:bodyPr>
+            <a:noAutofit/>
+          </a:bodyPr>
+          <a:lstStyle/>
+          <a:p>
+            <a:r>
+              <a:rPr lang="es-PE" sz="2400" b="1" cap="small" dirty="0"/>
+              <a:t>DIAGRAMA DE CASOS DE USO DEL SISTEMA POR PAQUETE </a:t>
+            </a:r>
+          </a:p>
+        </p:txBody>
+      </p:sp>
+      <p:sp>
+        <p:nvSpPr>
+          <p:cNvPr id="6" name="Rectángulo 5">
+            <a:extLst>
+              <a:ext uri="{FF2B5EF4-FFF2-40B4-BE49-F238E27FC236}">
+                <a16:creationId xmlns:a16="http://schemas.microsoft.com/office/drawing/2014/main" xmlns="" id="{9D8EDB50-8C3C-4B6B-A22C-7169591C33BD}"/>
+              </a:ext>
+            </a:extLst>
+          </p:cNvPr>
+          <p:cNvSpPr/>
+          <p:nvPr/>
+        </p:nvSpPr>
+        <p:spPr>
+          <a:xfrm>
+            <a:off x="1135067" y="287621"/>
+            <a:ext cx="187034" cy="635252"/>
+          </a:xfrm>
+          <a:prstGeom prst="rect">
+            <a:avLst/>
+          </a:prstGeom>
+          <a:solidFill>
+            <a:schemeClr val="accent2"/>
+          </a:solidFill>
+          <a:ln>
+            <a:solidFill>
+              <a:schemeClr val="accent2"/>
+            </a:solidFill>
+          </a:ln>
+        </p:spPr>
+        <p:style>
+          <a:lnRef idx="2">
+            <a:schemeClr val="accent1">
+              <a:shade val="50000"/>
+            </a:schemeClr>
+          </a:lnRef>
+          <a:fillRef idx="1">
+            <a:schemeClr val="accent1"/>
+          </a:fillRef>
+          <a:effectRef idx="0">
+            <a:schemeClr val="accent1"/>
+          </a:effectRef>
+          <a:fontRef idx="minor">
+            <a:schemeClr val="lt1"/>
+          </a:fontRef>
+        </p:style>
+        <p:txBody>
+          <a:bodyPr rtlCol="0" anchor="ctr"/>
+          <a:lstStyle/>
+          <a:p>
+            <a:pPr algn="ctr"/>
+            <a:endParaRPr lang="es-PE" dirty="0"/>
+          </a:p>
+        </p:txBody>
+      </p:sp>
+      <p:pic>
+        <p:nvPicPr>
+          <p:cNvPr id="8" name="Picture 2" descr="Resultado de imagen para upc logo png">
+            <a:extLst>
+              <a:ext uri="{FF2B5EF4-FFF2-40B4-BE49-F238E27FC236}">
+                <a16:creationId xmlns:a16="http://schemas.microsoft.com/office/drawing/2014/main" xmlns="" id="{0FA2A498-536C-43EF-A9D1-7B882388B2BF}"/>
+              </a:ext>
+            </a:extLst>
+          </p:cNvPr>
+          <p:cNvPicPr>
+            <a:picLocks noChangeAspect="1" noChangeArrowheads="1"/>
+          </p:cNvPicPr>
+          <p:nvPr/>
+        </p:nvPicPr>
+        <p:blipFill>
+          <a:blip r:embed="rId3">
+            <a:extLst>
+              <a:ext uri="{28A0092B-C50C-407E-A947-70E740481C1C}">
+                <a14:useLocalDpi xmlns:a14="http://schemas.microsoft.com/office/drawing/2010/main" val="0"/>
+              </a:ext>
+            </a:extLst>
+          </a:blip>
+          <a:srcRect/>
+          <a:stretch>
+            <a:fillRect/>
+          </a:stretch>
+        </p:blipFill>
+        <p:spPr bwMode="auto">
+          <a:xfrm>
+            <a:off x="0" y="-33207"/>
+            <a:ext cx="956080" cy="956080"/>
+          </a:xfrm>
+          <a:prstGeom prst="rect">
+            <a:avLst/>
+          </a:prstGeom>
+          <a:noFill/>
+          <a:extLst>
+            <a:ext uri="{909E8E84-426E-40DD-AFC4-6F175D3DCCD1}">
+              <a14:hiddenFill xmlns:a14="http://schemas.microsoft.com/office/drawing/2010/main">
+                <a:solidFill>
+                  <a:srgbClr val="FFFFFF"/>
+                </a:solidFill>
+              </a14:hiddenFill>
+            </a:ext>
+          </a:extLst>
+        </p:spPr>
+      </p:pic>
+      <p:pic>
+        <p:nvPicPr>
+          <p:cNvPr id="9" name="Picture 4" descr="Resultado de imagen para britanico logo sin fondo">
+            <a:extLst>
+              <a:ext uri="{FF2B5EF4-FFF2-40B4-BE49-F238E27FC236}">
+                <a16:creationId xmlns:a16="http://schemas.microsoft.com/office/drawing/2014/main" xmlns="" id="{2D1D0558-610B-4487-BEE4-079EF97D1394}"/>
+              </a:ext>
+            </a:extLst>
+          </p:cNvPr>
+          <p:cNvPicPr>
+            <a:picLocks noChangeAspect="1" noChangeArrowheads="1"/>
+          </p:cNvPicPr>
+          <p:nvPr/>
+        </p:nvPicPr>
+        <p:blipFill rotWithShape="1">
+          <a:blip r:embed="rId4">
+            <a:extLst>
+              <a:ext uri="{28A0092B-C50C-407E-A947-70E740481C1C}">
+                <a14:useLocalDpi xmlns:a14="http://schemas.microsoft.com/office/drawing/2010/main" val="0"/>
+              </a:ext>
+            </a:extLst>
+          </a:blip>
+          <a:srcRect l="4182" t="25515" r="70606" b="24545"/>
+          <a:stretch/>
+        </p:blipFill>
+        <p:spPr bwMode="auto">
+          <a:xfrm>
+            <a:off x="11133185" y="152724"/>
+            <a:ext cx="754016" cy="746766"/>
+          </a:xfrm>
+          <a:prstGeom prst="rect">
+            <a:avLst/>
+          </a:prstGeom>
+          <a:noFill/>
+          <a:extLst>
+            <a:ext uri="{909E8E84-426E-40DD-AFC4-6F175D3DCCD1}">
+              <a14:hiddenFill xmlns:a14="http://schemas.microsoft.com/office/drawing/2010/main">
+                <a:solidFill>
+                  <a:srgbClr val="FFFFFF"/>
+                </a:solidFill>
+              </a14:hiddenFill>
+            </a:ext>
+          </a:extLst>
+        </p:spPr>
+      </p:pic>
+      <p:pic>
+        <p:nvPicPr>
+          <p:cNvPr id="11" name="Imagen 10"/>
+          <p:cNvPicPr/>
+          <p:nvPr/>
+        </p:nvPicPr>
+        <p:blipFill>
+          <a:blip r:embed="rId5"/>
+          <a:stretch>
+            <a:fillRect/>
+          </a:stretch>
+        </p:blipFill>
+        <p:spPr>
+          <a:xfrm>
+            <a:off x="3384009" y="2229763"/>
+            <a:ext cx="5389207" cy="4353726"/>
+          </a:xfrm>
+          <a:prstGeom prst="rect">
+            <a:avLst/>
+          </a:prstGeom>
+        </p:spPr>
+      </p:pic>
+    </p:spTree>
+    <p:extLst>
+      <p:ext uri="{BB962C8B-B14F-4D97-AF65-F5344CB8AC3E}">
+        <p14:creationId xmlns:p14="http://schemas.microsoft.com/office/powerpoint/2010/main" val="1747681876"/>
+      </p:ext>
+    </p:extLst>
+  </p:cSld>
+  <p:clrMapOvr>
+    <a:masterClrMapping/>
+  </p:clrMapOvr>
+  <p:timing>
+    <p:tnLst>
+      <p:par>
+        <p:cTn id="1" dur="indefinite" restart="never" nodeType="tmRoot"/>
+      </p:par>
+    </p:tnLst>
+  </p:timing>
+</p:sld>
+</file>
+
+<file path=ppt/slides/slide39.xml><?xml version="1.0" encoding="utf-8"?>
+<p:sld xmlns:a="http://schemas.openxmlformats.org/drawingml/2006/main" xmlns:r="http://schemas.openxmlformats.org/officeDocument/2006/relationships" xmlns:p="http://schemas.openxmlformats.org/presentationml/2006/main">
+  <p:cSld>
+    <p:spTree>
+      <p:nvGrpSpPr>
+        <p:cNvPr id="1" name=""/>
+        <p:cNvGrpSpPr/>
+        <p:nvPr/>
+      </p:nvGrpSpPr>
+      <p:grpSpPr>
+        <a:xfrm>
+          <a:off x="0" y="0"/>
+          <a:ext cx="0" cy="0"/>
+          <a:chOff x="0" y="0"/>
+          <a:chExt cx="0" cy="0"/>
+        </a:xfrm>
+      </p:grpSpPr>
+      <p:pic>
+        <p:nvPicPr>
+          <p:cNvPr id="3074" name="Picture 2" descr="Imagen relacionada">
+            <a:extLst>
+              <a:ext uri="{FF2B5EF4-FFF2-40B4-BE49-F238E27FC236}">
+                <a16:creationId xmlns:a16="http://schemas.microsoft.com/office/drawing/2014/main" xmlns="" id="{05B12E2C-FABF-4D27-BF59-5D38667199E7}"/>
+              </a:ext>
+            </a:extLst>
+          </p:cNvPr>
+          <p:cNvPicPr>
+            <a:picLocks noChangeAspect="1" noChangeArrowheads="1"/>
+          </p:cNvPicPr>
+          <p:nvPr/>
+        </p:nvPicPr>
+        <p:blipFill>
+          <a:blip r:embed="rId2">
+            <a:extLst>
+              <a:ext uri="{28A0092B-C50C-407E-A947-70E740481C1C}">
+                <a14:useLocalDpi xmlns:a14="http://schemas.microsoft.com/office/drawing/2010/main" val="0"/>
+              </a:ext>
+            </a:extLst>
+          </a:blip>
+          <a:srcRect/>
+          <a:stretch>
+            <a:fillRect/>
+          </a:stretch>
+        </p:blipFill>
+        <p:spPr bwMode="auto">
+          <a:xfrm>
+            <a:off x="0" y="0"/>
+            <a:ext cx="12174391" cy="6858000"/>
+          </a:xfrm>
+          <a:prstGeom prst="rect">
+            <a:avLst/>
+          </a:prstGeom>
+          <a:noFill/>
+          <a:extLst>
+            <a:ext uri="{909E8E84-426E-40DD-AFC4-6F175D3DCCD1}">
+              <a14:hiddenFill xmlns:a14="http://schemas.microsoft.com/office/drawing/2010/main">
+                <a:solidFill>
+                  <a:srgbClr val="FFFFFF"/>
+                </a:solidFill>
+              </a14:hiddenFill>
+            </a:ext>
+          </a:extLst>
+        </p:spPr>
+      </p:pic>
+      <p:sp>
+        <p:nvSpPr>
+          <p:cNvPr id="5" name="Rectangle 6">
+            <a:extLst>
+              <a:ext uri="{FF2B5EF4-FFF2-40B4-BE49-F238E27FC236}">
+                <a16:creationId xmlns:a16="http://schemas.microsoft.com/office/drawing/2014/main" xmlns="" id="{29226A0B-93FB-4E2B-8DB9-4DC733138A26}"/>
+              </a:ext>
+            </a:extLst>
+          </p:cNvPr>
+          <p:cNvSpPr/>
+          <p:nvPr/>
+        </p:nvSpPr>
+        <p:spPr>
+          <a:xfrm>
+            <a:off x="17609" y="0"/>
+            <a:ext cx="12192000" cy="7039708"/>
+          </a:xfrm>
+          <a:prstGeom prst="rect">
+            <a:avLst/>
+          </a:prstGeom>
+          <a:solidFill>
+            <a:schemeClr val="bg2">
+              <a:lumMod val="25000"/>
+              <a:alpha val="76000"/>
+            </a:schemeClr>
+          </a:solidFill>
+          <a:ln>
+            <a:noFill/>
+          </a:ln>
+        </p:spPr>
+        <p:style>
+          <a:lnRef idx="2">
+            <a:schemeClr val="accent2">
+              <a:shade val="50000"/>
+            </a:schemeClr>
+          </a:lnRef>
+          <a:fillRef idx="1">
+            <a:schemeClr val="accent2"/>
+          </a:fillRef>
+          <a:effectRef idx="0">
+            <a:schemeClr val="accent2"/>
+          </a:effectRef>
+          <a:fontRef idx="minor">
+            <a:schemeClr val="lt1"/>
+          </a:fontRef>
+        </p:style>
+        <p:txBody>
+          <a:bodyPr rtlCol="0" anchor="ctr"/>
+          <a:lstStyle/>
+          <a:p>
+            <a:pPr algn="ctr"/>
+            <a:endParaRPr lang="es-PE" dirty="0"/>
+          </a:p>
+        </p:txBody>
+      </p:sp>
+      <p:sp>
+        <p:nvSpPr>
+          <p:cNvPr id="4" name="Flecha: pentágono 3">
+            <a:extLst>
+              <a:ext uri="{FF2B5EF4-FFF2-40B4-BE49-F238E27FC236}">
+                <a16:creationId xmlns:a16="http://schemas.microsoft.com/office/drawing/2014/main" xmlns="" id="{0AAC25DD-9019-4834-8DDD-90426C6BF0AD}"/>
+              </a:ext>
+            </a:extLst>
+          </p:cNvPr>
+          <p:cNvSpPr/>
+          <p:nvPr/>
+        </p:nvSpPr>
+        <p:spPr>
+          <a:xfrm>
+            <a:off x="1444267" y="325534"/>
+            <a:ext cx="9268693" cy="573955"/>
+          </a:xfrm>
+          <a:prstGeom prst="homePlate">
+            <a:avLst>
+              <a:gd name="adj" fmla="val 176989"/>
+            </a:avLst>
+          </a:prstGeom>
+          <a:gradFill>
+            <a:gsLst>
+              <a:gs pos="68141">
+                <a:schemeClr val="accent2">
+                  <a:lumMod val="40000"/>
+                  <a:lumOff val="60000"/>
+                </a:schemeClr>
+              </a:gs>
+              <a:gs pos="44000">
+                <a:schemeClr val="accent2">
+                  <a:lumMod val="20000"/>
+                  <a:lumOff val="80000"/>
+                </a:schemeClr>
+              </a:gs>
+            </a:gsLst>
+            <a:lin ang="13500000" scaled="1"/>
+          </a:gradFill>
+          <a:ln>
+            <a:noFill/>
+          </a:ln>
+        </p:spPr>
+        <p:style>
+          <a:lnRef idx="2">
+            <a:schemeClr val="accent1">
+              <a:shade val="50000"/>
+            </a:schemeClr>
+          </a:lnRef>
+          <a:fillRef idx="1">
+            <a:schemeClr val="accent1"/>
+          </a:fillRef>
+          <a:effectRef idx="0">
+            <a:schemeClr val="accent1"/>
+          </a:effectRef>
+          <a:fontRef idx="minor">
+            <a:schemeClr val="lt1"/>
+          </a:fontRef>
+        </p:style>
+        <p:txBody>
+          <a:bodyPr rtlCol="0" anchor="ctr"/>
+          <a:lstStyle/>
+          <a:p>
+            <a:pPr algn="ctr"/>
+            <a:endParaRPr lang="es-PE" dirty="0"/>
+          </a:p>
+        </p:txBody>
+      </p:sp>
+      <p:sp>
+        <p:nvSpPr>
+          <p:cNvPr id="2" name="Título 1">
+            <a:extLst>
+              <a:ext uri="{FF2B5EF4-FFF2-40B4-BE49-F238E27FC236}">
+                <a16:creationId xmlns:a16="http://schemas.microsoft.com/office/drawing/2014/main" xmlns="" id="{4699B09D-520F-4264-BF69-28CEB7678DAF}"/>
+              </a:ext>
+            </a:extLst>
+          </p:cNvPr>
+          <p:cNvSpPr>
+            <a:spLocks noGrp="1"/>
+          </p:cNvSpPr>
+          <p:nvPr>
+            <p:ph type="title"/>
+          </p:nvPr>
+        </p:nvSpPr>
+        <p:spPr>
+          <a:xfrm>
+            <a:off x="1479040" y="398446"/>
+            <a:ext cx="10515600" cy="383709"/>
+          </a:xfrm>
+        </p:spPr>
+        <p:txBody>
+          <a:bodyPr>
+            <a:noAutofit/>
+          </a:bodyPr>
+          <a:lstStyle/>
+          <a:p>
+            <a:r>
+              <a:rPr lang="es-PE" sz="2400" b="1" cap="small" dirty="0" smtClean="0"/>
+              <a:t>MODELO CONCEPTUAL</a:t>
+            </a:r>
+            <a:endParaRPr lang="es-PE" sz="2400" b="1" cap="small" dirty="0"/>
+          </a:p>
+        </p:txBody>
+      </p:sp>
+      <p:sp>
+        <p:nvSpPr>
+          <p:cNvPr id="6" name="Rectángulo 5">
+            <a:extLst>
+              <a:ext uri="{FF2B5EF4-FFF2-40B4-BE49-F238E27FC236}">
+                <a16:creationId xmlns:a16="http://schemas.microsoft.com/office/drawing/2014/main" xmlns="" id="{9D8EDB50-8C3C-4B6B-A22C-7169591C33BD}"/>
+              </a:ext>
+            </a:extLst>
+          </p:cNvPr>
+          <p:cNvSpPr/>
+          <p:nvPr/>
+        </p:nvSpPr>
+        <p:spPr>
+          <a:xfrm>
+            <a:off x="1135067" y="287621"/>
+            <a:ext cx="187034" cy="635252"/>
+          </a:xfrm>
+          <a:prstGeom prst="rect">
+            <a:avLst/>
+          </a:prstGeom>
+          <a:solidFill>
+            <a:schemeClr val="accent2"/>
+          </a:solidFill>
+          <a:ln>
+            <a:solidFill>
+              <a:schemeClr val="accent2"/>
+            </a:solidFill>
+          </a:ln>
+        </p:spPr>
+        <p:style>
+          <a:lnRef idx="2">
+            <a:schemeClr val="accent1">
+              <a:shade val="50000"/>
+            </a:schemeClr>
+          </a:lnRef>
+          <a:fillRef idx="1">
+            <a:schemeClr val="accent1"/>
+          </a:fillRef>
+          <a:effectRef idx="0">
+            <a:schemeClr val="accent1"/>
+          </a:effectRef>
+          <a:fontRef idx="minor">
+            <a:schemeClr val="lt1"/>
+          </a:fontRef>
+        </p:style>
+        <p:txBody>
+          <a:bodyPr rtlCol="0" anchor="ctr"/>
+          <a:lstStyle/>
+          <a:p>
+            <a:pPr algn="ctr"/>
+            <a:endParaRPr lang="es-PE" dirty="0"/>
+          </a:p>
+        </p:txBody>
+      </p:sp>
+      <p:pic>
+        <p:nvPicPr>
+          <p:cNvPr id="8" name="Picture 2" descr="Resultado de imagen para upc logo png">
+            <a:extLst>
+              <a:ext uri="{FF2B5EF4-FFF2-40B4-BE49-F238E27FC236}">
+                <a16:creationId xmlns:a16="http://schemas.microsoft.com/office/drawing/2014/main" xmlns="" id="{0FA2A498-536C-43EF-A9D1-7B882388B2BF}"/>
+              </a:ext>
+            </a:extLst>
+          </p:cNvPr>
+          <p:cNvPicPr>
+            <a:picLocks noChangeAspect="1" noChangeArrowheads="1"/>
+          </p:cNvPicPr>
+          <p:nvPr/>
+        </p:nvPicPr>
+        <p:blipFill>
+          <a:blip r:embed="rId3">
+            <a:extLst>
+              <a:ext uri="{28A0092B-C50C-407E-A947-70E740481C1C}">
+                <a14:useLocalDpi xmlns:a14="http://schemas.microsoft.com/office/drawing/2010/main" val="0"/>
+              </a:ext>
+            </a:extLst>
+          </a:blip>
+          <a:srcRect/>
+          <a:stretch>
+            <a:fillRect/>
+          </a:stretch>
+        </p:blipFill>
+        <p:spPr bwMode="auto">
+          <a:xfrm>
+            <a:off x="0" y="-33207"/>
+            <a:ext cx="956080" cy="956080"/>
+          </a:xfrm>
+          <a:prstGeom prst="rect">
+            <a:avLst/>
+          </a:prstGeom>
+          <a:noFill/>
+          <a:extLst>
+            <a:ext uri="{909E8E84-426E-40DD-AFC4-6F175D3DCCD1}">
+              <a14:hiddenFill xmlns:a14="http://schemas.microsoft.com/office/drawing/2010/main">
+                <a:solidFill>
+                  <a:srgbClr val="FFFFFF"/>
+                </a:solidFill>
+              </a14:hiddenFill>
+            </a:ext>
+          </a:extLst>
+        </p:spPr>
+      </p:pic>
+      <p:pic>
+        <p:nvPicPr>
+          <p:cNvPr id="9" name="Picture 4" descr="Resultado de imagen para britanico logo sin fondo">
+            <a:extLst>
+              <a:ext uri="{FF2B5EF4-FFF2-40B4-BE49-F238E27FC236}">
+                <a16:creationId xmlns:a16="http://schemas.microsoft.com/office/drawing/2014/main" xmlns="" id="{2D1D0558-610B-4487-BEE4-079EF97D1394}"/>
+              </a:ext>
+            </a:extLst>
+          </p:cNvPr>
+          <p:cNvPicPr>
+            <a:picLocks noChangeAspect="1" noChangeArrowheads="1"/>
+          </p:cNvPicPr>
+          <p:nvPr/>
+        </p:nvPicPr>
+        <p:blipFill rotWithShape="1">
+          <a:blip r:embed="rId4">
+            <a:extLst>
+              <a:ext uri="{28A0092B-C50C-407E-A947-70E740481C1C}">
+                <a14:useLocalDpi xmlns:a14="http://schemas.microsoft.com/office/drawing/2010/main" val="0"/>
+              </a:ext>
+            </a:extLst>
+          </a:blip>
+          <a:srcRect l="4182" t="25515" r="70606" b="24545"/>
+          <a:stretch/>
+        </p:blipFill>
+        <p:spPr bwMode="auto">
+          <a:xfrm>
+            <a:off x="11133185" y="152724"/>
+            <a:ext cx="754016" cy="746766"/>
+          </a:xfrm>
+          <a:prstGeom prst="rect">
+            <a:avLst/>
+          </a:prstGeom>
+          <a:noFill/>
+          <a:extLst>
+            <a:ext uri="{909E8E84-426E-40DD-AFC4-6F175D3DCCD1}">
+              <a14:hiddenFill xmlns:a14="http://schemas.microsoft.com/office/drawing/2010/main">
+                <a:solidFill>
+                  <a:srgbClr val="FFFFFF"/>
+                </a:solidFill>
+              </a14:hiddenFill>
+            </a:ext>
+          </a:extLst>
+        </p:spPr>
+      </p:pic>
+      <p:pic>
+        <p:nvPicPr>
+          <p:cNvPr id="10" name="Imagen 9"/>
+          <p:cNvPicPr>
+            <a:picLocks noChangeAspect="1"/>
+          </p:cNvPicPr>
+          <p:nvPr/>
+        </p:nvPicPr>
+        <p:blipFill>
+          <a:blip r:embed="rId5"/>
+          <a:stretch>
+            <a:fillRect/>
+          </a:stretch>
+        </p:blipFill>
+        <p:spPr>
+          <a:xfrm>
+            <a:off x="916063" y="1225023"/>
+            <a:ext cx="10325100" cy="5591175"/>
+          </a:xfrm>
+          <a:prstGeom prst="rect">
+            <a:avLst/>
+          </a:prstGeom>
+        </p:spPr>
+      </p:pic>
+    </p:spTree>
+    <p:extLst>
+      <p:ext uri="{BB962C8B-B14F-4D97-AF65-F5344CB8AC3E}">
+        <p14:creationId xmlns:p14="http://schemas.microsoft.com/office/powerpoint/2010/main" val="1558182802"/>
+      </p:ext>
+    </p:extLst>
+  </p:cSld>
+  <p:clrMapOvr>
+    <a:masterClrMapping/>
+  </p:clrMapOvr>
+  <p:timing>
+    <p:tnLst>
+      <p:par>
+        <p:cTn id="1" dur="indefinite" restart="never" nodeType="tmRoot"/>
+      </p:par>
+    </p:tnLst>
+  </p:timing>
 </p:sld>
 </file>
 
@@ -16691,7 +21225,7 @@
           <p:cNvPr id="7" name="Picture 2" descr="Resultado de imagen para innovacion">
             <a:extLst>
               <a:ext uri="{FF2B5EF4-FFF2-40B4-BE49-F238E27FC236}">
-                <a16:creationId xmlns:a16="http://schemas.microsoft.com/office/drawing/2014/main" id="{82A53E78-E4A6-42BE-882D-4EA9589B3A50}"/>
+                <a16:creationId xmlns:a16="http://schemas.microsoft.com/office/drawing/2014/main" xmlns="" id="{82A53E78-E4A6-42BE-882D-4EA9589B3A50}"/>
               </a:ext>
             </a:extLst>
           </p:cNvPr>
@@ -16738,7 +21272,7 @@
           <p:cNvPr id="6" name="Rectangle 6">
             <a:extLst>
               <a:ext uri="{FF2B5EF4-FFF2-40B4-BE49-F238E27FC236}">
-                <a16:creationId xmlns:a16="http://schemas.microsoft.com/office/drawing/2014/main" id="{BCBB83CE-5A38-4ED2-A878-AD6CE9619E5E}"/>
+                <a16:creationId xmlns:a16="http://schemas.microsoft.com/office/drawing/2014/main" xmlns="" id="{BCBB83CE-5A38-4ED2-A878-AD6CE9619E5E}"/>
               </a:ext>
             </a:extLst>
           </p:cNvPr>
@@ -16793,7 +21327,7 @@
           <p:cNvPr id="2" name="Título 1">
             <a:extLst>
               <a:ext uri="{FF2B5EF4-FFF2-40B4-BE49-F238E27FC236}">
-                <a16:creationId xmlns:a16="http://schemas.microsoft.com/office/drawing/2014/main" id="{51A5F75B-F161-42B7-AC21-35FF865D73D0}"/>
+                <a16:creationId xmlns:a16="http://schemas.microsoft.com/office/drawing/2014/main" xmlns="" id="{51A5F75B-F161-42B7-AC21-35FF865D73D0}"/>
               </a:ext>
             </a:extLst>
           </p:cNvPr>
@@ -16817,6 +21351,10 @@
           <a:lstStyle/>
           <a:p>
             <a:pPr algn="ctr"/>
+            <a:r>
+              <a:rPr lang="es-PE" dirty="0"/>
+              <a:t/>
+            </a:r>
             <a:br>
               <a:rPr lang="es-PE" dirty="0"/>
             </a:br>
@@ -16836,7 +21374,7 @@
           <p:cNvPr id="13" name="Picture 2" descr="Resultado de imagen para upc logo png">
             <a:extLst>
               <a:ext uri="{FF2B5EF4-FFF2-40B4-BE49-F238E27FC236}">
-                <a16:creationId xmlns:a16="http://schemas.microsoft.com/office/drawing/2014/main" id="{0A2C7DC2-66A4-4E56-A29C-C0BB76DBFA48}"/>
+                <a16:creationId xmlns:a16="http://schemas.microsoft.com/office/drawing/2014/main" xmlns="" id="{0A2C7DC2-66A4-4E56-A29C-C0BB76DBFA48}"/>
               </a:ext>
             </a:extLst>
           </p:cNvPr>
@@ -16883,7 +21421,7 @@
           <p:cNvPr id="14" name="Picture 4" descr="Resultado de imagen para britanico logo sin fondo">
             <a:extLst>
               <a:ext uri="{FF2B5EF4-FFF2-40B4-BE49-F238E27FC236}">
-                <a16:creationId xmlns:a16="http://schemas.microsoft.com/office/drawing/2014/main" id="{D76755F0-2ABA-4D31-A7A9-8FACB4217E3C}"/>
+                <a16:creationId xmlns:a16="http://schemas.microsoft.com/office/drawing/2014/main" xmlns="" id="{D76755F0-2ABA-4D31-A7A9-8FACB4217E3C}"/>
               </a:ext>
             </a:extLst>
           </p:cNvPr>
@@ -16927,6 +21465,743 @@
     <p:extLst>
       <p:ext uri="{BB962C8B-B14F-4D97-AF65-F5344CB8AC3E}">
         <p14:creationId xmlns:p14="http://schemas.microsoft.com/office/powerpoint/2010/main" val="693748796"/>
+      </p:ext>
+    </p:extLst>
+  </p:cSld>
+  <p:clrMapOvr>
+    <a:masterClrMapping/>
+  </p:clrMapOvr>
+  <p:timing>
+    <p:tnLst>
+      <p:par>
+        <p:cTn id="1" dur="indefinite" restart="never" nodeType="tmRoot"/>
+      </p:par>
+    </p:tnLst>
+  </p:timing>
+</p:sld>
+</file>
+
+<file path=ppt/slides/slide40.xml><?xml version="1.0" encoding="utf-8"?>
+<p:sld xmlns:a="http://schemas.openxmlformats.org/drawingml/2006/main" xmlns:r="http://schemas.openxmlformats.org/officeDocument/2006/relationships" xmlns:p="http://schemas.openxmlformats.org/presentationml/2006/main">
+  <p:cSld>
+    <p:spTree>
+      <p:nvGrpSpPr>
+        <p:cNvPr id="1" name=""/>
+        <p:cNvGrpSpPr/>
+        <p:nvPr/>
+      </p:nvGrpSpPr>
+      <p:grpSpPr>
+        <a:xfrm>
+          <a:off x="0" y="0"/>
+          <a:ext cx="0" cy="0"/>
+          <a:chOff x="0" y="0"/>
+          <a:chExt cx="0" cy="0"/>
+        </a:xfrm>
+      </p:grpSpPr>
+      <p:pic>
+        <p:nvPicPr>
+          <p:cNvPr id="3074" name="Picture 2" descr="Imagen relacionada">
+            <a:extLst>
+              <a:ext uri="{FF2B5EF4-FFF2-40B4-BE49-F238E27FC236}">
+                <a16:creationId xmlns:a16="http://schemas.microsoft.com/office/drawing/2014/main" xmlns="" id="{05B12E2C-FABF-4D27-BF59-5D38667199E7}"/>
+              </a:ext>
+            </a:extLst>
+          </p:cNvPr>
+          <p:cNvPicPr>
+            <a:picLocks noChangeAspect="1" noChangeArrowheads="1"/>
+          </p:cNvPicPr>
+          <p:nvPr/>
+        </p:nvPicPr>
+        <p:blipFill>
+          <a:blip r:embed="rId2">
+            <a:extLst>
+              <a:ext uri="{28A0092B-C50C-407E-A947-70E740481C1C}">
+                <a14:useLocalDpi xmlns:a14="http://schemas.microsoft.com/office/drawing/2010/main" val="0"/>
+              </a:ext>
+            </a:extLst>
+          </a:blip>
+          <a:srcRect/>
+          <a:stretch>
+            <a:fillRect/>
+          </a:stretch>
+        </p:blipFill>
+        <p:spPr bwMode="auto">
+          <a:xfrm>
+            <a:off x="0" y="0"/>
+            <a:ext cx="12174391" cy="6858000"/>
+          </a:xfrm>
+          <a:prstGeom prst="rect">
+            <a:avLst/>
+          </a:prstGeom>
+          <a:noFill/>
+          <a:extLst>
+            <a:ext uri="{909E8E84-426E-40DD-AFC4-6F175D3DCCD1}">
+              <a14:hiddenFill xmlns:a14="http://schemas.microsoft.com/office/drawing/2010/main">
+                <a:solidFill>
+                  <a:srgbClr val="FFFFFF"/>
+                </a:solidFill>
+              </a14:hiddenFill>
+            </a:ext>
+          </a:extLst>
+        </p:spPr>
+      </p:pic>
+      <p:sp>
+        <p:nvSpPr>
+          <p:cNvPr id="5" name="Rectangle 6">
+            <a:extLst>
+              <a:ext uri="{FF2B5EF4-FFF2-40B4-BE49-F238E27FC236}">
+                <a16:creationId xmlns:a16="http://schemas.microsoft.com/office/drawing/2014/main" xmlns="" id="{29226A0B-93FB-4E2B-8DB9-4DC733138A26}"/>
+              </a:ext>
+            </a:extLst>
+          </p:cNvPr>
+          <p:cNvSpPr/>
+          <p:nvPr/>
+        </p:nvSpPr>
+        <p:spPr>
+          <a:xfrm>
+            <a:off x="17609" y="0"/>
+            <a:ext cx="12192000" cy="7039708"/>
+          </a:xfrm>
+          <a:prstGeom prst="rect">
+            <a:avLst/>
+          </a:prstGeom>
+          <a:solidFill>
+            <a:schemeClr val="bg2">
+              <a:lumMod val="25000"/>
+              <a:alpha val="76000"/>
+            </a:schemeClr>
+          </a:solidFill>
+          <a:ln>
+            <a:noFill/>
+          </a:ln>
+        </p:spPr>
+        <p:style>
+          <a:lnRef idx="2">
+            <a:schemeClr val="accent2">
+              <a:shade val="50000"/>
+            </a:schemeClr>
+          </a:lnRef>
+          <a:fillRef idx="1">
+            <a:schemeClr val="accent2"/>
+          </a:fillRef>
+          <a:effectRef idx="0">
+            <a:schemeClr val="accent2"/>
+          </a:effectRef>
+          <a:fontRef idx="minor">
+            <a:schemeClr val="lt1"/>
+          </a:fontRef>
+        </p:style>
+        <p:txBody>
+          <a:bodyPr rtlCol="0" anchor="ctr"/>
+          <a:lstStyle/>
+          <a:p>
+            <a:pPr algn="ctr"/>
+            <a:endParaRPr lang="es-PE" dirty="0"/>
+          </a:p>
+        </p:txBody>
+      </p:sp>
+      <p:sp>
+        <p:nvSpPr>
+          <p:cNvPr id="3" name="Marcador de contenido 2">
+            <a:extLst>
+              <a:ext uri="{FF2B5EF4-FFF2-40B4-BE49-F238E27FC236}">
+                <a16:creationId xmlns:a16="http://schemas.microsoft.com/office/drawing/2014/main" xmlns="" id="{E7C05CC3-11D7-40CC-B980-05AF401AC530}"/>
+              </a:ext>
+            </a:extLst>
+          </p:cNvPr>
+          <p:cNvSpPr>
+            <a:spLocks noGrp="1"/>
+          </p:cNvSpPr>
+          <p:nvPr>
+            <p:ph idx="1"/>
+          </p:nvPr>
+        </p:nvSpPr>
+        <p:spPr>
+          <a:xfrm>
+            <a:off x="1135067" y="1482997"/>
+            <a:ext cx="9577893" cy="4737694"/>
+          </a:xfrm>
+        </p:spPr>
+        <p:txBody>
+          <a:bodyPr>
+            <a:normAutofit/>
+          </a:bodyPr>
+          <a:lstStyle/>
+          <a:p>
+            <a:pPr algn="just"/>
+            <a:r>
+              <a:rPr lang="es-PE" dirty="0">
+                <a:solidFill>
+                  <a:schemeClr val="bg1"/>
+                </a:solidFill>
+              </a:rPr>
+              <a:t>Es una obligación del analista identificar cuáles son las necesidades del proceso actual.</a:t>
+            </a:r>
+          </a:p>
+          <a:p>
+            <a:pPr algn="just"/>
+            <a:r>
+              <a:rPr lang="es-PE" dirty="0">
+                <a:solidFill>
+                  <a:schemeClr val="bg1"/>
+                </a:solidFill>
+              </a:rPr>
+              <a:t>Las automatizaciones se deben de centrar en procesos que mayor tiempo de ejecución.</a:t>
+            </a:r>
+          </a:p>
+          <a:p>
+            <a:pPr algn="just"/>
+            <a:r>
+              <a:rPr lang="es-PE" dirty="0">
+                <a:solidFill>
+                  <a:schemeClr val="bg1"/>
+                </a:solidFill>
+              </a:rPr>
+              <a:t>Se debe de contemplar nuevos servicios de los actores del negocio para poder proponer la automatización, por ejemplo, servicios web no utilizados.</a:t>
+            </a:r>
+          </a:p>
+        </p:txBody>
+      </p:sp>
+      <p:sp>
+        <p:nvSpPr>
+          <p:cNvPr id="4" name="Flecha: pentágono 3">
+            <a:extLst>
+              <a:ext uri="{FF2B5EF4-FFF2-40B4-BE49-F238E27FC236}">
+                <a16:creationId xmlns:a16="http://schemas.microsoft.com/office/drawing/2014/main" xmlns="" id="{0AAC25DD-9019-4834-8DDD-90426C6BF0AD}"/>
+              </a:ext>
+            </a:extLst>
+          </p:cNvPr>
+          <p:cNvSpPr/>
+          <p:nvPr/>
+        </p:nvSpPr>
+        <p:spPr>
+          <a:xfrm>
+            <a:off x="1444267" y="325534"/>
+            <a:ext cx="9268693" cy="573955"/>
+          </a:xfrm>
+          <a:prstGeom prst="homePlate">
+            <a:avLst>
+              <a:gd name="adj" fmla="val 176989"/>
+            </a:avLst>
+          </a:prstGeom>
+          <a:gradFill>
+            <a:gsLst>
+              <a:gs pos="68141">
+                <a:schemeClr val="accent2">
+                  <a:lumMod val="40000"/>
+                  <a:lumOff val="60000"/>
+                </a:schemeClr>
+              </a:gs>
+              <a:gs pos="44000">
+                <a:schemeClr val="accent2">
+                  <a:lumMod val="20000"/>
+                  <a:lumOff val="80000"/>
+                </a:schemeClr>
+              </a:gs>
+            </a:gsLst>
+            <a:lin ang="13500000" scaled="1"/>
+          </a:gradFill>
+          <a:ln>
+            <a:noFill/>
+          </a:ln>
+        </p:spPr>
+        <p:style>
+          <a:lnRef idx="2">
+            <a:schemeClr val="accent1">
+              <a:shade val="50000"/>
+            </a:schemeClr>
+          </a:lnRef>
+          <a:fillRef idx="1">
+            <a:schemeClr val="accent1"/>
+          </a:fillRef>
+          <a:effectRef idx="0">
+            <a:schemeClr val="accent1"/>
+          </a:effectRef>
+          <a:fontRef idx="minor">
+            <a:schemeClr val="lt1"/>
+          </a:fontRef>
+        </p:style>
+        <p:txBody>
+          <a:bodyPr rtlCol="0" anchor="ctr"/>
+          <a:lstStyle/>
+          <a:p>
+            <a:pPr algn="ctr"/>
+            <a:endParaRPr lang="es-PE" dirty="0"/>
+          </a:p>
+        </p:txBody>
+      </p:sp>
+      <p:sp>
+        <p:nvSpPr>
+          <p:cNvPr id="2" name="Título 1">
+            <a:extLst>
+              <a:ext uri="{FF2B5EF4-FFF2-40B4-BE49-F238E27FC236}">
+                <a16:creationId xmlns:a16="http://schemas.microsoft.com/office/drawing/2014/main" xmlns="" id="{4699B09D-520F-4264-BF69-28CEB7678DAF}"/>
+              </a:ext>
+            </a:extLst>
+          </p:cNvPr>
+          <p:cNvSpPr>
+            <a:spLocks noGrp="1"/>
+          </p:cNvSpPr>
+          <p:nvPr>
+            <p:ph type="title"/>
+          </p:nvPr>
+        </p:nvSpPr>
+        <p:spPr>
+          <a:xfrm>
+            <a:off x="1479040" y="398446"/>
+            <a:ext cx="10515600" cy="383709"/>
+          </a:xfrm>
+        </p:spPr>
+        <p:txBody>
+          <a:bodyPr>
+            <a:noAutofit/>
+          </a:bodyPr>
+          <a:lstStyle/>
+          <a:p>
+            <a:r>
+              <a:rPr lang="es-PE" sz="3200" b="1" cap="small" dirty="0">
+                <a:solidFill>
+                  <a:srgbClr val="002060"/>
+                </a:solidFill>
+              </a:rPr>
+              <a:t>conclusiones</a:t>
+            </a:r>
+            <a:endParaRPr lang="es-PE" sz="3200" dirty="0">
+              <a:solidFill>
+                <a:srgbClr val="002060"/>
+              </a:solidFill>
+            </a:endParaRPr>
+          </a:p>
+        </p:txBody>
+      </p:sp>
+      <p:sp>
+        <p:nvSpPr>
+          <p:cNvPr id="6" name="Rectángulo 5">
+            <a:extLst>
+              <a:ext uri="{FF2B5EF4-FFF2-40B4-BE49-F238E27FC236}">
+                <a16:creationId xmlns:a16="http://schemas.microsoft.com/office/drawing/2014/main" xmlns="" id="{9D8EDB50-8C3C-4B6B-A22C-7169591C33BD}"/>
+              </a:ext>
+            </a:extLst>
+          </p:cNvPr>
+          <p:cNvSpPr/>
+          <p:nvPr/>
+        </p:nvSpPr>
+        <p:spPr>
+          <a:xfrm>
+            <a:off x="1135067" y="287621"/>
+            <a:ext cx="187034" cy="635252"/>
+          </a:xfrm>
+          <a:prstGeom prst="rect">
+            <a:avLst/>
+          </a:prstGeom>
+          <a:solidFill>
+            <a:schemeClr val="accent2"/>
+          </a:solidFill>
+          <a:ln>
+            <a:solidFill>
+              <a:schemeClr val="accent2"/>
+            </a:solidFill>
+          </a:ln>
+        </p:spPr>
+        <p:style>
+          <a:lnRef idx="2">
+            <a:schemeClr val="accent1">
+              <a:shade val="50000"/>
+            </a:schemeClr>
+          </a:lnRef>
+          <a:fillRef idx="1">
+            <a:schemeClr val="accent1"/>
+          </a:fillRef>
+          <a:effectRef idx="0">
+            <a:schemeClr val="accent1"/>
+          </a:effectRef>
+          <a:fontRef idx="minor">
+            <a:schemeClr val="lt1"/>
+          </a:fontRef>
+        </p:style>
+        <p:txBody>
+          <a:bodyPr rtlCol="0" anchor="ctr"/>
+          <a:lstStyle/>
+          <a:p>
+            <a:pPr algn="ctr"/>
+            <a:endParaRPr lang="es-PE" dirty="0"/>
+          </a:p>
+        </p:txBody>
+      </p:sp>
+      <p:pic>
+        <p:nvPicPr>
+          <p:cNvPr id="8" name="Picture 2" descr="Resultado de imagen para upc logo png">
+            <a:extLst>
+              <a:ext uri="{FF2B5EF4-FFF2-40B4-BE49-F238E27FC236}">
+                <a16:creationId xmlns:a16="http://schemas.microsoft.com/office/drawing/2014/main" xmlns="" id="{0FA2A498-536C-43EF-A9D1-7B882388B2BF}"/>
+              </a:ext>
+            </a:extLst>
+          </p:cNvPr>
+          <p:cNvPicPr>
+            <a:picLocks noChangeAspect="1" noChangeArrowheads="1"/>
+          </p:cNvPicPr>
+          <p:nvPr/>
+        </p:nvPicPr>
+        <p:blipFill>
+          <a:blip r:embed="rId3">
+            <a:extLst>
+              <a:ext uri="{28A0092B-C50C-407E-A947-70E740481C1C}">
+                <a14:useLocalDpi xmlns:a14="http://schemas.microsoft.com/office/drawing/2010/main" val="0"/>
+              </a:ext>
+            </a:extLst>
+          </a:blip>
+          <a:srcRect/>
+          <a:stretch>
+            <a:fillRect/>
+          </a:stretch>
+        </p:blipFill>
+        <p:spPr bwMode="auto">
+          <a:xfrm>
+            <a:off x="0" y="-33207"/>
+            <a:ext cx="956080" cy="956080"/>
+          </a:xfrm>
+          <a:prstGeom prst="rect">
+            <a:avLst/>
+          </a:prstGeom>
+          <a:noFill/>
+          <a:extLst>
+            <a:ext uri="{909E8E84-426E-40DD-AFC4-6F175D3DCCD1}">
+              <a14:hiddenFill xmlns:a14="http://schemas.microsoft.com/office/drawing/2010/main">
+                <a:solidFill>
+                  <a:srgbClr val="FFFFFF"/>
+                </a:solidFill>
+              </a14:hiddenFill>
+            </a:ext>
+          </a:extLst>
+        </p:spPr>
+      </p:pic>
+      <p:pic>
+        <p:nvPicPr>
+          <p:cNvPr id="9" name="Picture 4" descr="Resultado de imagen para britanico logo sin fondo">
+            <a:extLst>
+              <a:ext uri="{FF2B5EF4-FFF2-40B4-BE49-F238E27FC236}">
+                <a16:creationId xmlns:a16="http://schemas.microsoft.com/office/drawing/2014/main" xmlns="" id="{2D1D0558-610B-4487-BEE4-079EF97D1394}"/>
+              </a:ext>
+            </a:extLst>
+          </p:cNvPr>
+          <p:cNvPicPr>
+            <a:picLocks noChangeAspect="1" noChangeArrowheads="1"/>
+          </p:cNvPicPr>
+          <p:nvPr/>
+        </p:nvPicPr>
+        <p:blipFill rotWithShape="1">
+          <a:blip r:embed="rId4">
+            <a:extLst>
+              <a:ext uri="{28A0092B-C50C-407E-A947-70E740481C1C}">
+                <a14:useLocalDpi xmlns:a14="http://schemas.microsoft.com/office/drawing/2010/main" val="0"/>
+              </a:ext>
+            </a:extLst>
+          </a:blip>
+          <a:srcRect l="4182" t="25515" r="70606" b="24545"/>
+          <a:stretch/>
+        </p:blipFill>
+        <p:spPr bwMode="auto">
+          <a:xfrm>
+            <a:off x="11133185" y="152724"/>
+            <a:ext cx="754016" cy="746766"/>
+          </a:xfrm>
+          <a:prstGeom prst="rect">
+            <a:avLst/>
+          </a:prstGeom>
+          <a:noFill/>
+          <a:extLst>
+            <a:ext uri="{909E8E84-426E-40DD-AFC4-6F175D3DCCD1}">
+              <a14:hiddenFill xmlns:a14="http://schemas.microsoft.com/office/drawing/2010/main">
+                <a:solidFill>
+                  <a:srgbClr val="FFFFFF"/>
+                </a:solidFill>
+              </a14:hiddenFill>
+            </a:ext>
+          </a:extLst>
+        </p:spPr>
+      </p:pic>
+    </p:spTree>
+    <p:extLst>
+      <p:ext uri="{BB962C8B-B14F-4D97-AF65-F5344CB8AC3E}">
+        <p14:creationId xmlns:p14="http://schemas.microsoft.com/office/powerpoint/2010/main" val="379687772"/>
+      </p:ext>
+    </p:extLst>
+  </p:cSld>
+  <p:clrMapOvr>
+    <a:masterClrMapping/>
+  </p:clrMapOvr>
+  <p:timing>
+    <p:tnLst>
+      <p:par>
+        <p:cTn id="1" dur="indefinite" restart="never" nodeType="tmRoot"/>
+      </p:par>
+    </p:tnLst>
+  </p:timing>
+</p:sld>
+</file>
+
+<file path=ppt/slides/slide41.xml><?xml version="1.0" encoding="utf-8"?>
+<p:sld xmlns:a="http://schemas.openxmlformats.org/drawingml/2006/main" xmlns:r="http://schemas.openxmlformats.org/officeDocument/2006/relationships" xmlns:p="http://schemas.openxmlformats.org/presentationml/2006/main">
+  <p:cSld>
+    <p:spTree>
+      <p:nvGrpSpPr>
+        <p:cNvPr id="1" name=""/>
+        <p:cNvGrpSpPr/>
+        <p:nvPr/>
+      </p:nvGrpSpPr>
+      <p:grpSpPr>
+        <a:xfrm>
+          <a:off x="0" y="0"/>
+          <a:ext cx="0" cy="0"/>
+          <a:chOff x="0" y="0"/>
+          <a:chExt cx="0" cy="0"/>
+        </a:xfrm>
+      </p:grpSpPr>
+      <p:pic>
+        <p:nvPicPr>
+          <p:cNvPr id="7" name="Picture 2" descr="Resultado de imagen para innovacion">
+            <a:extLst>
+              <a:ext uri="{FF2B5EF4-FFF2-40B4-BE49-F238E27FC236}">
+                <a16:creationId xmlns:a16="http://schemas.microsoft.com/office/drawing/2014/main" xmlns="" id="{82A53E78-E4A6-42BE-882D-4EA9589B3A50}"/>
+              </a:ext>
+            </a:extLst>
+          </p:cNvPr>
+          <p:cNvPicPr>
+            <a:picLocks noChangeAspect="1" noChangeArrowheads="1"/>
+          </p:cNvPicPr>
+          <p:nvPr/>
+        </p:nvPicPr>
+        <p:blipFill>
+          <a:blip r:embed="rId2">
+            <a:extLst>
+              <a:ext uri="{28A0092B-C50C-407E-A947-70E740481C1C}">
+                <a14:useLocalDpi xmlns:a14="http://schemas.microsoft.com/office/drawing/2010/main" val="0"/>
+              </a:ext>
+            </a:extLst>
+          </a:blip>
+          <a:srcRect/>
+          <a:stretch>
+            <a:fillRect/>
+          </a:stretch>
+        </p:blipFill>
+        <p:spPr bwMode="auto">
+          <a:xfrm>
+            <a:off x="0" y="0"/>
+            <a:ext cx="12192000" cy="7039709"/>
+          </a:xfrm>
+          <a:prstGeom prst="rect">
+            <a:avLst/>
+          </a:prstGeom>
+          <a:noFill/>
+          <a:extLst>
+            <a:ext uri="{909E8E84-426E-40DD-AFC4-6F175D3DCCD1}">
+              <a14:hiddenFill xmlns:a14="http://schemas.microsoft.com/office/drawing/2010/main">
+                <a:solidFill>
+                  <a:srgbClr val="FFFFFF"/>
+                </a:solidFill>
+              </a14:hiddenFill>
+            </a:ext>
+          </a:extLst>
+        </p:spPr>
+      </p:pic>
+      <p:sp>
+        <p:nvSpPr>
+          <p:cNvPr id="6" name="Rectangle 6">
+            <a:extLst>
+              <a:ext uri="{FF2B5EF4-FFF2-40B4-BE49-F238E27FC236}">
+                <a16:creationId xmlns:a16="http://schemas.microsoft.com/office/drawing/2014/main" xmlns="" id="{BCBB83CE-5A38-4ED2-A878-AD6CE9619E5E}"/>
+              </a:ext>
+            </a:extLst>
+          </p:cNvPr>
+          <p:cNvSpPr/>
+          <p:nvPr/>
+        </p:nvSpPr>
+        <p:spPr>
+          <a:xfrm>
+            <a:off x="0" y="-16603"/>
+            <a:ext cx="12192000" cy="7039708"/>
+          </a:xfrm>
+          <a:prstGeom prst="rect">
+            <a:avLst/>
+          </a:prstGeom>
+          <a:solidFill>
+            <a:schemeClr val="bg2">
+              <a:lumMod val="25000"/>
+              <a:alpha val="86000"/>
+            </a:schemeClr>
+          </a:solidFill>
+          <a:ln>
+            <a:noFill/>
+          </a:ln>
+        </p:spPr>
+        <p:style>
+          <a:lnRef idx="2">
+            <a:schemeClr val="accent2">
+              <a:shade val="50000"/>
+            </a:schemeClr>
+          </a:lnRef>
+          <a:fillRef idx="1">
+            <a:schemeClr val="accent2"/>
+          </a:fillRef>
+          <a:effectRef idx="0">
+            <a:schemeClr val="accent2"/>
+          </a:effectRef>
+          <a:fontRef idx="minor">
+            <a:schemeClr val="lt1"/>
+          </a:fontRef>
+        </p:style>
+        <p:txBody>
+          <a:bodyPr rtlCol="0" anchor="ctr"/>
+          <a:lstStyle/>
+          <a:p>
+            <a:pPr algn="ctr"/>
+            <a:endParaRPr lang="es-PE" dirty="0"/>
+          </a:p>
+        </p:txBody>
+      </p:sp>
+      <p:sp>
+        <p:nvSpPr>
+          <p:cNvPr id="2" name="Título 1">
+            <a:extLst>
+              <a:ext uri="{FF2B5EF4-FFF2-40B4-BE49-F238E27FC236}">
+                <a16:creationId xmlns:a16="http://schemas.microsoft.com/office/drawing/2014/main" xmlns="" id="{51A5F75B-F161-42B7-AC21-35FF865D73D0}"/>
+              </a:ext>
+            </a:extLst>
+          </p:cNvPr>
+          <p:cNvSpPr>
+            <a:spLocks noGrp="1"/>
+          </p:cNvSpPr>
+          <p:nvPr>
+            <p:ph type="ctrTitle"/>
+          </p:nvPr>
+        </p:nvSpPr>
+        <p:spPr>
+          <a:xfrm>
+            <a:off x="5284640" y="5259099"/>
+            <a:ext cx="8791575" cy="1598901"/>
+          </a:xfrm>
+        </p:spPr>
+        <p:txBody>
+          <a:bodyPr>
+            <a:normAutofit fontScale="90000"/>
+          </a:bodyPr>
+          <a:lstStyle/>
+          <a:p>
+            <a:pPr algn="ctr"/>
+            <a:r>
+              <a:rPr lang="es-PE" dirty="0"/>
+              <a:t/>
+            </a:r>
+            <a:br>
+              <a:rPr lang="es-PE" dirty="0"/>
+            </a:br>
+            <a:r>
+              <a:rPr lang="es-PE" dirty="0">
+                <a:solidFill>
+                  <a:schemeClr val="bg1"/>
+                </a:solidFill>
+              </a:rPr>
+              <a:t>GRACIAS</a:t>
+            </a:r>
+          </a:p>
+        </p:txBody>
+      </p:sp>
+      <p:pic>
+        <p:nvPicPr>
+          <p:cNvPr id="13" name="Picture 2" descr="Resultado de imagen para upc logo png">
+            <a:extLst>
+              <a:ext uri="{FF2B5EF4-FFF2-40B4-BE49-F238E27FC236}">
+                <a16:creationId xmlns:a16="http://schemas.microsoft.com/office/drawing/2014/main" xmlns="" id="{0A2C7DC2-66A4-4E56-A29C-C0BB76DBFA48}"/>
+              </a:ext>
+            </a:extLst>
+          </p:cNvPr>
+          <p:cNvPicPr>
+            <a:picLocks noChangeAspect="1" noChangeArrowheads="1"/>
+          </p:cNvPicPr>
+          <p:nvPr/>
+        </p:nvPicPr>
+        <p:blipFill>
+          <a:blip r:embed="rId3">
+            <a:extLst>
+              <a:ext uri="{28A0092B-C50C-407E-A947-70E740481C1C}">
+                <a14:useLocalDpi xmlns:a14="http://schemas.microsoft.com/office/drawing/2010/main" val="0"/>
+              </a:ext>
+            </a:extLst>
+          </a:blip>
+          <a:srcRect/>
+          <a:stretch>
+            <a:fillRect/>
+          </a:stretch>
+        </p:blipFill>
+        <p:spPr bwMode="auto">
+          <a:xfrm>
+            <a:off x="0" y="-33207"/>
+            <a:ext cx="1228584" cy="1228584"/>
+          </a:xfrm>
+          <a:prstGeom prst="rect">
+            <a:avLst/>
+          </a:prstGeom>
+          <a:noFill/>
+          <a:extLst>
+            <a:ext uri="{909E8E84-426E-40DD-AFC4-6F175D3DCCD1}">
+              <a14:hiddenFill xmlns:a14="http://schemas.microsoft.com/office/drawing/2010/main">
+                <a:solidFill>
+                  <a:srgbClr val="FFFFFF"/>
+                </a:solidFill>
+              </a14:hiddenFill>
+            </a:ext>
+          </a:extLst>
+        </p:spPr>
+      </p:pic>
+      <p:pic>
+        <p:nvPicPr>
+          <p:cNvPr id="14" name="Picture 4" descr="Resultado de imagen para britanico logo sin fondo">
+            <a:extLst>
+              <a:ext uri="{FF2B5EF4-FFF2-40B4-BE49-F238E27FC236}">
+                <a16:creationId xmlns:a16="http://schemas.microsoft.com/office/drawing/2014/main" xmlns="" id="{D76755F0-2ABA-4D31-A7A9-8FACB4217E3C}"/>
+              </a:ext>
+            </a:extLst>
+          </p:cNvPr>
+          <p:cNvPicPr>
+            <a:picLocks noChangeAspect="1" noChangeArrowheads="1"/>
+          </p:cNvPicPr>
+          <p:nvPr/>
+        </p:nvPicPr>
+        <p:blipFill rotWithShape="1">
+          <a:blip r:embed="rId4">
+            <a:extLst>
+              <a:ext uri="{28A0092B-C50C-407E-A947-70E740481C1C}">
+                <a14:useLocalDpi xmlns:a14="http://schemas.microsoft.com/office/drawing/2010/main" val="0"/>
+              </a:ext>
+            </a:extLst>
+          </a:blip>
+          <a:srcRect l="4182" t="25515" r="70606" b="24545"/>
+          <a:stretch/>
+        </p:blipFill>
+        <p:spPr bwMode="auto">
+          <a:xfrm>
+            <a:off x="11022161" y="152723"/>
+            <a:ext cx="865040" cy="856723"/>
+          </a:xfrm>
+          <a:prstGeom prst="rect">
+            <a:avLst/>
+          </a:prstGeom>
+          <a:noFill/>
+          <a:extLst>
+            <a:ext uri="{909E8E84-426E-40DD-AFC4-6F175D3DCCD1}">
+              <a14:hiddenFill xmlns:a14="http://schemas.microsoft.com/office/drawing/2010/main">
+                <a:solidFill>
+                  <a:srgbClr val="FFFFFF"/>
+                </a:solidFill>
+              </a14:hiddenFill>
+            </a:ext>
+          </a:extLst>
+        </p:spPr>
+      </p:pic>
+    </p:spTree>
+    <p:extLst>
+      <p:ext uri="{BB962C8B-B14F-4D97-AF65-F5344CB8AC3E}">
+        <p14:creationId xmlns:p14="http://schemas.microsoft.com/office/powerpoint/2010/main" val="1617224998"/>
       </p:ext>
     </p:extLst>
   </p:cSld>
@@ -16958,7 +22233,7 @@
           <p:cNvPr id="3074" name="Picture 2" descr="Imagen relacionada">
             <a:extLst>
               <a:ext uri="{FF2B5EF4-FFF2-40B4-BE49-F238E27FC236}">
-                <a16:creationId xmlns:a16="http://schemas.microsoft.com/office/drawing/2014/main" id="{05B12E2C-FABF-4D27-BF59-5D38667199E7}"/>
+                <a16:creationId xmlns:a16="http://schemas.microsoft.com/office/drawing/2014/main" xmlns="" id="{05B12E2C-FABF-4D27-BF59-5D38667199E7}"/>
               </a:ext>
             </a:extLst>
           </p:cNvPr>
@@ -17005,7 +22280,7 @@
           <p:cNvPr id="5" name="Rectangle 6">
             <a:extLst>
               <a:ext uri="{FF2B5EF4-FFF2-40B4-BE49-F238E27FC236}">
-                <a16:creationId xmlns:a16="http://schemas.microsoft.com/office/drawing/2014/main" id="{29226A0B-93FB-4E2B-8DB9-4DC733138A26}"/>
+                <a16:creationId xmlns:a16="http://schemas.microsoft.com/office/drawing/2014/main" xmlns="" id="{29226A0B-93FB-4E2B-8DB9-4DC733138A26}"/>
               </a:ext>
             </a:extLst>
           </p:cNvPr>
@@ -17060,7 +22335,7 @@
           <p:cNvPr id="3" name="Marcador de contenido 2">
             <a:extLst>
               <a:ext uri="{FF2B5EF4-FFF2-40B4-BE49-F238E27FC236}">
-                <a16:creationId xmlns:a16="http://schemas.microsoft.com/office/drawing/2014/main" id="{E7C05CC3-11D7-40CC-B980-05AF401AC530}"/>
+                <a16:creationId xmlns:a16="http://schemas.microsoft.com/office/drawing/2014/main" xmlns="" id="{E7C05CC3-11D7-40CC-B980-05AF401AC530}"/>
               </a:ext>
             </a:extLst>
           </p:cNvPr>
@@ -17089,7 +22364,7 @@
             <a:r>
               <a:rPr lang="es-PE" dirty="0">
                 <a:solidFill>
-                  <a:srgbClr val="FFC000"/>
+                  <a:schemeClr val="bg1"/>
                 </a:solidFill>
               </a:rPr>
               <a:t>Brindar servicio de calidad en la formación de idiomas, implementando un sistema de enseñanza en colaboración de tecnología de punta y profesionales en el área de idiomas. Se especializa en la enseñanza a todo nivel del idioma Británico, desde un nivel básico hasta el estar apto para rendir certificaciones internacionales.</a:t>
@@ -17102,7 +22377,7 @@
             <a:r>
               <a:rPr lang="es-PE" dirty="0">
                 <a:solidFill>
-                  <a:srgbClr val="FFC000"/>
+                  <a:schemeClr val="bg1"/>
                 </a:solidFill>
               </a:rPr>
               <a:t>Actualmente cuenta con 20 mil alumnos en diferentes turnos en Lima Metropolitana y con proyección a la apertura de nuevas sedes en provincia. </a:t>
@@ -17115,7 +22390,7 @@
           <p:cNvPr id="4" name="Flecha: pentágono 3">
             <a:extLst>
               <a:ext uri="{FF2B5EF4-FFF2-40B4-BE49-F238E27FC236}">
-                <a16:creationId xmlns:a16="http://schemas.microsoft.com/office/drawing/2014/main" id="{0AAC25DD-9019-4834-8DDD-90426C6BF0AD}"/>
+                <a16:creationId xmlns:a16="http://schemas.microsoft.com/office/drawing/2014/main" xmlns="" id="{0AAC25DD-9019-4834-8DDD-90426C6BF0AD}"/>
               </a:ext>
             </a:extLst>
           </p:cNvPr>
@@ -17183,7 +22458,7 @@
           <p:cNvPr id="2" name="Título 1">
             <a:extLst>
               <a:ext uri="{FF2B5EF4-FFF2-40B4-BE49-F238E27FC236}">
-                <a16:creationId xmlns:a16="http://schemas.microsoft.com/office/drawing/2014/main" id="{4699B09D-520F-4264-BF69-28CEB7678DAF}"/>
+                <a16:creationId xmlns:a16="http://schemas.microsoft.com/office/drawing/2014/main" xmlns="" id="{4699B09D-520F-4264-BF69-28CEB7678DAF}"/>
               </a:ext>
             </a:extLst>
           </p:cNvPr>
@@ -17227,7 +22502,7 @@
           <p:cNvPr id="6" name="Rectángulo 5">
             <a:extLst>
               <a:ext uri="{FF2B5EF4-FFF2-40B4-BE49-F238E27FC236}">
-                <a16:creationId xmlns:a16="http://schemas.microsoft.com/office/drawing/2014/main" id="{9D8EDB50-8C3C-4B6B-A22C-7169591C33BD}"/>
+                <a16:creationId xmlns:a16="http://schemas.microsoft.com/office/drawing/2014/main" xmlns="" id="{9D8EDB50-8C3C-4B6B-A22C-7169591C33BD}"/>
               </a:ext>
             </a:extLst>
           </p:cNvPr>
@@ -17281,7 +22556,7 @@
           <p:cNvPr id="8" name="Picture 2" descr="Resultado de imagen para upc logo png">
             <a:extLst>
               <a:ext uri="{FF2B5EF4-FFF2-40B4-BE49-F238E27FC236}">
-                <a16:creationId xmlns:a16="http://schemas.microsoft.com/office/drawing/2014/main" id="{0FA2A498-536C-43EF-A9D1-7B882388B2BF}"/>
+                <a16:creationId xmlns:a16="http://schemas.microsoft.com/office/drawing/2014/main" xmlns="" id="{0FA2A498-536C-43EF-A9D1-7B882388B2BF}"/>
               </a:ext>
             </a:extLst>
           </p:cNvPr>
@@ -17328,7 +22603,7 @@
           <p:cNvPr id="9" name="Picture 4" descr="Resultado de imagen para britanico logo sin fondo">
             <a:extLst>
               <a:ext uri="{FF2B5EF4-FFF2-40B4-BE49-F238E27FC236}">
-                <a16:creationId xmlns:a16="http://schemas.microsoft.com/office/drawing/2014/main" id="{2D1D0558-610B-4487-BEE4-079EF97D1394}"/>
+                <a16:creationId xmlns:a16="http://schemas.microsoft.com/office/drawing/2014/main" xmlns="" id="{2D1D0558-610B-4487-BEE4-079EF97D1394}"/>
               </a:ext>
             </a:extLst>
           </p:cNvPr>
@@ -17373,7 +22648,7 @@
           <p:cNvPr id="33796" name="Picture 4" descr="Resultado de imagen para britanico">
             <a:extLst>
               <a:ext uri="{FF2B5EF4-FFF2-40B4-BE49-F238E27FC236}">
-                <a16:creationId xmlns:a16="http://schemas.microsoft.com/office/drawing/2014/main" id="{7733C76A-46A7-4964-A6BA-22C6C7FC18E1}"/>
+                <a16:creationId xmlns:a16="http://schemas.microsoft.com/office/drawing/2014/main" xmlns="" id="{7733C76A-46A7-4964-A6BA-22C6C7FC18E1}"/>
               </a:ext>
             </a:extLst>
           </p:cNvPr>
@@ -17430,6 +22705,13 @@
   <p:clrMapOvr>
     <a:masterClrMapping/>
   </p:clrMapOvr>
+  <p:timing>
+    <p:tnLst>
+      <p:par>
+        <p:cTn id="1" dur="indefinite" restart="never" nodeType="tmRoot"/>
+      </p:par>
+    </p:tnLst>
+  </p:timing>
 </p:sld>
 </file>
 
@@ -17455,7 +22737,7 @@
           <p:cNvPr id="3074" name="Picture 2" descr="Imagen relacionada">
             <a:extLst>
               <a:ext uri="{FF2B5EF4-FFF2-40B4-BE49-F238E27FC236}">
-                <a16:creationId xmlns:a16="http://schemas.microsoft.com/office/drawing/2014/main" id="{05B12E2C-FABF-4D27-BF59-5D38667199E7}"/>
+                <a16:creationId xmlns:a16="http://schemas.microsoft.com/office/drawing/2014/main" xmlns="" id="{05B12E2C-FABF-4D27-BF59-5D38667199E7}"/>
               </a:ext>
             </a:extLst>
           </p:cNvPr>
@@ -17502,7 +22784,7 @@
           <p:cNvPr id="5" name="Rectangle 6">
             <a:extLst>
               <a:ext uri="{FF2B5EF4-FFF2-40B4-BE49-F238E27FC236}">
-                <a16:creationId xmlns:a16="http://schemas.microsoft.com/office/drawing/2014/main" id="{29226A0B-93FB-4E2B-8DB9-4DC733138A26}"/>
+                <a16:creationId xmlns:a16="http://schemas.microsoft.com/office/drawing/2014/main" xmlns="" id="{29226A0B-93FB-4E2B-8DB9-4DC733138A26}"/>
               </a:ext>
             </a:extLst>
           </p:cNvPr>
@@ -17557,7 +22839,7 @@
           <p:cNvPr id="3" name="Marcador de contenido 2">
             <a:extLst>
               <a:ext uri="{FF2B5EF4-FFF2-40B4-BE49-F238E27FC236}">
-                <a16:creationId xmlns:a16="http://schemas.microsoft.com/office/drawing/2014/main" id="{E7C05CC3-11D7-40CC-B980-05AF401AC530}"/>
+                <a16:creationId xmlns:a16="http://schemas.microsoft.com/office/drawing/2014/main" xmlns="" id="{E7C05CC3-11D7-40CC-B980-05AF401AC530}"/>
               </a:ext>
             </a:extLst>
           </p:cNvPr>
@@ -17592,7 +22874,7 @@
             <a:r>
               <a:rPr lang="es-PE" sz="1800" dirty="0">
                 <a:solidFill>
-                  <a:srgbClr val="FFC000"/>
+                  <a:schemeClr val="bg1"/>
                 </a:solidFill>
               </a:rPr>
               <a:t>La Asociación Cultural Peruano Británica promueve el enfoque de Procesos, como estándar para la mejora de sus procesos, ya que les permite identificar las entradas, salidas esperadas, los objetivos, los criterios y métodos, los recursos, las responsabilidades, los riesgos y oportunidades y las acciones de mejora necesarias para lograr la eficacia del Sistema Integrado de Gestión. </a:t>
@@ -17610,7 +22892,7 @@
             <a:r>
               <a:rPr lang="es-PE" sz="1800" dirty="0">
                 <a:solidFill>
-                  <a:srgbClr val="FFC000"/>
+                  <a:schemeClr val="bg1"/>
                 </a:solidFill>
               </a:rPr>
               <a:t>Los procesos estratégicos que permiten definir y garantizar los objetivos y estrategias de la institución son:</a:t>
@@ -17628,7 +22910,7 @@
             <a:r>
               <a:rPr lang="es-PE" sz="1800" dirty="0">
                 <a:solidFill>
-                  <a:srgbClr val="FFC000"/>
+                  <a:schemeClr val="bg1"/>
                 </a:solidFill>
               </a:rPr>
               <a:t>Gestión de Alta Dirección</a:t>
@@ -17646,7 +22928,7 @@
             <a:r>
               <a:rPr lang="es-PE" sz="1800" dirty="0">
                 <a:solidFill>
-                  <a:srgbClr val="FFC000"/>
+                  <a:schemeClr val="bg1"/>
                 </a:solidFill>
               </a:rPr>
               <a:t>Los procesos operativos que forman parte de la cadena de valor de la organización son:</a:t>
@@ -17664,7 +22946,7 @@
             <a:r>
               <a:rPr lang="es-PE" sz="1800" dirty="0">
                 <a:solidFill>
-                  <a:srgbClr val="FFC000"/>
+                  <a:schemeClr val="bg1"/>
                 </a:solidFill>
               </a:rPr>
               <a:t>Gestión Cultural</a:t>
@@ -17680,7 +22962,7 @@
               </a:spcBef>
             </a:pPr>
             <a:r>
-              <a:rPr lang="es-PE" sz="1800" b="1" dirty="0">
+              <a:rPr lang="es-PE" sz="2000" b="1" u="sng" dirty="0">
                 <a:solidFill>
                   <a:schemeClr val="bg1"/>
                 </a:solidFill>
@@ -17700,7 +22982,7 @@
             <a:r>
               <a:rPr lang="es-PE" sz="1800" dirty="0">
                 <a:solidFill>
-                  <a:srgbClr val="FFC000"/>
+                  <a:schemeClr val="bg1"/>
                 </a:solidFill>
               </a:rPr>
               <a:t>Gestión de Biblioteca</a:t>
@@ -17718,7 +23000,7 @@
             <a:r>
               <a:rPr lang="es-PE" sz="1800" dirty="0">
                 <a:solidFill>
-                  <a:srgbClr val="FFC000"/>
+                  <a:schemeClr val="bg1"/>
                 </a:solidFill>
               </a:rPr>
               <a:t>Los procesos de apoyo que dan soporte a los procesos estratégicos y operativos son:</a:t>
@@ -17736,7 +23018,7 @@
             <a:r>
               <a:rPr lang="es-PE" sz="1800" dirty="0">
                 <a:solidFill>
-                  <a:srgbClr val="FFC000"/>
+                  <a:schemeClr val="bg1"/>
                 </a:solidFill>
               </a:rPr>
               <a:t>Sistemas</a:t>
@@ -17754,7 +23036,7 @@
             <a:r>
               <a:rPr lang="es-PE" sz="1800" dirty="0">
                 <a:solidFill>
-                  <a:srgbClr val="FFC000"/>
+                  <a:schemeClr val="bg1"/>
                 </a:solidFill>
               </a:rPr>
               <a:t> Recursos Humanos</a:t>
@@ -17772,7 +23054,7 @@
             <a:r>
               <a:rPr lang="es-PE" sz="1800" dirty="0">
                 <a:solidFill>
-                  <a:srgbClr val="FFC000"/>
+                  <a:schemeClr val="bg1"/>
                 </a:solidFill>
               </a:rPr>
               <a:t>Contabilidad</a:t>
@@ -17790,7 +23072,7 @@
             <a:r>
               <a:rPr lang="es-PE" sz="1800" dirty="0">
                 <a:solidFill>
-                  <a:srgbClr val="FFC000"/>
+                  <a:schemeClr val="bg1"/>
                 </a:solidFill>
               </a:rPr>
               <a:t>Sistema Integrado de Gestión</a:t>
@@ -17808,7 +23090,7 @@
             <a:r>
               <a:rPr lang="es-PE" sz="1800" dirty="0">
                 <a:solidFill>
-                  <a:srgbClr val="FFC000"/>
+                  <a:schemeClr val="bg1"/>
                 </a:solidFill>
               </a:rPr>
               <a:t>Compras</a:t>
@@ -17826,7 +23108,7 @@
             <a:r>
               <a:rPr lang="es-PE" sz="1800" dirty="0">
                 <a:solidFill>
-                  <a:srgbClr val="FFC000"/>
+                  <a:schemeClr val="bg1"/>
                 </a:solidFill>
               </a:rPr>
               <a:t>Almacén . </a:t>
@@ -17834,14 +23116,14 @@
             <a:r>
               <a:rPr lang="es-PE" sz="1800" dirty="0" err="1">
                 <a:solidFill>
-                  <a:srgbClr val="FFC000"/>
+                  <a:schemeClr val="bg1"/>
                 </a:solidFill>
               </a:rPr>
               <a:t>etc</a:t>
             </a:r>
             <a:endParaRPr lang="es-PE" sz="1800" dirty="0">
               <a:solidFill>
-                <a:srgbClr val="FFC000"/>
+                <a:schemeClr val="bg1"/>
               </a:solidFill>
             </a:endParaRPr>
           </a:p>
@@ -17852,7 +23134,7 @@
           <p:cNvPr id="4" name="Flecha: pentágono 3">
             <a:extLst>
               <a:ext uri="{FF2B5EF4-FFF2-40B4-BE49-F238E27FC236}">
-                <a16:creationId xmlns:a16="http://schemas.microsoft.com/office/drawing/2014/main" id="{0AAC25DD-9019-4834-8DDD-90426C6BF0AD}"/>
+                <a16:creationId xmlns:a16="http://schemas.microsoft.com/office/drawing/2014/main" xmlns="" id="{0AAC25DD-9019-4834-8DDD-90426C6BF0AD}"/>
               </a:ext>
             </a:extLst>
           </p:cNvPr>
@@ -17920,7 +23202,7 @@
           <p:cNvPr id="2" name="Título 1">
             <a:extLst>
               <a:ext uri="{FF2B5EF4-FFF2-40B4-BE49-F238E27FC236}">
-                <a16:creationId xmlns:a16="http://schemas.microsoft.com/office/drawing/2014/main" id="{4699B09D-520F-4264-BF69-28CEB7678DAF}"/>
+                <a16:creationId xmlns:a16="http://schemas.microsoft.com/office/drawing/2014/main" xmlns="" id="{4699B09D-520F-4264-BF69-28CEB7678DAF}"/>
               </a:ext>
             </a:extLst>
           </p:cNvPr>
@@ -17964,7 +23246,7 @@
           <p:cNvPr id="6" name="Rectángulo 5">
             <a:extLst>
               <a:ext uri="{FF2B5EF4-FFF2-40B4-BE49-F238E27FC236}">
-                <a16:creationId xmlns:a16="http://schemas.microsoft.com/office/drawing/2014/main" id="{9D8EDB50-8C3C-4B6B-A22C-7169591C33BD}"/>
+                <a16:creationId xmlns:a16="http://schemas.microsoft.com/office/drawing/2014/main" xmlns="" id="{9D8EDB50-8C3C-4B6B-A22C-7169591C33BD}"/>
               </a:ext>
             </a:extLst>
           </p:cNvPr>
@@ -18018,7 +23300,7 @@
           <p:cNvPr id="8" name="Picture 2" descr="Resultado de imagen para upc logo png">
             <a:extLst>
               <a:ext uri="{FF2B5EF4-FFF2-40B4-BE49-F238E27FC236}">
-                <a16:creationId xmlns:a16="http://schemas.microsoft.com/office/drawing/2014/main" id="{0FA2A498-536C-43EF-A9D1-7B882388B2BF}"/>
+                <a16:creationId xmlns:a16="http://schemas.microsoft.com/office/drawing/2014/main" xmlns="" id="{0FA2A498-536C-43EF-A9D1-7B882388B2BF}"/>
               </a:ext>
             </a:extLst>
           </p:cNvPr>
@@ -18065,7 +23347,7 @@
           <p:cNvPr id="9" name="Picture 4" descr="Resultado de imagen para britanico logo sin fondo">
             <a:extLst>
               <a:ext uri="{FF2B5EF4-FFF2-40B4-BE49-F238E27FC236}">
-                <a16:creationId xmlns:a16="http://schemas.microsoft.com/office/drawing/2014/main" id="{2D1D0558-610B-4487-BEE4-079EF97D1394}"/>
+                <a16:creationId xmlns:a16="http://schemas.microsoft.com/office/drawing/2014/main" xmlns="" id="{2D1D0558-610B-4487-BEE4-079EF97D1394}"/>
               </a:ext>
             </a:extLst>
           </p:cNvPr>
@@ -18115,6 +23397,13 @@
   <p:clrMapOvr>
     <a:masterClrMapping/>
   </p:clrMapOvr>
+  <p:timing>
+    <p:tnLst>
+      <p:par>
+        <p:cTn id="1" dur="indefinite" restart="never" nodeType="tmRoot"/>
+      </p:par>
+    </p:tnLst>
+  </p:timing>
 </p:sld>
 </file>
 
@@ -18140,7 +23429,7 @@
           <p:cNvPr id="3074" name="Picture 2" descr="Imagen relacionada">
             <a:extLst>
               <a:ext uri="{FF2B5EF4-FFF2-40B4-BE49-F238E27FC236}">
-                <a16:creationId xmlns:a16="http://schemas.microsoft.com/office/drawing/2014/main" id="{05B12E2C-FABF-4D27-BF59-5D38667199E7}"/>
+                <a16:creationId xmlns:a16="http://schemas.microsoft.com/office/drawing/2014/main" xmlns="" id="{05B12E2C-FABF-4D27-BF59-5D38667199E7}"/>
               </a:ext>
             </a:extLst>
           </p:cNvPr>
@@ -18187,7 +23476,7 @@
           <p:cNvPr id="5" name="Rectangle 6">
             <a:extLst>
               <a:ext uri="{FF2B5EF4-FFF2-40B4-BE49-F238E27FC236}">
-                <a16:creationId xmlns:a16="http://schemas.microsoft.com/office/drawing/2014/main" id="{29226A0B-93FB-4E2B-8DB9-4DC733138A26}"/>
+                <a16:creationId xmlns:a16="http://schemas.microsoft.com/office/drawing/2014/main" xmlns="" id="{29226A0B-93FB-4E2B-8DB9-4DC733138A26}"/>
               </a:ext>
             </a:extLst>
           </p:cNvPr>
@@ -18242,7 +23531,7 @@
           <p:cNvPr id="4" name="Flecha: pentágono 3">
             <a:extLst>
               <a:ext uri="{FF2B5EF4-FFF2-40B4-BE49-F238E27FC236}">
-                <a16:creationId xmlns:a16="http://schemas.microsoft.com/office/drawing/2014/main" id="{0AAC25DD-9019-4834-8DDD-90426C6BF0AD}"/>
+                <a16:creationId xmlns:a16="http://schemas.microsoft.com/office/drawing/2014/main" xmlns="" id="{0AAC25DD-9019-4834-8DDD-90426C6BF0AD}"/>
               </a:ext>
             </a:extLst>
           </p:cNvPr>
@@ -18310,7 +23599,7 @@
           <p:cNvPr id="2" name="Título 1">
             <a:extLst>
               <a:ext uri="{FF2B5EF4-FFF2-40B4-BE49-F238E27FC236}">
-                <a16:creationId xmlns:a16="http://schemas.microsoft.com/office/drawing/2014/main" id="{4699B09D-520F-4264-BF69-28CEB7678DAF}"/>
+                <a16:creationId xmlns:a16="http://schemas.microsoft.com/office/drawing/2014/main" xmlns="" id="{4699B09D-520F-4264-BF69-28CEB7678DAF}"/>
               </a:ext>
             </a:extLst>
           </p:cNvPr>
@@ -18354,7 +23643,7 @@
           <p:cNvPr id="6" name="Rectángulo 5">
             <a:extLst>
               <a:ext uri="{FF2B5EF4-FFF2-40B4-BE49-F238E27FC236}">
-                <a16:creationId xmlns:a16="http://schemas.microsoft.com/office/drawing/2014/main" id="{9D8EDB50-8C3C-4B6B-A22C-7169591C33BD}"/>
+                <a16:creationId xmlns:a16="http://schemas.microsoft.com/office/drawing/2014/main" xmlns="" id="{9D8EDB50-8C3C-4B6B-A22C-7169591C33BD}"/>
               </a:ext>
             </a:extLst>
           </p:cNvPr>
@@ -18408,7 +23697,7 @@
           <p:cNvPr id="8" name="Picture 2" descr="Resultado de imagen para upc logo png">
             <a:extLst>
               <a:ext uri="{FF2B5EF4-FFF2-40B4-BE49-F238E27FC236}">
-                <a16:creationId xmlns:a16="http://schemas.microsoft.com/office/drawing/2014/main" id="{0FA2A498-536C-43EF-A9D1-7B882388B2BF}"/>
+                <a16:creationId xmlns:a16="http://schemas.microsoft.com/office/drawing/2014/main" xmlns="" id="{0FA2A498-536C-43EF-A9D1-7B882388B2BF}"/>
               </a:ext>
             </a:extLst>
           </p:cNvPr>
@@ -18455,7 +23744,7 @@
           <p:cNvPr id="9" name="Picture 4" descr="Resultado de imagen para britanico logo sin fondo">
             <a:extLst>
               <a:ext uri="{FF2B5EF4-FFF2-40B4-BE49-F238E27FC236}">
-                <a16:creationId xmlns:a16="http://schemas.microsoft.com/office/drawing/2014/main" id="{2D1D0558-610B-4487-BEE4-079EF97D1394}"/>
+                <a16:creationId xmlns:a16="http://schemas.microsoft.com/office/drawing/2014/main" xmlns="" id="{2D1D0558-610B-4487-BEE4-079EF97D1394}"/>
               </a:ext>
             </a:extLst>
           </p:cNvPr>
@@ -18500,7 +23789,7 @@
           <p:cNvPr id="11" name="Imagen 10">
             <a:extLst>
               <a:ext uri="{FF2B5EF4-FFF2-40B4-BE49-F238E27FC236}">
-                <a16:creationId xmlns:a16="http://schemas.microsoft.com/office/drawing/2014/main" id="{CF21B0BA-50EE-4AEE-B0A0-65DAC5B3ACA6}"/>
+                <a16:creationId xmlns:a16="http://schemas.microsoft.com/office/drawing/2014/main" xmlns="" id="{CF21B0BA-50EE-4AEE-B0A0-65DAC5B3ACA6}"/>
               </a:ext>
             </a:extLst>
           </p:cNvPr>
@@ -18535,6 +23824,13 @@
   <p:clrMapOvr>
     <a:masterClrMapping/>
   </p:clrMapOvr>
+  <p:timing>
+    <p:tnLst>
+      <p:par>
+        <p:cTn id="1" dur="indefinite" restart="never" nodeType="tmRoot"/>
+      </p:par>
+    </p:tnLst>
+  </p:timing>
 </p:sld>
 </file>
 
@@ -18560,7 +23856,7 @@
           <p:cNvPr id="3074" name="Picture 2" descr="Imagen relacionada">
             <a:extLst>
               <a:ext uri="{FF2B5EF4-FFF2-40B4-BE49-F238E27FC236}">
-                <a16:creationId xmlns:a16="http://schemas.microsoft.com/office/drawing/2014/main" id="{05B12E2C-FABF-4D27-BF59-5D38667199E7}"/>
+                <a16:creationId xmlns:a16="http://schemas.microsoft.com/office/drawing/2014/main" xmlns="" id="{05B12E2C-FABF-4D27-BF59-5D38667199E7}"/>
               </a:ext>
             </a:extLst>
           </p:cNvPr>
@@ -18607,7 +23903,7 @@
           <p:cNvPr id="5" name="Rectangle 6">
             <a:extLst>
               <a:ext uri="{FF2B5EF4-FFF2-40B4-BE49-F238E27FC236}">
-                <a16:creationId xmlns:a16="http://schemas.microsoft.com/office/drawing/2014/main" id="{29226A0B-93FB-4E2B-8DB9-4DC733138A26}"/>
+                <a16:creationId xmlns:a16="http://schemas.microsoft.com/office/drawing/2014/main" xmlns="" id="{29226A0B-93FB-4E2B-8DB9-4DC733138A26}"/>
               </a:ext>
             </a:extLst>
           </p:cNvPr>
@@ -18662,7 +23958,7 @@
           <p:cNvPr id="4" name="Flecha: pentágono 3">
             <a:extLst>
               <a:ext uri="{FF2B5EF4-FFF2-40B4-BE49-F238E27FC236}">
-                <a16:creationId xmlns:a16="http://schemas.microsoft.com/office/drawing/2014/main" id="{0AAC25DD-9019-4834-8DDD-90426C6BF0AD}"/>
+                <a16:creationId xmlns:a16="http://schemas.microsoft.com/office/drawing/2014/main" xmlns="" id="{0AAC25DD-9019-4834-8DDD-90426C6BF0AD}"/>
               </a:ext>
             </a:extLst>
           </p:cNvPr>
@@ -18730,7 +24026,7 @@
           <p:cNvPr id="2" name="Título 1">
             <a:extLst>
               <a:ext uri="{FF2B5EF4-FFF2-40B4-BE49-F238E27FC236}">
-                <a16:creationId xmlns:a16="http://schemas.microsoft.com/office/drawing/2014/main" id="{4699B09D-520F-4264-BF69-28CEB7678DAF}"/>
+                <a16:creationId xmlns:a16="http://schemas.microsoft.com/office/drawing/2014/main" xmlns="" id="{4699B09D-520F-4264-BF69-28CEB7678DAF}"/>
               </a:ext>
             </a:extLst>
           </p:cNvPr>
@@ -18774,7 +24070,7 @@
           <p:cNvPr id="6" name="Rectángulo 5">
             <a:extLst>
               <a:ext uri="{FF2B5EF4-FFF2-40B4-BE49-F238E27FC236}">
-                <a16:creationId xmlns:a16="http://schemas.microsoft.com/office/drawing/2014/main" id="{9D8EDB50-8C3C-4B6B-A22C-7169591C33BD}"/>
+                <a16:creationId xmlns:a16="http://schemas.microsoft.com/office/drawing/2014/main" xmlns="" id="{9D8EDB50-8C3C-4B6B-A22C-7169591C33BD}"/>
               </a:ext>
             </a:extLst>
           </p:cNvPr>
@@ -18828,7 +24124,7 @@
           <p:cNvPr id="8" name="Picture 2" descr="Resultado de imagen para upc logo png">
             <a:extLst>
               <a:ext uri="{FF2B5EF4-FFF2-40B4-BE49-F238E27FC236}">
-                <a16:creationId xmlns:a16="http://schemas.microsoft.com/office/drawing/2014/main" id="{0FA2A498-536C-43EF-A9D1-7B882388B2BF}"/>
+                <a16:creationId xmlns:a16="http://schemas.microsoft.com/office/drawing/2014/main" xmlns="" id="{0FA2A498-536C-43EF-A9D1-7B882388B2BF}"/>
               </a:ext>
             </a:extLst>
           </p:cNvPr>
@@ -18875,7 +24171,7 @@
           <p:cNvPr id="9" name="Picture 4" descr="Resultado de imagen para britanico logo sin fondo">
             <a:extLst>
               <a:ext uri="{FF2B5EF4-FFF2-40B4-BE49-F238E27FC236}">
-                <a16:creationId xmlns:a16="http://schemas.microsoft.com/office/drawing/2014/main" id="{2D1D0558-610B-4487-BEE4-079EF97D1394}"/>
+                <a16:creationId xmlns:a16="http://schemas.microsoft.com/office/drawing/2014/main" xmlns="" id="{2D1D0558-610B-4487-BEE4-079EF97D1394}"/>
               </a:ext>
             </a:extLst>
           </p:cNvPr>
@@ -18920,7 +24216,7 @@
           <p:cNvPr id="10" name="Marcador de contenido 9">
             <a:extLst>
               <a:ext uri="{FF2B5EF4-FFF2-40B4-BE49-F238E27FC236}">
-                <a16:creationId xmlns:a16="http://schemas.microsoft.com/office/drawing/2014/main" id="{5B729FBD-2688-4A85-9017-6181B96C8BCC}"/>
+                <a16:creationId xmlns:a16="http://schemas.microsoft.com/office/drawing/2014/main" xmlns="" id="{5B729FBD-2688-4A85-9017-6181B96C8BCC}"/>
               </a:ext>
             </a:extLst>
           </p:cNvPr>
@@ -18939,87 +24235,262 @@
         </p:spPr>
         <p:txBody>
           <a:bodyPr>
-            <a:normAutofit fontScale="77500" lnSpcReduction="20000"/>
+            <a:normAutofit fontScale="55000" lnSpcReduction="20000"/>
           </a:bodyPr>
           <a:lstStyle/>
           <a:p>
+            <a:pPr marL="0" indent="0" algn="just">
+              <a:buNone/>
+            </a:pPr>
+            <a:r>
+              <a:rPr lang="es-PE" b="1" dirty="0">
+                <a:solidFill>
+                  <a:schemeClr val="bg1"/>
+                </a:solidFill>
+              </a:rPr>
+              <a:t>RN01:</a:t>
+            </a:r>
             <a:r>
               <a:rPr lang="es-PE" dirty="0">
                 <a:solidFill>
-                  <a:srgbClr val="FFC000"/>
+                  <a:schemeClr val="bg1"/>
                 </a:solidFill>
               </a:rPr>
-              <a:t>RN01: La nota mínima aprobatoria es de 70 puntos.</a:t>
-            </a:r>
-          </a:p>
-          <a:p>
+              <a:t> La nota mínima aprobatoria es de 70 puntos</a:t>
+            </a:r>
+            <a:r>
+              <a:rPr lang="es-PE" dirty="0" smtClean="0">
+                <a:solidFill>
+                  <a:schemeClr val="bg1"/>
+                </a:solidFill>
+              </a:rPr>
+              <a:t>.</a:t>
+            </a:r>
+          </a:p>
+          <a:p>
+            <a:pPr marL="0" indent="0" algn="just">
+              <a:buNone/>
+            </a:pPr>
+            <a:endParaRPr lang="es-PE" dirty="0">
+              <a:solidFill>
+                <a:schemeClr val="bg1"/>
+              </a:solidFill>
+            </a:endParaRPr>
+          </a:p>
+          <a:p>
+            <a:pPr marL="0" indent="0" algn="just">
+              <a:buNone/>
+            </a:pPr>
+            <a:r>
+              <a:rPr lang="es-PE" b="1" dirty="0">
+                <a:solidFill>
+                  <a:schemeClr val="bg1"/>
+                </a:solidFill>
+              </a:rPr>
+              <a:t>RN02:</a:t>
+            </a:r>
             <a:r>
               <a:rPr lang="es-PE" dirty="0">
                 <a:solidFill>
-                  <a:srgbClr val="FFC000"/>
+                  <a:schemeClr val="bg1"/>
                 </a:solidFill>
               </a:rPr>
-              <a:t>RN02: No se paga una matrícula, el costo promedio es de  350 soles para el ciclo regular.</a:t>
-            </a:r>
-          </a:p>
-          <a:p>
+              <a:t> Para acceder al ciclo no se paga una matrícula, el costo promedio es de  350 soles para el ciclo regular. Cada ciclo dura un mes y el alumno puede rendir un examen de clasificación</a:t>
+            </a:r>
+            <a:r>
+              <a:rPr lang="es-PE" dirty="0" smtClean="0">
+                <a:solidFill>
+                  <a:schemeClr val="bg1"/>
+                </a:solidFill>
+              </a:rPr>
+              <a:t>.</a:t>
+            </a:r>
+          </a:p>
+          <a:p>
+            <a:pPr marL="0" indent="0" algn="just">
+              <a:buNone/>
+            </a:pPr>
+            <a:endParaRPr lang="es-PE" dirty="0">
+              <a:solidFill>
+                <a:schemeClr val="bg1"/>
+              </a:solidFill>
+            </a:endParaRPr>
+          </a:p>
+          <a:p>
+            <a:pPr marL="0" indent="0" algn="just">
+              <a:buNone/>
+            </a:pPr>
+            <a:r>
+              <a:rPr lang="es-PE" b="1" dirty="0">
+                <a:solidFill>
+                  <a:schemeClr val="bg1"/>
+                </a:solidFill>
+              </a:rPr>
+              <a:t>RN03:</a:t>
+            </a:r>
             <a:r>
               <a:rPr lang="es-PE" dirty="0">
                 <a:solidFill>
-                  <a:srgbClr val="FFC000"/>
+                  <a:schemeClr val="bg1"/>
                 </a:solidFill>
               </a:rPr>
-              <a:t>RN03: Los libros se compran por separado por cada 6 ciclos y su costo es de 100 soles.</a:t>
-            </a:r>
-          </a:p>
-          <a:p>
+              <a:t> Los libros se compran por separado por cada 6 ciclos y su costo es de 100 soles</a:t>
+            </a:r>
+            <a:r>
+              <a:rPr lang="es-PE" dirty="0" smtClean="0">
+                <a:solidFill>
+                  <a:schemeClr val="bg1"/>
+                </a:solidFill>
+              </a:rPr>
+              <a:t>.</a:t>
+            </a:r>
+          </a:p>
+          <a:p>
+            <a:pPr marL="0" indent="0" algn="just">
+              <a:buNone/>
+            </a:pPr>
+            <a:endParaRPr lang="es-PE" dirty="0">
+              <a:solidFill>
+                <a:schemeClr val="bg1"/>
+              </a:solidFill>
+            </a:endParaRPr>
+          </a:p>
+          <a:p>
+            <a:pPr marL="0" indent="0" algn="just">
+              <a:buNone/>
+            </a:pPr>
+            <a:r>
+              <a:rPr lang="es-PE" b="1" dirty="0">
+                <a:solidFill>
+                  <a:schemeClr val="bg1"/>
+                </a:solidFill>
+              </a:rPr>
+              <a:t>RN04:</a:t>
+            </a:r>
             <a:r>
               <a:rPr lang="es-PE" dirty="0">
                 <a:solidFill>
-                  <a:srgbClr val="FFC000"/>
+                  <a:schemeClr val="bg1"/>
                 </a:solidFill>
               </a:rPr>
-              <a:t>RN04: Cada ciclo dura un mes.</a:t>
-            </a:r>
-          </a:p>
-          <a:p>
+              <a:t> Los tipos de alumnos se definen por alumno entre 4 y 13 años, alumno regular presencial, programas para trabajadores de empresas, programas no presenciales y programas de preparación para certificaciones internacionales</a:t>
+            </a:r>
+            <a:r>
+              <a:rPr lang="es-PE" dirty="0" smtClean="0">
+                <a:solidFill>
+                  <a:schemeClr val="bg1"/>
+                </a:solidFill>
+              </a:rPr>
+              <a:t>.</a:t>
+            </a:r>
+          </a:p>
+          <a:p>
+            <a:pPr marL="0" indent="0" algn="just">
+              <a:buNone/>
+            </a:pPr>
+            <a:endParaRPr lang="es-PE" dirty="0">
+              <a:solidFill>
+                <a:schemeClr val="bg1"/>
+              </a:solidFill>
+            </a:endParaRPr>
+          </a:p>
+          <a:p>
+            <a:pPr marL="0" indent="0" algn="just">
+              <a:buNone/>
+            </a:pPr>
+            <a:r>
+              <a:rPr lang="es-PE" b="1" dirty="0">
+                <a:solidFill>
+                  <a:schemeClr val="bg1"/>
+                </a:solidFill>
+              </a:rPr>
+              <a:t>RN05:</a:t>
+            </a:r>
             <a:r>
               <a:rPr lang="es-PE" dirty="0">
                 <a:solidFill>
-                  <a:srgbClr val="FFC000"/>
+                  <a:schemeClr val="bg1"/>
                 </a:solidFill>
               </a:rPr>
-              <a:t>RN05: Los tipos de alumnos se definen por alumno entre 4 y 13 años, alumno regular presencial, programas para empresas, programas no presenciales y programas de preparación para certificaciones internacionales.</a:t>
-            </a:r>
-          </a:p>
-          <a:p>
+              <a:t> Para matricularte de forma online, debes ser alumno del BRITÁNICO, que no haya dejado de estudiar más de 4 meses</a:t>
+            </a:r>
+            <a:r>
+              <a:rPr lang="es-PE" dirty="0" smtClean="0">
+                <a:solidFill>
+                  <a:schemeClr val="bg1"/>
+                </a:solidFill>
+              </a:rPr>
+              <a:t>.</a:t>
+            </a:r>
+          </a:p>
+          <a:p>
+            <a:pPr marL="0" indent="0" algn="just">
+              <a:buNone/>
+            </a:pPr>
+            <a:endParaRPr lang="es-PE" dirty="0">
+              <a:solidFill>
+                <a:schemeClr val="bg1"/>
+              </a:solidFill>
+            </a:endParaRPr>
+          </a:p>
+          <a:p>
+            <a:pPr marL="0" indent="0" algn="just">
+              <a:buNone/>
+            </a:pPr>
+            <a:r>
+              <a:rPr lang="es-PE" b="1" dirty="0">
+                <a:solidFill>
+                  <a:schemeClr val="bg1"/>
+                </a:solidFill>
+              </a:rPr>
+              <a:t>RN06:</a:t>
+            </a:r>
             <a:r>
               <a:rPr lang="es-PE" dirty="0">
                 <a:solidFill>
-                  <a:srgbClr val="FFC000"/>
+                  <a:schemeClr val="bg1"/>
                 </a:solidFill>
               </a:rPr>
-              <a:t>RN06: El alumno puede rendir un examen de clasificación</a:t>
-            </a:r>
-          </a:p>
-          <a:p>
+              <a:t> Los alumnos solo podrán asistir a clases en el centro, grado, horario y aula en el que están matriculados</a:t>
+            </a:r>
+            <a:r>
+              <a:rPr lang="es-PE" dirty="0" smtClean="0">
+                <a:solidFill>
+                  <a:schemeClr val="bg1"/>
+                </a:solidFill>
+              </a:rPr>
+              <a:t>.</a:t>
+            </a:r>
+          </a:p>
+          <a:p>
+            <a:pPr marL="0" indent="0" algn="just">
+              <a:buNone/>
+            </a:pPr>
+            <a:endParaRPr lang="es-PE" dirty="0">
+              <a:solidFill>
+                <a:schemeClr val="bg1"/>
+              </a:solidFill>
+            </a:endParaRPr>
+          </a:p>
+          <a:p>
+            <a:pPr marL="0" indent="0" algn="just">
+              <a:buNone/>
+            </a:pPr>
+            <a:r>
+              <a:rPr lang="es-PE" b="1" dirty="0">
+                <a:solidFill>
+                  <a:schemeClr val="bg1"/>
+                </a:solidFill>
+              </a:rPr>
+              <a:t>RN07:</a:t>
+            </a:r>
             <a:r>
               <a:rPr lang="es-PE" dirty="0">
                 <a:solidFill>
-                  <a:srgbClr val="FFC000"/>
+                  <a:schemeClr val="bg1"/>
                 </a:solidFill>
               </a:rPr>
-              <a:t>RN07: Para matricularte de forma online, debes ser alumno del BRITÁNICO, que no haya dejado de estudiar más de 4 meses.</a:t>
-            </a:r>
-          </a:p>
-          <a:p>
-            <a:r>
-              <a:rPr lang="es-PE" dirty="0">
-                <a:solidFill>
-                  <a:srgbClr val="FFC000"/>
-                </a:solidFill>
-              </a:rPr>
-              <a:t>RN08: Los alumnos solo podrán asistir a clases en el centro, grado, horario y aula en el que están matriculados.</a:t>
+              <a:t> La presentación del “Documento de Matrícula” es indispensable tanto para ingresar al centro de estudios como al aula donde se encuentre matriculado. Únicamente los alumnos que figuran matriculados pueden asistir a clases. No está permitida la asistencia de acompañantes.</a:t>
             </a:r>
           </a:p>
           <a:p>
@@ -19041,6 +24512,13 @@
   <p:clrMapOvr>
     <a:masterClrMapping/>
   </p:clrMapOvr>
+  <p:timing>
+    <p:tnLst>
+      <p:par>
+        <p:cTn id="1" dur="indefinite" restart="never" nodeType="tmRoot"/>
+      </p:par>
+    </p:tnLst>
+  </p:timing>
 </p:sld>
 </file>
 
@@ -19066,7 +24544,7 @@
           <p:cNvPr id="3074" name="Picture 2" descr="Imagen relacionada">
             <a:extLst>
               <a:ext uri="{FF2B5EF4-FFF2-40B4-BE49-F238E27FC236}">
-                <a16:creationId xmlns:a16="http://schemas.microsoft.com/office/drawing/2014/main" id="{05B12E2C-FABF-4D27-BF59-5D38667199E7}"/>
+                <a16:creationId xmlns:a16="http://schemas.microsoft.com/office/drawing/2014/main" xmlns="" id="{05B12E2C-FABF-4D27-BF59-5D38667199E7}"/>
               </a:ext>
             </a:extLst>
           </p:cNvPr>
@@ -19113,7 +24591,7 @@
           <p:cNvPr id="5" name="Rectangle 6">
             <a:extLst>
               <a:ext uri="{FF2B5EF4-FFF2-40B4-BE49-F238E27FC236}">
-                <a16:creationId xmlns:a16="http://schemas.microsoft.com/office/drawing/2014/main" id="{29226A0B-93FB-4E2B-8DB9-4DC733138A26}"/>
+                <a16:creationId xmlns:a16="http://schemas.microsoft.com/office/drawing/2014/main" xmlns="" id="{29226A0B-93FB-4E2B-8DB9-4DC733138A26}"/>
               </a:ext>
             </a:extLst>
           </p:cNvPr>
@@ -19168,7 +24646,7 @@
           <p:cNvPr id="4" name="Flecha: pentágono 3">
             <a:extLst>
               <a:ext uri="{FF2B5EF4-FFF2-40B4-BE49-F238E27FC236}">
-                <a16:creationId xmlns:a16="http://schemas.microsoft.com/office/drawing/2014/main" id="{0AAC25DD-9019-4834-8DDD-90426C6BF0AD}"/>
+                <a16:creationId xmlns:a16="http://schemas.microsoft.com/office/drawing/2014/main" xmlns="" id="{0AAC25DD-9019-4834-8DDD-90426C6BF0AD}"/>
               </a:ext>
             </a:extLst>
           </p:cNvPr>
@@ -19236,7 +24714,7 @@
           <p:cNvPr id="2" name="Título 1">
             <a:extLst>
               <a:ext uri="{FF2B5EF4-FFF2-40B4-BE49-F238E27FC236}">
-                <a16:creationId xmlns:a16="http://schemas.microsoft.com/office/drawing/2014/main" id="{4699B09D-520F-4264-BF69-28CEB7678DAF}"/>
+                <a16:creationId xmlns:a16="http://schemas.microsoft.com/office/drawing/2014/main" xmlns="" id="{4699B09D-520F-4264-BF69-28CEB7678DAF}"/>
               </a:ext>
             </a:extLst>
           </p:cNvPr>
@@ -19280,7 +24758,7 @@
           <p:cNvPr id="6" name="Rectángulo 5">
             <a:extLst>
               <a:ext uri="{FF2B5EF4-FFF2-40B4-BE49-F238E27FC236}">
-                <a16:creationId xmlns:a16="http://schemas.microsoft.com/office/drawing/2014/main" id="{9D8EDB50-8C3C-4B6B-A22C-7169591C33BD}"/>
+                <a16:creationId xmlns:a16="http://schemas.microsoft.com/office/drawing/2014/main" xmlns="" id="{9D8EDB50-8C3C-4B6B-A22C-7169591C33BD}"/>
               </a:ext>
             </a:extLst>
           </p:cNvPr>
@@ -19334,7 +24812,7 @@
           <p:cNvPr id="8" name="Picture 2" descr="Resultado de imagen para upc logo png">
             <a:extLst>
               <a:ext uri="{FF2B5EF4-FFF2-40B4-BE49-F238E27FC236}">
-                <a16:creationId xmlns:a16="http://schemas.microsoft.com/office/drawing/2014/main" id="{0FA2A498-536C-43EF-A9D1-7B882388B2BF}"/>
+                <a16:creationId xmlns:a16="http://schemas.microsoft.com/office/drawing/2014/main" xmlns="" id="{0FA2A498-536C-43EF-A9D1-7B882388B2BF}"/>
               </a:ext>
             </a:extLst>
           </p:cNvPr>
@@ -19381,7 +24859,7 @@
           <p:cNvPr id="9" name="Picture 4" descr="Resultado de imagen para britanico logo sin fondo">
             <a:extLst>
               <a:ext uri="{FF2B5EF4-FFF2-40B4-BE49-F238E27FC236}">
-                <a16:creationId xmlns:a16="http://schemas.microsoft.com/office/drawing/2014/main" id="{2D1D0558-610B-4487-BEE4-079EF97D1394}"/>
+                <a16:creationId xmlns:a16="http://schemas.microsoft.com/office/drawing/2014/main" xmlns="" id="{2D1D0558-610B-4487-BEE4-079EF97D1394}"/>
               </a:ext>
             </a:extLst>
           </p:cNvPr>
@@ -19426,7 +24904,7 @@
           <p:cNvPr id="10" name="Marcador de contenido 9">
             <a:extLst>
               <a:ext uri="{FF2B5EF4-FFF2-40B4-BE49-F238E27FC236}">
-                <a16:creationId xmlns:a16="http://schemas.microsoft.com/office/drawing/2014/main" id="{5B729FBD-2688-4A85-9017-6181B96C8BCC}"/>
+                <a16:creationId xmlns:a16="http://schemas.microsoft.com/office/drawing/2014/main" xmlns="" id="{5B729FBD-2688-4A85-9017-6181B96C8BCC}"/>
               </a:ext>
             </a:extLst>
           </p:cNvPr>
@@ -19439,74 +24917,266 @@
         </p:nvSpPr>
         <p:spPr>
           <a:xfrm>
-            <a:off x="994593" y="1436591"/>
+            <a:off x="994593" y="1321319"/>
             <a:ext cx="10138592" cy="5421409"/>
           </a:xfrm>
         </p:spPr>
         <p:txBody>
           <a:bodyPr>
-            <a:normAutofit fontScale="70000" lnSpcReduction="20000"/>
+            <a:normAutofit fontScale="55000" lnSpcReduction="20000"/>
           </a:bodyPr>
           <a:lstStyle/>
           <a:p>
+            <a:pPr marL="0" indent="0" algn="just">
+              <a:buNone/>
+            </a:pPr>
+            <a:r>
+              <a:rPr lang="es-PE" b="1" dirty="0">
+                <a:solidFill>
+                  <a:schemeClr val="bg1"/>
+                </a:solidFill>
+              </a:rPr>
+              <a:t>RN08:</a:t>
+            </a:r>
             <a:r>
               <a:rPr lang="es-PE" dirty="0">
                 <a:solidFill>
-                  <a:srgbClr val="FFC000"/>
+                  <a:schemeClr val="bg1"/>
                 </a:solidFill>
               </a:rPr>
-              <a:t>RN09: La presentación del “Documento de Matrícula” es indispensable tanto para ingresar al centro de estudios como al aula donde se encuentre matriculado.</a:t>
-            </a:r>
-          </a:p>
-          <a:p>
+              <a:t> La inscripción no es transferible. Ninguna persona podrá asistir a clases reemplazando al alumno matriculado y las clases no asistidas no son recuperables</a:t>
+            </a:r>
+            <a:r>
+              <a:rPr lang="es-PE" dirty="0" smtClean="0">
+                <a:solidFill>
+                  <a:schemeClr val="bg1"/>
+                </a:solidFill>
+              </a:rPr>
+              <a:t>.</a:t>
+            </a:r>
+          </a:p>
+          <a:p>
+            <a:pPr marL="0" indent="0" algn="just">
+              <a:buNone/>
+            </a:pPr>
+            <a:endParaRPr lang="es-PE" dirty="0">
+              <a:solidFill>
+                <a:schemeClr val="bg1"/>
+              </a:solidFill>
+            </a:endParaRPr>
+          </a:p>
+          <a:p>
+            <a:pPr marL="0" indent="0" algn="just">
+              <a:buNone/>
+            </a:pPr>
+            <a:r>
+              <a:rPr lang="es-PE" b="1" dirty="0">
+                <a:solidFill>
+                  <a:schemeClr val="bg1"/>
+                </a:solidFill>
+              </a:rPr>
+              <a:t>RN09: </a:t>
+            </a:r>
             <a:r>
               <a:rPr lang="es-PE" dirty="0">
                 <a:solidFill>
-                  <a:srgbClr val="FFC000"/>
+                  <a:schemeClr val="bg1"/>
                 </a:solidFill>
               </a:rPr>
-              <a:t>RN10: Únicamente los alumnos que figuran matriculados pueden asistir a clases. No está permitida la asistencia de acompañantes.</a:t>
-            </a:r>
-          </a:p>
-          <a:p>
+              <a:t>La contraseña del usuario debe Tener una longitud mínima de 8 caracteres en las que se den incluir: letras minúsculas y mayúsculas, números del 0 al 9, caracteres no alfanuméricos). Además, ser significativamente diferente de las 6 contraseñas anteriores utilizadas. </a:t>
+            </a:r>
+            <a:endParaRPr lang="es-PE" dirty="0" smtClean="0">
+              <a:solidFill>
+                <a:schemeClr val="bg1"/>
+              </a:solidFill>
+            </a:endParaRPr>
+          </a:p>
+          <a:p>
+            <a:pPr marL="0" indent="0" algn="just">
+              <a:buNone/>
+            </a:pPr>
+            <a:endParaRPr lang="es-PE" dirty="0">
+              <a:solidFill>
+                <a:schemeClr val="bg1"/>
+              </a:solidFill>
+            </a:endParaRPr>
+          </a:p>
+          <a:p>
+            <a:pPr marL="0" indent="0" algn="just">
+              <a:buNone/>
+            </a:pPr>
+            <a:r>
+              <a:rPr lang="es-PE" b="1" dirty="0">
+                <a:solidFill>
+                  <a:schemeClr val="bg1"/>
+                </a:solidFill>
+              </a:rPr>
+              <a:t>RN10:</a:t>
+            </a:r>
             <a:r>
               <a:rPr lang="es-PE" dirty="0">
                 <a:solidFill>
-                  <a:srgbClr val="FFC000"/>
+                  <a:schemeClr val="bg1"/>
                 </a:solidFill>
               </a:rPr>
-              <a:t>RN11: La matrícula no es transferible. Ninguna persona podrá asistir a clases reemplazando al alumno matriculado</a:t>
-            </a:r>
-          </a:p>
-          <a:p>
+              <a:t> Intervalo de tiempo para reservar un recurso</a:t>
+            </a:r>
+          </a:p>
+          <a:p>
+            <a:pPr marL="0" indent="0" algn="just">
+              <a:buNone/>
+            </a:pPr>
             <a:r>
               <a:rPr lang="es-PE" dirty="0">
                 <a:solidFill>
-                  <a:srgbClr val="FFC000"/>
+                  <a:schemeClr val="bg1"/>
                 </a:solidFill>
               </a:rPr>
-              <a:t>RN12: Las clases no asistidas no son recuperables.</a:t>
-            </a:r>
-          </a:p>
-          <a:p>
+              <a:t>Los recursos solo pueden ser reservados como  48 horas de anticipación</a:t>
+            </a:r>
+            <a:r>
+              <a:rPr lang="es-PE" dirty="0" smtClean="0">
+                <a:solidFill>
+                  <a:schemeClr val="bg1"/>
+                </a:solidFill>
+              </a:rPr>
+              <a:t>.</a:t>
+            </a:r>
+          </a:p>
+          <a:p>
+            <a:pPr marL="0" indent="0" algn="just">
+              <a:buNone/>
+            </a:pPr>
+            <a:endParaRPr lang="es-PE" dirty="0">
+              <a:solidFill>
+                <a:schemeClr val="bg1"/>
+              </a:solidFill>
+            </a:endParaRPr>
+          </a:p>
+          <a:p>
+            <a:pPr marL="0" indent="0" algn="just">
+              <a:buNone/>
+            </a:pPr>
+            <a:r>
+              <a:rPr lang="es-PE" b="1" dirty="0">
+                <a:solidFill>
+                  <a:schemeClr val="bg1"/>
+                </a:solidFill>
+              </a:rPr>
+              <a:t>RN11:</a:t>
+            </a:r>
             <a:r>
               <a:rPr lang="es-PE" dirty="0">
                 <a:solidFill>
-                  <a:srgbClr val="FFC000"/>
+                  <a:schemeClr val="bg1"/>
                 </a:solidFill>
               </a:rPr>
-              <a:t>RN13: Luego de haber realizado su pre matrícula seleccionando “Pago presencial en Centros de Enseñanza”, se generará un número de ticket con el cual en un plazo máximo de 6 horas, deberá acercarse a realizar el pago correspondiente a cualquiera de nuestros Centros de Enseñanza.</a:t>
-            </a:r>
-          </a:p>
-          <a:p>
+              <a:t> Solo los alumnos ya existentes, son los que realizan este trámite desde la matricula web.</a:t>
+            </a:r>
+          </a:p>
+          <a:p>
+            <a:pPr marL="0" indent="0" algn="just">
+              <a:buNone/>
+            </a:pPr>
+            <a:r>
+              <a:rPr lang="es-PE" b="1" dirty="0">
+                <a:solidFill>
+                  <a:schemeClr val="bg1"/>
+                </a:solidFill>
+              </a:rPr>
+              <a:t> RN12:</a:t>
+            </a:r>
             <a:r>
               <a:rPr lang="es-PE" dirty="0">
                 <a:solidFill>
-                  <a:srgbClr val="FFC000"/>
+                  <a:schemeClr val="bg1"/>
                 </a:solidFill>
               </a:rPr>
-              <a:t>RN14:  Luego de haber realizado su pre matrícula seleccionando “Pago por banco afiliado”, se generará un número de ticket con el cual en un plazo máximo de 6 horas, deberá acercarse a realizar el pago correspondiente en Agente BCP, Agente Express BBVA o Agente Interbank o mediante la APP Banca Móvil del BBVA. o mediante la APP Interbank. Adicionalmente podrá realizar el pago en ventanilla del banco BCP, BBVA o Interbank, o a través de su cuenta personal de cualquiera de los tres bancos</a:t>
-            </a:r>
+              <a:t> Intervalo de tiempo de atención de Cajero. El módulo de Cajero se encuentra disponible de lunes a sábado de 08:00am – 07:00pm</a:t>
+            </a:r>
+            <a:r>
+              <a:rPr lang="es-PE" dirty="0" smtClean="0">
+                <a:solidFill>
+                  <a:schemeClr val="bg1"/>
+                </a:solidFill>
+              </a:rPr>
+              <a:t>.</a:t>
+            </a:r>
+          </a:p>
+          <a:p>
+            <a:pPr marL="0" indent="0" algn="just">
+              <a:buNone/>
+            </a:pPr>
+            <a:endParaRPr lang="es-PE" dirty="0">
+              <a:solidFill>
+                <a:schemeClr val="bg1"/>
+              </a:solidFill>
+            </a:endParaRPr>
+          </a:p>
+          <a:p>
+            <a:pPr marL="0" indent="0" algn="just">
+              <a:buNone/>
+            </a:pPr>
+            <a:r>
+              <a:rPr lang="es-PE" b="1" dirty="0">
+                <a:solidFill>
+                  <a:schemeClr val="bg1"/>
+                </a:solidFill>
+              </a:rPr>
+              <a:t>RN13:</a:t>
+            </a:r>
+            <a:r>
+              <a:rPr lang="es-PE" dirty="0">
+                <a:solidFill>
+                  <a:schemeClr val="bg1"/>
+                </a:solidFill>
+              </a:rPr>
+              <a:t> La contraseña del usuario debe tener una longitud mínima de 8 caracteres en las que se den incluir: letras minúsculas y mayúsculas, números del 0 al 9, caracteres no alfanuméricos). Además, ser significativamente diferente de las 6 contraseñas anteriores utilizadas</a:t>
+            </a:r>
+            <a:r>
+              <a:rPr lang="es-PE" dirty="0" smtClean="0">
+                <a:solidFill>
+                  <a:schemeClr val="bg1"/>
+                </a:solidFill>
+              </a:rPr>
+              <a:t>.</a:t>
+            </a:r>
+          </a:p>
+          <a:p>
+            <a:pPr marL="0" indent="0" algn="just">
+              <a:buNone/>
+            </a:pPr>
+            <a:endParaRPr lang="es-PE" dirty="0">
+              <a:solidFill>
+                <a:schemeClr val="bg1"/>
+              </a:solidFill>
+            </a:endParaRPr>
+          </a:p>
+          <a:p>
+            <a:pPr marL="0" indent="0" algn="just">
+              <a:buNone/>
+            </a:pPr>
+            <a:r>
+              <a:rPr lang="es-ES_tradnl" b="1" dirty="0">
+                <a:solidFill>
+                  <a:schemeClr val="bg1"/>
+                </a:solidFill>
+              </a:rPr>
+              <a:t>RN14:</a:t>
+            </a:r>
+            <a:r>
+              <a:rPr lang="es-ES_tradnl" dirty="0">
+                <a:solidFill>
+                  <a:schemeClr val="bg1"/>
+                </a:solidFill>
+              </a:rPr>
+              <a:t> Si el alumno no cancela la deuda el sistema libera la deuda al terminar el periodo de matrícula.</a:t>
+            </a:r>
+            <a:endParaRPr lang="es-PE" dirty="0">
+              <a:solidFill>
+                <a:schemeClr val="bg1"/>
+              </a:solidFill>
+            </a:endParaRPr>
           </a:p>
           <a:p>
             <a:endParaRPr lang="es-PE" dirty="0">
@@ -19520,13 +25190,20 @@
     </p:spTree>
     <p:extLst>
       <p:ext uri="{BB962C8B-B14F-4D97-AF65-F5344CB8AC3E}">
-        <p14:creationId xmlns:p14="http://schemas.microsoft.com/office/powerpoint/2010/main" val="1677290459"/>
+        <p14:creationId xmlns:p14="http://schemas.microsoft.com/office/powerpoint/2010/main" val="683462413"/>
       </p:ext>
     </p:extLst>
   </p:cSld>
   <p:clrMapOvr>
     <a:masterClrMapping/>
   </p:clrMapOvr>
+  <p:timing>
+    <p:tnLst>
+      <p:par>
+        <p:cTn id="1" dur="indefinite" restart="never" nodeType="tmRoot"/>
+      </p:par>
+    </p:tnLst>
+  </p:timing>
 </p:sld>
 </file>
 
